--- a/Generalized Method of Cells (08-01-2014).pptx
+++ b/Generalized Method of Cells (08-01-2014).pptx
@@ -4,13 +4,19 @@
   <p:sldMasterIdLst>
     <p:sldMasterId id="2147483648" r:id="rId1"/>
   </p:sldMasterIdLst>
+  <p:handoutMasterIdLst>
+    <p:handoutMasterId r:id="rId8"/>
+  </p:handoutMasterIdLst>
   <p:sldIdLst>
     <p:sldId id="256" r:id="rId2"/>
     <p:sldId id="257" r:id="rId3"/>
     <p:sldId id="258" r:id="rId4"/>
+    <p:sldId id="259" r:id="rId5"/>
+    <p:sldId id="260" r:id="rId6"/>
+    <p:sldId id="261" r:id="rId7"/>
   </p:sldIdLst>
   <p:sldSz cx="12192000" cy="6858000"/>
-  <p:notesSz cx="6858000" cy="9144000"/>
+  <p:notesSz cx="6985000" cy="9283700"/>
   <p:defaultTextStyle>
     <a:defPPr>
       <a:defRPr lang="en-US"/>
@@ -106,7 +112,177 @@
       </a:defRPr>
     </a:lvl9pPr>
   </p:defaultTextStyle>
+  <p:extLst>
+    <p:ext uri="{EFAFB233-063F-42B5-8137-9DF3F51BA10A}">
+      <p15:sldGuideLst xmlns:p15="http://schemas.microsoft.com/office/powerpoint/2012/main"/>
+    </p:ext>
+  </p:extLst>
 </p:presentation>
+</file>
+
+<file path=ppt/handoutMasters/handoutMaster1.xml><?xml version="1.0" encoding="utf-8"?>
+<p:handoutMaster xmlns:a="http://schemas.openxmlformats.org/drawingml/2006/main" xmlns:r="http://schemas.openxmlformats.org/officeDocument/2006/relationships" xmlns:p="http://schemas.openxmlformats.org/presentationml/2006/main">
+  <p:cSld>
+    <p:bg>
+      <p:bgRef idx="1001">
+        <a:schemeClr val="bg1"/>
+      </p:bgRef>
+    </p:bg>
+    <p:spTree>
+      <p:nvGrpSpPr>
+        <p:cNvPr id="1" name=""/>
+        <p:cNvGrpSpPr/>
+        <p:nvPr/>
+      </p:nvGrpSpPr>
+      <p:grpSpPr>
+        <a:xfrm>
+          <a:off x="0" y="0"/>
+          <a:ext cx="0" cy="0"/>
+          <a:chOff x="0" y="0"/>
+          <a:chExt cx="0" cy="0"/>
+        </a:xfrm>
+      </p:grpSpPr>
+      <p:sp>
+        <p:nvSpPr>
+          <p:cNvPr id="2" name="Header Placeholder 1"/>
+          <p:cNvSpPr>
+            <a:spLocks noGrp="1"/>
+          </p:cNvSpPr>
+          <p:nvPr>
+            <p:ph type="hdr" sz="quarter"/>
+          </p:nvPr>
+        </p:nvSpPr>
+        <p:spPr>
+          <a:xfrm>
+            <a:off x="0" y="0"/>
+            <a:ext cx="3026833" cy="465797"/>
+          </a:xfrm>
+          <a:prstGeom prst="rect">
+            <a:avLst/>
+          </a:prstGeom>
+        </p:spPr>
+        <p:txBody>
+          <a:bodyPr vert="horz" lIns="92958" tIns="46479" rIns="92958" bIns="46479" rtlCol="0"/>
+          <a:lstStyle>
+            <a:lvl1pPr algn="l">
+              <a:defRPr sz="1200"/>
+            </a:lvl1pPr>
+          </a:lstStyle>
+          <a:p>
+            <a:endParaRPr lang="en-US"/>
+          </a:p>
+        </p:txBody>
+      </p:sp>
+      <p:sp>
+        <p:nvSpPr>
+          <p:cNvPr id="3" name="Date Placeholder 2"/>
+          <p:cNvSpPr>
+            <a:spLocks noGrp="1"/>
+          </p:cNvSpPr>
+          <p:nvPr>
+            <p:ph type="dt" sz="quarter" idx="1"/>
+          </p:nvPr>
+        </p:nvSpPr>
+        <p:spPr>
+          <a:xfrm>
+            <a:off x="3956550" y="0"/>
+            <a:ext cx="3026833" cy="465797"/>
+          </a:xfrm>
+          <a:prstGeom prst="rect">
+            <a:avLst/>
+          </a:prstGeom>
+        </p:spPr>
+        <p:txBody>
+          <a:bodyPr vert="horz" lIns="92958" tIns="46479" rIns="92958" bIns="46479" rtlCol="0"/>
+          <a:lstStyle>
+            <a:lvl1pPr algn="r">
+              <a:defRPr sz="1200"/>
+            </a:lvl1pPr>
+          </a:lstStyle>
+          <a:p>
+            <a:fld id="{7B333BA5-51A3-40A0-B8B6-6449580A3234}" type="datetimeFigureOut">
+              <a:rPr lang="en-US" smtClean="0"/>
+              <a:t>7/29/2014</a:t>
+            </a:fld>
+            <a:endParaRPr lang="en-US"/>
+          </a:p>
+        </p:txBody>
+      </p:sp>
+      <p:sp>
+        <p:nvSpPr>
+          <p:cNvPr id="4" name="Footer Placeholder 3"/>
+          <p:cNvSpPr>
+            <a:spLocks noGrp="1"/>
+          </p:cNvSpPr>
+          <p:nvPr>
+            <p:ph type="ftr" sz="quarter" idx="2"/>
+          </p:nvPr>
+        </p:nvSpPr>
+        <p:spPr>
+          <a:xfrm>
+            <a:off x="0" y="8817904"/>
+            <a:ext cx="3026833" cy="465796"/>
+          </a:xfrm>
+          <a:prstGeom prst="rect">
+            <a:avLst/>
+          </a:prstGeom>
+        </p:spPr>
+        <p:txBody>
+          <a:bodyPr vert="horz" lIns="92958" tIns="46479" rIns="92958" bIns="46479" rtlCol="0" anchor="b"/>
+          <a:lstStyle>
+            <a:lvl1pPr algn="l">
+              <a:defRPr sz="1200"/>
+            </a:lvl1pPr>
+          </a:lstStyle>
+          <a:p>
+            <a:endParaRPr lang="en-US"/>
+          </a:p>
+        </p:txBody>
+      </p:sp>
+      <p:sp>
+        <p:nvSpPr>
+          <p:cNvPr id="5" name="Slide Number Placeholder 4"/>
+          <p:cNvSpPr>
+            <a:spLocks noGrp="1"/>
+          </p:cNvSpPr>
+          <p:nvPr>
+            <p:ph type="sldNum" sz="quarter" idx="3"/>
+          </p:nvPr>
+        </p:nvSpPr>
+        <p:spPr>
+          <a:xfrm>
+            <a:off x="3956550" y="8817904"/>
+            <a:ext cx="3026833" cy="465796"/>
+          </a:xfrm>
+          <a:prstGeom prst="rect">
+            <a:avLst/>
+          </a:prstGeom>
+        </p:spPr>
+        <p:txBody>
+          <a:bodyPr vert="horz" lIns="92958" tIns="46479" rIns="92958" bIns="46479" rtlCol="0" anchor="b"/>
+          <a:lstStyle>
+            <a:lvl1pPr algn="r">
+              <a:defRPr sz="1200"/>
+            </a:lvl1pPr>
+          </a:lstStyle>
+          <a:p>
+            <a:fld id="{6D2D5F3B-5AB0-4566-956B-E53570F02343}" type="slidenum">
+              <a:rPr lang="en-US" smtClean="0"/>
+              <a:t>‹#›</a:t>
+            </a:fld>
+            <a:endParaRPr lang="en-US"/>
+          </a:p>
+        </p:txBody>
+      </p:sp>
+    </p:spTree>
+    <p:extLst>
+      <p:ext uri="{BB962C8B-B14F-4D97-AF65-F5344CB8AC3E}">
+        <p14:creationId xmlns:p14="http://schemas.microsoft.com/office/powerpoint/2010/main" val="1359270128"/>
+      </p:ext>
+    </p:extLst>
+  </p:cSld>
+  <p:clrMap bg1="lt1" tx1="dk1" bg2="lt2" tx2="dk2" accent1="accent1" accent2="accent2" accent3="accent3" accent4="accent4" accent5="accent5" accent6="accent6" hlink="hlink" folHlink="folHlink"/>
+</p:handoutMaster>
 </file>
 
 <file path=ppt/slideLayouts/slideLayout1.xml><?xml version="1.0" encoding="utf-8"?>
@@ -240,7 +416,7 @@
           <a:p>
             <a:fld id="{7BB2BC7A-0E1A-4CB9-A35A-811A5CB4BDAF}" type="datetimeFigureOut">
               <a:rPr lang="en-US" smtClean="0"/>
-              <a:t>7/25/2014</a:t>
+              <a:t>7/29/2014</a:t>
             </a:fld>
             <a:endParaRPr lang="en-US"/>
           </a:p>
@@ -410,7 +586,7 @@
           <a:p>
             <a:fld id="{7BB2BC7A-0E1A-4CB9-A35A-811A5CB4BDAF}" type="datetimeFigureOut">
               <a:rPr lang="en-US" smtClean="0"/>
-              <a:t>7/25/2014</a:t>
+              <a:t>7/29/2014</a:t>
             </a:fld>
             <a:endParaRPr lang="en-US"/>
           </a:p>
@@ -590,7 +766,7 @@
           <a:p>
             <a:fld id="{7BB2BC7A-0E1A-4CB9-A35A-811A5CB4BDAF}" type="datetimeFigureOut">
               <a:rPr lang="en-US" smtClean="0"/>
-              <a:t>7/25/2014</a:t>
+              <a:t>7/29/2014</a:t>
             </a:fld>
             <a:endParaRPr lang="en-US"/>
           </a:p>
@@ -760,7 +936,7 @@
           <a:p>
             <a:fld id="{7BB2BC7A-0E1A-4CB9-A35A-811A5CB4BDAF}" type="datetimeFigureOut">
               <a:rPr lang="en-US" smtClean="0"/>
-              <a:t>7/25/2014</a:t>
+              <a:t>7/29/2014</a:t>
             </a:fld>
             <a:endParaRPr lang="en-US"/>
           </a:p>
@@ -1006,7 +1182,7 @@
           <a:p>
             <a:fld id="{7BB2BC7A-0E1A-4CB9-A35A-811A5CB4BDAF}" type="datetimeFigureOut">
               <a:rPr lang="en-US" smtClean="0"/>
-              <a:t>7/25/2014</a:t>
+              <a:t>7/29/2014</a:t>
             </a:fld>
             <a:endParaRPr lang="en-US"/>
           </a:p>
@@ -1238,7 +1414,7 @@
           <a:p>
             <a:fld id="{7BB2BC7A-0E1A-4CB9-A35A-811A5CB4BDAF}" type="datetimeFigureOut">
               <a:rPr lang="en-US" smtClean="0"/>
-              <a:t>7/25/2014</a:t>
+              <a:t>7/29/2014</a:t>
             </a:fld>
             <a:endParaRPr lang="en-US"/>
           </a:p>
@@ -1605,7 +1781,7 @@
           <a:p>
             <a:fld id="{7BB2BC7A-0E1A-4CB9-A35A-811A5CB4BDAF}" type="datetimeFigureOut">
               <a:rPr lang="en-US" smtClean="0"/>
-              <a:t>7/25/2014</a:t>
+              <a:t>7/29/2014</a:t>
             </a:fld>
             <a:endParaRPr lang="en-US"/>
           </a:p>
@@ -1723,7 +1899,7 @@
           <a:p>
             <a:fld id="{7BB2BC7A-0E1A-4CB9-A35A-811A5CB4BDAF}" type="datetimeFigureOut">
               <a:rPr lang="en-US" smtClean="0"/>
-              <a:t>7/25/2014</a:t>
+              <a:t>7/29/2014</a:t>
             </a:fld>
             <a:endParaRPr lang="en-US"/>
           </a:p>
@@ -1818,7 +1994,7 @@
           <a:p>
             <a:fld id="{7BB2BC7A-0E1A-4CB9-A35A-811A5CB4BDAF}" type="datetimeFigureOut">
               <a:rPr lang="en-US" smtClean="0"/>
-              <a:t>7/25/2014</a:t>
+              <a:t>7/29/2014</a:t>
             </a:fld>
             <a:endParaRPr lang="en-US"/>
           </a:p>
@@ -2095,7 +2271,7 @@
           <a:p>
             <a:fld id="{7BB2BC7A-0E1A-4CB9-A35A-811A5CB4BDAF}" type="datetimeFigureOut">
               <a:rPr lang="en-US" smtClean="0"/>
-              <a:t>7/25/2014</a:t>
+              <a:t>7/29/2014</a:t>
             </a:fld>
             <a:endParaRPr lang="en-US"/>
           </a:p>
@@ -2348,7 +2524,7 @@
           <a:p>
             <a:fld id="{7BB2BC7A-0E1A-4CB9-A35A-811A5CB4BDAF}" type="datetimeFigureOut">
               <a:rPr lang="en-US" smtClean="0"/>
-              <a:t>7/25/2014</a:t>
+              <a:t>7/29/2014</a:t>
             </a:fld>
             <a:endParaRPr lang="en-US"/>
           </a:p>
@@ -2561,7 +2737,7 @@
           <a:p>
             <a:fld id="{7BB2BC7A-0E1A-4CB9-A35A-811A5CB4BDAF}" type="datetimeFigureOut">
               <a:rPr lang="en-US" smtClean="0"/>
-              <a:t>7/25/2014</a:t>
+              <a:t>7/29/2014</a:t>
             </a:fld>
             <a:endParaRPr lang="en-US"/>
           </a:p>
@@ -3245,11 +3421,15 @@
               <a:t>subcell</a:t>
             </a:r>
             <a:r>
-              <a:rPr lang="en-US" smtClean="0"/>
+              <a:rPr lang="en-US" dirty="0" smtClean="0"/>
               <a:t> boundary</a:t>
             </a:r>
           </a:p>
           <a:p>
+            <a:r>
+              <a:rPr lang="en-US" dirty="0" smtClean="0"/>
+              <a:t>Periodic boundary conditions at the RUC boundaries</a:t>
+            </a:r>
             <a:endParaRPr lang="en-US" dirty="0"/>
           </a:p>
         </p:txBody>
@@ -3315,6 +3495,803 @@
     <p:extLst>
       <p:ext uri="{BB962C8B-B14F-4D97-AF65-F5344CB8AC3E}">
         <p14:creationId xmlns:p14="http://schemas.microsoft.com/office/powerpoint/2010/main" val="522980195"/>
+      </p:ext>
+    </p:extLst>
+  </p:cSld>
+  <p:clrMapOvr>
+    <a:masterClrMapping/>
+  </p:clrMapOvr>
+</p:sld>
+</file>
+
+<file path=ppt/slides/slide4.xml><?xml version="1.0" encoding="utf-8"?>
+<p:sld xmlns:a="http://schemas.openxmlformats.org/drawingml/2006/main" xmlns:r="http://schemas.openxmlformats.org/officeDocument/2006/relationships" xmlns:p="http://schemas.openxmlformats.org/presentationml/2006/main">
+  <p:cSld>
+    <p:spTree>
+      <p:nvGrpSpPr>
+        <p:cNvPr id="1" name=""/>
+        <p:cNvGrpSpPr/>
+        <p:nvPr/>
+      </p:nvGrpSpPr>
+      <p:grpSpPr>
+        <a:xfrm>
+          <a:off x="0" y="0"/>
+          <a:ext cx="0" cy="0"/>
+          <a:chOff x="0" y="0"/>
+          <a:chExt cx="0" cy="0"/>
+        </a:xfrm>
+      </p:grpSpPr>
+      <p:sp>
+        <p:nvSpPr>
+          <p:cNvPr id="2" name="Title 1"/>
+          <p:cNvSpPr>
+            <a:spLocks noGrp="1"/>
+          </p:cNvSpPr>
+          <p:nvPr>
+            <p:ph type="title"/>
+          </p:nvPr>
+        </p:nvSpPr>
+        <p:spPr/>
+        <p:txBody>
+          <a:bodyPr/>
+          <a:lstStyle/>
+          <a:p>
+            <a:r>
+              <a:rPr lang="en-US" dirty="0" smtClean="0"/>
+              <a:t>The Code</a:t>
+            </a:r>
+            <a:endParaRPr lang="en-US" dirty="0"/>
+          </a:p>
+        </p:txBody>
+      </p:sp>
+      <p:sp>
+        <p:nvSpPr>
+          <p:cNvPr id="3" name="Content Placeholder 2"/>
+          <p:cNvSpPr>
+            <a:spLocks noGrp="1"/>
+          </p:cNvSpPr>
+          <p:nvPr>
+            <p:ph sz="half" idx="1"/>
+          </p:nvPr>
+        </p:nvSpPr>
+        <p:spPr>
+          <a:xfrm>
+            <a:off x="838200" y="1825625"/>
+            <a:ext cx="5805668" cy="4351338"/>
+          </a:xfrm>
+        </p:spPr>
+        <p:txBody>
+          <a:bodyPr>
+            <a:normAutofit/>
+          </a:bodyPr>
+          <a:lstStyle/>
+          <a:p>
+            <a:r>
+              <a:rPr lang="en-US" dirty="0" smtClean="0"/>
+              <a:t>The code was written in MATLAB</a:t>
+            </a:r>
+          </a:p>
+          <a:p>
+            <a:r>
+              <a:rPr lang="en-US" dirty="0" smtClean="0"/>
+              <a:t>Code reads an input file and outputs stress, strain, and the C-matrix</a:t>
+            </a:r>
+          </a:p>
+          <a:p>
+            <a:r>
+              <a:rPr lang="en-US" dirty="0"/>
+              <a:t>M</a:t>
+            </a:r>
+            <a:r>
+              <a:rPr lang="en-US" dirty="0" smtClean="0"/>
+              <a:t>aterial properties, cell architecture, and loading conditions are set in the input file</a:t>
+            </a:r>
+          </a:p>
+          <a:p>
+            <a:r>
+              <a:rPr lang="en-US" dirty="0" smtClean="0"/>
+              <a:t>Materials are linear elastic and do not have </a:t>
+            </a:r>
+            <a:r>
+              <a:rPr lang="en-US" dirty="0" smtClean="0"/>
+              <a:t>failure conditions</a:t>
+            </a:r>
+            <a:endParaRPr lang="en-US" dirty="0"/>
+          </a:p>
+        </p:txBody>
+      </p:sp>
+      <p:sp>
+        <p:nvSpPr>
+          <p:cNvPr id="6" name="TextBox 5"/>
+          <p:cNvSpPr txBox="1"/>
+          <p:nvPr/>
+        </p:nvSpPr>
+        <p:spPr>
+          <a:xfrm>
+            <a:off x="7780698" y="456247"/>
+            <a:ext cx="3921307" cy="6401753"/>
+          </a:xfrm>
+          <a:prstGeom prst="rect">
+            <a:avLst/>
+          </a:prstGeom>
+          <a:noFill/>
+        </p:spPr>
+        <p:txBody>
+          <a:bodyPr wrap="square" rtlCol="0">
+            <a:spAutoFit/>
+          </a:bodyPr>
+          <a:lstStyle/>
+          <a:p>
+            <a:r>
+              <a:rPr lang="en-US" sz="1400" dirty="0">
+                <a:latin typeface="Courier New" panose="02070309020205020404" pitchFamily="49" charset="0"/>
+              </a:rPr>
+              <a:t>% MOC Input: Hex_0.5_01_AS.moci</a:t>
+            </a:r>
+          </a:p>
+          <a:p>
+            <a:r>
+              <a:rPr lang="en-US" sz="1400" dirty="0">
+                <a:latin typeface="Courier New" panose="02070309020205020404" pitchFamily="49" charset="0"/>
+              </a:rPr>
+              <a:t>% Created: 11-Jul-2014 11:48:03</a:t>
+            </a:r>
+          </a:p>
+          <a:p>
+            <a:r>
+              <a:rPr lang="en-US" sz="1400" dirty="0">
+                <a:latin typeface="Courier New" panose="02070309020205020404" pitchFamily="49" charset="0"/>
+              </a:rPr>
+              <a:t>%</a:t>
+            </a:r>
+          </a:p>
+          <a:p>
+            <a:r>
+              <a:rPr lang="en-US" sz="1400" dirty="0">
+                <a:latin typeface="Courier New" panose="02070309020205020404" pitchFamily="49" charset="0"/>
+              </a:rPr>
+              <a:t>*CONSTITUENTS</a:t>
+            </a:r>
+          </a:p>
+          <a:p>
+            <a:r>
+              <a:rPr lang="en-US" sz="1400" dirty="0">
+                <a:latin typeface="Courier New" panose="02070309020205020404" pitchFamily="49" charset="0"/>
+              </a:rPr>
+              <a:t>NMATS=2</a:t>
+            </a:r>
+          </a:p>
+          <a:p>
+            <a:r>
+              <a:rPr lang="en-US" sz="1400" dirty="0">
+                <a:latin typeface="Courier New" panose="02070309020205020404" pitchFamily="49" charset="0"/>
+              </a:rPr>
+              <a:t>MAT=1,CMOD=1</a:t>
+            </a:r>
+          </a:p>
+          <a:p>
+            <a:r>
+              <a:rPr lang="en-US" sz="1400" dirty="0">
+                <a:latin typeface="Courier New" panose="02070309020205020404" pitchFamily="49" charset="0"/>
+              </a:rPr>
+              <a:t>EA=2.510e+05</a:t>
+            </a:r>
+          </a:p>
+          <a:p>
+            <a:r>
+              <a:rPr lang="en-US" sz="1400" dirty="0">
+                <a:latin typeface="Courier New" panose="02070309020205020404" pitchFamily="49" charset="0"/>
+              </a:rPr>
+              <a:t>ET=4.040e+04</a:t>
+            </a:r>
+          </a:p>
+          <a:p>
+            <a:r>
+              <a:rPr lang="en-US" sz="1400" dirty="0">
+                <a:latin typeface="Courier New" panose="02070309020205020404" pitchFamily="49" charset="0"/>
+              </a:rPr>
+              <a:t>NUA=0.256</a:t>
+            </a:r>
+          </a:p>
+          <a:p>
+            <a:r>
+              <a:rPr lang="en-US" sz="1400" dirty="0">
+                <a:latin typeface="Courier New" panose="02070309020205020404" pitchFamily="49" charset="0"/>
+              </a:rPr>
+              <a:t>NUT=0.321</a:t>
+            </a:r>
+          </a:p>
+          <a:p>
+            <a:r>
+              <a:rPr lang="en-US" sz="1400" dirty="0">
+                <a:latin typeface="Courier New" panose="02070309020205020404" pitchFamily="49" charset="0"/>
+              </a:rPr>
+              <a:t>GA=1.608e+04</a:t>
+            </a:r>
+          </a:p>
+          <a:p>
+            <a:r>
+              <a:rPr lang="en-US" sz="1400" dirty="0">
+                <a:latin typeface="Courier New" panose="02070309020205020404" pitchFamily="49" charset="0"/>
+              </a:rPr>
+              <a:t>GT=3.070e+04</a:t>
+            </a:r>
+          </a:p>
+          <a:p>
+            <a:r>
+              <a:rPr lang="en-US" sz="1400" dirty="0">
+                <a:latin typeface="Courier New" panose="02070309020205020404" pitchFamily="49" charset="0"/>
+              </a:rPr>
+              <a:t>%</a:t>
+            </a:r>
+          </a:p>
+          <a:p>
+            <a:r>
+              <a:rPr lang="en-US" sz="1400" dirty="0">
+                <a:latin typeface="Courier New" panose="02070309020205020404" pitchFamily="49" charset="0"/>
+              </a:rPr>
+              <a:t>MAT=2,CMOD=2</a:t>
+            </a:r>
+          </a:p>
+          <a:p>
+            <a:r>
+              <a:rPr lang="en-US" sz="1400" dirty="0">
+                <a:latin typeface="Courier New" panose="02070309020205020404" pitchFamily="49" charset="0"/>
+              </a:rPr>
+              <a:t>E=3.310e+03</a:t>
+            </a:r>
+          </a:p>
+          <a:p>
+            <a:r>
+              <a:rPr lang="en-US" sz="1400" dirty="0">
+                <a:latin typeface="Courier New" panose="02070309020205020404" pitchFamily="49" charset="0"/>
+              </a:rPr>
+              <a:t>NU=0.318</a:t>
+            </a:r>
+          </a:p>
+          <a:p>
+            <a:r>
+              <a:rPr lang="en-US" sz="1400" dirty="0">
+                <a:latin typeface="Courier New" panose="02070309020205020404" pitchFamily="49" charset="0"/>
+              </a:rPr>
+              <a:t>%</a:t>
+            </a:r>
+          </a:p>
+          <a:p>
+            <a:r>
+              <a:rPr lang="en-US" sz="1400" dirty="0">
+                <a:latin typeface="Courier New" panose="02070309020205020404" pitchFamily="49" charset="0"/>
+              </a:rPr>
+              <a:t>*CELL</a:t>
+            </a:r>
+          </a:p>
+          <a:p>
+            <a:r>
+              <a:rPr lang="en-US" sz="1400" dirty="0">
+                <a:latin typeface="Courier New" panose="02070309020205020404" pitchFamily="49" charset="0"/>
+              </a:rPr>
+              <a:t>AMOD=3</a:t>
+            </a:r>
+          </a:p>
+          <a:p>
+            <a:r>
+              <a:rPr lang="en-US" sz="1400" dirty="0">
+                <a:latin typeface="Courier New" panose="02070309020205020404" pitchFamily="49" charset="0"/>
+              </a:rPr>
+              <a:t>VF=0.500</a:t>
+            </a:r>
+          </a:p>
+          <a:p>
+            <a:r>
+              <a:rPr lang="en-US" sz="1400" dirty="0">
+                <a:latin typeface="Courier New" panose="02070309020205020404" pitchFamily="49" charset="0"/>
+              </a:rPr>
+              <a:t>DF=5.000e-03</a:t>
+            </a:r>
+          </a:p>
+          <a:p>
+            <a:r>
+              <a:rPr lang="en-US" sz="1400" dirty="0">
+                <a:latin typeface="Courier New" panose="02070309020205020404" pitchFamily="49" charset="0"/>
+              </a:rPr>
+              <a:t>%</a:t>
+            </a:r>
+          </a:p>
+          <a:p>
+            <a:r>
+              <a:rPr lang="en-US" sz="1400" dirty="0">
+                <a:latin typeface="Courier New" panose="02070309020205020404" pitchFamily="49" charset="0"/>
+              </a:rPr>
+              <a:t>*LOADING</a:t>
+            </a:r>
+          </a:p>
+          <a:p>
+            <a:r>
+              <a:rPr lang="en-US" sz="1400" dirty="0">
+                <a:latin typeface="Courier New" panose="02070309020205020404" pitchFamily="49" charset="0"/>
+              </a:rPr>
+              <a:t>LMOD=1</a:t>
+            </a:r>
+          </a:p>
+          <a:p>
+            <a:r>
+              <a:rPr lang="en-US" sz="1400" dirty="0">
+                <a:latin typeface="Courier New" panose="02070309020205020404" pitchFamily="49" charset="0"/>
+              </a:rPr>
+              <a:t>NL=1</a:t>
+            </a:r>
+          </a:p>
+          <a:p>
+            <a:r>
+              <a:rPr lang="en-US" sz="1400" dirty="0">
+                <a:latin typeface="Courier New" panose="02070309020205020404" pitchFamily="49" charset="0"/>
+              </a:rPr>
+              <a:t>L=0.00100,</a:t>
+            </a:r>
+          </a:p>
+          <a:p>
+            <a:r>
+              <a:rPr lang="en-US" sz="1400" dirty="0" smtClean="0">
+                <a:latin typeface="Courier New" panose="02070309020205020404" pitchFamily="49" charset="0"/>
+              </a:rPr>
+              <a:t>%</a:t>
+            </a:r>
+            <a:endParaRPr lang="en-US" sz="1400" dirty="0">
+              <a:latin typeface="Courier New" panose="02070309020205020404" pitchFamily="49" charset="0"/>
+            </a:endParaRPr>
+          </a:p>
+          <a:p>
+            <a:r>
+              <a:rPr lang="en-US" sz="1400" dirty="0">
+                <a:latin typeface="Courier New" panose="02070309020205020404" pitchFamily="49" charset="0"/>
+              </a:rPr>
+              <a:t>*END</a:t>
+            </a:r>
+            <a:endParaRPr lang="en-US" sz="1400" dirty="0"/>
+          </a:p>
+          <a:p>
+            <a:endParaRPr lang="en-US" dirty="0"/>
+          </a:p>
+        </p:txBody>
+      </p:sp>
+    </p:spTree>
+    <p:extLst>
+      <p:ext uri="{BB962C8B-B14F-4D97-AF65-F5344CB8AC3E}">
+        <p14:creationId xmlns:p14="http://schemas.microsoft.com/office/powerpoint/2010/main" val="1229267926"/>
+      </p:ext>
+    </p:extLst>
+  </p:cSld>
+  <p:clrMapOvr>
+    <a:masterClrMapping/>
+  </p:clrMapOvr>
+</p:sld>
+</file>
+
+<file path=ppt/slides/slide5.xml><?xml version="1.0" encoding="utf-8"?>
+<p:sld xmlns:a="http://schemas.openxmlformats.org/drawingml/2006/main" xmlns:r="http://schemas.openxmlformats.org/officeDocument/2006/relationships" xmlns:p="http://schemas.openxmlformats.org/presentationml/2006/main">
+  <p:cSld>
+    <p:spTree>
+      <p:nvGrpSpPr>
+        <p:cNvPr id="1" name=""/>
+        <p:cNvGrpSpPr/>
+        <p:nvPr/>
+      </p:nvGrpSpPr>
+      <p:grpSpPr>
+        <a:xfrm>
+          <a:off x="0" y="0"/>
+          <a:ext cx="0" cy="0"/>
+          <a:chOff x="0" y="0"/>
+          <a:chExt cx="0" cy="0"/>
+        </a:xfrm>
+      </p:grpSpPr>
+      <p:sp>
+        <p:nvSpPr>
+          <p:cNvPr id="2" name="Title 1"/>
+          <p:cNvSpPr>
+            <a:spLocks noGrp="1"/>
+          </p:cNvSpPr>
+          <p:nvPr>
+            <p:ph type="title"/>
+          </p:nvPr>
+        </p:nvSpPr>
+        <p:spPr/>
+        <p:txBody>
+          <a:bodyPr/>
+          <a:lstStyle/>
+          <a:p>
+            <a:r>
+              <a:rPr lang="en-US" dirty="0" smtClean="0"/>
+              <a:t>Predefined Architectures</a:t>
+            </a:r>
+            <a:endParaRPr lang="en-US" dirty="0"/>
+          </a:p>
+        </p:txBody>
+      </p:sp>
+      <p:pic>
+        <p:nvPicPr>
+          <p:cNvPr id="5" name="Picture 4"/>
+          <p:cNvPicPr>
+            <a:picLocks noChangeAspect="1"/>
+          </p:cNvPicPr>
+          <p:nvPr/>
+        </p:nvPicPr>
+        <p:blipFill rotWithShape="1">
+          <a:blip r:embed="rId2">
+            <a:extLst>
+              <a:ext uri="{28A0092B-C50C-407E-A947-70E740481C1C}">
+                <a14:useLocalDpi xmlns:a14="http://schemas.microsoft.com/office/drawing/2010/main" val="0"/>
+              </a:ext>
+            </a:extLst>
+          </a:blip>
+          <a:srcRect l="20523" t="6953" r="17267" b="10100"/>
+          <a:stretch/>
+        </p:blipFill>
+        <p:spPr>
+          <a:xfrm>
+            <a:off x="2996588" y="1690688"/>
+            <a:ext cx="2038121" cy="2038120"/>
+          </a:xfrm>
+          <a:prstGeom prst="rect">
+            <a:avLst/>
+          </a:prstGeom>
+        </p:spPr>
+      </p:pic>
+      <p:pic>
+        <p:nvPicPr>
+          <p:cNvPr id="6" name="Picture 5"/>
+          <p:cNvPicPr>
+            <a:picLocks noChangeAspect="1"/>
+          </p:cNvPicPr>
+          <p:nvPr/>
+        </p:nvPicPr>
+        <p:blipFill rotWithShape="1">
+          <a:blip r:embed="rId3">
+            <a:extLst>
+              <a:ext uri="{28A0092B-C50C-407E-A947-70E740481C1C}">
+                <a14:useLocalDpi xmlns:a14="http://schemas.microsoft.com/office/drawing/2010/main" val="0"/>
+              </a:ext>
+            </a:extLst>
+          </a:blip>
+          <a:srcRect l="12854" t="17785" r="9283" b="21158"/>
+          <a:stretch/>
+        </p:blipFill>
+        <p:spPr>
+          <a:xfrm>
+            <a:off x="7549208" y="4131326"/>
+            <a:ext cx="3804592" cy="2230917"/>
+          </a:xfrm>
+          <a:prstGeom prst="rect">
+            <a:avLst/>
+          </a:prstGeom>
+        </p:spPr>
+      </p:pic>
+      <p:pic>
+        <p:nvPicPr>
+          <p:cNvPr id="7" name="Picture 6"/>
+          <p:cNvPicPr>
+            <a:picLocks noChangeAspect="1"/>
+          </p:cNvPicPr>
+          <p:nvPr/>
+        </p:nvPicPr>
+        <p:blipFill rotWithShape="1">
+          <a:blip r:embed="rId4">
+            <a:extLst>
+              <a:ext uri="{28A0092B-C50C-407E-A947-70E740481C1C}">
+                <a14:useLocalDpi xmlns:a14="http://schemas.microsoft.com/office/drawing/2010/main" val="0"/>
+              </a:ext>
+            </a:extLst>
+          </a:blip>
+          <a:srcRect l="12463" t="17802" r="8548" b="21257"/>
+          <a:stretch/>
+        </p:blipFill>
+        <p:spPr>
+          <a:xfrm>
+            <a:off x="2996588" y="4120558"/>
+            <a:ext cx="3866921" cy="2230916"/>
+          </a:xfrm>
+          <a:prstGeom prst="rect">
+            <a:avLst/>
+          </a:prstGeom>
+        </p:spPr>
+      </p:pic>
+      <p:pic>
+        <p:nvPicPr>
+          <p:cNvPr id="8" name="Picture 7"/>
+          <p:cNvPicPr>
+            <a:picLocks noChangeAspect="1"/>
+          </p:cNvPicPr>
+          <p:nvPr/>
+        </p:nvPicPr>
+        <p:blipFill rotWithShape="1">
+          <a:blip r:embed="rId5">
+            <a:extLst>
+              <a:ext uri="{28A0092B-C50C-407E-A947-70E740481C1C}">
+                <a14:useLocalDpi xmlns:a14="http://schemas.microsoft.com/office/drawing/2010/main" val="0"/>
+              </a:ext>
+            </a:extLst>
+          </a:blip>
+          <a:srcRect l="21012" t="7264" r="16962" b="10127"/>
+          <a:stretch/>
+        </p:blipFill>
+        <p:spPr>
+          <a:xfrm>
+            <a:off x="9307326" y="1690688"/>
+            <a:ext cx="2046474" cy="2038120"/>
+          </a:xfrm>
+          <a:prstGeom prst="rect">
+            <a:avLst/>
+          </a:prstGeom>
+        </p:spPr>
+      </p:pic>
+      <p:pic>
+        <p:nvPicPr>
+          <p:cNvPr id="9" name="Picture 8"/>
+          <p:cNvPicPr>
+            <a:picLocks noChangeAspect="1"/>
+          </p:cNvPicPr>
+          <p:nvPr/>
+        </p:nvPicPr>
+        <p:blipFill rotWithShape="1">
+          <a:blip r:embed="rId6">
+            <a:extLst>
+              <a:ext uri="{28A0092B-C50C-407E-A947-70E740481C1C}">
+                <a14:useLocalDpi xmlns:a14="http://schemas.microsoft.com/office/drawing/2010/main" val="0"/>
+              </a:ext>
+            </a:extLst>
+          </a:blip>
+          <a:srcRect l="20508" t="6861" r="16961" b="10192"/>
+          <a:stretch/>
+        </p:blipFill>
+        <p:spPr>
+          <a:xfrm>
+            <a:off x="6143638" y="1690688"/>
+            <a:ext cx="2054758" cy="2038120"/>
+          </a:xfrm>
+          <a:prstGeom prst="rect">
+            <a:avLst/>
+          </a:prstGeom>
+        </p:spPr>
+      </p:pic>
+      <p:grpSp>
+        <p:nvGrpSpPr>
+          <p:cNvPr id="16" name="Group 15"/>
+          <p:cNvGrpSpPr/>
+          <p:nvPr/>
+        </p:nvGrpSpPr>
+        <p:grpSpPr>
+          <a:xfrm>
+            <a:off x="7858278" y="1071975"/>
+            <a:ext cx="1752975" cy="3356806"/>
+            <a:chOff x="6443574" y="1231720"/>
+            <a:chExt cx="1752975" cy="3356806"/>
+          </a:xfrm>
+        </p:grpSpPr>
+        <p:cxnSp>
+          <p:nvCxnSpPr>
+            <p:cNvPr id="11" name="Straight Arrow Connector 10"/>
+            <p:cNvCxnSpPr/>
+            <p:nvPr/>
+          </p:nvCxnSpPr>
+          <p:spPr>
+            <a:xfrm>
+              <a:off x="7597094" y="1536853"/>
+              <a:ext cx="599455" cy="886858"/>
+            </a:xfrm>
+            <a:prstGeom prst="straightConnector1">
+              <a:avLst/>
+            </a:prstGeom>
+            <a:ln w="57150">
+              <a:tailEnd type="triangle"/>
+            </a:ln>
+          </p:spPr>
+          <p:style>
+            <a:lnRef idx="3">
+              <a:schemeClr val="accent2"/>
+            </a:lnRef>
+            <a:fillRef idx="0">
+              <a:schemeClr val="accent2"/>
+            </a:fillRef>
+            <a:effectRef idx="2">
+              <a:schemeClr val="accent2"/>
+            </a:effectRef>
+            <a:fontRef idx="minor">
+              <a:schemeClr val="tx1"/>
+            </a:fontRef>
+          </p:style>
+        </p:cxnSp>
+        <p:cxnSp>
+          <p:nvCxnSpPr>
+            <p:cNvPr id="12" name="Straight Arrow Connector 11"/>
+            <p:cNvCxnSpPr/>
+            <p:nvPr/>
+          </p:nvCxnSpPr>
+          <p:spPr>
+            <a:xfrm>
+              <a:off x="7597094" y="1536853"/>
+              <a:ext cx="213977" cy="3051673"/>
+            </a:xfrm>
+            <a:prstGeom prst="straightConnector1">
+              <a:avLst/>
+            </a:prstGeom>
+            <a:ln w="57150">
+              <a:tailEnd type="triangle"/>
+            </a:ln>
+          </p:spPr>
+          <p:style>
+            <a:lnRef idx="3">
+              <a:schemeClr val="accent2"/>
+            </a:lnRef>
+            <a:fillRef idx="0">
+              <a:schemeClr val="accent2"/>
+            </a:fillRef>
+            <a:effectRef idx="2">
+              <a:schemeClr val="accent2"/>
+            </a:effectRef>
+            <a:fontRef idx="minor">
+              <a:schemeClr val="tx1"/>
+            </a:fontRef>
+          </p:style>
+        </p:cxnSp>
+        <p:sp>
+          <p:nvSpPr>
+            <p:cNvPr id="15" name="TextBox 14"/>
+            <p:cNvSpPr txBox="1"/>
+            <p:nvPr/>
+          </p:nvSpPr>
+          <p:spPr>
+            <a:xfrm>
+              <a:off x="6443574" y="1231720"/>
+              <a:ext cx="1244906" cy="369332"/>
+            </a:xfrm>
+            <a:prstGeom prst="rect">
+              <a:avLst/>
+            </a:prstGeom>
+            <a:noFill/>
+          </p:spPr>
+          <p:txBody>
+            <a:bodyPr wrap="square" rtlCol="0">
+              <a:spAutoFit/>
+            </a:bodyPr>
+            <a:lstStyle/>
+            <a:p>
+              <a:r>
+                <a:rPr lang="en-US" b="1" dirty="0" smtClean="0">
+                  <a:solidFill>
+                    <a:schemeClr val="accent2"/>
+                  </a:solidFill>
+                </a:rPr>
+                <a:t>Interphase</a:t>
+              </a:r>
+              <a:endParaRPr lang="en-US" b="1" dirty="0">
+                <a:solidFill>
+                  <a:schemeClr val="accent2"/>
+                </a:solidFill>
+              </a:endParaRPr>
+            </a:p>
+          </p:txBody>
+        </p:sp>
+      </p:grpSp>
+      <p:sp>
+        <p:nvSpPr>
+          <p:cNvPr id="21" name="TextBox 20"/>
+          <p:cNvSpPr txBox="1"/>
+          <p:nvPr/>
+        </p:nvSpPr>
+        <p:spPr>
+          <a:xfrm>
+            <a:off x="271648" y="3267143"/>
+            <a:ext cx="2588964" cy="923330"/>
+          </a:xfrm>
+          <a:prstGeom prst="rect">
+            <a:avLst/>
+          </a:prstGeom>
+          <a:noFill/>
+        </p:spPr>
+        <p:txBody>
+          <a:bodyPr wrap="square" rtlCol="0">
+            <a:spAutoFit/>
+          </a:bodyPr>
+          <a:lstStyle/>
+          <a:p>
+            <a:r>
+              <a:rPr lang="en-US" dirty="0" smtClean="0"/>
+              <a:t>Variable volume fraction, fiber diameter, and interphase thickness</a:t>
+            </a:r>
+            <a:endParaRPr lang="en-US" dirty="0"/>
+          </a:p>
+        </p:txBody>
+      </p:sp>
+    </p:spTree>
+    <p:extLst>
+      <p:ext uri="{BB962C8B-B14F-4D97-AF65-F5344CB8AC3E}">
+        <p14:creationId xmlns:p14="http://schemas.microsoft.com/office/powerpoint/2010/main" val="426553805"/>
+      </p:ext>
+    </p:extLst>
+  </p:cSld>
+  <p:clrMapOvr>
+    <a:masterClrMapping/>
+  </p:clrMapOvr>
+</p:sld>
+</file>
+
+<file path=ppt/slides/slide6.xml><?xml version="1.0" encoding="utf-8"?>
+<p:sld xmlns:a="http://schemas.openxmlformats.org/drawingml/2006/main" xmlns:r="http://schemas.openxmlformats.org/officeDocument/2006/relationships" xmlns:p="http://schemas.openxmlformats.org/presentationml/2006/main">
+  <p:cSld>
+    <p:spTree>
+      <p:nvGrpSpPr>
+        <p:cNvPr id="1" name=""/>
+        <p:cNvGrpSpPr/>
+        <p:nvPr/>
+      </p:nvGrpSpPr>
+      <p:grpSpPr>
+        <a:xfrm>
+          <a:off x="0" y="0"/>
+          <a:ext cx="0" cy="0"/>
+          <a:chOff x="0" y="0"/>
+          <a:chExt cx="0" cy="0"/>
+        </a:xfrm>
+      </p:grpSpPr>
+      <p:sp>
+        <p:nvSpPr>
+          <p:cNvPr id="2" name="Title 1"/>
+          <p:cNvSpPr>
+            <a:spLocks noGrp="1"/>
+          </p:cNvSpPr>
+          <p:nvPr>
+            <p:ph type="title"/>
+          </p:nvPr>
+        </p:nvSpPr>
+        <p:spPr/>
+        <p:txBody>
+          <a:bodyPr/>
+          <a:lstStyle/>
+          <a:p>
+            <a:endParaRPr lang="en-US" dirty="0"/>
+          </a:p>
+        </p:txBody>
+      </p:sp>
+      <p:sp>
+        <p:nvSpPr>
+          <p:cNvPr id="3" name="Content Placeholder 2"/>
+          <p:cNvSpPr>
+            <a:spLocks noGrp="1"/>
+          </p:cNvSpPr>
+          <p:nvPr>
+            <p:ph sz="half" idx="1"/>
+          </p:nvPr>
+        </p:nvSpPr>
+        <p:spPr/>
+        <p:txBody>
+          <a:bodyPr/>
+          <a:lstStyle/>
+          <a:p>
+            <a:endParaRPr lang="en-US"/>
+          </a:p>
+        </p:txBody>
+      </p:sp>
+      <p:sp>
+        <p:nvSpPr>
+          <p:cNvPr id="4" name="Content Placeholder 3"/>
+          <p:cNvSpPr>
+            <a:spLocks noGrp="1"/>
+          </p:cNvSpPr>
+          <p:nvPr>
+            <p:ph sz="half" idx="2"/>
+          </p:nvPr>
+        </p:nvSpPr>
+        <p:spPr/>
+        <p:txBody>
+          <a:bodyPr/>
+          <a:lstStyle/>
+          <a:p>
+            <a:endParaRPr lang="en-US"/>
+          </a:p>
+        </p:txBody>
+      </p:sp>
+    </p:spTree>
+    <p:extLst>
+      <p:ext uri="{BB962C8B-B14F-4D97-AF65-F5344CB8AC3E}">
+        <p14:creationId xmlns:p14="http://schemas.microsoft.com/office/powerpoint/2010/main" val="3331768039"/>
       </p:ext>
     </p:extLst>
   </p:cSld>
@@ -3583,4 +4560,265 @@
     </a:ext>
   </a:extLst>
 </a:theme>
+</file>
+
+<file path=ppt/theme/theme2.xml><?xml version="1.0" encoding="utf-8"?>
+<a:theme xmlns:a="http://schemas.openxmlformats.org/drawingml/2006/main" name="Office Theme">
+  <a:themeElements>
+    <a:clrScheme name="Office">
+      <a:dk1>
+        <a:sysClr val="windowText" lastClr="000000"/>
+      </a:dk1>
+      <a:lt1>
+        <a:sysClr val="window" lastClr="FFFFFF"/>
+      </a:lt1>
+      <a:dk2>
+        <a:srgbClr val="44546A"/>
+      </a:dk2>
+      <a:lt2>
+        <a:srgbClr val="E7E6E6"/>
+      </a:lt2>
+      <a:accent1>
+        <a:srgbClr val="5B9BD5"/>
+      </a:accent1>
+      <a:accent2>
+        <a:srgbClr val="ED7D31"/>
+      </a:accent2>
+      <a:accent3>
+        <a:srgbClr val="A5A5A5"/>
+      </a:accent3>
+      <a:accent4>
+        <a:srgbClr val="FFC000"/>
+      </a:accent4>
+      <a:accent5>
+        <a:srgbClr val="4472C4"/>
+      </a:accent5>
+      <a:accent6>
+        <a:srgbClr val="70AD47"/>
+      </a:accent6>
+      <a:hlink>
+        <a:srgbClr val="0563C1"/>
+      </a:hlink>
+      <a:folHlink>
+        <a:srgbClr val="954F72"/>
+      </a:folHlink>
+    </a:clrScheme>
+    <a:fontScheme name="Office">
+      <a:majorFont>
+        <a:latin typeface="Calibri Light" panose="020F0302020204030204"/>
+        <a:ea typeface=""/>
+        <a:cs typeface=""/>
+        <a:font script="Jpan" typeface="ＭＳ Ｐゴシック"/>
+        <a:font script="Hang" typeface="맑은 고딕"/>
+        <a:font script="Hans" typeface="宋体"/>
+        <a:font script="Hant" typeface="新細明體"/>
+        <a:font script="Arab" typeface="Times New Roman"/>
+        <a:font script="Hebr" typeface="Times New Roman"/>
+        <a:font script="Thai" typeface="Angsana New"/>
+        <a:font script="Ethi" typeface="Nyala"/>
+        <a:font script="Beng" typeface="Vrinda"/>
+        <a:font script="Gujr" typeface="Shruti"/>
+        <a:font script="Khmr" typeface="MoolBoran"/>
+        <a:font script="Knda" typeface="Tunga"/>
+        <a:font script="Guru" typeface="Raavi"/>
+        <a:font script="Cans" typeface="Euphemia"/>
+        <a:font script="Cher" typeface="Plantagenet Cherokee"/>
+        <a:font script="Yiii" typeface="Microsoft Yi Baiti"/>
+        <a:font script="Tibt" typeface="Microsoft Himalaya"/>
+        <a:font script="Thaa" typeface="MV Boli"/>
+        <a:font script="Deva" typeface="Mangal"/>
+        <a:font script="Telu" typeface="Gautami"/>
+        <a:font script="Taml" typeface="Latha"/>
+        <a:font script="Syrc" typeface="Estrangelo Edessa"/>
+        <a:font script="Orya" typeface="Kalinga"/>
+        <a:font script="Mlym" typeface="Kartika"/>
+        <a:font script="Laoo" typeface="DokChampa"/>
+        <a:font script="Sinh" typeface="Iskoola Pota"/>
+        <a:font script="Mong" typeface="Mongolian Baiti"/>
+        <a:font script="Viet" typeface="Times New Roman"/>
+        <a:font script="Uigh" typeface="Microsoft Uighur"/>
+        <a:font script="Geor" typeface="Sylfaen"/>
+      </a:majorFont>
+      <a:minorFont>
+        <a:latin typeface="Calibri" panose="020F0502020204030204"/>
+        <a:ea typeface=""/>
+        <a:cs typeface=""/>
+        <a:font script="Jpan" typeface="ＭＳ Ｐゴシック"/>
+        <a:font script="Hang" typeface="맑은 고딕"/>
+        <a:font script="Hans" typeface="宋体"/>
+        <a:font script="Hant" typeface="新細明體"/>
+        <a:font script="Arab" typeface="Arial"/>
+        <a:font script="Hebr" typeface="Arial"/>
+        <a:font script="Thai" typeface="Cordia New"/>
+        <a:font script="Ethi" typeface="Nyala"/>
+        <a:font script="Beng" typeface="Vrinda"/>
+        <a:font script="Gujr" typeface="Shruti"/>
+        <a:font script="Khmr" typeface="DaunPenh"/>
+        <a:font script="Knda" typeface="Tunga"/>
+        <a:font script="Guru" typeface="Raavi"/>
+        <a:font script="Cans" typeface="Euphemia"/>
+        <a:font script="Cher" typeface="Plantagenet Cherokee"/>
+        <a:font script="Yiii" typeface="Microsoft Yi Baiti"/>
+        <a:font script="Tibt" typeface="Microsoft Himalaya"/>
+        <a:font script="Thaa" typeface="MV Boli"/>
+        <a:font script="Deva" typeface="Mangal"/>
+        <a:font script="Telu" typeface="Gautami"/>
+        <a:font script="Taml" typeface="Latha"/>
+        <a:font script="Syrc" typeface="Estrangelo Edessa"/>
+        <a:font script="Orya" typeface="Kalinga"/>
+        <a:font script="Mlym" typeface="Kartika"/>
+        <a:font script="Laoo" typeface="DokChampa"/>
+        <a:font script="Sinh" typeface="Iskoola Pota"/>
+        <a:font script="Mong" typeface="Mongolian Baiti"/>
+        <a:font script="Viet" typeface="Arial"/>
+        <a:font script="Uigh" typeface="Microsoft Uighur"/>
+        <a:font script="Geor" typeface="Sylfaen"/>
+      </a:minorFont>
+    </a:fontScheme>
+    <a:fmtScheme name="Office">
+      <a:fillStyleLst>
+        <a:solidFill>
+          <a:schemeClr val="phClr"/>
+        </a:solidFill>
+        <a:gradFill rotWithShape="1">
+          <a:gsLst>
+            <a:gs pos="0">
+              <a:schemeClr val="phClr">
+                <a:lumMod val="110000"/>
+                <a:satMod val="105000"/>
+                <a:tint val="67000"/>
+              </a:schemeClr>
+            </a:gs>
+            <a:gs pos="50000">
+              <a:schemeClr val="phClr">
+                <a:lumMod val="105000"/>
+                <a:satMod val="103000"/>
+                <a:tint val="73000"/>
+              </a:schemeClr>
+            </a:gs>
+            <a:gs pos="100000">
+              <a:schemeClr val="phClr">
+                <a:lumMod val="105000"/>
+                <a:satMod val="109000"/>
+                <a:tint val="81000"/>
+              </a:schemeClr>
+            </a:gs>
+          </a:gsLst>
+          <a:lin ang="5400000" scaled="0"/>
+        </a:gradFill>
+        <a:gradFill rotWithShape="1">
+          <a:gsLst>
+            <a:gs pos="0">
+              <a:schemeClr val="phClr">
+                <a:satMod val="103000"/>
+                <a:lumMod val="102000"/>
+                <a:tint val="94000"/>
+              </a:schemeClr>
+            </a:gs>
+            <a:gs pos="50000">
+              <a:schemeClr val="phClr">
+                <a:satMod val="110000"/>
+                <a:lumMod val="100000"/>
+                <a:shade val="100000"/>
+              </a:schemeClr>
+            </a:gs>
+            <a:gs pos="100000">
+              <a:schemeClr val="phClr">
+                <a:lumMod val="99000"/>
+                <a:satMod val="120000"/>
+                <a:shade val="78000"/>
+              </a:schemeClr>
+            </a:gs>
+          </a:gsLst>
+          <a:lin ang="5400000" scaled="0"/>
+        </a:gradFill>
+      </a:fillStyleLst>
+      <a:lnStyleLst>
+        <a:ln w="6350" cap="flat" cmpd="sng" algn="ctr">
+          <a:solidFill>
+            <a:schemeClr val="phClr"/>
+          </a:solidFill>
+          <a:prstDash val="solid"/>
+          <a:miter lim="800000"/>
+        </a:ln>
+        <a:ln w="12700" cap="flat" cmpd="sng" algn="ctr">
+          <a:solidFill>
+            <a:schemeClr val="phClr"/>
+          </a:solidFill>
+          <a:prstDash val="solid"/>
+          <a:miter lim="800000"/>
+        </a:ln>
+        <a:ln w="19050" cap="flat" cmpd="sng" algn="ctr">
+          <a:solidFill>
+            <a:schemeClr val="phClr"/>
+          </a:solidFill>
+          <a:prstDash val="solid"/>
+          <a:miter lim="800000"/>
+        </a:ln>
+      </a:lnStyleLst>
+      <a:effectStyleLst>
+        <a:effectStyle>
+          <a:effectLst/>
+        </a:effectStyle>
+        <a:effectStyle>
+          <a:effectLst/>
+        </a:effectStyle>
+        <a:effectStyle>
+          <a:effectLst>
+            <a:outerShdw blurRad="57150" dist="19050" dir="5400000" algn="ctr" rotWithShape="0">
+              <a:srgbClr val="000000">
+                <a:alpha val="63000"/>
+              </a:srgbClr>
+            </a:outerShdw>
+          </a:effectLst>
+        </a:effectStyle>
+      </a:effectStyleLst>
+      <a:bgFillStyleLst>
+        <a:solidFill>
+          <a:schemeClr val="phClr"/>
+        </a:solidFill>
+        <a:solidFill>
+          <a:schemeClr val="phClr">
+            <a:tint val="95000"/>
+            <a:satMod val="170000"/>
+          </a:schemeClr>
+        </a:solidFill>
+        <a:gradFill rotWithShape="1">
+          <a:gsLst>
+            <a:gs pos="0">
+              <a:schemeClr val="phClr">
+                <a:tint val="93000"/>
+                <a:satMod val="150000"/>
+                <a:shade val="98000"/>
+                <a:lumMod val="102000"/>
+              </a:schemeClr>
+            </a:gs>
+            <a:gs pos="50000">
+              <a:schemeClr val="phClr">
+                <a:tint val="98000"/>
+                <a:satMod val="130000"/>
+                <a:shade val="90000"/>
+                <a:lumMod val="103000"/>
+              </a:schemeClr>
+            </a:gs>
+            <a:gs pos="100000">
+              <a:schemeClr val="phClr">
+                <a:shade val="63000"/>
+                <a:satMod val="120000"/>
+              </a:schemeClr>
+            </a:gs>
+          </a:gsLst>
+          <a:lin ang="5400000" scaled="0"/>
+        </a:gradFill>
+      </a:bgFillStyleLst>
+    </a:fmtScheme>
+  </a:themeElements>
+  <a:objectDefaults/>
+  <a:extraClrSchemeLst/>
+  <a:extLst>
+    <a:ext uri="{05A4C25C-085E-4340-85A3-A5531E510DB2}">
+      <thm15:themeFamily xmlns:thm15="http://schemas.microsoft.com/office/thememl/2012/main" name="Office Theme" id="{62F939B6-93AF-4DB8-9C6B-D6C7DFDC589F}" vid="{4A3C46E8-61CC-4603-A589-7422A47A8E4A}"/>
+    </a:ext>
+  </a:extLst>
+</a:theme>
 </file>
--- a/Generalized Method of Cells (08-01-2014).pptx
+++ b/Generalized Method of Cells (08-01-2014).pptx
@@ -5,7 +5,7 @@
     <p:sldMasterId id="2147483648" r:id="rId1"/>
   </p:sldMasterIdLst>
   <p:handoutMasterIdLst>
-    <p:handoutMasterId r:id="rId8"/>
+    <p:handoutMasterId r:id="rId9"/>
   </p:handoutMasterIdLst>
   <p:sldIdLst>
     <p:sldId id="256" r:id="rId2"/>
@@ -14,6 +14,7 @@
     <p:sldId id="259" r:id="rId5"/>
     <p:sldId id="260" r:id="rId6"/>
     <p:sldId id="261" r:id="rId7"/>
+    <p:sldId id="262" r:id="rId8"/>
   </p:sldIdLst>
   <p:sldSz cx="12192000" cy="6858000"/>
   <p:notesSz cx="6985000" cy="9283700"/>
@@ -114,7 +115,7 @@
   </p:defaultTextStyle>
   <p:extLst>
     <p:ext uri="{EFAFB233-063F-42B5-8137-9DF3F51BA10A}">
-      <p15:sldGuideLst xmlns:p15="http://schemas.microsoft.com/office/powerpoint/2012/main"/>
+      <p15:sldGuideLst xmlns:p15="http://schemas.microsoft.com/office/powerpoint/2012/main" xmlns=""/>
     </p:ext>
   </p:extLst>
 </p:presentation>
@@ -202,7 +203,7 @@
           <a:p>
             <a:fld id="{7B333BA5-51A3-40A0-B8B6-6449580A3234}" type="datetimeFigureOut">
               <a:rPr lang="en-US" smtClean="0"/>
-              <a:t>7/29/2014</a:t>
+              <a:t>7/31/2014</a:t>
             </a:fld>
             <a:endParaRPr lang="en-US"/>
           </a:p>
@@ -416,7 +417,7 @@
           <a:p>
             <a:fld id="{7BB2BC7A-0E1A-4CB9-A35A-811A5CB4BDAF}" type="datetimeFigureOut">
               <a:rPr lang="en-US" smtClean="0"/>
-              <a:t>7/29/2014</a:t>
+              <a:t>7/31/2014</a:t>
             </a:fld>
             <a:endParaRPr lang="en-US"/>
           </a:p>
@@ -586,7 +587,7 @@
           <a:p>
             <a:fld id="{7BB2BC7A-0E1A-4CB9-A35A-811A5CB4BDAF}" type="datetimeFigureOut">
               <a:rPr lang="en-US" smtClean="0"/>
-              <a:t>7/29/2014</a:t>
+              <a:t>7/31/2014</a:t>
             </a:fld>
             <a:endParaRPr lang="en-US"/>
           </a:p>
@@ -766,7 +767,7 @@
           <a:p>
             <a:fld id="{7BB2BC7A-0E1A-4CB9-A35A-811A5CB4BDAF}" type="datetimeFigureOut">
               <a:rPr lang="en-US" smtClean="0"/>
-              <a:t>7/29/2014</a:t>
+              <a:t>7/31/2014</a:t>
             </a:fld>
             <a:endParaRPr lang="en-US"/>
           </a:p>
@@ -936,7 +937,7 @@
           <a:p>
             <a:fld id="{7BB2BC7A-0E1A-4CB9-A35A-811A5CB4BDAF}" type="datetimeFigureOut">
               <a:rPr lang="en-US" smtClean="0"/>
-              <a:t>7/29/2014</a:t>
+              <a:t>7/31/2014</a:t>
             </a:fld>
             <a:endParaRPr lang="en-US"/>
           </a:p>
@@ -1182,7 +1183,7 @@
           <a:p>
             <a:fld id="{7BB2BC7A-0E1A-4CB9-A35A-811A5CB4BDAF}" type="datetimeFigureOut">
               <a:rPr lang="en-US" smtClean="0"/>
-              <a:t>7/29/2014</a:t>
+              <a:t>7/31/2014</a:t>
             </a:fld>
             <a:endParaRPr lang="en-US"/>
           </a:p>
@@ -1414,7 +1415,7 @@
           <a:p>
             <a:fld id="{7BB2BC7A-0E1A-4CB9-A35A-811A5CB4BDAF}" type="datetimeFigureOut">
               <a:rPr lang="en-US" smtClean="0"/>
-              <a:t>7/29/2014</a:t>
+              <a:t>7/31/2014</a:t>
             </a:fld>
             <a:endParaRPr lang="en-US"/>
           </a:p>
@@ -1781,7 +1782,7 @@
           <a:p>
             <a:fld id="{7BB2BC7A-0E1A-4CB9-A35A-811A5CB4BDAF}" type="datetimeFigureOut">
               <a:rPr lang="en-US" smtClean="0"/>
-              <a:t>7/29/2014</a:t>
+              <a:t>7/31/2014</a:t>
             </a:fld>
             <a:endParaRPr lang="en-US"/>
           </a:p>
@@ -1899,7 +1900,7 @@
           <a:p>
             <a:fld id="{7BB2BC7A-0E1A-4CB9-A35A-811A5CB4BDAF}" type="datetimeFigureOut">
               <a:rPr lang="en-US" smtClean="0"/>
-              <a:t>7/29/2014</a:t>
+              <a:t>7/31/2014</a:t>
             </a:fld>
             <a:endParaRPr lang="en-US"/>
           </a:p>
@@ -1994,7 +1995,7 @@
           <a:p>
             <a:fld id="{7BB2BC7A-0E1A-4CB9-A35A-811A5CB4BDAF}" type="datetimeFigureOut">
               <a:rPr lang="en-US" smtClean="0"/>
-              <a:t>7/29/2014</a:t>
+              <a:t>7/31/2014</a:t>
             </a:fld>
             <a:endParaRPr lang="en-US"/>
           </a:p>
@@ -2271,7 +2272,7 @@
           <a:p>
             <a:fld id="{7BB2BC7A-0E1A-4CB9-A35A-811A5CB4BDAF}" type="datetimeFigureOut">
               <a:rPr lang="en-US" smtClean="0"/>
-              <a:t>7/29/2014</a:t>
+              <a:t>7/31/2014</a:t>
             </a:fld>
             <a:endParaRPr lang="en-US"/>
           </a:p>
@@ -2524,7 +2525,7 @@
           <a:p>
             <a:fld id="{7BB2BC7A-0E1A-4CB9-A35A-811A5CB4BDAF}" type="datetimeFigureOut">
               <a:rPr lang="en-US" smtClean="0"/>
-              <a:t>7/29/2014</a:t>
+              <a:t>7/31/2014</a:t>
             </a:fld>
             <a:endParaRPr lang="en-US"/>
           </a:p>
@@ -2737,7 +2738,7 @@
           <a:p>
             <a:fld id="{7BB2BC7A-0E1A-4CB9-A35A-811A5CB4BDAF}" type="datetimeFigureOut">
               <a:rPr lang="en-US" smtClean="0"/>
-              <a:t>7/29/2014</a:t>
+              <a:t>7/31/2014</a:t>
             </a:fld>
             <a:endParaRPr lang="en-US"/>
           </a:p>
@@ -3590,11 +3591,7 @@
           <a:p>
             <a:r>
               <a:rPr lang="en-US" dirty="0" smtClean="0"/>
-              <a:t>Materials are linear elastic and do not have </a:t>
-            </a:r>
-            <a:r>
-              <a:rPr lang="en-US" dirty="0" smtClean="0"/>
-              <a:t>failure conditions</a:t>
+              <a:t>Materials are linear elastic and do not have failure conditions</a:t>
             </a:r>
             <a:endParaRPr lang="en-US" dirty="0"/>
           </a:p>
@@ -4246,45 +4243,250 @@
           <a:bodyPr/>
           <a:lstStyle/>
           <a:p>
+            <a:r>
+              <a:rPr lang="en-US" dirty="0" smtClean="0"/>
+              <a:t>Equations</a:t>
+            </a:r>
             <a:endParaRPr lang="en-US" dirty="0"/>
           </a:p>
         </p:txBody>
       </p:sp>
       <p:sp>
         <p:nvSpPr>
-          <p:cNvPr id="3" name="Content Placeholder 2"/>
-          <p:cNvSpPr>
-            <a:spLocks noGrp="1"/>
-          </p:cNvSpPr>
+          <p:cNvPr id="4" name="Content Placeholder 3"/>
+          <p:cNvSpPr>
+            <a:spLocks noGrp="1"/>
+          </p:cNvSpPr>
+          <p:nvPr>
+            <p:ph sz="half" idx="2"/>
+          </p:nvPr>
+        </p:nvSpPr>
+        <p:spPr/>
+        <p:txBody>
+          <a:bodyPr/>
+          <a:lstStyle/>
+          <a:p>
+            <a:r>
+              <a:rPr lang="en-US" dirty="0" smtClean="0"/>
+              <a:t>The average stress is equal to the applied strain multiplied by the stiffness matrix. </a:t>
+            </a:r>
+          </a:p>
+          <a:p>
+            <a:r>
+              <a:rPr lang="en-US" dirty="0" smtClean="0"/>
+              <a:t>The stiffness Coefficient in three dimensions is the volume of the RUC multiplied by the elastic stiffness of the RUC times the concentration tensor. </a:t>
+            </a:r>
+            <a:endParaRPr lang="en-US" dirty="0"/>
+          </a:p>
+        </p:txBody>
+      </p:sp>
+      <p:pic>
+        <p:nvPicPr>
+          <p:cNvPr id="2050" name="Picture 2"/>
+          <p:cNvPicPr>
+            <a:picLocks noGrp="1" noChangeAspect="1" noChangeArrowheads="1"/>
+          </p:cNvPicPr>
           <p:nvPr>
             <p:ph sz="half" idx="1"/>
           </p:nvPr>
-        </p:nvSpPr>
-        <p:spPr/>
-        <p:txBody>
-          <a:bodyPr/>
-          <a:lstStyle/>
-          <a:p>
-            <a:endParaRPr lang="en-US"/>
-          </a:p>
-        </p:txBody>
-      </p:sp>
-      <p:sp>
-        <p:nvSpPr>
-          <p:cNvPr id="4" name="Content Placeholder 3"/>
-          <p:cNvSpPr>
-            <a:spLocks noGrp="1"/>
-          </p:cNvSpPr>
-          <p:nvPr>
-            <p:ph sz="half" idx="2"/>
-          </p:nvPr>
-        </p:nvSpPr>
-        <p:spPr/>
-        <p:txBody>
-          <a:bodyPr/>
-          <a:lstStyle/>
-          <a:p>
-            <a:endParaRPr lang="en-US"/>
+        </p:nvPicPr>
+        <p:blipFill>
+          <a:blip r:embed="rId2">
+            <a:extLst>
+              <a:ext uri="{28A0092B-C50C-407E-A947-70E740481C1C}">
+                <a14:useLocalDpi xmlns:a14="http://schemas.microsoft.com/office/drawing/2010/main" val="0"/>
+              </a:ext>
+            </a:extLst>
+          </a:blip>
+          <a:srcRect/>
+          <a:stretch>
+            <a:fillRect/>
+          </a:stretch>
+        </p:blipFill>
+        <p:spPr bwMode="auto">
+          <a:xfrm>
+            <a:off x="982622" y="1842447"/>
+            <a:ext cx="2397474" cy="392314"/>
+          </a:xfrm>
+          <a:prstGeom prst="rect">
+            <a:avLst/>
+          </a:prstGeom>
+          <a:noFill/>
+          <a:ln>
+            <a:noFill/>
+          </a:ln>
+          <a:extLst>
+            <a:ext uri="{909E8E84-426E-40DD-AFC4-6F175D3DCCD1}">
+              <a14:hiddenFill xmlns:a14="http://schemas.microsoft.com/office/drawing/2010/main">
+                <a:solidFill>
+                  <a:schemeClr val="accent1"/>
+                </a:solidFill>
+              </a14:hiddenFill>
+            </a:ext>
+            <a:ext uri="{91240B29-F687-4F45-9708-019B960494DF}">
+              <a14:hiddenLine xmlns:a14="http://schemas.microsoft.com/office/drawing/2010/main" w="9525">
+                <a:solidFill>
+                  <a:schemeClr val="tx1"/>
+                </a:solidFill>
+                <a:miter lim="800000"/>
+                <a:headEnd/>
+                <a:tailEnd/>
+              </a14:hiddenLine>
+            </a:ext>
+          </a:extLst>
+        </p:spPr>
+      </p:pic>
+      <p:cxnSp>
+        <p:nvCxnSpPr>
+          <p:cNvPr id="6" name="Straight Connector 5"/>
+          <p:cNvCxnSpPr/>
+          <p:nvPr/>
+        </p:nvCxnSpPr>
+        <p:spPr>
+          <a:xfrm flipV="1">
+            <a:off x="2388356" y="1842448"/>
+            <a:ext cx="163773" cy="382137"/>
+          </a:xfrm>
+          <a:prstGeom prst="line">
+            <a:avLst/>
+          </a:prstGeom>
+          <a:ln>
+            <a:solidFill>
+              <a:srgbClr val="C00000"/>
+            </a:solidFill>
+          </a:ln>
+        </p:spPr>
+        <p:style>
+          <a:lnRef idx="3">
+            <a:schemeClr val="accent1"/>
+          </a:lnRef>
+          <a:fillRef idx="0">
+            <a:schemeClr val="accent1"/>
+          </a:fillRef>
+          <a:effectRef idx="2">
+            <a:schemeClr val="accent1"/>
+          </a:effectRef>
+          <a:fontRef idx="minor">
+            <a:schemeClr val="tx1"/>
+          </a:fontRef>
+        </p:style>
+      </p:cxnSp>
+      <p:cxnSp>
+        <p:nvCxnSpPr>
+          <p:cNvPr id="8" name="Straight Connector 7"/>
+          <p:cNvCxnSpPr/>
+          <p:nvPr/>
+        </p:nvCxnSpPr>
+        <p:spPr>
+          <a:xfrm flipV="1">
+            <a:off x="2922895" y="1842447"/>
+            <a:ext cx="163773" cy="382137"/>
+          </a:xfrm>
+          <a:prstGeom prst="line">
+            <a:avLst/>
+          </a:prstGeom>
+          <a:ln>
+            <a:solidFill>
+              <a:srgbClr val="C00000"/>
+            </a:solidFill>
+          </a:ln>
+        </p:spPr>
+        <p:style>
+          <a:lnRef idx="3">
+            <a:schemeClr val="accent1"/>
+          </a:lnRef>
+          <a:fillRef idx="0">
+            <a:schemeClr val="accent1"/>
+          </a:fillRef>
+          <a:effectRef idx="2">
+            <a:schemeClr val="accent1"/>
+          </a:effectRef>
+          <a:fontRef idx="minor">
+            <a:schemeClr val="tx1"/>
+          </a:fontRef>
+        </p:style>
+      </p:cxnSp>
+      <p:pic>
+        <p:nvPicPr>
+          <p:cNvPr id="2051" name="Picture 3"/>
+          <p:cNvPicPr>
+            <a:picLocks noChangeAspect="1" noChangeArrowheads="1"/>
+          </p:cNvPicPr>
+          <p:nvPr/>
+        </p:nvPicPr>
+        <p:blipFill>
+          <a:blip r:embed="rId3">
+            <a:extLst>
+              <a:ext uri="{28A0092B-C50C-407E-A947-70E740481C1C}">
+                <a14:useLocalDpi xmlns:a14="http://schemas.microsoft.com/office/drawing/2010/main" val="0"/>
+              </a:ext>
+            </a:extLst>
+          </a:blip>
+          <a:srcRect/>
+          <a:stretch>
+            <a:fillRect/>
+          </a:stretch>
+        </p:blipFill>
+        <p:spPr bwMode="auto">
+          <a:xfrm>
+            <a:off x="984559" y="2819526"/>
+            <a:ext cx="4791075" cy="742950"/>
+          </a:xfrm>
+          <a:prstGeom prst="rect">
+            <a:avLst/>
+          </a:prstGeom>
+          <a:noFill/>
+          <a:ln>
+            <a:noFill/>
+          </a:ln>
+          <a:extLst>
+            <a:ext uri="{909E8E84-426E-40DD-AFC4-6F175D3DCCD1}">
+              <a14:hiddenFill xmlns:a14="http://schemas.microsoft.com/office/drawing/2010/main">
+                <a:solidFill>
+                  <a:schemeClr val="accent1"/>
+                </a:solidFill>
+              </a14:hiddenFill>
+            </a:ext>
+            <a:ext uri="{91240B29-F687-4F45-9708-019B960494DF}">
+              <a14:hiddenLine xmlns:a14="http://schemas.microsoft.com/office/drawing/2010/main" w="9525">
+                <a:solidFill>
+                  <a:schemeClr val="tx1"/>
+                </a:solidFill>
+                <a:miter lim="800000"/>
+                <a:headEnd/>
+                <a:tailEnd/>
+              </a14:hiddenLine>
+            </a:ext>
+          </a:extLst>
+        </p:spPr>
+      </p:pic>
+      <p:sp>
+        <p:nvSpPr>
+          <p:cNvPr id="7" name="TextBox 6"/>
+          <p:cNvSpPr txBox="1"/>
+          <p:nvPr/>
+        </p:nvSpPr>
+        <p:spPr>
+          <a:xfrm>
+            <a:off x="1146411" y="2450194"/>
+            <a:ext cx="2115403" cy="369332"/>
+          </a:xfrm>
+          <a:prstGeom prst="rect">
+            <a:avLst/>
+          </a:prstGeom>
+          <a:noFill/>
+        </p:spPr>
+        <p:txBody>
+          <a:bodyPr wrap="square" rtlCol="0">
+            <a:spAutoFit/>
+          </a:bodyPr>
+          <a:lstStyle/>
+          <a:p>
+            <a:r>
+              <a:rPr lang="en-US" dirty="0" smtClean="0"/>
+              <a:t>where</a:t>
+            </a:r>
+            <a:endParaRPr lang="en-US" dirty="0"/>
           </a:p>
         </p:txBody>
       </p:sp>
@@ -4292,6 +4494,151 @@
     <p:extLst>
       <p:ext uri="{BB962C8B-B14F-4D97-AF65-F5344CB8AC3E}">
         <p14:creationId xmlns:p14="http://schemas.microsoft.com/office/powerpoint/2010/main" val="3331768039"/>
+      </p:ext>
+    </p:extLst>
+  </p:cSld>
+  <p:clrMapOvr>
+    <a:masterClrMapping/>
+  </p:clrMapOvr>
+</p:sld>
+</file>
+
+<file path=ppt/slides/slide7.xml><?xml version="1.0" encoding="utf-8"?>
+<p:sld xmlns:a="http://schemas.openxmlformats.org/drawingml/2006/main" xmlns:r="http://schemas.openxmlformats.org/officeDocument/2006/relationships" xmlns:p="http://schemas.openxmlformats.org/presentationml/2006/main">
+  <p:cSld>
+    <p:spTree>
+      <p:nvGrpSpPr>
+        <p:cNvPr id="1" name=""/>
+        <p:cNvGrpSpPr/>
+        <p:nvPr/>
+      </p:nvGrpSpPr>
+      <p:grpSpPr>
+        <a:xfrm>
+          <a:off x="0" y="0"/>
+          <a:ext cx="0" cy="0"/>
+          <a:chOff x="0" y="0"/>
+          <a:chExt cx="0" cy="0"/>
+        </a:xfrm>
+      </p:grpSpPr>
+      <p:sp>
+        <p:nvSpPr>
+          <p:cNvPr id="2" name="Title 1"/>
+          <p:cNvSpPr>
+            <a:spLocks noGrp="1"/>
+          </p:cNvSpPr>
+          <p:nvPr>
+            <p:ph type="title"/>
+          </p:nvPr>
+        </p:nvSpPr>
+        <p:spPr/>
+        <p:txBody>
+          <a:bodyPr/>
+          <a:lstStyle/>
+          <a:p>
+            <a:r>
+              <a:rPr lang="en-US" dirty="0" smtClean="0"/>
+              <a:t>Error Approximation</a:t>
+            </a:r>
+            <a:endParaRPr lang="en-US" dirty="0"/>
+          </a:p>
+        </p:txBody>
+      </p:sp>
+      <p:sp>
+        <p:nvSpPr>
+          <p:cNvPr id="3" name="Content Placeholder 2"/>
+          <p:cNvSpPr>
+            <a:spLocks noGrp="1"/>
+          </p:cNvSpPr>
+          <p:nvPr>
+            <p:ph sz="half" idx="1"/>
+          </p:nvPr>
+        </p:nvSpPr>
+        <p:spPr>
+          <a:xfrm>
+            <a:off x="838200" y="1825625"/>
+            <a:ext cx="9097370" cy="1927509"/>
+          </a:xfrm>
+        </p:spPr>
+        <p:txBody>
+          <a:bodyPr/>
+          <a:lstStyle/>
+          <a:p>
+            <a:r>
+              <a:rPr lang="en-US" dirty="0" smtClean="0"/>
+              <a:t>The Concentric Cylinder Model (CCM) is used to check the accuracy of the MOC code.</a:t>
+            </a:r>
+          </a:p>
+          <a:p>
+            <a:endParaRPr lang="en-US" dirty="0"/>
+          </a:p>
+          <a:p>
+            <a:endParaRPr lang="en-US" dirty="0" smtClean="0"/>
+          </a:p>
+          <a:p>
+            <a:endParaRPr lang="en-US" dirty="0"/>
+          </a:p>
+        </p:txBody>
+      </p:sp>
+      <p:pic>
+        <p:nvPicPr>
+          <p:cNvPr id="1026" name="Picture 2"/>
+          <p:cNvPicPr>
+            <a:picLocks noGrp="1" noChangeAspect="1" noChangeArrowheads="1"/>
+          </p:cNvPicPr>
+          <p:nvPr>
+            <p:ph sz="half" idx="2"/>
+          </p:nvPr>
+        </p:nvPicPr>
+        <p:blipFill>
+          <a:blip r:embed="rId2">
+            <a:extLst>
+              <a:ext uri="{28A0092B-C50C-407E-A947-70E740481C1C}">
+                <a14:useLocalDpi xmlns:a14="http://schemas.microsoft.com/office/drawing/2010/main" val="0"/>
+              </a:ext>
+            </a:extLst>
+          </a:blip>
+          <a:srcRect/>
+          <a:stretch>
+            <a:fillRect/>
+          </a:stretch>
+        </p:blipFill>
+        <p:spPr bwMode="auto">
+          <a:xfrm>
+            <a:off x="1105323" y="3070746"/>
+            <a:ext cx="9605596" cy="3086999"/>
+          </a:xfrm>
+          <a:prstGeom prst="rect">
+            <a:avLst/>
+          </a:prstGeom>
+          <a:noFill/>
+          <a:ln>
+            <a:noFill/>
+          </a:ln>
+          <a:extLst>
+            <a:ext uri="{909E8E84-426E-40DD-AFC4-6F175D3DCCD1}">
+              <a14:hiddenFill xmlns:a14="http://schemas.microsoft.com/office/drawing/2010/main">
+                <a:solidFill>
+                  <a:schemeClr val="accent1"/>
+                </a:solidFill>
+              </a14:hiddenFill>
+            </a:ext>
+            <a:ext uri="{91240B29-F687-4F45-9708-019B960494DF}">
+              <a14:hiddenLine xmlns:a14="http://schemas.microsoft.com/office/drawing/2010/main" w="9525">
+                <a:solidFill>
+                  <a:schemeClr val="tx1"/>
+                </a:solidFill>
+                <a:miter lim="800000"/>
+                <a:headEnd/>
+                <a:tailEnd/>
+              </a14:hiddenLine>
+            </a:ext>
+          </a:extLst>
+        </p:spPr>
+      </p:pic>
+    </p:spTree>
+    <p:extLst>
+      <p:ext uri="{BB962C8B-B14F-4D97-AF65-F5344CB8AC3E}">
+        <p14:creationId xmlns:p14="http://schemas.microsoft.com/office/powerpoint/2010/main" val="1900943380"/>
       </p:ext>
     </p:extLst>
   </p:cSld>
@@ -4556,7 +4903,7 @@
   <a:extraClrSchemeLst/>
   <a:extLst>
     <a:ext uri="{05A4C25C-085E-4340-85A3-A5531E510DB2}">
-      <thm15:themeFamily xmlns:thm15="http://schemas.microsoft.com/office/thememl/2012/main" name="Office Theme" id="{62F939B6-93AF-4DB8-9C6B-D6C7DFDC589F}" vid="{4A3C46E8-61CC-4603-A589-7422A47A8E4A}"/>
+      <thm15:themeFamily xmlns:thm15="http://schemas.microsoft.com/office/thememl/2012/main" xmlns="" name="Office Theme" id="{62F939B6-93AF-4DB8-9C6B-D6C7DFDC589F}" vid="{4A3C46E8-61CC-4603-A589-7422A47A8E4A}"/>
     </a:ext>
   </a:extLst>
 </a:theme>
@@ -4817,7 +5164,7 @@
   <a:extraClrSchemeLst/>
   <a:extLst>
     <a:ext uri="{05A4C25C-085E-4340-85A3-A5531E510DB2}">
-      <thm15:themeFamily xmlns:thm15="http://schemas.microsoft.com/office/thememl/2012/main" name="Office Theme" id="{62F939B6-93AF-4DB8-9C6B-D6C7DFDC589F}" vid="{4A3C46E8-61CC-4603-A589-7422A47A8E4A}"/>
+      <thm15:themeFamily xmlns:thm15="http://schemas.microsoft.com/office/thememl/2012/main" xmlns="" name="Office Theme" id="{62F939B6-93AF-4DB8-9C6B-D6C7DFDC589F}" vid="{4A3C46E8-61CC-4603-A589-7422A47A8E4A}"/>
     </a:ext>
   </a:extLst>
 </a:theme>

--- a/Generalized Method of Cells (08-01-2014).pptx
+++ b/Generalized Method of Cells (08-01-2014).pptx
@@ -4,17 +4,22 @@
   <p:sldMasterIdLst>
     <p:sldMasterId id="2147483648" r:id="rId1"/>
   </p:sldMasterIdLst>
+  <p:notesMasterIdLst>
+    <p:notesMasterId r:id="rId11"/>
+  </p:notesMasterIdLst>
   <p:handoutMasterIdLst>
-    <p:handoutMasterId r:id="rId9"/>
+    <p:handoutMasterId r:id="rId12"/>
   </p:handoutMasterIdLst>
   <p:sldIdLst>
     <p:sldId id="256" r:id="rId2"/>
     <p:sldId id="257" r:id="rId3"/>
     <p:sldId id="258" r:id="rId4"/>
-    <p:sldId id="259" r:id="rId5"/>
-    <p:sldId id="260" r:id="rId6"/>
-    <p:sldId id="261" r:id="rId7"/>
-    <p:sldId id="262" r:id="rId8"/>
+    <p:sldId id="263" r:id="rId5"/>
+    <p:sldId id="264" r:id="rId6"/>
+    <p:sldId id="259" r:id="rId7"/>
+    <p:sldId id="260" r:id="rId8"/>
+    <p:sldId id="262" r:id="rId9"/>
+    <p:sldId id="265" r:id="rId10"/>
   </p:sldIdLst>
   <p:sldSz cx="12192000" cy="6858000"/>
   <p:notesSz cx="6985000" cy="9283700"/>
@@ -115,7 +120,18 @@
   </p:defaultTextStyle>
   <p:extLst>
     <p:ext uri="{EFAFB233-063F-42B5-8137-9DF3F51BA10A}">
-      <p15:sldGuideLst xmlns:p15="http://schemas.microsoft.com/office/powerpoint/2012/main" xmlns=""/>
+      <p15:sldGuideLst xmlns:p15="http://schemas.microsoft.com/office/powerpoint/2012/main">
+        <p15:guide id="1" orient="horz" pos="2160">
+          <p15:clr>
+            <a:srgbClr val="A4A3A4"/>
+          </p15:clr>
+        </p15:guide>
+        <p15:guide id="2" pos="3840">
+          <p15:clr>
+            <a:srgbClr val="A4A3A4"/>
+          </p15:clr>
+        </p15:guide>
+      </p15:sldGuideLst>
     </p:ext>
   </p:extLst>
 </p:presentation>
@@ -284,6 +300,440 @@
   </p:cSld>
   <p:clrMap bg1="lt1" tx1="dk1" bg2="lt2" tx2="dk2" accent1="accent1" accent2="accent2" accent3="accent3" accent4="accent4" accent5="accent5" accent6="accent6" hlink="hlink" folHlink="folHlink"/>
 </p:handoutMaster>
+</file>
+
+<file path=ppt/notesMasters/notesMaster1.xml><?xml version="1.0" encoding="utf-8"?>
+<p:notesMaster xmlns:a="http://schemas.openxmlformats.org/drawingml/2006/main" xmlns:r="http://schemas.openxmlformats.org/officeDocument/2006/relationships" xmlns:p="http://schemas.openxmlformats.org/presentationml/2006/main">
+  <p:cSld>
+    <p:bg>
+      <p:bgRef idx="1001">
+        <a:schemeClr val="bg1"/>
+      </p:bgRef>
+    </p:bg>
+    <p:spTree>
+      <p:nvGrpSpPr>
+        <p:cNvPr id="1" name=""/>
+        <p:cNvGrpSpPr/>
+        <p:nvPr/>
+      </p:nvGrpSpPr>
+      <p:grpSpPr>
+        <a:xfrm>
+          <a:off x="0" y="0"/>
+          <a:ext cx="0" cy="0"/>
+          <a:chOff x="0" y="0"/>
+          <a:chExt cx="0" cy="0"/>
+        </a:xfrm>
+      </p:grpSpPr>
+      <p:sp>
+        <p:nvSpPr>
+          <p:cNvPr id="2" name="Header Placeholder 1"/>
+          <p:cNvSpPr>
+            <a:spLocks noGrp="1"/>
+          </p:cNvSpPr>
+          <p:nvPr>
+            <p:ph type="hdr" sz="quarter"/>
+          </p:nvPr>
+        </p:nvSpPr>
+        <p:spPr>
+          <a:xfrm>
+            <a:off x="0" y="0"/>
+            <a:ext cx="3027363" cy="465138"/>
+          </a:xfrm>
+          <a:prstGeom prst="rect">
+            <a:avLst/>
+          </a:prstGeom>
+        </p:spPr>
+        <p:txBody>
+          <a:bodyPr vert="horz" lIns="91440" tIns="45720" rIns="91440" bIns="45720" rtlCol="0"/>
+          <a:lstStyle>
+            <a:lvl1pPr algn="l">
+              <a:defRPr sz="1200"/>
+            </a:lvl1pPr>
+          </a:lstStyle>
+          <a:p>
+            <a:endParaRPr lang="en-US"/>
+          </a:p>
+        </p:txBody>
+      </p:sp>
+      <p:sp>
+        <p:nvSpPr>
+          <p:cNvPr id="3" name="Date Placeholder 2"/>
+          <p:cNvSpPr>
+            <a:spLocks noGrp="1"/>
+          </p:cNvSpPr>
+          <p:nvPr>
+            <p:ph type="dt" idx="1"/>
+          </p:nvPr>
+        </p:nvSpPr>
+        <p:spPr>
+          <a:xfrm>
+            <a:off x="3956050" y="0"/>
+            <a:ext cx="3027363" cy="465138"/>
+          </a:xfrm>
+          <a:prstGeom prst="rect">
+            <a:avLst/>
+          </a:prstGeom>
+        </p:spPr>
+        <p:txBody>
+          <a:bodyPr vert="horz" lIns="91440" tIns="45720" rIns="91440" bIns="45720" rtlCol="0"/>
+          <a:lstStyle>
+            <a:lvl1pPr algn="r">
+              <a:defRPr sz="1200"/>
+            </a:lvl1pPr>
+          </a:lstStyle>
+          <a:p>
+            <a:fld id="{30C2E9BF-685C-4ABF-925C-CABD8ED997ED}" type="datetimeFigureOut">
+              <a:rPr lang="en-US" smtClean="0"/>
+              <a:t>7/31/2014</a:t>
+            </a:fld>
+            <a:endParaRPr lang="en-US"/>
+          </a:p>
+        </p:txBody>
+      </p:sp>
+      <p:sp>
+        <p:nvSpPr>
+          <p:cNvPr id="4" name="Slide Image Placeholder 3"/>
+          <p:cNvSpPr>
+            <a:spLocks noGrp="1" noRot="1" noChangeAspect="1"/>
+          </p:cNvSpPr>
+          <p:nvPr>
+            <p:ph type="sldImg" idx="2"/>
+          </p:nvPr>
+        </p:nvSpPr>
+        <p:spPr>
+          <a:xfrm>
+            <a:off x="706438" y="1160463"/>
+            <a:ext cx="5572125" cy="3133725"/>
+          </a:xfrm>
+          <a:prstGeom prst="rect">
+            <a:avLst/>
+          </a:prstGeom>
+          <a:noFill/>
+          <a:ln w="12700">
+            <a:solidFill>
+              <a:prstClr val="black"/>
+            </a:solidFill>
+          </a:ln>
+        </p:spPr>
+        <p:txBody>
+          <a:bodyPr vert="horz" lIns="91440" tIns="45720" rIns="91440" bIns="45720" rtlCol="0" anchor="ctr"/>
+          <a:lstStyle/>
+          <a:p>
+            <a:endParaRPr lang="en-US"/>
+          </a:p>
+        </p:txBody>
+      </p:sp>
+      <p:sp>
+        <p:nvSpPr>
+          <p:cNvPr id="5" name="Notes Placeholder 4"/>
+          <p:cNvSpPr>
+            <a:spLocks noGrp="1"/>
+          </p:cNvSpPr>
+          <p:nvPr>
+            <p:ph type="body" sz="quarter" idx="3"/>
+          </p:nvPr>
+        </p:nvSpPr>
+        <p:spPr>
+          <a:xfrm>
+            <a:off x="698500" y="4467225"/>
+            <a:ext cx="5588000" cy="3656013"/>
+          </a:xfrm>
+          <a:prstGeom prst="rect">
+            <a:avLst/>
+          </a:prstGeom>
+        </p:spPr>
+        <p:txBody>
+          <a:bodyPr vert="horz" lIns="91440" tIns="45720" rIns="91440" bIns="45720" rtlCol="0"/>
+          <a:lstStyle/>
+          <a:p>
+            <a:pPr lvl="0"/>
+            <a:r>
+              <a:rPr lang="en-US" smtClean="0"/>
+              <a:t>Click to edit Master text styles</a:t>
+            </a:r>
+          </a:p>
+          <a:p>
+            <a:pPr lvl="1"/>
+            <a:r>
+              <a:rPr lang="en-US" smtClean="0"/>
+              <a:t>Second level</a:t>
+            </a:r>
+          </a:p>
+          <a:p>
+            <a:pPr lvl="2"/>
+            <a:r>
+              <a:rPr lang="en-US" smtClean="0"/>
+              <a:t>Third level</a:t>
+            </a:r>
+          </a:p>
+          <a:p>
+            <a:pPr lvl="3"/>
+            <a:r>
+              <a:rPr lang="en-US" smtClean="0"/>
+              <a:t>Fourth level</a:t>
+            </a:r>
+          </a:p>
+          <a:p>
+            <a:pPr lvl="4"/>
+            <a:r>
+              <a:rPr lang="en-US" smtClean="0"/>
+              <a:t>Fifth level</a:t>
+            </a:r>
+            <a:endParaRPr lang="en-US"/>
+          </a:p>
+        </p:txBody>
+      </p:sp>
+      <p:sp>
+        <p:nvSpPr>
+          <p:cNvPr id="6" name="Footer Placeholder 5"/>
+          <p:cNvSpPr>
+            <a:spLocks noGrp="1"/>
+          </p:cNvSpPr>
+          <p:nvPr>
+            <p:ph type="ftr" sz="quarter" idx="4"/>
+          </p:nvPr>
+        </p:nvSpPr>
+        <p:spPr>
+          <a:xfrm>
+            <a:off x="0" y="8818563"/>
+            <a:ext cx="3027363" cy="465137"/>
+          </a:xfrm>
+          <a:prstGeom prst="rect">
+            <a:avLst/>
+          </a:prstGeom>
+        </p:spPr>
+        <p:txBody>
+          <a:bodyPr vert="horz" lIns="91440" tIns="45720" rIns="91440" bIns="45720" rtlCol="0" anchor="b"/>
+          <a:lstStyle>
+            <a:lvl1pPr algn="l">
+              <a:defRPr sz="1200"/>
+            </a:lvl1pPr>
+          </a:lstStyle>
+          <a:p>
+            <a:endParaRPr lang="en-US"/>
+          </a:p>
+        </p:txBody>
+      </p:sp>
+      <p:sp>
+        <p:nvSpPr>
+          <p:cNvPr id="7" name="Slide Number Placeholder 6"/>
+          <p:cNvSpPr>
+            <a:spLocks noGrp="1"/>
+          </p:cNvSpPr>
+          <p:nvPr>
+            <p:ph type="sldNum" sz="quarter" idx="5"/>
+          </p:nvPr>
+        </p:nvSpPr>
+        <p:spPr>
+          <a:xfrm>
+            <a:off x="3956050" y="8818563"/>
+            <a:ext cx="3027363" cy="465137"/>
+          </a:xfrm>
+          <a:prstGeom prst="rect">
+            <a:avLst/>
+          </a:prstGeom>
+        </p:spPr>
+        <p:txBody>
+          <a:bodyPr vert="horz" lIns="91440" tIns="45720" rIns="91440" bIns="45720" rtlCol="0" anchor="b"/>
+          <a:lstStyle>
+            <a:lvl1pPr algn="r">
+              <a:defRPr sz="1200"/>
+            </a:lvl1pPr>
+          </a:lstStyle>
+          <a:p>
+            <a:fld id="{EC6F7D68-161B-46D6-8827-F09FF6184165}" type="slidenum">
+              <a:rPr lang="en-US" smtClean="0"/>
+              <a:t>‹#›</a:t>
+            </a:fld>
+            <a:endParaRPr lang="en-US"/>
+          </a:p>
+        </p:txBody>
+      </p:sp>
+    </p:spTree>
+    <p:extLst>
+      <p:ext uri="{BB962C8B-B14F-4D97-AF65-F5344CB8AC3E}">
+        <p14:creationId xmlns:p14="http://schemas.microsoft.com/office/powerpoint/2010/main" val="867867186"/>
+      </p:ext>
+    </p:extLst>
+  </p:cSld>
+  <p:clrMap bg1="lt1" tx1="dk1" bg2="lt2" tx2="dk2" accent1="accent1" accent2="accent2" accent3="accent3" accent4="accent4" accent5="accent5" accent6="accent6" hlink="hlink" folHlink="folHlink"/>
+  <p:notesStyle>
+    <a:lvl1pPr marL="0" algn="l" defTabSz="914400" rtl="0" eaLnBrk="1" latinLnBrk="0" hangingPunct="1">
+      <a:defRPr sz="1200" kern="1200">
+        <a:solidFill>
+          <a:schemeClr val="tx1"/>
+        </a:solidFill>
+        <a:latin typeface="+mn-lt"/>
+        <a:ea typeface="+mn-ea"/>
+        <a:cs typeface="+mn-cs"/>
+      </a:defRPr>
+    </a:lvl1pPr>
+    <a:lvl2pPr marL="457200" algn="l" defTabSz="914400" rtl="0" eaLnBrk="1" latinLnBrk="0" hangingPunct="1">
+      <a:defRPr sz="1200" kern="1200">
+        <a:solidFill>
+          <a:schemeClr val="tx1"/>
+        </a:solidFill>
+        <a:latin typeface="+mn-lt"/>
+        <a:ea typeface="+mn-ea"/>
+        <a:cs typeface="+mn-cs"/>
+      </a:defRPr>
+    </a:lvl2pPr>
+    <a:lvl3pPr marL="914400" algn="l" defTabSz="914400" rtl="0" eaLnBrk="1" latinLnBrk="0" hangingPunct="1">
+      <a:defRPr sz="1200" kern="1200">
+        <a:solidFill>
+          <a:schemeClr val="tx1"/>
+        </a:solidFill>
+        <a:latin typeface="+mn-lt"/>
+        <a:ea typeface="+mn-ea"/>
+        <a:cs typeface="+mn-cs"/>
+      </a:defRPr>
+    </a:lvl3pPr>
+    <a:lvl4pPr marL="1371600" algn="l" defTabSz="914400" rtl="0" eaLnBrk="1" latinLnBrk="0" hangingPunct="1">
+      <a:defRPr sz="1200" kern="1200">
+        <a:solidFill>
+          <a:schemeClr val="tx1"/>
+        </a:solidFill>
+        <a:latin typeface="+mn-lt"/>
+        <a:ea typeface="+mn-ea"/>
+        <a:cs typeface="+mn-cs"/>
+      </a:defRPr>
+    </a:lvl4pPr>
+    <a:lvl5pPr marL="1828800" algn="l" defTabSz="914400" rtl="0" eaLnBrk="1" latinLnBrk="0" hangingPunct="1">
+      <a:defRPr sz="1200" kern="1200">
+        <a:solidFill>
+          <a:schemeClr val="tx1"/>
+        </a:solidFill>
+        <a:latin typeface="+mn-lt"/>
+        <a:ea typeface="+mn-ea"/>
+        <a:cs typeface="+mn-cs"/>
+      </a:defRPr>
+    </a:lvl5pPr>
+    <a:lvl6pPr marL="2286000" algn="l" defTabSz="914400" rtl="0" eaLnBrk="1" latinLnBrk="0" hangingPunct="1">
+      <a:defRPr sz="1200" kern="1200">
+        <a:solidFill>
+          <a:schemeClr val="tx1"/>
+        </a:solidFill>
+        <a:latin typeface="+mn-lt"/>
+        <a:ea typeface="+mn-ea"/>
+        <a:cs typeface="+mn-cs"/>
+      </a:defRPr>
+    </a:lvl6pPr>
+    <a:lvl7pPr marL="2743200" algn="l" defTabSz="914400" rtl="0" eaLnBrk="1" latinLnBrk="0" hangingPunct="1">
+      <a:defRPr sz="1200" kern="1200">
+        <a:solidFill>
+          <a:schemeClr val="tx1"/>
+        </a:solidFill>
+        <a:latin typeface="+mn-lt"/>
+        <a:ea typeface="+mn-ea"/>
+        <a:cs typeface="+mn-cs"/>
+      </a:defRPr>
+    </a:lvl7pPr>
+    <a:lvl8pPr marL="3200400" algn="l" defTabSz="914400" rtl="0" eaLnBrk="1" latinLnBrk="0" hangingPunct="1">
+      <a:defRPr sz="1200" kern="1200">
+        <a:solidFill>
+          <a:schemeClr val="tx1"/>
+        </a:solidFill>
+        <a:latin typeface="+mn-lt"/>
+        <a:ea typeface="+mn-ea"/>
+        <a:cs typeface="+mn-cs"/>
+      </a:defRPr>
+    </a:lvl8pPr>
+    <a:lvl9pPr marL="3657600" algn="l" defTabSz="914400" rtl="0" eaLnBrk="1" latinLnBrk="0" hangingPunct="1">
+      <a:defRPr sz="1200" kern="1200">
+        <a:solidFill>
+          <a:schemeClr val="tx1"/>
+        </a:solidFill>
+        <a:latin typeface="+mn-lt"/>
+        <a:ea typeface="+mn-ea"/>
+        <a:cs typeface="+mn-cs"/>
+      </a:defRPr>
+    </a:lvl9pPr>
+  </p:notesStyle>
+</p:notesMaster>
+</file>
+
+<file path=ppt/notesSlides/notesSlide1.xml><?xml version="1.0" encoding="utf-8"?>
+<p:notes xmlns:a="http://schemas.openxmlformats.org/drawingml/2006/main" xmlns:r="http://schemas.openxmlformats.org/officeDocument/2006/relationships" xmlns:p="http://schemas.openxmlformats.org/presentationml/2006/main">
+  <p:cSld>
+    <p:spTree>
+      <p:nvGrpSpPr>
+        <p:cNvPr id="1" name=""/>
+        <p:cNvGrpSpPr/>
+        <p:nvPr/>
+      </p:nvGrpSpPr>
+      <p:grpSpPr>
+        <a:xfrm>
+          <a:off x="0" y="0"/>
+          <a:ext cx="0" cy="0"/>
+          <a:chOff x="0" y="0"/>
+          <a:chExt cx="0" cy="0"/>
+        </a:xfrm>
+      </p:grpSpPr>
+      <p:sp>
+        <p:nvSpPr>
+          <p:cNvPr id="2" name="Slide Image Placeholder 1"/>
+          <p:cNvSpPr>
+            <a:spLocks noGrp="1" noRot="1" noChangeAspect="1"/>
+          </p:cNvSpPr>
+          <p:nvPr>
+            <p:ph type="sldImg"/>
+          </p:nvPr>
+        </p:nvSpPr>
+        <p:spPr/>
+      </p:sp>
+      <p:sp>
+        <p:nvSpPr>
+          <p:cNvPr id="3" name="Notes Placeholder 2"/>
+          <p:cNvSpPr>
+            <a:spLocks noGrp="1"/>
+          </p:cNvSpPr>
+          <p:nvPr>
+            <p:ph type="body" idx="1"/>
+          </p:nvPr>
+        </p:nvSpPr>
+        <p:spPr/>
+        <p:txBody>
+          <a:bodyPr/>
+          <a:lstStyle/>
+          <a:p>
+            <a:endParaRPr lang="en-US"/>
+          </a:p>
+        </p:txBody>
+      </p:sp>
+      <p:sp>
+        <p:nvSpPr>
+          <p:cNvPr id="4" name="Slide Number Placeholder 3"/>
+          <p:cNvSpPr>
+            <a:spLocks noGrp="1"/>
+          </p:cNvSpPr>
+          <p:nvPr>
+            <p:ph type="sldNum" sz="quarter" idx="10"/>
+          </p:nvPr>
+        </p:nvSpPr>
+        <p:spPr/>
+        <p:txBody>
+          <a:bodyPr/>
+          <a:lstStyle/>
+          <a:p>
+            <a:fld id="{EC6F7D68-161B-46D6-8827-F09FF6184165}" type="slidenum">
+              <a:rPr lang="en-US" smtClean="0"/>
+              <a:t>5</a:t>
+            </a:fld>
+            <a:endParaRPr lang="en-US"/>
+          </a:p>
+        </p:txBody>
+      </p:sp>
+    </p:spTree>
+    <p:extLst>
+      <p:ext uri="{BB962C8B-B14F-4D97-AF65-F5344CB8AC3E}">
+        <p14:creationId xmlns:p14="http://schemas.microsoft.com/office/powerpoint/2010/main" val="2490974436"/>
+      </p:ext>
+    </p:extLst>
+  </p:cSld>
+  <p:clrMapOvr>
+    <a:masterClrMapping/>
+  </p:clrMapOvr>
+</p:notes>
 </file>
 
 <file path=ppt/slideLayouts/slideLayout1.xml><?xml version="1.0" encoding="utf-8"?>
@@ -415,7 +865,7 @@
           <a:bodyPr/>
           <a:lstStyle/>
           <a:p>
-            <a:fld id="{7BB2BC7A-0E1A-4CB9-A35A-811A5CB4BDAF}" type="datetimeFigureOut">
+            <a:fld id="{51B38FC1-DB72-46C2-AE96-A0AE994E2717}" type="datetime1">
               <a:rPr lang="en-US" smtClean="0"/>
               <a:t>7/31/2014</a:t>
             </a:fld>
@@ -585,7 +1035,7 @@
           <a:bodyPr/>
           <a:lstStyle/>
           <a:p>
-            <a:fld id="{7BB2BC7A-0E1A-4CB9-A35A-811A5CB4BDAF}" type="datetimeFigureOut">
+            <a:fld id="{825E2633-4636-48B3-BAAC-B88165078D94}" type="datetime1">
               <a:rPr lang="en-US" smtClean="0"/>
               <a:t>7/31/2014</a:t>
             </a:fld>
@@ -765,7 +1215,7 @@
           <a:bodyPr/>
           <a:lstStyle/>
           <a:p>
-            <a:fld id="{7BB2BC7A-0E1A-4CB9-A35A-811A5CB4BDAF}" type="datetimeFigureOut">
+            <a:fld id="{CF3E49D9-F414-4E19-A0ED-310D76FD5DAC}" type="datetime1">
               <a:rPr lang="en-US" smtClean="0"/>
               <a:t>7/31/2014</a:t>
             </a:fld>
@@ -935,7 +1385,7 @@
           <a:bodyPr/>
           <a:lstStyle/>
           <a:p>
-            <a:fld id="{7BB2BC7A-0E1A-4CB9-A35A-811A5CB4BDAF}" type="datetimeFigureOut">
+            <a:fld id="{E913274F-0962-406C-86A8-8D3405F8CF11}" type="datetime1">
               <a:rPr lang="en-US" smtClean="0"/>
               <a:t>7/31/2014</a:t>
             </a:fld>
@@ -1181,7 +1631,7 @@
           <a:bodyPr/>
           <a:lstStyle/>
           <a:p>
-            <a:fld id="{7BB2BC7A-0E1A-4CB9-A35A-811A5CB4BDAF}" type="datetimeFigureOut">
+            <a:fld id="{E3E12CBA-B143-447A-884E-49F10D835496}" type="datetime1">
               <a:rPr lang="en-US" smtClean="0"/>
               <a:t>7/31/2014</a:t>
             </a:fld>
@@ -1413,7 +1863,7 @@
           <a:bodyPr/>
           <a:lstStyle/>
           <a:p>
-            <a:fld id="{7BB2BC7A-0E1A-4CB9-A35A-811A5CB4BDAF}" type="datetimeFigureOut">
+            <a:fld id="{1BBE34B6-8ED9-4A3D-B24E-622AE7606EBD}" type="datetime1">
               <a:rPr lang="en-US" smtClean="0"/>
               <a:t>7/31/2014</a:t>
             </a:fld>
@@ -1780,7 +2230,7 @@
           <a:bodyPr/>
           <a:lstStyle/>
           <a:p>
-            <a:fld id="{7BB2BC7A-0E1A-4CB9-A35A-811A5CB4BDAF}" type="datetimeFigureOut">
+            <a:fld id="{322983B7-A536-432B-AC5D-30B01BE27FDE}" type="datetime1">
               <a:rPr lang="en-US" smtClean="0"/>
               <a:t>7/31/2014</a:t>
             </a:fld>
@@ -1898,7 +2348,7 @@
           <a:bodyPr/>
           <a:lstStyle/>
           <a:p>
-            <a:fld id="{7BB2BC7A-0E1A-4CB9-A35A-811A5CB4BDAF}" type="datetimeFigureOut">
+            <a:fld id="{DA0A4D64-33E7-44AE-B54A-4F0694EFD087}" type="datetime1">
               <a:rPr lang="en-US" smtClean="0"/>
               <a:t>7/31/2014</a:t>
             </a:fld>
@@ -1993,7 +2443,7 @@
           <a:bodyPr/>
           <a:lstStyle/>
           <a:p>
-            <a:fld id="{7BB2BC7A-0E1A-4CB9-A35A-811A5CB4BDAF}" type="datetimeFigureOut">
+            <a:fld id="{C74C1522-0843-4A1F-99B0-4AE57C4D5770}" type="datetime1">
               <a:rPr lang="en-US" smtClean="0"/>
               <a:t>7/31/2014</a:t>
             </a:fld>
@@ -2270,7 +2720,7 @@
           <a:bodyPr/>
           <a:lstStyle/>
           <a:p>
-            <a:fld id="{7BB2BC7A-0E1A-4CB9-A35A-811A5CB4BDAF}" type="datetimeFigureOut">
+            <a:fld id="{B1BC3398-6B26-40A6-9F1A-31623249176D}" type="datetime1">
               <a:rPr lang="en-US" smtClean="0"/>
               <a:t>7/31/2014</a:t>
             </a:fld>
@@ -2523,7 +2973,7 @@
           <a:bodyPr/>
           <a:lstStyle/>
           <a:p>
-            <a:fld id="{7BB2BC7A-0E1A-4CB9-A35A-811A5CB4BDAF}" type="datetimeFigureOut">
+            <a:fld id="{98FBEBD7-1149-4DB7-9FB3-76FBCB776BAB}" type="datetime1">
               <a:rPr lang="en-US" smtClean="0"/>
               <a:t>7/31/2014</a:t>
             </a:fld>
@@ -2736,7 +3186,7 @@
             </a:lvl1pPr>
           </a:lstStyle>
           <a:p>
-            <a:fld id="{7BB2BC7A-0E1A-4CB9-A35A-811A5CB4BDAF}" type="datetimeFigureOut">
+            <a:fld id="{1F641966-DB4A-4A37-A2CC-0C62F7E403E3}" type="datetime1">
               <a:rPr lang="en-US" smtClean="0"/>
               <a:t>7/31/2014</a:t>
             </a:fld>
@@ -2843,6 +3293,7 @@
     <p:sldLayoutId id="2147483658" r:id="rId10"/>
     <p:sldLayoutId id="2147483659" r:id="rId11"/>
   </p:sldLayoutIdLst>
+  <p:hf hdr="0" ftr="0" dt="0"/>
   <p:txStyles>
     <p:titleStyle>
       <a:lvl1pPr algn="l" defTabSz="914400" rtl="0" eaLnBrk="1" latinLnBrk="0" hangingPunct="1">
@@ -3159,10 +3610,10 @@
           <a:lstStyle/>
           <a:p>
             <a:r>
-              <a:rPr lang="en-US" dirty="0" smtClean="0"/>
+              <a:rPr lang="en-US" b="1" dirty="0" smtClean="0"/>
               <a:t>Generalized Method of Cells</a:t>
             </a:r>
-            <a:endParaRPr lang="en-US" dirty="0"/>
+            <a:endParaRPr lang="en-US" b="1" dirty="0"/>
           </a:p>
         </p:txBody>
       </p:sp>
@@ -3195,6 +3646,29 @@
               <a:rPr lang="en-US" dirty="0" smtClean="0"/>
               <a:t> Nawaz</a:t>
             </a:r>
+          </a:p>
+        </p:txBody>
+      </p:sp>
+      <p:sp>
+        <p:nvSpPr>
+          <p:cNvPr id="4" name="Slide Number Placeholder 3"/>
+          <p:cNvSpPr>
+            <a:spLocks noGrp="1"/>
+          </p:cNvSpPr>
+          <p:nvPr>
+            <p:ph type="sldNum" sz="quarter" idx="12"/>
+          </p:nvPr>
+        </p:nvSpPr>
+        <p:spPr/>
+        <p:txBody>
+          <a:bodyPr/>
+          <a:lstStyle/>
+          <a:p>
+            <a:fld id="{3C34C07B-8F94-49B6-B743-70BD1DFD034D}" type="slidenum">
+              <a:rPr lang="en-US" smtClean="0"/>
+              <a:t>1</a:t>
+            </a:fld>
+            <a:endParaRPr lang="en-US"/>
           </a:p>
         </p:txBody>
       </p:sp>
@@ -3244,10 +3718,10 @@
           <a:lstStyle/>
           <a:p>
             <a:r>
-              <a:rPr lang="en-US" dirty="0" smtClean="0"/>
+              <a:rPr lang="en-US" b="1" dirty="0" smtClean="0"/>
               <a:t>Background</a:t>
             </a:r>
-            <a:endParaRPr lang="en-US" dirty="0"/>
+            <a:endParaRPr lang="en-US" b="1" dirty="0"/>
           </a:p>
         </p:txBody>
       </p:sp>
@@ -3323,6 +3797,29 @@
           </a:ln>
         </p:spPr>
       </p:pic>
+      <p:sp>
+        <p:nvSpPr>
+          <p:cNvPr id="2" name="Slide Number Placeholder 1"/>
+          <p:cNvSpPr>
+            <a:spLocks noGrp="1"/>
+          </p:cNvSpPr>
+          <p:nvPr>
+            <p:ph type="sldNum" sz="quarter" idx="12"/>
+          </p:nvPr>
+        </p:nvSpPr>
+        <p:spPr/>
+        <p:txBody>
+          <a:bodyPr/>
+          <a:lstStyle/>
+          <a:p>
+            <a:fld id="{3C34C07B-8F94-49B6-B743-70BD1DFD034D}" type="slidenum">
+              <a:rPr lang="en-US" smtClean="0"/>
+              <a:t>2</a:t>
+            </a:fld>
+            <a:endParaRPr lang="en-US"/>
+          </a:p>
+        </p:txBody>
+      </p:sp>
     </p:spTree>
     <p:extLst>
       <p:ext uri="{BB962C8B-B14F-4D97-AF65-F5344CB8AC3E}">
@@ -3369,10 +3866,14 @@
           <a:lstStyle/>
           <a:p>
             <a:r>
-              <a:rPr lang="en-US" dirty="0" smtClean="0"/>
-              <a:t>The Method</a:t>
-            </a:r>
-            <a:endParaRPr lang="en-US" dirty="0"/>
+              <a:rPr lang="en-US" b="1" dirty="0" smtClean="0"/>
+              <a:t>The </a:t>
+            </a:r>
+            <a:r>
+              <a:rPr lang="en-US" b="1" dirty="0" smtClean="0"/>
+              <a:t>Method of Cells</a:t>
+            </a:r>
+            <a:endParaRPr lang="en-US" b="1" dirty="0"/>
           </a:p>
         </p:txBody>
       </p:sp>
@@ -3435,9 +3936,1313 @@
           </a:p>
         </p:txBody>
       </p:sp>
+      <mc:AlternateContent xmlns:mc="http://schemas.openxmlformats.org/markup-compatibility/2006">
+        <mc:Choice xmlns:a14="http://schemas.microsoft.com/office/drawing/2010/main" Requires="a14">
+          <p:sp>
+            <p:nvSpPr>
+              <p:cNvPr id="2" name="TextBox 1"/>
+              <p:cNvSpPr txBox="1"/>
+              <p:nvPr/>
+            </p:nvSpPr>
+            <p:spPr>
+              <a:xfrm>
+                <a:off x="7316189" y="3338111"/>
+                <a:ext cx="4037611" cy="2866939"/>
+              </a:xfrm>
+              <a:prstGeom prst="rect">
+                <a:avLst/>
+              </a:prstGeom>
+              <a:noFill/>
+            </p:spPr>
+            <p:txBody>
+              <a:bodyPr wrap="square" rtlCol="0">
+                <a:spAutoFit/>
+              </a:bodyPr>
+              <a:lstStyle/>
+              <a:p>
+                <a14:m>
+                  <m:oMathPara xmlns:m="http://schemas.openxmlformats.org/officeDocument/2006/math">
+                    <m:oMathParaPr>
+                      <m:jc m:val="centerGroup"/>
+                    </m:oMathParaPr>
+                    <m:oMath xmlns:m="http://schemas.openxmlformats.org/officeDocument/2006/math">
+                      <m:sSub>
+                        <m:sSubPr>
+                          <m:ctrlPr>
+                            <a:rPr lang="en-US" i="1" smtClean="0">
+                              <a:latin typeface="Cambria Math" panose="02040503050406030204" pitchFamily="18" charset="0"/>
+                            </a:rPr>
+                          </m:ctrlPr>
+                        </m:sSubPr>
+                        <m:e>
+                          <m:d>
+                            <m:dPr>
+                              <m:begChr m:val=""/>
+                              <m:endChr m:val="|"/>
+                              <m:ctrlPr>
+                                <a:rPr lang="en-US" i="1">
+                                  <a:latin typeface="Cambria Math" panose="02040503050406030204" pitchFamily="18" charset="0"/>
+                                </a:rPr>
+                              </m:ctrlPr>
+                            </m:dPr>
+                            <m:e>
+                              <m:sSup>
+                                <m:sSupPr>
+                                  <m:ctrlPr>
+                                    <a:rPr lang="en-US" i="1">
+                                      <a:latin typeface="Cambria Math" panose="02040503050406030204" pitchFamily="18" charset="0"/>
+                                    </a:rPr>
+                                  </m:ctrlPr>
+                                </m:sSupPr>
+                                <m:e>
+                                  <m:sSub>
+                                    <m:sSubPr>
+                                      <m:ctrlPr>
+                                        <a:rPr lang="en-US" i="1">
+                                          <a:latin typeface="Cambria Math" panose="02040503050406030204" pitchFamily="18" charset="0"/>
+                                        </a:rPr>
+                                      </m:ctrlPr>
+                                    </m:sSubPr>
+                                    <m:e>
+                                      <m:r>
+                                        <a:rPr lang="en-US" i="1">
+                                          <a:latin typeface="Cambria Math" panose="02040503050406030204" pitchFamily="18" charset="0"/>
+                                        </a:rPr>
+                                        <m:t>𝑢</m:t>
+                                      </m:r>
+                                    </m:e>
+                                    <m:sub>
+                                      <m:r>
+                                        <a:rPr lang="en-US" i="1">
+                                          <a:latin typeface="Cambria Math" panose="02040503050406030204" pitchFamily="18" charset="0"/>
+                                        </a:rPr>
+                                        <m:t>𝑖</m:t>
+                                      </m:r>
+                                    </m:sub>
+                                  </m:sSub>
+                                </m:e>
+                                <m:sup>
+                                  <m:r>
+                                    <a:rPr lang="en-US" i="1">
+                                      <a:latin typeface="Cambria Math" panose="02040503050406030204" pitchFamily="18" charset="0"/>
+                                    </a:rPr>
+                                    <m:t>(</m:t>
+                                  </m:r>
+                                  <m:r>
+                                    <a:rPr lang="en-US" i="1">
+                                      <a:latin typeface="Cambria Math" panose="02040503050406030204" pitchFamily="18" charset="0"/>
+                                    </a:rPr>
+                                    <m:t>𝛽𝛾</m:t>
+                                  </m:r>
+                                  <m:r>
+                                    <a:rPr lang="en-US" i="1">
+                                      <a:latin typeface="Cambria Math" panose="02040503050406030204" pitchFamily="18" charset="0"/>
+                                    </a:rPr>
+                                    <m:t>)</m:t>
+                                  </m:r>
+                                </m:sup>
+                              </m:sSup>
+                            </m:e>
+                          </m:d>
+                        </m:e>
+                        <m:sub>
+                          <m:sSup>
+                            <m:sSupPr>
+                              <m:ctrlPr>
+                                <a:rPr lang="en-US" i="1" smtClean="0">
+                                  <a:latin typeface="Cambria Math" panose="02040503050406030204" pitchFamily="18" charset="0"/>
+                                </a:rPr>
+                              </m:ctrlPr>
+                            </m:sSupPr>
+                            <m:e>
+                              <m:sSub>
+                                <m:sSubPr>
+                                  <m:ctrlPr>
+                                    <a:rPr lang="en-US" i="1" smtClean="0">
+                                      <a:latin typeface="Cambria Math" panose="02040503050406030204" pitchFamily="18" charset="0"/>
+                                    </a:rPr>
+                                  </m:ctrlPr>
+                                </m:sSubPr>
+                                <m:e>
+                                  <m:acc>
+                                    <m:accPr>
+                                      <m:chr m:val="̅"/>
+                                      <m:ctrlPr>
+                                        <a:rPr lang="en-US" i="1" smtClean="0">
+                                          <a:latin typeface="Cambria Math" panose="02040503050406030204" pitchFamily="18" charset="0"/>
+                                        </a:rPr>
+                                      </m:ctrlPr>
+                                    </m:accPr>
+                                    <m:e>
+                                      <m:r>
+                                        <a:rPr lang="en-US" b="0" i="1" smtClean="0">
+                                          <a:latin typeface="Cambria Math" panose="02040503050406030204" pitchFamily="18" charset="0"/>
+                                        </a:rPr>
+                                        <m:t>𝑥</m:t>
+                                      </m:r>
+                                    </m:e>
+                                  </m:acc>
+                                </m:e>
+                                <m:sub>
+                                  <m:r>
+                                    <a:rPr lang="en-US" b="0" i="1" smtClean="0">
+                                      <a:latin typeface="Cambria Math" panose="02040503050406030204" pitchFamily="18" charset="0"/>
+                                    </a:rPr>
+                                    <m:t>2</m:t>
+                                  </m:r>
+                                </m:sub>
+                              </m:sSub>
+                            </m:e>
+                            <m:sup>
+                              <m:r>
+                                <a:rPr lang="en-US" b="0" i="1" smtClean="0">
+                                  <a:latin typeface="Cambria Math" panose="02040503050406030204" pitchFamily="18" charset="0"/>
+                                </a:rPr>
+                                <m:t>(</m:t>
+                              </m:r>
+                              <m:r>
+                                <a:rPr lang="en-US" b="0" i="1" smtClean="0">
+                                  <a:latin typeface="Cambria Math" panose="02040503050406030204" pitchFamily="18" charset="0"/>
+                                </a:rPr>
+                                <m:t>𝛽</m:t>
+                              </m:r>
+                              <m:r>
+                                <a:rPr lang="en-US" b="0" i="1" smtClean="0">
+                                  <a:latin typeface="Cambria Math" panose="02040503050406030204" pitchFamily="18" charset="0"/>
+                                </a:rPr>
+                                <m:t>)</m:t>
+                              </m:r>
+                            </m:sup>
+                          </m:sSup>
+                          <m:r>
+                            <a:rPr lang="en-US" b="0" i="1" smtClean="0">
+                              <a:latin typeface="Cambria Math" panose="02040503050406030204" pitchFamily="18" charset="0"/>
+                            </a:rPr>
+                            <m:t>=</m:t>
+                          </m:r>
+                          <m:sSub>
+                            <m:sSubPr>
+                              <m:ctrlPr>
+                                <a:rPr lang="en-US" b="0" i="1" smtClean="0">
+                                  <a:latin typeface="Cambria Math" panose="02040503050406030204" pitchFamily="18" charset="0"/>
+                                </a:rPr>
+                              </m:ctrlPr>
+                            </m:sSubPr>
+                            <m:e>
+                              <m:r>
+                                <a:rPr lang="en-US" b="0" i="1" smtClean="0">
+                                  <a:latin typeface="Cambria Math" panose="02040503050406030204" pitchFamily="18" charset="0"/>
+                                </a:rPr>
+                                <m:t>h</m:t>
+                              </m:r>
+                            </m:e>
+                            <m:sub>
+                              <m:r>
+                                <a:rPr lang="en-US" b="0" i="1" smtClean="0">
+                                  <a:latin typeface="Cambria Math" panose="02040503050406030204" pitchFamily="18" charset="0"/>
+                                </a:rPr>
+                                <m:t>𝛽</m:t>
+                              </m:r>
+                            </m:sub>
+                          </m:sSub>
+                          <m:r>
+                            <a:rPr lang="en-US" b="0" i="1" smtClean="0">
+                              <a:latin typeface="Cambria Math" panose="02040503050406030204" pitchFamily="18" charset="0"/>
+                            </a:rPr>
+                            <m:t>/2</m:t>
+                          </m:r>
+                        </m:sub>
+                      </m:sSub>
+                      <m:r>
+                        <a:rPr lang="en-US" b="0" i="1" smtClean="0">
+                          <a:latin typeface="Cambria Math" panose="02040503050406030204" pitchFamily="18" charset="0"/>
+                        </a:rPr>
+                        <m:t>=</m:t>
+                      </m:r>
+                      <m:sSub>
+                        <m:sSubPr>
+                          <m:ctrlPr>
+                            <a:rPr lang="en-US" i="1">
+                              <a:latin typeface="Cambria Math" panose="02040503050406030204" pitchFamily="18" charset="0"/>
+                            </a:rPr>
+                          </m:ctrlPr>
+                        </m:sSubPr>
+                        <m:e>
+                          <m:d>
+                            <m:dPr>
+                              <m:begChr m:val=""/>
+                              <m:endChr m:val="|"/>
+                              <m:ctrlPr>
+                                <a:rPr lang="en-US" i="1">
+                                  <a:latin typeface="Cambria Math" panose="02040503050406030204" pitchFamily="18" charset="0"/>
+                                </a:rPr>
+                              </m:ctrlPr>
+                            </m:dPr>
+                            <m:e>
+                              <m:sSup>
+                                <m:sSupPr>
+                                  <m:ctrlPr>
+                                    <a:rPr lang="en-US" i="1">
+                                      <a:latin typeface="Cambria Math" panose="02040503050406030204" pitchFamily="18" charset="0"/>
+                                    </a:rPr>
+                                  </m:ctrlPr>
+                                </m:sSupPr>
+                                <m:e>
+                                  <m:sSub>
+                                    <m:sSubPr>
+                                      <m:ctrlPr>
+                                        <a:rPr lang="en-US" i="1">
+                                          <a:latin typeface="Cambria Math" panose="02040503050406030204" pitchFamily="18" charset="0"/>
+                                        </a:rPr>
+                                      </m:ctrlPr>
+                                    </m:sSubPr>
+                                    <m:e>
+                                      <m:r>
+                                        <a:rPr lang="en-US" i="1">
+                                          <a:latin typeface="Cambria Math" panose="02040503050406030204" pitchFamily="18" charset="0"/>
+                                        </a:rPr>
+                                        <m:t>𝑢</m:t>
+                                      </m:r>
+                                    </m:e>
+                                    <m:sub>
+                                      <m:r>
+                                        <a:rPr lang="en-US" i="1">
+                                          <a:latin typeface="Cambria Math" panose="02040503050406030204" pitchFamily="18" charset="0"/>
+                                        </a:rPr>
+                                        <m:t>𝑖</m:t>
+                                      </m:r>
+                                    </m:sub>
+                                  </m:sSub>
+                                </m:e>
+                                <m:sup>
+                                  <m:r>
+                                    <a:rPr lang="en-US" i="1">
+                                      <a:latin typeface="Cambria Math" panose="02040503050406030204" pitchFamily="18" charset="0"/>
+                                    </a:rPr>
+                                    <m:t>(</m:t>
+                                  </m:r>
+                                  <m:acc>
+                                    <m:accPr>
+                                      <m:chr m:val="̂"/>
+                                      <m:ctrlPr>
+                                        <a:rPr lang="en-US" i="1" smtClean="0">
+                                          <a:latin typeface="Cambria Math" panose="02040503050406030204" pitchFamily="18" charset="0"/>
+                                        </a:rPr>
+                                      </m:ctrlPr>
+                                    </m:accPr>
+                                    <m:e>
+                                      <m:r>
+                                        <a:rPr lang="en-US" i="1">
+                                          <a:latin typeface="Cambria Math" panose="02040503050406030204" pitchFamily="18" charset="0"/>
+                                        </a:rPr>
+                                        <m:t>𝛽</m:t>
+                                      </m:r>
+                                    </m:e>
+                                  </m:acc>
+                                  <m:r>
+                                    <a:rPr lang="en-US" i="1">
+                                      <a:latin typeface="Cambria Math" panose="02040503050406030204" pitchFamily="18" charset="0"/>
+                                    </a:rPr>
+                                    <m:t>𝛾</m:t>
+                                  </m:r>
+                                  <m:r>
+                                    <a:rPr lang="en-US" i="1">
+                                      <a:latin typeface="Cambria Math" panose="02040503050406030204" pitchFamily="18" charset="0"/>
+                                    </a:rPr>
+                                    <m:t>)</m:t>
+                                  </m:r>
+                                </m:sup>
+                              </m:sSup>
+                            </m:e>
+                          </m:d>
+                        </m:e>
+                        <m:sub>
+                          <m:sSup>
+                            <m:sSupPr>
+                              <m:ctrlPr>
+                                <a:rPr lang="en-US" i="1">
+                                  <a:latin typeface="Cambria Math" panose="02040503050406030204" pitchFamily="18" charset="0"/>
+                                </a:rPr>
+                              </m:ctrlPr>
+                            </m:sSupPr>
+                            <m:e>
+                              <m:sSub>
+                                <m:sSubPr>
+                                  <m:ctrlPr>
+                                    <a:rPr lang="en-US" i="1">
+                                      <a:latin typeface="Cambria Math" panose="02040503050406030204" pitchFamily="18" charset="0"/>
+                                    </a:rPr>
+                                  </m:ctrlPr>
+                                </m:sSubPr>
+                                <m:e>
+                                  <m:acc>
+                                    <m:accPr>
+                                      <m:chr m:val="̅"/>
+                                      <m:ctrlPr>
+                                        <a:rPr lang="en-US" i="1">
+                                          <a:latin typeface="Cambria Math" panose="02040503050406030204" pitchFamily="18" charset="0"/>
+                                        </a:rPr>
+                                      </m:ctrlPr>
+                                    </m:accPr>
+                                    <m:e>
+                                      <m:r>
+                                        <a:rPr lang="en-US" i="1">
+                                          <a:latin typeface="Cambria Math" panose="02040503050406030204" pitchFamily="18" charset="0"/>
+                                        </a:rPr>
+                                        <m:t>𝑥</m:t>
+                                      </m:r>
+                                    </m:e>
+                                  </m:acc>
+                                </m:e>
+                                <m:sub>
+                                  <m:r>
+                                    <a:rPr lang="en-US" i="1">
+                                      <a:latin typeface="Cambria Math" panose="02040503050406030204" pitchFamily="18" charset="0"/>
+                                    </a:rPr>
+                                    <m:t>2</m:t>
+                                  </m:r>
+                                </m:sub>
+                              </m:sSub>
+                            </m:e>
+                            <m:sup>
+                              <m:r>
+                                <a:rPr lang="en-US" i="1">
+                                  <a:latin typeface="Cambria Math" panose="02040503050406030204" pitchFamily="18" charset="0"/>
+                                </a:rPr>
+                                <m:t>(</m:t>
+                              </m:r>
+                              <m:acc>
+                                <m:accPr>
+                                  <m:chr m:val="̂"/>
+                                  <m:ctrlPr>
+                                    <a:rPr lang="en-US" i="1">
+                                      <a:latin typeface="Cambria Math" panose="02040503050406030204" pitchFamily="18" charset="0"/>
+                                    </a:rPr>
+                                  </m:ctrlPr>
+                                </m:accPr>
+                                <m:e>
+                                  <m:r>
+                                    <a:rPr lang="en-US" i="1">
+                                      <a:latin typeface="Cambria Math" panose="02040503050406030204" pitchFamily="18" charset="0"/>
+                                    </a:rPr>
+                                    <m:t>𝛽</m:t>
+                                  </m:r>
+                                </m:e>
+                              </m:acc>
+                              <m:r>
+                                <a:rPr lang="en-US" i="1">
+                                  <a:latin typeface="Cambria Math" panose="02040503050406030204" pitchFamily="18" charset="0"/>
+                                </a:rPr>
+                                <m:t>)</m:t>
+                              </m:r>
+                            </m:sup>
+                          </m:sSup>
+                          <m:r>
+                            <a:rPr lang="en-US" i="1">
+                              <a:latin typeface="Cambria Math" panose="02040503050406030204" pitchFamily="18" charset="0"/>
+                            </a:rPr>
+                            <m:t>=</m:t>
+                          </m:r>
+                          <m:sSub>
+                            <m:sSubPr>
+                              <m:ctrlPr>
+                                <a:rPr lang="en-US" i="1">
+                                  <a:latin typeface="Cambria Math" panose="02040503050406030204" pitchFamily="18" charset="0"/>
+                                </a:rPr>
+                              </m:ctrlPr>
+                            </m:sSubPr>
+                            <m:e>
+                              <m:r>
+                                <a:rPr lang="en-US" b="0" i="1" smtClean="0">
+                                  <a:latin typeface="Cambria Math" panose="02040503050406030204" pitchFamily="18" charset="0"/>
+                                </a:rPr>
+                                <m:t>−</m:t>
+                              </m:r>
+                              <m:r>
+                                <a:rPr lang="en-US" i="1">
+                                  <a:latin typeface="Cambria Math" panose="02040503050406030204" pitchFamily="18" charset="0"/>
+                                </a:rPr>
+                                <m:t>h</m:t>
+                              </m:r>
+                            </m:e>
+                            <m:sub>
+                              <m:acc>
+                                <m:accPr>
+                                  <m:chr m:val="̂"/>
+                                  <m:ctrlPr>
+                                    <a:rPr lang="en-US" i="1">
+                                      <a:latin typeface="Cambria Math" panose="02040503050406030204" pitchFamily="18" charset="0"/>
+                                    </a:rPr>
+                                  </m:ctrlPr>
+                                </m:accPr>
+                                <m:e>
+                                  <m:r>
+                                    <a:rPr lang="en-US" i="1">
+                                      <a:latin typeface="Cambria Math" panose="02040503050406030204" pitchFamily="18" charset="0"/>
+                                    </a:rPr>
+                                    <m:t>𝛽</m:t>
+                                  </m:r>
+                                </m:e>
+                              </m:acc>
+                            </m:sub>
+                          </m:sSub>
+                          <m:r>
+                            <a:rPr lang="en-US" i="1">
+                              <a:latin typeface="Cambria Math" panose="02040503050406030204" pitchFamily="18" charset="0"/>
+                            </a:rPr>
+                            <m:t>/2</m:t>
+                          </m:r>
+                        </m:sub>
+                      </m:sSub>
+                    </m:oMath>
+                  </m:oMathPara>
+                </a14:m>
+                <a:endParaRPr lang="en-US" dirty="0" smtClean="0"/>
+              </a:p>
+              <a:p>
+                <a14:m>
+                  <m:oMathPara xmlns:m="http://schemas.openxmlformats.org/officeDocument/2006/math">
+                    <m:oMathParaPr>
+                      <m:jc m:val="centerGroup"/>
+                    </m:oMathParaPr>
+                    <m:oMath xmlns:m="http://schemas.openxmlformats.org/officeDocument/2006/math">
+                      <m:sSub>
+                        <m:sSubPr>
+                          <m:ctrlPr>
+                            <a:rPr lang="en-US" i="1">
+                              <a:latin typeface="Cambria Math" panose="02040503050406030204" pitchFamily="18" charset="0"/>
+                            </a:rPr>
+                          </m:ctrlPr>
+                        </m:sSubPr>
+                        <m:e>
+                          <m:d>
+                            <m:dPr>
+                              <m:begChr m:val=""/>
+                              <m:endChr m:val="|"/>
+                              <m:ctrlPr>
+                                <a:rPr lang="en-US" i="1">
+                                  <a:latin typeface="Cambria Math" panose="02040503050406030204" pitchFamily="18" charset="0"/>
+                                </a:rPr>
+                              </m:ctrlPr>
+                            </m:dPr>
+                            <m:e>
+                              <m:sSup>
+                                <m:sSupPr>
+                                  <m:ctrlPr>
+                                    <a:rPr lang="en-US" i="1">
+                                      <a:latin typeface="Cambria Math" panose="02040503050406030204" pitchFamily="18" charset="0"/>
+                                    </a:rPr>
+                                  </m:ctrlPr>
+                                </m:sSupPr>
+                                <m:e>
+                                  <m:sSub>
+                                    <m:sSubPr>
+                                      <m:ctrlPr>
+                                        <a:rPr lang="en-US" i="1">
+                                          <a:latin typeface="Cambria Math" panose="02040503050406030204" pitchFamily="18" charset="0"/>
+                                        </a:rPr>
+                                      </m:ctrlPr>
+                                    </m:sSubPr>
+                                    <m:e>
+                                      <m:r>
+                                        <a:rPr lang="en-US" i="1">
+                                          <a:latin typeface="Cambria Math" panose="02040503050406030204" pitchFamily="18" charset="0"/>
+                                        </a:rPr>
+                                        <m:t>𝑢</m:t>
+                                      </m:r>
+                                    </m:e>
+                                    <m:sub>
+                                      <m:r>
+                                        <a:rPr lang="en-US" i="1">
+                                          <a:latin typeface="Cambria Math" panose="02040503050406030204" pitchFamily="18" charset="0"/>
+                                        </a:rPr>
+                                        <m:t>𝑖</m:t>
+                                      </m:r>
+                                    </m:sub>
+                                  </m:sSub>
+                                </m:e>
+                                <m:sup>
+                                  <m:r>
+                                    <a:rPr lang="en-US" i="1">
+                                      <a:latin typeface="Cambria Math" panose="02040503050406030204" pitchFamily="18" charset="0"/>
+                                    </a:rPr>
+                                    <m:t>(</m:t>
+                                  </m:r>
+                                  <m:r>
+                                    <a:rPr lang="en-US" i="1">
+                                      <a:latin typeface="Cambria Math" panose="02040503050406030204" pitchFamily="18" charset="0"/>
+                                    </a:rPr>
+                                    <m:t>𝛽𝛾</m:t>
+                                  </m:r>
+                                  <m:r>
+                                    <a:rPr lang="en-US" i="1">
+                                      <a:latin typeface="Cambria Math" panose="02040503050406030204" pitchFamily="18" charset="0"/>
+                                    </a:rPr>
+                                    <m:t>)</m:t>
+                                  </m:r>
+                                </m:sup>
+                              </m:sSup>
+                            </m:e>
+                          </m:d>
+                        </m:e>
+                        <m:sub>
+                          <m:sSup>
+                            <m:sSupPr>
+                              <m:ctrlPr>
+                                <a:rPr lang="en-US" i="1">
+                                  <a:latin typeface="Cambria Math" panose="02040503050406030204" pitchFamily="18" charset="0"/>
+                                </a:rPr>
+                              </m:ctrlPr>
+                            </m:sSupPr>
+                            <m:e>
+                              <m:sSub>
+                                <m:sSubPr>
+                                  <m:ctrlPr>
+                                    <a:rPr lang="en-US" i="1">
+                                      <a:latin typeface="Cambria Math" panose="02040503050406030204" pitchFamily="18" charset="0"/>
+                                    </a:rPr>
+                                  </m:ctrlPr>
+                                </m:sSubPr>
+                                <m:e>
+                                  <m:acc>
+                                    <m:accPr>
+                                      <m:chr m:val="̅"/>
+                                      <m:ctrlPr>
+                                        <a:rPr lang="en-US" i="1">
+                                          <a:latin typeface="Cambria Math" panose="02040503050406030204" pitchFamily="18" charset="0"/>
+                                        </a:rPr>
+                                      </m:ctrlPr>
+                                    </m:accPr>
+                                    <m:e>
+                                      <m:r>
+                                        <a:rPr lang="en-US" i="1">
+                                          <a:latin typeface="Cambria Math" panose="02040503050406030204" pitchFamily="18" charset="0"/>
+                                        </a:rPr>
+                                        <m:t>𝑥</m:t>
+                                      </m:r>
+                                    </m:e>
+                                  </m:acc>
+                                </m:e>
+                                <m:sub>
+                                  <m:r>
+                                    <a:rPr lang="en-US" b="0" i="1" smtClean="0">
+                                      <a:latin typeface="Cambria Math" panose="02040503050406030204" pitchFamily="18" charset="0"/>
+                                    </a:rPr>
+                                    <m:t>3</m:t>
+                                  </m:r>
+                                </m:sub>
+                              </m:sSub>
+                            </m:e>
+                            <m:sup>
+                              <m:r>
+                                <a:rPr lang="en-US" i="1">
+                                  <a:latin typeface="Cambria Math" panose="02040503050406030204" pitchFamily="18" charset="0"/>
+                                </a:rPr>
+                                <m:t>(</m:t>
+                              </m:r>
+                              <m:r>
+                                <a:rPr lang="en-US" b="0" i="1" smtClean="0">
+                                  <a:latin typeface="Cambria Math" panose="02040503050406030204" pitchFamily="18" charset="0"/>
+                                </a:rPr>
+                                <m:t>𝛾</m:t>
+                              </m:r>
+                              <m:r>
+                                <a:rPr lang="en-US" i="1">
+                                  <a:latin typeface="Cambria Math" panose="02040503050406030204" pitchFamily="18" charset="0"/>
+                                </a:rPr>
+                                <m:t>)</m:t>
+                              </m:r>
+                            </m:sup>
+                          </m:sSup>
+                          <m:r>
+                            <a:rPr lang="en-US" i="1">
+                              <a:latin typeface="Cambria Math" panose="02040503050406030204" pitchFamily="18" charset="0"/>
+                            </a:rPr>
+                            <m:t>=</m:t>
+                          </m:r>
+                          <m:sSub>
+                            <m:sSubPr>
+                              <m:ctrlPr>
+                                <a:rPr lang="en-US" i="1">
+                                  <a:latin typeface="Cambria Math" panose="02040503050406030204" pitchFamily="18" charset="0"/>
+                                </a:rPr>
+                              </m:ctrlPr>
+                            </m:sSubPr>
+                            <m:e>
+                              <m:r>
+                                <a:rPr lang="en-US" b="0" i="1" smtClean="0">
+                                  <a:latin typeface="Cambria Math" panose="02040503050406030204" pitchFamily="18" charset="0"/>
+                                </a:rPr>
+                                <m:t>𝑙</m:t>
+                              </m:r>
+                            </m:e>
+                            <m:sub>
+                              <m:r>
+                                <a:rPr lang="en-US" b="0" i="1" smtClean="0">
+                                  <a:latin typeface="Cambria Math" panose="02040503050406030204" pitchFamily="18" charset="0"/>
+                                </a:rPr>
+                                <m:t>𝛾</m:t>
+                              </m:r>
+                            </m:sub>
+                          </m:sSub>
+                          <m:r>
+                            <a:rPr lang="en-US" i="1">
+                              <a:latin typeface="Cambria Math" panose="02040503050406030204" pitchFamily="18" charset="0"/>
+                            </a:rPr>
+                            <m:t>/2</m:t>
+                          </m:r>
+                        </m:sub>
+                      </m:sSub>
+                      <m:r>
+                        <a:rPr lang="en-US" i="1">
+                          <a:latin typeface="Cambria Math" panose="02040503050406030204" pitchFamily="18" charset="0"/>
+                        </a:rPr>
+                        <m:t>=</m:t>
+                      </m:r>
+                      <m:sSub>
+                        <m:sSubPr>
+                          <m:ctrlPr>
+                            <a:rPr lang="en-US" i="1">
+                              <a:latin typeface="Cambria Math" panose="02040503050406030204" pitchFamily="18" charset="0"/>
+                            </a:rPr>
+                          </m:ctrlPr>
+                        </m:sSubPr>
+                        <m:e>
+                          <m:d>
+                            <m:dPr>
+                              <m:begChr m:val=""/>
+                              <m:endChr m:val="|"/>
+                              <m:ctrlPr>
+                                <a:rPr lang="en-US" i="1">
+                                  <a:latin typeface="Cambria Math" panose="02040503050406030204" pitchFamily="18" charset="0"/>
+                                </a:rPr>
+                              </m:ctrlPr>
+                            </m:dPr>
+                            <m:e>
+                              <m:sSup>
+                                <m:sSupPr>
+                                  <m:ctrlPr>
+                                    <a:rPr lang="en-US" i="1">
+                                      <a:latin typeface="Cambria Math" panose="02040503050406030204" pitchFamily="18" charset="0"/>
+                                    </a:rPr>
+                                  </m:ctrlPr>
+                                </m:sSupPr>
+                                <m:e>
+                                  <m:sSub>
+                                    <m:sSubPr>
+                                      <m:ctrlPr>
+                                        <a:rPr lang="en-US" i="1">
+                                          <a:latin typeface="Cambria Math" panose="02040503050406030204" pitchFamily="18" charset="0"/>
+                                        </a:rPr>
+                                      </m:ctrlPr>
+                                    </m:sSubPr>
+                                    <m:e>
+                                      <m:r>
+                                        <a:rPr lang="en-US" i="1">
+                                          <a:latin typeface="Cambria Math" panose="02040503050406030204" pitchFamily="18" charset="0"/>
+                                        </a:rPr>
+                                        <m:t>𝑢</m:t>
+                                      </m:r>
+                                    </m:e>
+                                    <m:sub>
+                                      <m:r>
+                                        <a:rPr lang="en-US" i="1">
+                                          <a:latin typeface="Cambria Math" panose="02040503050406030204" pitchFamily="18" charset="0"/>
+                                        </a:rPr>
+                                        <m:t>𝑖</m:t>
+                                      </m:r>
+                                    </m:sub>
+                                  </m:sSub>
+                                </m:e>
+                                <m:sup>
+                                  <m:r>
+                                    <a:rPr lang="en-US" i="1">
+                                      <a:latin typeface="Cambria Math" panose="02040503050406030204" pitchFamily="18" charset="0"/>
+                                    </a:rPr>
+                                    <m:t>(</m:t>
+                                  </m:r>
+                                  <m:r>
+                                    <a:rPr lang="en-US" b="0" i="1" smtClean="0">
+                                      <a:latin typeface="Cambria Math" panose="02040503050406030204" pitchFamily="18" charset="0"/>
+                                    </a:rPr>
+                                    <m:t>𝛽</m:t>
+                                  </m:r>
+                                  <m:acc>
+                                    <m:accPr>
+                                      <m:chr m:val="̂"/>
+                                      <m:ctrlPr>
+                                        <a:rPr lang="en-US" b="0" i="1" smtClean="0">
+                                          <a:latin typeface="Cambria Math" panose="02040503050406030204" pitchFamily="18" charset="0"/>
+                                        </a:rPr>
+                                      </m:ctrlPr>
+                                    </m:accPr>
+                                    <m:e>
+                                      <m:r>
+                                        <a:rPr lang="en-US" b="0" i="1" smtClean="0">
+                                          <a:latin typeface="Cambria Math" panose="02040503050406030204" pitchFamily="18" charset="0"/>
+                                        </a:rPr>
+                                        <m:t>𝛾</m:t>
+                                      </m:r>
+                                    </m:e>
+                                  </m:acc>
+                                  <m:r>
+                                    <a:rPr lang="en-US" i="1">
+                                      <a:latin typeface="Cambria Math" panose="02040503050406030204" pitchFamily="18" charset="0"/>
+                                    </a:rPr>
+                                    <m:t>)</m:t>
+                                  </m:r>
+                                </m:sup>
+                              </m:sSup>
+                            </m:e>
+                          </m:d>
+                        </m:e>
+                        <m:sub>
+                          <m:sSup>
+                            <m:sSupPr>
+                              <m:ctrlPr>
+                                <a:rPr lang="en-US" i="1">
+                                  <a:latin typeface="Cambria Math" panose="02040503050406030204" pitchFamily="18" charset="0"/>
+                                </a:rPr>
+                              </m:ctrlPr>
+                            </m:sSupPr>
+                            <m:e>
+                              <m:sSub>
+                                <m:sSubPr>
+                                  <m:ctrlPr>
+                                    <a:rPr lang="en-US" i="1">
+                                      <a:latin typeface="Cambria Math" panose="02040503050406030204" pitchFamily="18" charset="0"/>
+                                    </a:rPr>
+                                  </m:ctrlPr>
+                                </m:sSubPr>
+                                <m:e>
+                                  <m:acc>
+                                    <m:accPr>
+                                      <m:chr m:val="̅"/>
+                                      <m:ctrlPr>
+                                        <a:rPr lang="en-US" i="1">
+                                          <a:latin typeface="Cambria Math" panose="02040503050406030204" pitchFamily="18" charset="0"/>
+                                        </a:rPr>
+                                      </m:ctrlPr>
+                                    </m:accPr>
+                                    <m:e>
+                                      <m:r>
+                                        <a:rPr lang="en-US" i="1">
+                                          <a:latin typeface="Cambria Math" panose="02040503050406030204" pitchFamily="18" charset="0"/>
+                                        </a:rPr>
+                                        <m:t>𝑥</m:t>
+                                      </m:r>
+                                    </m:e>
+                                  </m:acc>
+                                </m:e>
+                                <m:sub>
+                                  <m:r>
+                                    <a:rPr lang="en-US" b="0" i="1" smtClean="0">
+                                      <a:latin typeface="Cambria Math" panose="02040503050406030204" pitchFamily="18" charset="0"/>
+                                    </a:rPr>
+                                    <m:t>3</m:t>
+                                  </m:r>
+                                </m:sub>
+                              </m:sSub>
+                            </m:e>
+                            <m:sup>
+                              <m:r>
+                                <a:rPr lang="en-US" i="1">
+                                  <a:latin typeface="Cambria Math" panose="02040503050406030204" pitchFamily="18" charset="0"/>
+                                </a:rPr>
+                                <m:t>(</m:t>
+                              </m:r>
+                              <m:acc>
+                                <m:accPr>
+                                  <m:chr m:val="̂"/>
+                                  <m:ctrlPr>
+                                    <a:rPr lang="en-US" i="1">
+                                      <a:latin typeface="Cambria Math" panose="02040503050406030204" pitchFamily="18" charset="0"/>
+                                    </a:rPr>
+                                  </m:ctrlPr>
+                                </m:accPr>
+                                <m:e>
+                                  <m:r>
+                                    <a:rPr lang="en-US" b="0" i="1" smtClean="0">
+                                      <a:latin typeface="Cambria Math" panose="02040503050406030204" pitchFamily="18" charset="0"/>
+                                    </a:rPr>
+                                    <m:t>𝛾</m:t>
+                                  </m:r>
+                                </m:e>
+                              </m:acc>
+                              <m:r>
+                                <a:rPr lang="en-US" i="1">
+                                  <a:latin typeface="Cambria Math" panose="02040503050406030204" pitchFamily="18" charset="0"/>
+                                </a:rPr>
+                                <m:t>)</m:t>
+                              </m:r>
+                            </m:sup>
+                          </m:sSup>
+                          <m:r>
+                            <a:rPr lang="en-US" i="1">
+                              <a:latin typeface="Cambria Math" panose="02040503050406030204" pitchFamily="18" charset="0"/>
+                            </a:rPr>
+                            <m:t>=</m:t>
+                          </m:r>
+                          <m:sSub>
+                            <m:sSubPr>
+                              <m:ctrlPr>
+                                <a:rPr lang="en-US" i="1">
+                                  <a:latin typeface="Cambria Math" panose="02040503050406030204" pitchFamily="18" charset="0"/>
+                                </a:rPr>
+                              </m:ctrlPr>
+                            </m:sSubPr>
+                            <m:e>
+                              <m:r>
+                                <a:rPr lang="en-US" b="0" i="1" smtClean="0">
+                                  <a:latin typeface="Cambria Math" panose="02040503050406030204" pitchFamily="18" charset="0"/>
+                                </a:rPr>
+                                <m:t>−</m:t>
+                              </m:r>
+                              <m:r>
+                                <a:rPr lang="en-US" b="0" i="1" smtClean="0">
+                                  <a:latin typeface="Cambria Math" panose="02040503050406030204" pitchFamily="18" charset="0"/>
+                                </a:rPr>
+                                <m:t>𝑙</m:t>
+                              </m:r>
+                            </m:e>
+                            <m:sub>
+                              <m:acc>
+                                <m:accPr>
+                                  <m:chr m:val="̂"/>
+                                  <m:ctrlPr>
+                                    <a:rPr lang="en-US" i="1">
+                                      <a:latin typeface="Cambria Math" panose="02040503050406030204" pitchFamily="18" charset="0"/>
+                                    </a:rPr>
+                                  </m:ctrlPr>
+                                </m:accPr>
+                                <m:e>
+                                  <m:r>
+                                    <a:rPr lang="en-US" b="0" i="1" smtClean="0">
+                                      <a:latin typeface="Cambria Math" panose="02040503050406030204" pitchFamily="18" charset="0"/>
+                                    </a:rPr>
+                                    <m:t>𝛾</m:t>
+                                  </m:r>
+                                </m:e>
+                              </m:acc>
+                            </m:sub>
+                          </m:sSub>
+                          <m:r>
+                            <a:rPr lang="en-US" i="1">
+                              <a:latin typeface="Cambria Math" panose="02040503050406030204" pitchFamily="18" charset="0"/>
+                            </a:rPr>
+                            <m:t>/2</m:t>
+                          </m:r>
+                        </m:sub>
+                      </m:sSub>
+                    </m:oMath>
+                  </m:oMathPara>
+                </a14:m>
+                <a:endParaRPr lang="en-US" dirty="0" smtClean="0"/>
+              </a:p>
+              <a:p>
+                <a:endParaRPr lang="en-US" dirty="0" smtClean="0"/>
+              </a:p>
+              <a:p>
+                <a14:m>
+                  <m:oMathPara xmlns:m="http://schemas.openxmlformats.org/officeDocument/2006/math">
+                    <m:oMathParaPr>
+                      <m:jc m:val="centerGroup"/>
+                    </m:oMathParaPr>
+                    <m:oMath xmlns:m="http://schemas.openxmlformats.org/officeDocument/2006/math">
+                      <m:acc>
+                        <m:accPr>
+                          <m:chr m:val="̂"/>
+                          <m:ctrlPr>
+                            <a:rPr lang="en-US" i="1" smtClean="0">
+                              <a:latin typeface="Cambria Math" panose="02040503050406030204" pitchFamily="18" charset="0"/>
+                            </a:rPr>
+                          </m:ctrlPr>
+                        </m:accPr>
+                        <m:e>
+                          <m:r>
+                            <a:rPr lang="en-US" i="1">
+                              <a:latin typeface="Cambria Math" panose="02040503050406030204" pitchFamily="18" charset="0"/>
+                            </a:rPr>
+                            <m:t>𝛽</m:t>
+                          </m:r>
+                        </m:e>
+                      </m:acc>
+                      <m:r>
+                        <a:rPr lang="en-US" i="1">
+                          <a:latin typeface="Cambria Math" panose="02040503050406030204" pitchFamily="18" charset="0"/>
+                        </a:rPr>
+                        <m:t>=</m:t>
+                      </m:r>
+                      <m:d>
+                        <m:dPr>
+                          <m:begChr m:val="{"/>
+                          <m:endChr m:val=""/>
+                          <m:ctrlPr>
+                            <a:rPr lang="en-US" i="1">
+                              <a:latin typeface="Cambria Math" panose="02040503050406030204" pitchFamily="18" charset="0"/>
+                            </a:rPr>
+                          </m:ctrlPr>
+                        </m:dPr>
+                        <m:e>
+                          <m:eqArr>
+                            <m:eqArrPr>
+                              <m:ctrlPr>
+                                <a:rPr lang="en-US" i="1">
+                                  <a:latin typeface="Cambria Math" panose="02040503050406030204" pitchFamily="18" charset="0"/>
+                                </a:rPr>
+                              </m:ctrlPr>
+                            </m:eqArrPr>
+                            <m:e>
+                              <m:r>
+                                <a:rPr lang="en-US" b="0" i="1" smtClean="0">
+                                  <a:latin typeface="Cambria Math" panose="02040503050406030204" pitchFamily="18" charset="0"/>
+                                </a:rPr>
+                                <m:t>𝛽</m:t>
+                              </m:r>
+                              <m:r>
+                                <a:rPr lang="en-US" b="0" i="1" smtClean="0">
+                                  <a:latin typeface="Cambria Math" panose="02040503050406030204" pitchFamily="18" charset="0"/>
+                                </a:rPr>
+                                <m:t>+1,  </m:t>
+                              </m:r>
+                              <m:r>
+                                <a:rPr lang="en-US" b="0" i="1" smtClean="0">
+                                  <a:latin typeface="Cambria Math" panose="02040503050406030204" pitchFamily="18" charset="0"/>
+                                </a:rPr>
+                                <m:t>𝛽</m:t>
+                              </m:r>
+                              <m:r>
+                                <a:rPr lang="en-US" i="1">
+                                  <a:latin typeface="Cambria Math" panose="02040503050406030204" pitchFamily="18" charset="0"/>
+                                </a:rPr>
+                                <m:t>&lt;</m:t>
+                              </m:r>
+                              <m:sSub>
+                                <m:sSubPr>
+                                  <m:ctrlPr>
+                                    <a:rPr lang="en-US" i="1" smtClean="0">
+                                      <a:latin typeface="Cambria Math" panose="02040503050406030204" pitchFamily="18" charset="0"/>
+                                    </a:rPr>
+                                  </m:ctrlPr>
+                                </m:sSubPr>
+                                <m:e>
+                                  <m:r>
+                                    <a:rPr lang="en-US" b="0" i="1" smtClean="0">
+                                      <a:latin typeface="Cambria Math" panose="02040503050406030204" pitchFamily="18" charset="0"/>
+                                    </a:rPr>
+                                    <m:t>𝑁</m:t>
+                                  </m:r>
+                                </m:e>
+                                <m:sub>
+                                  <m:r>
+                                    <a:rPr lang="en-US" b="0" i="1" smtClean="0">
+                                      <a:latin typeface="Cambria Math" panose="02040503050406030204" pitchFamily="18" charset="0"/>
+                                    </a:rPr>
+                                    <m:t>𝛽</m:t>
+                                  </m:r>
+                                </m:sub>
+                              </m:sSub>
+                            </m:e>
+                            <m:e>
+                              <m:r>
+                                <a:rPr lang="en-US" i="1">
+                                  <a:latin typeface="Cambria Math" panose="02040503050406030204" pitchFamily="18" charset="0"/>
+                                </a:rPr>
+                                <m:t>&amp;</m:t>
+                              </m:r>
+                              <m:r>
+                                <a:rPr lang="en-US" b="0" i="1" smtClean="0">
+                                  <a:latin typeface="Cambria Math" panose="02040503050406030204" pitchFamily="18" charset="0"/>
+                                </a:rPr>
+                                <m:t>1</m:t>
+                              </m:r>
+                              <m:r>
+                                <a:rPr lang="en-US" i="1">
+                                  <a:latin typeface="Cambria Math" panose="02040503050406030204" pitchFamily="18" charset="0"/>
+                                </a:rPr>
+                                <m:t>,</m:t>
+                              </m:r>
+                              <m:r>
+                                <a:rPr lang="en-US" b="0" i="1" smtClean="0">
+                                  <a:latin typeface="Cambria Math" panose="02040503050406030204" pitchFamily="18" charset="0"/>
+                                </a:rPr>
+                                <m:t>        </m:t>
+                              </m:r>
+                              <m:r>
+                                <a:rPr lang="en-US" i="1">
+                                  <a:latin typeface="Cambria Math" panose="02040503050406030204" pitchFamily="18" charset="0"/>
+                                </a:rPr>
+                                <m:t>  </m:t>
+                              </m:r>
+                              <m:r>
+                                <a:rPr lang="en-US" b="0" i="1" smtClean="0">
+                                  <a:latin typeface="Cambria Math" panose="02040503050406030204" pitchFamily="18" charset="0"/>
+                                </a:rPr>
+                                <m:t>𝛽</m:t>
+                              </m:r>
+                              <m:r>
+                                <a:rPr lang="en-US" b="0" i="1" smtClean="0">
+                                  <a:latin typeface="Cambria Math" panose="02040503050406030204" pitchFamily="18" charset="0"/>
+                                </a:rPr>
+                                <m:t>=</m:t>
+                              </m:r>
+                              <m:sSub>
+                                <m:sSubPr>
+                                  <m:ctrlPr>
+                                    <a:rPr lang="en-US" i="1">
+                                      <a:latin typeface="Cambria Math" panose="02040503050406030204" pitchFamily="18" charset="0"/>
+                                    </a:rPr>
+                                  </m:ctrlPr>
+                                </m:sSubPr>
+                                <m:e>
+                                  <m:r>
+                                    <a:rPr lang="en-US" i="1">
+                                      <a:latin typeface="Cambria Math" panose="02040503050406030204" pitchFamily="18" charset="0"/>
+                                    </a:rPr>
+                                    <m:t>𝑁</m:t>
+                                  </m:r>
+                                </m:e>
+                                <m:sub>
+                                  <m:r>
+                                    <a:rPr lang="en-US" i="1">
+                                      <a:latin typeface="Cambria Math" panose="02040503050406030204" pitchFamily="18" charset="0"/>
+                                    </a:rPr>
+                                    <m:t>𝛽</m:t>
+                                  </m:r>
+                                </m:sub>
+                              </m:sSub>
+                            </m:e>
+                          </m:eqArr>
+                        </m:e>
+                      </m:d>
+                    </m:oMath>
+                  </m:oMathPara>
+                </a14:m>
+                <a:endParaRPr lang="en-US" dirty="0" smtClean="0"/>
+              </a:p>
+              <a:p>
+                <a14:m>
+                  <m:oMathPara xmlns:m="http://schemas.openxmlformats.org/officeDocument/2006/math">
+                    <m:oMathParaPr>
+                      <m:jc m:val="centerGroup"/>
+                    </m:oMathParaPr>
+                    <m:oMath xmlns:m="http://schemas.openxmlformats.org/officeDocument/2006/math">
+                      <m:acc>
+                        <m:accPr>
+                          <m:chr m:val="̂"/>
+                          <m:ctrlPr>
+                            <a:rPr lang="en-US" i="1">
+                              <a:latin typeface="Cambria Math" panose="02040503050406030204" pitchFamily="18" charset="0"/>
+                            </a:rPr>
+                          </m:ctrlPr>
+                        </m:accPr>
+                        <m:e>
+                          <m:r>
+                            <a:rPr lang="en-US" b="0" i="1" smtClean="0">
+                              <a:latin typeface="Cambria Math" panose="02040503050406030204" pitchFamily="18" charset="0"/>
+                            </a:rPr>
+                            <m:t>𝛾</m:t>
+                          </m:r>
+                        </m:e>
+                      </m:acc>
+                      <m:r>
+                        <a:rPr lang="en-US" i="1">
+                          <a:latin typeface="Cambria Math" panose="02040503050406030204" pitchFamily="18" charset="0"/>
+                        </a:rPr>
+                        <m:t>=</m:t>
+                      </m:r>
+                      <m:d>
+                        <m:dPr>
+                          <m:begChr m:val="{"/>
+                          <m:endChr m:val=""/>
+                          <m:ctrlPr>
+                            <a:rPr lang="en-US" i="1">
+                              <a:latin typeface="Cambria Math" panose="02040503050406030204" pitchFamily="18" charset="0"/>
+                            </a:rPr>
+                          </m:ctrlPr>
+                        </m:dPr>
+                        <m:e>
+                          <m:eqArr>
+                            <m:eqArrPr>
+                              <m:ctrlPr>
+                                <a:rPr lang="en-US" i="1">
+                                  <a:latin typeface="Cambria Math" panose="02040503050406030204" pitchFamily="18" charset="0"/>
+                                </a:rPr>
+                              </m:ctrlPr>
+                            </m:eqArrPr>
+                            <m:e>
+                              <m:r>
+                                <a:rPr lang="en-US" b="0" i="1" smtClean="0">
+                                  <a:latin typeface="Cambria Math" panose="02040503050406030204" pitchFamily="18" charset="0"/>
+                                </a:rPr>
+                                <m:t>𝛾</m:t>
+                              </m:r>
+                              <m:r>
+                                <a:rPr lang="en-US" i="1">
+                                  <a:latin typeface="Cambria Math" panose="02040503050406030204" pitchFamily="18" charset="0"/>
+                                </a:rPr>
+                                <m:t>+1,  </m:t>
+                              </m:r>
+                              <m:r>
+                                <a:rPr lang="en-US" b="0" i="1" smtClean="0">
+                                  <a:latin typeface="Cambria Math" panose="02040503050406030204" pitchFamily="18" charset="0"/>
+                                </a:rPr>
+                                <m:t>𝛾</m:t>
+                              </m:r>
+                              <m:r>
+                                <a:rPr lang="en-US" i="1">
+                                  <a:latin typeface="Cambria Math" panose="02040503050406030204" pitchFamily="18" charset="0"/>
+                                </a:rPr>
+                                <m:t>&lt;</m:t>
+                              </m:r>
+                              <m:sSub>
+                                <m:sSubPr>
+                                  <m:ctrlPr>
+                                    <a:rPr lang="en-US" i="1">
+                                      <a:latin typeface="Cambria Math" panose="02040503050406030204" pitchFamily="18" charset="0"/>
+                                    </a:rPr>
+                                  </m:ctrlPr>
+                                </m:sSubPr>
+                                <m:e>
+                                  <m:r>
+                                    <a:rPr lang="en-US" i="1">
+                                      <a:latin typeface="Cambria Math" panose="02040503050406030204" pitchFamily="18" charset="0"/>
+                                    </a:rPr>
+                                    <m:t>𝑁</m:t>
+                                  </m:r>
+                                </m:e>
+                                <m:sub>
+                                  <m:r>
+                                    <a:rPr lang="en-US" b="0" i="1" smtClean="0">
+                                      <a:latin typeface="Cambria Math" panose="02040503050406030204" pitchFamily="18" charset="0"/>
+                                    </a:rPr>
+                                    <m:t>𝛾</m:t>
+                                  </m:r>
+                                </m:sub>
+                              </m:sSub>
+                            </m:e>
+                            <m:e>
+                              <m:r>
+                                <a:rPr lang="en-US" i="1">
+                                  <a:latin typeface="Cambria Math" panose="02040503050406030204" pitchFamily="18" charset="0"/>
+                                </a:rPr>
+                                <m:t>&amp;</m:t>
+                              </m:r>
+                              <m:r>
+                                <a:rPr lang="en-US" i="1">
+                                  <a:latin typeface="Cambria Math" panose="02040503050406030204" pitchFamily="18" charset="0"/>
+                                </a:rPr>
+                                <m:t>1</m:t>
+                              </m:r>
+                              <m:r>
+                                <a:rPr lang="en-US" i="1">
+                                  <a:latin typeface="Cambria Math" panose="02040503050406030204" pitchFamily="18" charset="0"/>
+                                </a:rPr>
+                                <m:t>,</m:t>
+                              </m:r>
+                              <m:r>
+                                <a:rPr lang="en-US" i="1">
+                                  <a:latin typeface="Cambria Math" panose="02040503050406030204" pitchFamily="18" charset="0"/>
+                                </a:rPr>
+                                <m:t>        </m:t>
+                              </m:r>
+                              <m:r>
+                                <a:rPr lang="en-US" i="1">
+                                  <a:latin typeface="Cambria Math" panose="02040503050406030204" pitchFamily="18" charset="0"/>
+                                </a:rPr>
+                                <m:t>  </m:t>
+                              </m:r>
+                              <m:r>
+                                <a:rPr lang="en-US" b="0" i="1" smtClean="0">
+                                  <a:latin typeface="Cambria Math" panose="02040503050406030204" pitchFamily="18" charset="0"/>
+                                </a:rPr>
+                                <m:t>𝛾</m:t>
+                              </m:r>
+                              <m:r>
+                                <a:rPr lang="en-US" i="1">
+                                  <a:latin typeface="Cambria Math" panose="02040503050406030204" pitchFamily="18" charset="0"/>
+                                </a:rPr>
+                                <m:t>=</m:t>
+                              </m:r>
+                              <m:sSub>
+                                <m:sSubPr>
+                                  <m:ctrlPr>
+                                    <a:rPr lang="en-US" i="1">
+                                      <a:latin typeface="Cambria Math" panose="02040503050406030204" pitchFamily="18" charset="0"/>
+                                    </a:rPr>
+                                  </m:ctrlPr>
+                                </m:sSubPr>
+                                <m:e>
+                                  <m:r>
+                                    <a:rPr lang="en-US" i="1">
+                                      <a:latin typeface="Cambria Math" panose="02040503050406030204" pitchFamily="18" charset="0"/>
+                                    </a:rPr>
+                                    <m:t>𝑁</m:t>
+                                  </m:r>
+                                </m:e>
+                                <m:sub>
+                                  <m:r>
+                                    <a:rPr lang="en-US" b="0" i="1" smtClean="0">
+                                      <a:latin typeface="Cambria Math" panose="02040503050406030204" pitchFamily="18" charset="0"/>
+                                    </a:rPr>
+                                    <m:t>𝛾</m:t>
+                                  </m:r>
+                                </m:sub>
+                              </m:sSub>
+                            </m:e>
+                          </m:eqArr>
+                        </m:e>
+                      </m:d>
+                    </m:oMath>
+                  </m:oMathPara>
+                </a14:m>
+                <a:endParaRPr lang="en-US" dirty="0"/>
+              </a:p>
+            </p:txBody>
+          </p:sp>
+        </mc:Choice>
+        <mc:Fallback>
+          <p:sp>
+            <p:nvSpPr>
+              <p:cNvPr id="2" name="TextBox 1"/>
+              <p:cNvSpPr txBox="1">
+                <a:spLocks noRot="1" noChangeAspect="1" noMove="1" noResize="1" noEditPoints="1" noAdjustHandles="1" noChangeArrowheads="1" noChangeShapeType="1" noTextEdit="1"/>
+              </p:cNvSpPr>
+              <p:nvPr/>
+            </p:nvSpPr>
+            <p:spPr>
+              <a:xfrm>
+                <a:off x="7316189" y="3338111"/>
+                <a:ext cx="4037611" cy="2866939"/>
+              </a:xfrm>
+              <a:prstGeom prst="rect">
+                <a:avLst/>
+              </a:prstGeom>
+              <a:blipFill rotWithShape="0">
+                <a:blip r:embed="rId2"/>
+                <a:stretch>
+                  <a:fillRect t="-30426"/>
+                </a:stretch>
+              </a:blipFill>
+            </p:spPr>
+            <p:txBody>
+              <a:bodyPr/>
+              <a:lstStyle/>
+              <a:p>
+                <a:r>
+                  <a:rPr lang="en-US">
+                    <a:noFill/>
+                  </a:rPr>
+                  <a:t> </a:t>
+                </a:r>
+              </a:p>
+            </p:txBody>
+          </p:sp>
+        </mc:Fallback>
+      </mc:AlternateContent>
       <p:pic>
         <p:nvPicPr>
-          <p:cNvPr id="7" name="Content Placeholder 6"/>
+          <p:cNvPr id="12" name="Content Placeholder 11"/>
           <p:cNvPicPr>
             <a:picLocks noGrp="1" noChangeAspect="1"/>
           </p:cNvPicPr>
@@ -3445,53 +5250,45 @@
             <p:ph sz="half" idx="2"/>
           </p:nvPr>
         </p:nvPicPr>
-        <p:blipFill rotWithShape="1">
-          <a:blip r:embed="rId2">
-            <a:extLst>
-              <a:ext uri="{28A0092B-C50C-407E-A947-70E740481C1C}">
-                <a14:useLocalDpi xmlns:a14="http://schemas.microsoft.com/office/drawing/2010/main" val="0"/>
-              </a:ext>
-            </a:extLst>
-          </a:blip>
-          <a:srcRect l="12892" t="17836" r="9186" b="21479"/>
-          <a:stretch/>
+        <p:blipFill>
+          <a:blip r:embed="rId3"/>
+          <a:stretch>
+            <a:fillRect/>
+          </a:stretch>
         </p:blipFill>
         <p:spPr>
           <a:xfrm>
-            <a:off x="7316189" y="3825647"/>
-            <a:ext cx="4037611" cy="2351316"/>
-          </a:xfrm>
-        </p:spPr>
-      </p:pic>
-      <p:pic>
-        <p:nvPicPr>
-          <p:cNvPr id="8" name="Picture 7"/>
-          <p:cNvPicPr>
-            <a:picLocks noChangeAspect="1"/>
-          </p:cNvPicPr>
-          <p:nvPr/>
-        </p:nvPicPr>
-        <p:blipFill rotWithShape="1">
-          <a:blip r:embed="rId3">
-            <a:extLst>
-              <a:ext uri="{28A0092B-C50C-407E-A947-70E740481C1C}">
-                <a14:useLocalDpi xmlns:a14="http://schemas.microsoft.com/office/drawing/2010/main" val="0"/>
-              </a:ext>
-            </a:extLst>
-          </a:blip>
-          <a:srcRect l="21092" t="7330" r="16993" b="10468"/>
-          <a:stretch/>
-        </p:blipFill>
-        <p:spPr>
-          <a:xfrm>
-            <a:off x="8230093" y="1201891"/>
-            <a:ext cx="2209801" cy="2193846"/>
+            <a:off x="7837166" y="349219"/>
+            <a:ext cx="2995655" cy="2952812"/>
           </a:xfrm>
           <a:prstGeom prst="rect">
             <a:avLst/>
           </a:prstGeom>
         </p:spPr>
       </p:pic>
+      <p:sp>
+        <p:nvSpPr>
+          <p:cNvPr id="13" name="Slide Number Placeholder 12"/>
+          <p:cNvSpPr>
+            <a:spLocks noGrp="1"/>
+          </p:cNvSpPr>
+          <p:nvPr>
+            <p:ph type="sldNum" sz="quarter" idx="12"/>
+          </p:nvPr>
+        </p:nvSpPr>
+        <p:spPr/>
+        <p:txBody>
+          <a:bodyPr/>
+          <a:lstStyle/>
+          <a:p>
+            <a:fld id="{3C34C07B-8F94-49B6-B743-70BD1DFD034D}" type="slidenum">
+              <a:rPr lang="en-US" smtClean="0"/>
+              <a:t>3</a:t>
+            </a:fld>
+            <a:endParaRPr lang="en-US"/>
+          </a:p>
+        </p:txBody>
+      </p:sp>
     </p:spTree>
     <p:extLst>
       <p:ext uri="{BB962C8B-B14F-4D97-AF65-F5344CB8AC3E}">
@@ -3538,329 +5335,852 @@
           <a:lstStyle/>
           <a:p>
             <a:r>
-              <a:rPr lang="en-US" dirty="0" smtClean="0"/>
-              <a:t>The Code</a:t>
-            </a:r>
-            <a:endParaRPr lang="en-US" dirty="0"/>
+              <a:rPr lang="en-US" b="1" dirty="0" smtClean="0"/>
+              <a:t>The Method of Cells </a:t>
+            </a:r>
+            <a:endParaRPr lang="en-US" b="1" dirty="0"/>
+          </a:p>
+        </p:txBody>
+      </p:sp>
+      <mc:AlternateContent xmlns:mc="http://schemas.openxmlformats.org/markup-compatibility/2006">
+        <mc:Choice xmlns:a14="http://schemas.microsoft.com/office/drawing/2010/main" Requires="a14">
+          <p:sp>
+            <p:nvSpPr>
+              <p:cNvPr id="3" name="Content Placeholder 2"/>
+              <p:cNvSpPr>
+                <a:spLocks noGrp="1"/>
+              </p:cNvSpPr>
+              <p:nvPr>
+                <p:ph sz="half" idx="1"/>
+              </p:nvPr>
+            </p:nvSpPr>
+            <p:spPr/>
+            <p:txBody>
+              <a:bodyPr/>
+              <a:lstStyle/>
+              <a:p>
+                <a:pPr marL="0" indent="0">
+                  <a:spcAft>
+                    <a:spcPts val="1200"/>
+                  </a:spcAft>
+                  <a:buNone/>
+                </a:pPr>
+                <a:r>
+                  <a:rPr lang="en-US" dirty="0" smtClean="0"/>
+                  <a:t>Apply strain to </a:t>
+                </a:r>
+                <a:r>
+                  <a:rPr lang="en-US" dirty="0" err="1" smtClean="0"/>
+                  <a:t>subcells</a:t>
+                </a:r>
+                <a:r>
+                  <a:rPr lang="en-US" dirty="0" smtClean="0"/>
+                  <a:t>:</a:t>
+                </a:r>
+                <a:endParaRPr lang="en-US" dirty="0"/>
+              </a:p>
+              <a:p>
+                <a:pPr marL="0" indent="0">
+                  <a:buNone/>
+                </a:pPr>
+                <a14:m>
+                  <m:oMathPara xmlns:m="http://schemas.openxmlformats.org/officeDocument/2006/math">
+                    <m:oMathParaPr>
+                      <m:jc m:val="centerGroup"/>
+                    </m:oMathParaPr>
+                    <m:oMath xmlns:m="http://schemas.openxmlformats.org/officeDocument/2006/math">
+                      <m:sSup>
+                        <m:sSupPr>
+                          <m:ctrlPr>
+                            <a:rPr lang="en-US" i="1" smtClean="0">
+                              <a:latin typeface="Cambria Math" panose="02040503050406030204" pitchFamily="18" charset="0"/>
+                            </a:rPr>
+                          </m:ctrlPr>
+                        </m:sSupPr>
+                        <m:e>
+                          <m:acc>
+                            <m:accPr>
+                              <m:chr m:val="̅"/>
+                              <m:ctrlPr>
+                                <a:rPr lang="en-US" i="1">
+                                  <a:latin typeface="Cambria Math" panose="02040503050406030204" pitchFamily="18" charset="0"/>
+                                </a:rPr>
+                              </m:ctrlPr>
+                            </m:accPr>
+                            <m:e>
+                              <m:r>
+                                <a:rPr lang="en-US" b="1" i="1">
+                                  <a:latin typeface="Cambria Math" panose="02040503050406030204" pitchFamily="18" charset="0"/>
+                                </a:rPr>
+                                <m:t>𝜺</m:t>
+                              </m:r>
+                            </m:e>
+                          </m:acc>
+                        </m:e>
+                        <m:sup>
+                          <m:d>
+                            <m:dPr>
+                              <m:ctrlPr>
+                                <a:rPr lang="en-US" i="1">
+                                  <a:latin typeface="Cambria Math" panose="02040503050406030204" pitchFamily="18" charset="0"/>
+                                </a:rPr>
+                              </m:ctrlPr>
+                            </m:dPr>
+                            <m:e>
+                              <m:r>
+                                <a:rPr lang="en-US" i="1">
+                                  <a:latin typeface="Cambria Math" panose="02040503050406030204" pitchFamily="18" charset="0"/>
+                                </a:rPr>
+                                <m:t>𝛽𝛾</m:t>
+                              </m:r>
+                            </m:e>
+                          </m:d>
+                        </m:sup>
+                      </m:sSup>
+                      <m:r>
+                        <a:rPr lang="en-US" b="0" i="1" smtClean="0">
+                          <a:latin typeface="Cambria Math" panose="02040503050406030204" pitchFamily="18" charset="0"/>
+                        </a:rPr>
+                        <m:t>=</m:t>
+                      </m:r>
+                      <m:sSup>
+                        <m:sSupPr>
+                          <m:ctrlPr>
+                            <a:rPr lang="en-US" b="0" i="1" smtClean="0">
+                              <a:latin typeface="Cambria Math" panose="02040503050406030204" pitchFamily="18" charset="0"/>
+                            </a:rPr>
+                          </m:ctrlPr>
+                        </m:sSupPr>
+                        <m:e>
+                          <m:r>
+                            <a:rPr lang="en-US" b="1" i="1" smtClean="0">
+                              <a:latin typeface="Cambria Math" panose="02040503050406030204" pitchFamily="18" charset="0"/>
+                            </a:rPr>
+                            <m:t>𝑨</m:t>
+                          </m:r>
+                        </m:e>
+                        <m:sup>
+                          <m:d>
+                            <m:dPr>
+                              <m:ctrlPr>
+                                <a:rPr lang="en-US" i="1">
+                                  <a:latin typeface="Cambria Math" panose="02040503050406030204" pitchFamily="18" charset="0"/>
+                                </a:rPr>
+                              </m:ctrlPr>
+                            </m:dPr>
+                            <m:e>
+                              <m:r>
+                                <a:rPr lang="en-US" i="1">
+                                  <a:latin typeface="Cambria Math" panose="02040503050406030204" pitchFamily="18" charset="0"/>
+                                </a:rPr>
+                                <m:t>𝛽𝛾</m:t>
+                              </m:r>
+                            </m:e>
+                          </m:d>
+                        </m:sup>
+                      </m:sSup>
+                      <m:acc>
+                        <m:accPr>
+                          <m:chr m:val="̅"/>
+                          <m:ctrlPr>
+                            <a:rPr lang="en-US" b="0" i="1" smtClean="0">
+                              <a:latin typeface="Cambria Math" panose="02040503050406030204" pitchFamily="18" charset="0"/>
+                            </a:rPr>
+                          </m:ctrlPr>
+                        </m:accPr>
+                        <m:e>
+                          <m:r>
+                            <a:rPr lang="en-US" b="1" i="1">
+                              <a:latin typeface="Cambria Math" panose="02040503050406030204" pitchFamily="18" charset="0"/>
+                            </a:rPr>
+                            <m:t>𝜺</m:t>
+                          </m:r>
+                        </m:e>
+                      </m:acc>
+                    </m:oMath>
+                  </m:oMathPara>
+                </a14:m>
+                <a:endParaRPr lang="en-US" i="1" dirty="0" smtClean="0">
+                  <a:latin typeface="Cambria Math" panose="02040503050406030204" pitchFamily="18" charset="0"/>
+                </a:endParaRPr>
+              </a:p>
+              <a:p>
+                <a:pPr marL="0" indent="0">
+                  <a:spcAft>
+                    <a:spcPts val="1200"/>
+                  </a:spcAft>
+                  <a:buNone/>
+                </a:pPr>
+                <a:r>
+                  <a:rPr lang="en-US" dirty="0" smtClean="0"/>
+                  <a:t>Find stress in </a:t>
+                </a:r>
+                <a:r>
+                  <a:rPr lang="en-US" dirty="0" err="1" smtClean="0"/>
+                  <a:t>subcells</a:t>
+                </a:r>
+                <a:r>
+                  <a:rPr lang="en-US" dirty="0" smtClean="0"/>
+                  <a:t>:</a:t>
+                </a:r>
+                <a:endParaRPr lang="en-US" dirty="0"/>
+              </a:p>
+              <a:p>
+                <a:pPr marL="0" indent="0">
+                  <a:buNone/>
+                </a:pPr>
+                <a14:m>
+                  <m:oMathPara xmlns:m="http://schemas.openxmlformats.org/officeDocument/2006/math">
+                    <m:oMathParaPr>
+                      <m:jc m:val="centerGroup"/>
+                    </m:oMathParaPr>
+                    <m:oMath xmlns:m="http://schemas.openxmlformats.org/officeDocument/2006/math">
+                      <m:sSup>
+                        <m:sSupPr>
+                          <m:ctrlPr>
+                            <a:rPr lang="en-US" i="1" smtClean="0">
+                              <a:latin typeface="Cambria Math" panose="02040503050406030204" pitchFamily="18" charset="0"/>
+                            </a:rPr>
+                          </m:ctrlPr>
+                        </m:sSupPr>
+                        <m:e>
+                          <m:acc>
+                            <m:accPr>
+                              <m:chr m:val="̅"/>
+                              <m:ctrlPr>
+                                <a:rPr lang="en-US" i="1" smtClean="0">
+                                  <a:latin typeface="Cambria Math" panose="02040503050406030204" pitchFamily="18" charset="0"/>
+                                </a:rPr>
+                              </m:ctrlPr>
+                            </m:accPr>
+                            <m:e>
+                              <m:r>
+                                <a:rPr lang="en-US" b="1" i="1" smtClean="0">
+                                  <a:latin typeface="Cambria Math" panose="02040503050406030204" pitchFamily="18" charset="0"/>
+                                </a:rPr>
+                                <m:t>𝝈</m:t>
+                              </m:r>
+                            </m:e>
+                          </m:acc>
+                        </m:e>
+                        <m:sup>
+                          <m:d>
+                            <m:dPr>
+                              <m:ctrlPr>
+                                <a:rPr lang="en-US" b="0" i="1" smtClean="0">
+                                  <a:latin typeface="Cambria Math" panose="02040503050406030204" pitchFamily="18" charset="0"/>
+                                </a:rPr>
+                              </m:ctrlPr>
+                            </m:dPr>
+                            <m:e>
+                              <m:r>
+                                <a:rPr lang="en-US" b="0" i="1" smtClean="0">
+                                  <a:latin typeface="Cambria Math" panose="02040503050406030204" pitchFamily="18" charset="0"/>
+                                </a:rPr>
+                                <m:t>𝛽𝛾</m:t>
+                              </m:r>
+                            </m:e>
+                          </m:d>
+                        </m:sup>
+                      </m:sSup>
+                      <m:r>
+                        <a:rPr lang="en-US" b="0" i="1" smtClean="0">
+                          <a:latin typeface="Cambria Math" panose="02040503050406030204" pitchFamily="18" charset="0"/>
+                        </a:rPr>
+                        <m:t>=</m:t>
+                      </m:r>
+                      <m:sSup>
+                        <m:sSupPr>
+                          <m:ctrlPr>
+                            <a:rPr lang="en-US" b="0" i="1" smtClean="0">
+                              <a:latin typeface="Cambria Math" panose="02040503050406030204" pitchFamily="18" charset="0"/>
+                            </a:rPr>
+                          </m:ctrlPr>
+                        </m:sSupPr>
+                        <m:e>
+                          <m:r>
+                            <a:rPr lang="en-US" b="1" i="1" smtClean="0">
+                              <a:latin typeface="Cambria Math" panose="02040503050406030204" pitchFamily="18" charset="0"/>
+                            </a:rPr>
+                            <m:t>𝑪</m:t>
+                          </m:r>
+                        </m:e>
+                        <m:sup>
+                          <m:d>
+                            <m:dPr>
+                              <m:ctrlPr>
+                                <a:rPr lang="en-US" i="1">
+                                  <a:latin typeface="Cambria Math" panose="02040503050406030204" pitchFamily="18" charset="0"/>
+                                </a:rPr>
+                              </m:ctrlPr>
+                            </m:dPr>
+                            <m:e>
+                              <m:r>
+                                <a:rPr lang="en-US" i="1">
+                                  <a:latin typeface="Cambria Math" panose="02040503050406030204" pitchFamily="18" charset="0"/>
+                                </a:rPr>
+                                <m:t>𝛽𝛾</m:t>
+                              </m:r>
+                            </m:e>
+                          </m:d>
+                        </m:sup>
+                      </m:sSup>
+                      <m:d>
+                        <m:dPr>
+                          <m:ctrlPr>
+                            <a:rPr lang="en-US" b="0" i="1" smtClean="0">
+                              <a:latin typeface="Cambria Math" panose="02040503050406030204" pitchFamily="18" charset="0"/>
+                            </a:rPr>
+                          </m:ctrlPr>
+                        </m:dPr>
+                        <m:e>
+                          <m:sSup>
+                            <m:sSupPr>
+                              <m:ctrlPr>
+                                <a:rPr lang="en-US" b="0" i="1" smtClean="0">
+                                  <a:latin typeface="Cambria Math" panose="02040503050406030204" pitchFamily="18" charset="0"/>
+                                </a:rPr>
+                              </m:ctrlPr>
+                            </m:sSupPr>
+                            <m:e>
+                              <m:r>
+                                <a:rPr lang="en-US" b="1" i="1" smtClean="0">
+                                  <a:latin typeface="Cambria Math" panose="02040503050406030204" pitchFamily="18" charset="0"/>
+                                </a:rPr>
+                                <m:t>𝑨</m:t>
+                              </m:r>
+                            </m:e>
+                            <m:sup>
+                              <m:d>
+                                <m:dPr>
+                                  <m:ctrlPr>
+                                    <a:rPr lang="en-US" i="1">
+                                      <a:latin typeface="Cambria Math" panose="02040503050406030204" pitchFamily="18" charset="0"/>
+                                    </a:rPr>
+                                  </m:ctrlPr>
+                                </m:dPr>
+                                <m:e>
+                                  <m:r>
+                                    <a:rPr lang="en-US" i="1">
+                                      <a:latin typeface="Cambria Math" panose="02040503050406030204" pitchFamily="18" charset="0"/>
+                                    </a:rPr>
+                                    <m:t>𝛽𝛾</m:t>
+                                  </m:r>
+                                </m:e>
+                              </m:d>
+                            </m:sup>
+                          </m:sSup>
+                          <m:acc>
+                            <m:accPr>
+                              <m:chr m:val="̅"/>
+                              <m:ctrlPr>
+                                <a:rPr lang="en-US" b="0" i="1" smtClean="0">
+                                  <a:latin typeface="Cambria Math" panose="02040503050406030204" pitchFamily="18" charset="0"/>
+                                </a:rPr>
+                              </m:ctrlPr>
+                            </m:accPr>
+                            <m:e>
+                              <m:r>
+                                <a:rPr lang="en-US" b="1" i="1" smtClean="0">
+                                  <a:latin typeface="Cambria Math" panose="02040503050406030204" pitchFamily="18" charset="0"/>
+                                </a:rPr>
+                                <m:t>𝜺</m:t>
+                              </m:r>
+                            </m:e>
+                          </m:acc>
+                        </m:e>
+                      </m:d>
+                    </m:oMath>
+                  </m:oMathPara>
+                </a14:m>
+                <a:endParaRPr lang="en-US" dirty="0" smtClean="0"/>
+              </a:p>
+              <a:p>
+                <a:pPr marL="0" indent="0">
+                  <a:spcAft>
+                    <a:spcPts val="1200"/>
+                  </a:spcAft>
+                  <a:buNone/>
+                </a:pPr>
+                <a:r>
+                  <a:rPr lang="en-US" dirty="0" smtClean="0"/>
+                  <a:t>Find RUC average stress:</a:t>
+                </a:r>
+              </a:p>
+              <a:p>
+                <a:pPr marL="0" indent="0">
+                  <a:buNone/>
+                </a:pPr>
+                <a14:m>
+                  <m:oMathPara xmlns:m="http://schemas.openxmlformats.org/officeDocument/2006/math">
+                    <m:oMathParaPr>
+                      <m:jc m:val="centerGroup"/>
+                    </m:oMathParaPr>
+                    <m:oMath xmlns:m="http://schemas.openxmlformats.org/officeDocument/2006/math">
+                      <m:acc>
+                        <m:accPr>
+                          <m:chr m:val="̅"/>
+                          <m:ctrlPr>
+                            <a:rPr lang="en-US" i="1">
+                              <a:latin typeface="Cambria Math" panose="02040503050406030204" pitchFamily="18" charset="0"/>
+                            </a:rPr>
+                          </m:ctrlPr>
+                        </m:accPr>
+                        <m:e>
+                          <m:r>
+                            <a:rPr lang="en-US" b="1" i="1">
+                              <a:latin typeface="Cambria Math" panose="02040503050406030204" pitchFamily="18" charset="0"/>
+                            </a:rPr>
+                            <m:t>𝝈</m:t>
+                          </m:r>
+                        </m:e>
+                      </m:acc>
+                      <m:r>
+                        <a:rPr lang="en-US" b="0" i="1" smtClean="0">
+                          <a:latin typeface="Cambria Math" panose="02040503050406030204" pitchFamily="18" charset="0"/>
+                        </a:rPr>
+                        <m:t>=</m:t>
+                      </m:r>
+                      <m:f>
+                        <m:fPr>
+                          <m:ctrlPr>
+                            <a:rPr lang="en-US" b="0" i="1" smtClean="0">
+                              <a:latin typeface="Cambria Math" panose="02040503050406030204" pitchFamily="18" charset="0"/>
+                            </a:rPr>
+                          </m:ctrlPr>
+                        </m:fPr>
+                        <m:num>
+                          <m:r>
+                            <a:rPr lang="en-US" b="0" i="1" smtClean="0">
+                              <a:latin typeface="Cambria Math" panose="02040503050406030204" pitchFamily="18" charset="0"/>
+                            </a:rPr>
+                            <m:t>1</m:t>
+                          </m:r>
+                        </m:num>
+                        <m:den>
+                          <m:r>
+                            <a:rPr lang="en-US" b="0" i="1" smtClean="0">
+                              <a:latin typeface="Cambria Math" panose="02040503050406030204" pitchFamily="18" charset="0"/>
+                            </a:rPr>
+                            <m:t>𝐻𝐿</m:t>
+                          </m:r>
+                        </m:den>
+                      </m:f>
+                      <m:nary>
+                        <m:naryPr>
+                          <m:chr m:val="∑"/>
+                          <m:ctrlPr>
+                            <a:rPr lang="en-US" b="0" i="1" smtClean="0">
+                              <a:latin typeface="Cambria Math" panose="02040503050406030204" pitchFamily="18" charset="0"/>
+                            </a:rPr>
+                          </m:ctrlPr>
+                        </m:naryPr>
+                        <m:sub>
+                          <m:r>
+                            <a:rPr lang="en-US" b="0" i="1" smtClean="0">
+                              <a:latin typeface="Cambria Math" panose="02040503050406030204" pitchFamily="18" charset="0"/>
+                            </a:rPr>
+                            <m:t>𝛽</m:t>
+                          </m:r>
+                          <m:r>
+                            <a:rPr lang="en-US" b="0" i="1" smtClean="0">
+                              <a:latin typeface="Cambria Math" panose="02040503050406030204" pitchFamily="18" charset="0"/>
+                            </a:rPr>
+                            <m:t>=1</m:t>
+                          </m:r>
+                        </m:sub>
+                        <m:sup>
+                          <m:sSub>
+                            <m:sSubPr>
+                              <m:ctrlPr>
+                                <a:rPr lang="en-US" b="0" i="1" smtClean="0">
+                                  <a:latin typeface="Cambria Math" panose="02040503050406030204" pitchFamily="18" charset="0"/>
+                                </a:rPr>
+                              </m:ctrlPr>
+                            </m:sSubPr>
+                            <m:e>
+                              <m:r>
+                                <a:rPr lang="en-US" b="0" i="1" smtClean="0">
+                                  <a:latin typeface="Cambria Math" panose="02040503050406030204" pitchFamily="18" charset="0"/>
+                                </a:rPr>
+                                <m:t>𝑁</m:t>
+                              </m:r>
+                            </m:e>
+                            <m:sub>
+                              <m:r>
+                                <a:rPr lang="en-US" b="0" i="1" smtClean="0">
+                                  <a:latin typeface="Cambria Math" panose="02040503050406030204" pitchFamily="18" charset="0"/>
+                                </a:rPr>
+                                <m:t>𝛽</m:t>
+                              </m:r>
+                            </m:sub>
+                          </m:sSub>
+                        </m:sup>
+                        <m:e>
+                          <m:nary>
+                            <m:naryPr>
+                              <m:chr m:val="∑"/>
+                              <m:ctrlPr>
+                                <a:rPr lang="en-US" b="0" i="1" smtClean="0">
+                                  <a:latin typeface="Cambria Math" panose="02040503050406030204" pitchFamily="18" charset="0"/>
+                                </a:rPr>
+                              </m:ctrlPr>
+                            </m:naryPr>
+                            <m:sub>
+                              <m:r>
+                                <a:rPr lang="en-US" b="0" i="1" smtClean="0">
+                                  <a:latin typeface="Cambria Math" panose="02040503050406030204" pitchFamily="18" charset="0"/>
+                                </a:rPr>
+                                <m:t>𝛾</m:t>
+                              </m:r>
+                              <m:r>
+                                <a:rPr lang="en-US" b="0" i="1" smtClean="0">
+                                  <a:latin typeface="Cambria Math" panose="02040503050406030204" pitchFamily="18" charset="0"/>
+                                </a:rPr>
+                                <m:t>=1</m:t>
+                              </m:r>
+                            </m:sub>
+                            <m:sup>
+                              <m:sSub>
+                                <m:sSubPr>
+                                  <m:ctrlPr>
+                                    <a:rPr lang="en-US" b="0" i="1" smtClean="0">
+                                      <a:latin typeface="Cambria Math" panose="02040503050406030204" pitchFamily="18" charset="0"/>
+                                    </a:rPr>
+                                  </m:ctrlPr>
+                                </m:sSubPr>
+                                <m:e>
+                                  <m:r>
+                                    <a:rPr lang="en-US" b="0" i="1" smtClean="0">
+                                      <a:latin typeface="Cambria Math" panose="02040503050406030204" pitchFamily="18" charset="0"/>
+                                    </a:rPr>
+                                    <m:t>𝑁</m:t>
+                                  </m:r>
+                                </m:e>
+                                <m:sub>
+                                  <m:r>
+                                    <a:rPr lang="en-US" b="0" i="1" smtClean="0">
+                                      <a:latin typeface="Cambria Math" panose="02040503050406030204" pitchFamily="18" charset="0"/>
+                                    </a:rPr>
+                                    <m:t>𝛾</m:t>
+                                  </m:r>
+                                </m:sub>
+                              </m:sSub>
+                            </m:sup>
+                            <m:e>
+                              <m:sSub>
+                                <m:sSubPr>
+                                  <m:ctrlPr>
+                                    <a:rPr lang="en-US" b="0" i="1" smtClean="0">
+                                      <a:latin typeface="Cambria Math" panose="02040503050406030204" pitchFamily="18" charset="0"/>
+                                    </a:rPr>
+                                  </m:ctrlPr>
+                                </m:sSubPr>
+                                <m:e>
+                                  <m:r>
+                                    <a:rPr lang="en-US" b="0" i="1" smtClean="0">
+                                      <a:latin typeface="Cambria Math" panose="02040503050406030204" pitchFamily="18" charset="0"/>
+                                    </a:rPr>
+                                    <m:t>h</m:t>
+                                  </m:r>
+                                </m:e>
+                                <m:sub>
+                                  <m:r>
+                                    <a:rPr lang="en-US" b="0" i="1" smtClean="0">
+                                      <a:latin typeface="Cambria Math" panose="02040503050406030204" pitchFamily="18" charset="0"/>
+                                    </a:rPr>
+                                    <m:t>𝛽</m:t>
+                                  </m:r>
+                                </m:sub>
+                              </m:sSub>
+                              <m:sSub>
+                                <m:sSubPr>
+                                  <m:ctrlPr>
+                                    <a:rPr lang="en-US" b="0" i="1" smtClean="0">
+                                      <a:latin typeface="Cambria Math" panose="02040503050406030204" pitchFamily="18" charset="0"/>
+                                    </a:rPr>
+                                  </m:ctrlPr>
+                                </m:sSubPr>
+                                <m:e>
+                                  <m:r>
+                                    <a:rPr lang="en-US" b="0" i="1" smtClean="0">
+                                      <a:latin typeface="Cambria Math" panose="02040503050406030204" pitchFamily="18" charset="0"/>
+                                    </a:rPr>
+                                    <m:t>𝑙</m:t>
+                                  </m:r>
+                                </m:e>
+                                <m:sub>
+                                  <m:r>
+                                    <a:rPr lang="en-US" b="0" i="1" smtClean="0">
+                                      <a:latin typeface="Cambria Math" panose="02040503050406030204" pitchFamily="18" charset="0"/>
+                                    </a:rPr>
+                                    <m:t>𝛾</m:t>
+                                  </m:r>
+                                </m:sub>
+                              </m:sSub>
+                              <m:sSup>
+                                <m:sSupPr>
+                                  <m:ctrlPr>
+                                    <a:rPr lang="en-US" b="0" i="1" smtClean="0">
+                                      <a:latin typeface="Cambria Math" panose="02040503050406030204" pitchFamily="18" charset="0"/>
+                                    </a:rPr>
+                                  </m:ctrlPr>
+                                </m:sSupPr>
+                                <m:e>
+                                  <m:acc>
+                                    <m:accPr>
+                                      <m:chr m:val="̅"/>
+                                      <m:ctrlPr>
+                                        <a:rPr lang="en-US" i="1">
+                                          <a:latin typeface="Cambria Math" panose="02040503050406030204" pitchFamily="18" charset="0"/>
+                                        </a:rPr>
+                                      </m:ctrlPr>
+                                    </m:accPr>
+                                    <m:e>
+                                      <m:r>
+                                        <a:rPr lang="en-US" b="1" i="1">
+                                          <a:latin typeface="Cambria Math" panose="02040503050406030204" pitchFamily="18" charset="0"/>
+                                        </a:rPr>
+                                        <m:t>𝝈</m:t>
+                                      </m:r>
+                                    </m:e>
+                                  </m:acc>
+                                </m:e>
+                                <m:sup>
+                                  <m:r>
+                                    <a:rPr lang="en-US" b="0" i="1" smtClean="0">
+                                      <a:latin typeface="Cambria Math" panose="02040503050406030204" pitchFamily="18" charset="0"/>
+                                    </a:rPr>
+                                    <m:t>(</m:t>
+                                  </m:r>
+                                  <m:r>
+                                    <a:rPr lang="en-US" b="0" i="1" smtClean="0">
+                                      <a:latin typeface="Cambria Math" panose="02040503050406030204" pitchFamily="18" charset="0"/>
+                                    </a:rPr>
+                                    <m:t>𝛽𝛾</m:t>
+                                  </m:r>
+                                  <m:r>
+                                    <a:rPr lang="en-US" b="0" i="1" smtClean="0">
+                                      <a:latin typeface="Cambria Math" panose="02040503050406030204" pitchFamily="18" charset="0"/>
+                                    </a:rPr>
+                                    <m:t>)</m:t>
+                                  </m:r>
+                                </m:sup>
+                              </m:sSup>
+                            </m:e>
+                          </m:nary>
+                        </m:e>
+                      </m:nary>
+                    </m:oMath>
+                  </m:oMathPara>
+                </a14:m>
+                <a:endParaRPr lang="en-US" b="0" dirty="0" smtClean="0"/>
+              </a:p>
+              <a:p>
+                <a:pPr marL="0" indent="0">
+                  <a:buNone/>
+                </a:pPr>
+                <a:endParaRPr lang="en-US" dirty="0"/>
+              </a:p>
+            </p:txBody>
+          </p:sp>
+        </mc:Choice>
+        <mc:Fallback>
+          <p:sp>
+            <p:nvSpPr>
+              <p:cNvPr id="3" name="Content Placeholder 2"/>
+              <p:cNvSpPr>
+                <a:spLocks noGrp="1" noRot="1" noChangeAspect="1" noMove="1" noResize="1" noEditPoints="1" noAdjustHandles="1" noChangeArrowheads="1" noChangeShapeType="1" noTextEdit="1"/>
+              </p:cNvSpPr>
+              <p:nvPr>
+                <p:ph sz="half" idx="1"/>
+              </p:nvPr>
+            </p:nvSpPr>
+            <p:spPr>
+              <a:blipFill rotWithShape="0">
+                <a:blip r:embed="rId2"/>
+                <a:stretch>
+                  <a:fillRect l="-2471" t="-2241"/>
+                </a:stretch>
+              </a:blipFill>
+            </p:spPr>
+            <p:txBody>
+              <a:bodyPr/>
+              <a:lstStyle/>
+              <a:p>
+                <a:r>
+                  <a:rPr lang="en-US">
+                    <a:noFill/>
+                  </a:rPr>
+                  <a:t> </a:t>
+                </a:r>
+              </a:p>
+            </p:txBody>
+          </p:sp>
+        </mc:Fallback>
+      </mc:AlternateContent>
+      <p:pic>
+        <p:nvPicPr>
+          <p:cNvPr id="12" name="Content Placeholder 11"/>
+          <p:cNvPicPr>
+            <a:picLocks noGrp="1" noChangeAspect="1"/>
+          </p:cNvPicPr>
+          <p:nvPr>
+            <p:ph sz="half" idx="2"/>
+          </p:nvPr>
+        </p:nvPicPr>
+        <p:blipFill>
+          <a:blip r:embed="rId3"/>
+          <a:stretch>
+            <a:fillRect/>
+          </a:stretch>
+        </p:blipFill>
+        <p:spPr>
+          <a:xfrm>
+            <a:off x="7333458" y="1619938"/>
+            <a:ext cx="3342458" cy="4557025"/>
+          </a:xfrm>
+          <a:prstGeom prst="rect">
+            <a:avLst/>
+          </a:prstGeom>
+        </p:spPr>
+      </p:pic>
+      <p:sp>
+        <p:nvSpPr>
+          <p:cNvPr id="13" name="Rectangle 12"/>
+          <p:cNvSpPr/>
+          <p:nvPr/>
+        </p:nvSpPr>
+        <p:spPr>
+          <a:xfrm>
+            <a:off x="8532421" y="3734790"/>
+            <a:ext cx="380010" cy="266504"/>
+          </a:xfrm>
+          <a:prstGeom prst="rect">
+            <a:avLst/>
+          </a:prstGeom>
+          <a:solidFill>
+            <a:schemeClr val="bg1"/>
+          </a:solidFill>
+          <a:ln>
+            <a:solidFill>
+              <a:schemeClr val="bg1"/>
+            </a:solidFill>
+          </a:ln>
+        </p:spPr>
+        <p:style>
+          <a:lnRef idx="2">
+            <a:schemeClr val="accent1">
+              <a:shade val="50000"/>
+            </a:schemeClr>
+          </a:lnRef>
+          <a:fillRef idx="1">
+            <a:schemeClr val="accent1"/>
+          </a:fillRef>
+          <a:effectRef idx="0">
+            <a:schemeClr val="accent1"/>
+          </a:effectRef>
+          <a:fontRef idx="minor">
+            <a:schemeClr val="lt1"/>
+          </a:fontRef>
+        </p:style>
+        <p:txBody>
+          <a:bodyPr rtlCol="0" anchor="ctr"/>
+          <a:lstStyle/>
+          <a:p>
+            <a:pPr algn="ctr"/>
+            <a:endParaRPr lang="en-US"/>
           </a:p>
         </p:txBody>
       </p:sp>
       <p:sp>
         <p:nvSpPr>
-          <p:cNvPr id="3" name="Content Placeholder 2"/>
+          <p:cNvPr id="14" name="Rectangle 13"/>
+          <p:cNvSpPr/>
+          <p:nvPr/>
+        </p:nvSpPr>
+        <p:spPr>
+          <a:xfrm>
+            <a:off x="8573984" y="5912144"/>
+            <a:ext cx="380010" cy="266504"/>
+          </a:xfrm>
+          <a:prstGeom prst="rect">
+            <a:avLst/>
+          </a:prstGeom>
+          <a:solidFill>
+            <a:schemeClr val="bg1"/>
+          </a:solidFill>
+          <a:ln>
+            <a:solidFill>
+              <a:schemeClr val="bg1"/>
+            </a:solidFill>
+          </a:ln>
+        </p:spPr>
+        <p:style>
+          <a:lnRef idx="2">
+            <a:schemeClr val="accent1">
+              <a:shade val="50000"/>
+            </a:schemeClr>
+          </a:lnRef>
+          <a:fillRef idx="1">
+            <a:schemeClr val="accent1"/>
+          </a:fillRef>
+          <a:effectRef idx="0">
+            <a:schemeClr val="accent1"/>
+          </a:effectRef>
+          <a:fontRef idx="minor">
+            <a:schemeClr val="lt1"/>
+          </a:fontRef>
+        </p:style>
+        <p:txBody>
+          <a:bodyPr rtlCol="0" anchor="ctr"/>
+          <a:lstStyle/>
+          <a:p>
+            <a:pPr algn="ctr"/>
+            <a:endParaRPr lang="en-US"/>
+          </a:p>
+        </p:txBody>
+      </p:sp>
+      <p:sp>
+        <p:nvSpPr>
+          <p:cNvPr id="15" name="Slide Number Placeholder 14"/>
           <p:cNvSpPr>
             <a:spLocks noGrp="1"/>
           </p:cNvSpPr>
           <p:nvPr>
-            <p:ph sz="half" idx="1"/>
+            <p:ph type="sldNum" sz="quarter" idx="12"/>
           </p:nvPr>
         </p:nvSpPr>
-        <p:spPr>
-          <a:xfrm>
-            <a:off x="838200" y="1825625"/>
-            <a:ext cx="5805668" cy="4351338"/>
-          </a:xfrm>
-        </p:spPr>
+        <p:spPr/>
         <p:txBody>
-          <a:bodyPr>
-            <a:normAutofit/>
-          </a:bodyPr>
+          <a:bodyPr/>
           <a:lstStyle/>
           <a:p>
-            <a:r>
-              <a:rPr lang="en-US" dirty="0" smtClean="0"/>
-              <a:t>The code was written in MATLAB</a:t>
-            </a:r>
-          </a:p>
-          <a:p>
-            <a:r>
-              <a:rPr lang="en-US" dirty="0" smtClean="0"/>
-              <a:t>Code reads an input file and outputs stress, strain, and the C-matrix</a:t>
-            </a:r>
-          </a:p>
-          <a:p>
-            <a:r>
-              <a:rPr lang="en-US" dirty="0"/>
-              <a:t>M</a:t>
-            </a:r>
-            <a:r>
-              <a:rPr lang="en-US" dirty="0" smtClean="0"/>
-              <a:t>aterial properties, cell architecture, and loading conditions are set in the input file</a:t>
-            </a:r>
-          </a:p>
-          <a:p>
-            <a:r>
-              <a:rPr lang="en-US" dirty="0" smtClean="0"/>
-              <a:t>Materials are linear elastic and do not have failure conditions</a:t>
-            </a:r>
-            <a:endParaRPr lang="en-US" dirty="0"/>
-          </a:p>
-        </p:txBody>
-      </p:sp>
-      <p:sp>
-        <p:nvSpPr>
-          <p:cNvPr id="6" name="TextBox 5"/>
-          <p:cNvSpPr txBox="1"/>
-          <p:nvPr/>
-        </p:nvSpPr>
-        <p:spPr>
-          <a:xfrm>
-            <a:off x="7780698" y="456247"/>
-            <a:ext cx="3921307" cy="6401753"/>
-          </a:xfrm>
-          <a:prstGeom prst="rect">
-            <a:avLst/>
-          </a:prstGeom>
-          <a:noFill/>
-        </p:spPr>
-        <p:txBody>
-          <a:bodyPr wrap="square" rtlCol="0">
-            <a:spAutoFit/>
-          </a:bodyPr>
-          <a:lstStyle/>
-          <a:p>
-            <a:r>
-              <a:rPr lang="en-US" sz="1400" dirty="0">
-                <a:latin typeface="Courier New" panose="02070309020205020404" pitchFamily="49" charset="0"/>
-              </a:rPr>
-              <a:t>% MOC Input: Hex_0.5_01_AS.moci</a:t>
-            </a:r>
-          </a:p>
-          <a:p>
-            <a:r>
-              <a:rPr lang="en-US" sz="1400" dirty="0">
-                <a:latin typeface="Courier New" panose="02070309020205020404" pitchFamily="49" charset="0"/>
-              </a:rPr>
-              <a:t>% Created: 11-Jul-2014 11:48:03</a:t>
-            </a:r>
-          </a:p>
-          <a:p>
-            <a:r>
-              <a:rPr lang="en-US" sz="1400" dirty="0">
-                <a:latin typeface="Courier New" panose="02070309020205020404" pitchFamily="49" charset="0"/>
-              </a:rPr>
-              <a:t>%</a:t>
-            </a:r>
-          </a:p>
-          <a:p>
-            <a:r>
-              <a:rPr lang="en-US" sz="1400" dirty="0">
-                <a:latin typeface="Courier New" panose="02070309020205020404" pitchFamily="49" charset="0"/>
-              </a:rPr>
-              <a:t>*CONSTITUENTS</a:t>
-            </a:r>
-          </a:p>
-          <a:p>
-            <a:r>
-              <a:rPr lang="en-US" sz="1400" dirty="0">
-                <a:latin typeface="Courier New" panose="02070309020205020404" pitchFamily="49" charset="0"/>
-              </a:rPr>
-              <a:t>NMATS=2</a:t>
-            </a:r>
-          </a:p>
-          <a:p>
-            <a:r>
-              <a:rPr lang="en-US" sz="1400" dirty="0">
-                <a:latin typeface="Courier New" panose="02070309020205020404" pitchFamily="49" charset="0"/>
-              </a:rPr>
-              <a:t>MAT=1,CMOD=1</a:t>
-            </a:r>
-          </a:p>
-          <a:p>
-            <a:r>
-              <a:rPr lang="en-US" sz="1400" dirty="0">
-                <a:latin typeface="Courier New" panose="02070309020205020404" pitchFamily="49" charset="0"/>
-              </a:rPr>
-              <a:t>EA=2.510e+05</a:t>
-            </a:r>
-          </a:p>
-          <a:p>
-            <a:r>
-              <a:rPr lang="en-US" sz="1400" dirty="0">
-                <a:latin typeface="Courier New" panose="02070309020205020404" pitchFamily="49" charset="0"/>
-              </a:rPr>
-              <a:t>ET=4.040e+04</a:t>
-            </a:r>
-          </a:p>
-          <a:p>
-            <a:r>
-              <a:rPr lang="en-US" sz="1400" dirty="0">
-                <a:latin typeface="Courier New" panose="02070309020205020404" pitchFamily="49" charset="0"/>
-              </a:rPr>
-              <a:t>NUA=0.256</a:t>
-            </a:r>
-          </a:p>
-          <a:p>
-            <a:r>
-              <a:rPr lang="en-US" sz="1400" dirty="0">
-                <a:latin typeface="Courier New" panose="02070309020205020404" pitchFamily="49" charset="0"/>
-              </a:rPr>
-              <a:t>NUT=0.321</a:t>
-            </a:r>
-          </a:p>
-          <a:p>
-            <a:r>
-              <a:rPr lang="en-US" sz="1400" dirty="0">
-                <a:latin typeface="Courier New" panose="02070309020205020404" pitchFamily="49" charset="0"/>
-              </a:rPr>
-              <a:t>GA=1.608e+04</a:t>
-            </a:r>
-          </a:p>
-          <a:p>
-            <a:r>
-              <a:rPr lang="en-US" sz="1400" dirty="0">
-                <a:latin typeface="Courier New" panose="02070309020205020404" pitchFamily="49" charset="0"/>
-              </a:rPr>
-              <a:t>GT=3.070e+04</a:t>
-            </a:r>
-          </a:p>
-          <a:p>
-            <a:r>
-              <a:rPr lang="en-US" sz="1400" dirty="0">
-                <a:latin typeface="Courier New" panose="02070309020205020404" pitchFamily="49" charset="0"/>
-              </a:rPr>
-              <a:t>%</a:t>
-            </a:r>
-          </a:p>
-          <a:p>
-            <a:r>
-              <a:rPr lang="en-US" sz="1400" dirty="0">
-                <a:latin typeface="Courier New" panose="02070309020205020404" pitchFamily="49" charset="0"/>
-              </a:rPr>
-              <a:t>MAT=2,CMOD=2</a:t>
-            </a:r>
-          </a:p>
-          <a:p>
-            <a:r>
-              <a:rPr lang="en-US" sz="1400" dirty="0">
-                <a:latin typeface="Courier New" panose="02070309020205020404" pitchFamily="49" charset="0"/>
-              </a:rPr>
-              <a:t>E=3.310e+03</a:t>
-            </a:r>
-          </a:p>
-          <a:p>
-            <a:r>
-              <a:rPr lang="en-US" sz="1400" dirty="0">
-                <a:latin typeface="Courier New" panose="02070309020205020404" pitchFamily="49" charset="0"/>
-              </a:rPr>
-              <a:t>NU=0.318</a:t>
-            </a:r>
-          </a:p>
-          <a:p>
-            <a:r>
-              <a:rPr lang="en-US" sz="1400" dirty="0">
-                <a:latin typeface="Courier New" panose="02070309020205020404" pitchFamily="49" charset="0"/>
-              </a:rPr>
-              <a:t>%</a:t>
-            </a:r>
-          </a:p>
-          <a:p>
-            <a:r>
-              <a:rPr lang="en-US" sz="1400" dirty="0">
-                <a:latin typeface="Courier New" panose="02070309020205020404" pitchFamily="49" charset="0"/>
-              </a:rPr>
-              <a:t>*CELL</a:t>
-            </a:r>
-          </a:p>
-          <a:p>
-            <a:r>
-              <a:rPr lang="en-US" sz="1400" dirty="0">
-                <a:latin typeface="Courier New" panose="02070309020205020404" pitchFamily="49" charset="0"/>
-              </a:rPr>
-              <a:t>AMOD=3</a:t>
-            </a:r>
-          </a:p>
-          <a:p>
-            <a:r>
-              <a:rPr lang="en-US" sz="1400" dirty="0">
-                <a:latin typeface="Courier New" panose="02070309020205020404" pitchFamily="49" charset="0"/>
-              </a:rPr>
-              <a:t>VF=0.500</a:t>
-            </a:r>
-          </a:p>
-          <a:p>
-            <a:r>
-              <a:rPr lang="en-US" sz="1400" dirty="0">
-                <a:latin typeface="Courier New" panose="02070309020205020404" pitchFamily="49" charset="0"/>
-              </a:rPr>
-              <a:t>DF=5.000e-03</a:t>
-            </a:r>
-          </a:p>
-          <a:p>
-            <a:r>
-              <a:rPr lang="en-US" sz="1400" dirty="0">
-                <a:latin typeface="Courier New" panose="02070309020205020404" pitchFamily="49" charset="0"/>
-              </a:rPr>
-              <a:t>%</a:t>
-            </a:r>
-          </a:p>
-          <a:p>
-            <a:r>
-              <a:rPr lang="en-US" sz="1400" dirty="0">
-                <a:latin typeface="Courier New" panose="02070309020205020404" pitchFamily="49" charset="0"/>
-              </a:rPr>
-              <a:t>*LOADING</a:t>
-            </a:r>
-          </a:p>
-          <a:p>
-            <a:r>
-              <a:rPr lang="en-US" sz="1400" dirty="0">
-                <a:latin typeface="Courier New" panose="02070309020205020404" pitchFamily="49" charset="0"/>
-              </a:rPr>
-              <a:t>LMOD=1</a:t>
-            </a:r>
-          </a:p>
-          <a:p>
-            <a:r>
-              <a:rPr lang="en-US" sz="1400" dirty="0">
-                <a:latin typeface="Courier New" panose="02070309020205020404" pitchFamily="49" charset="0"/>
-              </a:rPr>
-              <a:t>NL=1</a:t>
-            </a:r>
-          </a:p>
-          <a:p>
-            <a:r>
-              <a:rPr lang="en-US" sz="1400" dirty="0">
-                <a:latin typeface="Courier New" panose="02070309020205020404" pitchFamily="49" charset="0"/>
-              </a:rPr>
-              <a:t>L=0.00100,</a:t>
-            </a:r>
-          </a:p>
-          <a:p>
-            <a:r>
-              <a:rPr lang="en-US" sz="1400" dirty="0" smtClean="0">
-                <a:latin typeface="Courier New" panose="02070309020205020404" pitchFamily="49" charset="0"/>
-              </a:rPr>
-              <a:t>%</a:t>
-            </a:r>
-            <a:endParaRPr lang="en-US" sz="1400" dirty="0">
-              <a:latin typeface="Courier New" panose="02070309020205020404" pitchFamily="49" charset="0"/>
-            </a:endParaRPr>
-          </a:p>
-          <a:p>
-            <a:r>
-              <a:rPr lang="en-US" sz="1400" dirty="0">
-                <a:latin typeface="Courier New" panose="02070309020205020404" pitchFamily="49" charset="0"/>
-              </a:rPr>
-              <a:t>*END</a:t>
-            </a:r>
-            <a:endParaRPr lang="en-US" sz="1400" dirty="0"/>
-          </a:p>
-          <a:p>
-            <a:endParaRPr lang="en-US" dirty="0"/>
+            <a:fld id="{3C34C07B-8F94-49B6-B743-70BD1DFD034D}" type="slidenum">
+              <a:rPr lang="en-US" smtClean="0"/>
+              <a:t>4</a:t>
+            </a:fld>
+            <a:endParaRPr lang="en-US"/>
           </a:p>
         </p:txBody>
       </p:sp>
     </p:spTree>
     <p:extLst>
       <p:ext uri="{BB962C8B-B14F-4D97-AF65-F5344CB8AC3E}">
-        <p14:creationId xmlns:p14="http://schemas.microsoft.com/office/powerpoint/2010/main" val="1229267926"/>
+        <p14:creationId xmlns:p14="http://schemas.microsoft.com/office/powerpoint/2010/main" val="1604459300"/>
       </p:ext>
     </p:extLst>
   </p:cSld>
   <p:clrMapOvr>
     <a:masterClrMapping/>
   </p:clrMapOvr>
+  <p:timing>
+    <p:tnLst>
+      <p:par>
+        <p:cTn id="1" dur="indefinite" restart="never" nodeType="tmRoot"/>
+      </p:par>
+    </p:tnLst>
+  </p:timing>
 </p:sld>
 </file>
 
@@ -3897,10 +6217,1613 @@
           <a:lstStyle/>
           <a:p>
             <a:r>
+              <a:rPr lang="en-US" b="1" dirty="0" smtClean="0"/>
+              <a:t>The Method of Cells</a:t>
+            </a:r>
+            <a:endParaRPr lang="en-US" b="1" dirty="0"/>
+          </a:p>
+        </p:txBody>
+      </p:sp>
+      <mc:AlternateContent xmlns:mc="http://schemas.openxmlformats.org/markup-compatibility/2006">
+        <mc:Choice xmlns:a14="http://schemas.microsoft.com/office/drawing/2010/main" Requires="a14">
+          <p:sp>
+            <p:nvSpPr>
+              <p:cNvPr id="3" name="Content Placeholder 2"/>
+              <p:cNvSpPr>
+                <a:spLocks noGrp="1"/>
+              </p:cNvSpPr>
+              <p:nvPr>
+                <p:ph sz="half" idx="1"/>
+              </p:nvPr>
+            </p:nvSpPr>
+            <p:spPr>
+              <a:ln>
+                <a:noFill/>
+              </a:ln>
+            </p:spPr>
+            <p:txBody>
+              <a:bodyPr>
+                <a:normAutofit/>
+              </a:bodyPr>
+              <a:lstStyle/>
+              <a:p>
+                <a:pPr marL="0" indent="0">
+                  <a:spcAft>
+                    <a:spcPts val="1200"/>
+                  </a:spcAft>
+                  <a:buNone/>
+                </a:pPr>
+                <a:r>
+                  <a:rPr lang="en-US" dirty="0" smtClean="0"/>
+                  <a:t>Create RUC stiffness matrix</a:t>
+                </a:r>
+              </a:p>
+              <a:p>
+                <a:pPr marL="0" indent="0">
+                  <a:buNone/>
+                </a:pPr>
+                <a14:m>
+                  <m:oMathPara xmlns:m="http://schemas.openxmlformats.org/officeDocument/2006/math">
+                    <m:oMathParaPr>
+                      <m:jc m:val="centerGroup"/>
+                    </m:oMathParaPr>
+                    <m:oMath xmlns:m="http://schemas.openxmlformats.org/officeDocument/2006/math">
+                      <m:sSup>
+                        <m:sSupPr>
+                          <m:ctrlPr>
+                            <a:rPr lang="en-US" i="1" smtClean="0">
+                              <a:latin typeface="Cambria Math" panose="02040503050406030204" pitchFamily="18" charset="0"/>
+                            </a:rPr>
+                          </m:ctrlPr>
+                        </m:sSupPr>
+                        <m:e>
+                          <m:r>
+                            <a:rPr lang="en-US" b="1" i="1" smtClean="0">
+                              <a:latin typeface="Cambria Math" panose="02040503050406030204" pitchFamily="18" charset="0"/>
+                            </a:rPr>
+                            <m:t>𝑪</m:t>
+                          </m:r>
+                        </m:e>
+                        <m:sup>
+                          <m:r>
+                            <a:rPr lang="en-US" b="0" i="1" smtClean="0">
+                              <a:latin typeface="Cambria Math" panose="02040503050406030204" pitchFamily="18" charset="0"/>
+                            </a:rPr>
+                            <m:t>∗</m:t>
+                          </m:r>
+                        </m:sup>
+                      </m:sSup>
+                      <m:r>
+                        <a:rPr lang="en-US" b="0" i="1" smtClean="0">
+                          <a:latin typeface="Cambria Math" panose="02040503050406030204" pitchFamily="18" charset="0"/>
+                        </a:rPr>
+                        <m:t>=</m:t>
+                      </m:r>
+                      <m:f>
+                        <m:fPr>
+                          <m:ctrlPr>
+                            <a:rPr lang="en-US" b="0" i="1" smtClean="0">
+                              <a:latin typeface="Cambria Math" panose="02040503050406030204" pitchFamily="18" charset="0"/>
+                            </a:rPr>
+                          </m:ctrlPr>
+                        </m:fPr>
+                        <m:num>
+                          <m:r>
+                            <a:rPr lang="en-US" b="0" i="1" smtClean="0">
+                              <a:latin typeface="Cambria Math" panose="02040503050406030204" pitchFamily="18" charset="0"/>
+                            </a:rPr>
+                            <m:t>1</m:t>
+                          </m:r>
+                        </m:num>
+                        <m:den>
+                          <m:r>
+                            <a:rPr lang="en-US" b="0" i="1" smtClean="0">
+                              <a:latin typeface="Cambria Math" panose="02040503050406030204" pitchFamily="18" charset="0"/>
+                            </a:rPr>
+                            <m:t>𝐻𝐿</m:t>
+                          </m:r>
+                        </m:den>
+                      </m:f>
+                      <m:nary>
+                        <m:naryPr>
+                          <m:chr m:val="∑"/>
+                          <m:ctrlPr>
+                            <a:rPr lang="en-US" b="0" i="1" smtClean="0">
+                              <a:latin typeface="Cambria Math" panose="02040503050406030204" pitchFamily="18" charset="0"/>
+                            </a:rPr>
+                          </m:ctrlPr>
+                        </m:naryPr>
+                        <m:sub>
+                          <m:r>
+                            <a:rPr lang="en-US" b="0" i="1" smtClean="0">
+                              <a:latin typeface="Cambria Math" panose="02040503050406030204" pitchFamily="18" charset="0"/>
+                            </a:rPr>
+                            <m:t>𝛽</m:t>
+                          </m:r>
+                          <m:r>
+                            <a:rPr lang="en-US" b="0" i="1" smtClean="0">
+                              <a:latin typeface="Cambria Math" panose="02040503050406030204" pitchFamily="18" charset="0"/>
+                            </a:rPr>
+                            <m:t>=1</m:t>
+                          </m:r>
+                        </m:sub>
+                        <m:sup>
+                          <m:sSub>
+                            <m:sSubPr>
+                              <m:ctrlPr>
+                                <a:rPr lang="en-US" b="0" i="1" smtClean="0">
+                                  <a:latin typeface="Cambria Math" panose="02040503050406030204" pitchFamily="18" charset="0"/>
+                                </a:rPr>
+                              </m:ctrlPr>
+                            </m:sSubPr>
+                            <m:e>
+                              <m:r>
+                                <a:rPr lang="en-US" b="0" i="1" smtClean="0">
+                                  <a:latin typeface="Cambria Math" panose="02040503050406030204" pitchFamily="18" charset="0"/>
+                                </a:rPr>
+                                <m:t>𝑁</m:t>
+                              </m:r>
+                            </m:e>
+                            <m:sub>
+                              <m:r>
+                                <a:rPr lang="en-US" b="0" i="1" smtClean="0">
+                                  <a:latin typeface="Cambria Math" panose="02040503050406030204" pitchFamily="18" charset="0"/>
+                                </a:rPr>
+                                <m:t>𝛽</m:t>
+                              </m:r>
+                            </m:sub>
+                          </m:sSub>
+                        </m:sup>
+                        <m:e>
+                          <m:nary>
+                            <m:naryPr>
+                              <m:chr m:val="∑"/>
+                              <m:ctrlPr>
+                                <a:rPr lang="en-US" b="0" i="1" smtClean="0">
+                                  <a:latin typeface="Cambria Math" panose="02040503050406030204" pitchFamily="18" charset="0"/>
+                                </a:rPr>
+                              </m:ctrlPr>
+                            </m:naryPr>
+                            <m:sub>
+                              <m:r>
+                                <a:rPr lang="en-US" b="0" i="1" smtClean="0">
+                                  <a:latin typeface="Cambria Math" panose="02040503050406030204" pitchFamily="18" charset="0"/>
+                                </a:rPr>
+                                <m:t>𝛾</m:t>
+                              </m:r>
+                              <m:r>
+                                <a:rPr lang="en-US" b="0" i="1" smtClean="0">
+                                  <a:latin typeface="Cambria Math" panose="02040503050406030204" pitchFamily="18" charset="0"/>
+                                </a:rPr>
+                                <m:t>=1</m:t>
+                              </m:r>
+                            </m:sub>
+                            <m:sup>
+                              <m:sSub>
+                                <m:sSubPr>
+                                  <m:ctrlPr>
+                                    <a:rPr lang="en-US" b="0" i="1" smtClean="0">
+                                      <a:latin typeface="Cambria Math" panose="02040503050406030204" pitchFamily="18" charset="0"/>
+                                    </a:rPr>
+                                  </m:ctrlPr>
+                                </m:sSubPr>
+                                <m:e>
+                                  <m:r>
+                                    <a:rPr lang="en-US" b="0" i="1" smtClean="0">
+                                      <a:latin typeface="Cambria Math" panose="02040503050406030204" pitchFamily="18" charset="0"/>
+                                    </a:rPr>
+                                    <m:t>𝑁</m:t>
+                                  </m:r>
+                                </m:e>
+                                <m:sub>
+                                  <m:r>
+                                    <a:rPr lang="en-US" b="0" i="1" smtClean="0">
+                                      <a:latin typeface="Cambria Math" panose="02040503050406030204" pitchFamily="18" charset="0"/>
+                                    </a:rPr>
+                                    <m:t>𝛾</m:t>
+                                  </m:r>
+                                </m:sub>
+                              </m:sSub>
+                            </m:sup>
+                            <m:e>
+                              <m:sSub>
+                                <m:sSubPr>
+                                  <m:ctrlPr>
+                                    <a:rPr lang="en-US" b="0" i="1" smtClean="0">
+                                      <a:latin typeface="Cambria Math" panose="02040503050406030204" pitchFamily="18" charset="0"/>
+                                    </a:rPr>
+                                  </m:ctrlPr>
+                                </m:sSubPr>
+                                <m:e>
+                                  <m:r>
+                                    <a:rPr lang="en-US" b="0" i="1" smtClean="0">
+                                      <a:latin typeface="Cambria Math" panose="02040503050406030204" pitchFamily="18" charset="0"/>
+                                    </a:rPr>
+                                    <m:t>h</m:t>
+                                  </m:r>
+                                </m:e>
+                                <m:sub>
+                                  <m:r>
+                                    <a:rPr lang="en-US" b="0" i="1" smtClean="0">
+                                      <a:latin typeface="Cambria Math" panose="02040503050406030204" pitchFamily="18" charset="0"/>
+                                    </a:rPr>
+                                    <m:t>𝛽</m:t>
+                                  </m:r>
+                                </m:sub>
+                              </m:sSub>
+                              <m:sSub>
+                                <m:sSubPr>
+                                  <m:ctrlPr>
+                                    <a:rPr lang="en-US" b="0" i="1" smtClean="0">
+                                      <a:latin typeface="Cambria Math" panose="02040503050406030204" pitchFamily="18" charset="0"/>
+                                    </a:rPr>
+                                  </m:ctrlPr>
+                                </m:sSubPr>
+                                <m:e>
+                                  <m:r>
+                                    <a:rPr lang="en-US" b="0" i="1" smtClean="0">
+                                      <a:latin typeface="Cambria Math" panose="02040503050406030204" pitchFamily="18" charset="0"/>
+                                    </a:rPr>
+                                    <m:t>𝑙</m:t>
+                                  </m:r>
+                                </m:e>
+                                <m:sub>
+                                  <m:r>
+                                    <a:rPr lang="en-US" b="0" i="1" smtClean="0">
+                                      <a:latin typeface="Cambria Math" panose="02040503050406030204" pitchFamily="18" charset="0"/>
+                                    </a:rPr>
+                                    <m:t>𝛾</m:t>
+                                  </m:r>
+                                </m:sub>
+                              </m:sSub>
+                              <m:sSup>
+                                <m:sSupPr>
+                                  <m:ctrlPr>
+                                    <a:rPr lang="en-US" b="0" i="1" smtClean="0">
+                                      <a:latin typeface="Cambria Math" panose="02040503050406030204" pitchFamily="18" charset="0"/>
+                                    </a:rPr>
+                                  </m:ctrlPr>
+                                </m:sSupPr>
+                                <m:e>
+                                  <m:r>
+                                    <a:rPr lang="en-US" b="1" i="1" smtClean="0">
+                                      <a:latin typeface="Cambria Math" panose="02040503050406030204" pitchFamily="18" charset="0"/>
+                                    </a:rPr>
+                                    <m:t>𝑪</m:t>
+                                  </m:r>
+                                </m:e>
+                                <m:sup>
+                                  <m:r>
+                                    <a:rPr lang="en-US" b="0" i="1" smtClean="0">
+                                      <a:latin typeface="Cambria Math" panose="02040503050406030204" pitchFamily="18" charset="0"/>
+                                    </a:rPr>
+                                    <m:t>(</m:t>
+                                  </m:r>
+                                  <m:r>
+                                    <a:rPr lang="en-US" b="0" i="1" smtClean="0">
+                                      <a:latin typeface="Cambria Math" panose="02040503050406030204" pitchFamily="18" charset="0"/>
+                                    </a:rPr>
+                                    <m:t>𝛽𝛾</m:t>
+                                  </m:r>
+                                  <m:r>
+                                    <a:rPr lang="en-US" b="0" i="1" smtClean="0">
+                                      <a:latin typeface="Cambria Math" panose="02040503050406030204" pitchFamily="18" charset="0"/>
+                                    </a:rPr>
+                                    <m:t>)</m:t>
+                                  </m:r>
+                                </m:sup>
+                              </m:sSup>
+                              <m:sSup>
+                                <m:sSupPr>
+                                  <m:ctrlPr>
+                                    <a:rPr lang="en-US" b="0" i="1" smtClean="0">
+                                      <a:latin typeface="Cambria Math" panose="02040503050406030204" pitchFamily="18" charset="0"/>
+                                    </a:rPr>
+                                  </m:ctrlPr>
+                                </m:sSupPr>
+                                <m:e>
+                                  <m:r>
+                                    <a:rPr lang="en-US" b="1" i="1" smtClean="0">
+                                      <a:latin typeface="Cambria Math" panose="02040503050406030204" pitchFamily="18" charset="0"/>
+                                    </a:rPr>
+                                    <m:t>𝑨</m:t>
+                                  </m:r>
+                                </m:e>
+                                <m:sup>
+                                  <m:r>
+                                    <a:rPr lang="en-US" b="0" i="1" smtClean="0">
+                                      <a:latin typeface="Cambria Math" panose="02040503050406030204" pitchFamily="18" charset="0"/>
+                                    </a:rPr>
+                                    <m:t>(</m:t>
+                                  </m:r>
+                                  <m:r>
+                                    <a:rPr lang="en-US" b="0" i="1" smtClean="0">
+                                      <a:latin typeface="Cambria Math" panose="02040503050406030204" pitchFamily="18" charset="0"/>
+                                    </a:rPr>
+                                    <m:t>𝛽𝛾</m:t>
+                                  </m:r>
+                                  <m:r>
+                                    <a:rPr lang="en-US" b="0" i="1" smtClean="0">
+                                      <a:latin typeface="Cambria Math" panose="02040503050406030204" pitchFamily="18" charset="0"/>
+                                    </a:rPr>
+                                    <m:t>)</m:t>
+                                  </m:r>
+                                </m:sup>
+                              </m:sSup>
+                            </m:e>
+                          </m:nary>
+                        </m:e>
+                      </m:nary>
+                    </m:oMath>
+                  </m:oMathPara>
+                </a14:m>
+                <a:endParaRPr lang="en-US" b="0" dirty="0" smtClean="0"/>
+              </a:p>
+              <a:p>
+                <a:pPr marL="0" indent="0">
+                  <a:buNone/>
+                </a:pPr>
+                <a:endParaRPr lang="en-US" dirty="0" smtClean="0"/>
+              </a:p>
+              <a:p>
+                <a:pPr marL="0" indent="0">
+                  <a:buNone/>
+                </a:pPr>
+                <a14:m>
+                  <m:oMathPara xmlns:m="http://schemas.openxmlformats.org/officeDocument/2006/math">
+                    <m:oMathParaPr>
+                      <m:jc m:val="centerGroup"/>
+                    </m:oMathParaPr>
+                    <m:oMath xmlns:m="http://schemas.openxmlformats.org/officeDocument/2006/math">
+                      <m:acc>
+                        <m:accPr>
+                          <m:chr m:val="̅"/>
+                          <m:ctrlPr>
+                            <a:rPr lang="en-US" i="1" smtClean="0">
+                              <a:latin typeface="Cambria Math" panose="02040503050406030204" pitchFamily="18" charset="0"/>
+                            </a:rPr>
+                          </m:ctrlPr>
+                        </m:accPr>
+                        <m:e>
+                          <m:r>
+                            <a:rPr lang="en-US" b="1" i="1" smtClean="0">
+                              <a:latin typeface="Cambria Math" panose="02040503050406030204" pitchFamily="18" charset="0"/>
+                            </a:rPr>
+                            <m:t>𝝈</m:t>
+                          </m:r>
+                        </m:e>
+                      </m:acc>
+                      <m:r>
+                        <a:rPr lang="en-US" b="0" i="1" smtClean="0">
+                          <a:latin typeface="Cambria Math" panose="02040503050406030204" pitchFamily="18" charset="0"/>
+                        </a:rPr>
+                        <m:t>=</m:t>
+                      </m:r>
+                      <m:sSup>
+                        <m:sSupPr>
+                          <m:ctrlPr>
+                            <a:rPr lang="en-US" b="0" i="1" smtClean="0">
+                              <a:latin typeface="Cambria Math" panose="02040503050406030204" pitchFamily="18" charset="0"/>
+                            </a:rPr>
+                          </m:ctrlPr>
+                        </m:sSupPr>
+                        <m:e>
+                          <m:r>
+                            <a:rPr lang="en-US" b="1" i="1" smtClean="0">
+                              <a:latin typeface="Cambria Math" panose="02040503050406030204" pitchFamily="18" charset="0"/>
+                            </a:rPr>
+                            <m:t>𝑪</m:t>
+                          </m:r>
+                        </m:e>
+                        <m:sup>
+                          <m:r>
+                            <a:rPr lang="en-US" b="0" i="1" smtClean="0">
+                              <a:latin typeface="Cambria Math" panose="02040503050406030204" pitchFamily="18" charset="0"/>
+                            </a:rPr>
+                            <m:t>∗</m:t>
+                          </m:r>
+                        </m:sup>
+                      </m:sSup>
+                      <m:acc>
+                        <m:accPr>
+                          <m:chr m:val="̅"/>
+                          <m:ctrlPr>
+                            <a:rPr lang="en-US" b="0" i="1" smtClean="0">
+                              <a:latin typeface="Cambria Math" panose="02040503050406030204" pitchFamily="18" charset="0"/>
+                            </a:rPr>
+                          </m:ctrlPr>
+                        </m:accPr>
+                        <m:e>
+                          <m:r>
+                            <a:rPr lang="en-US" b="1" i="1" smtClean="0">
+                              <a:latin typeface="Cambria Math" panose="02040503050406030204" pitchFamily="18" charset="0"/>
+                            </a:rPr>
+                            <m:t>𝜺</m:t>
+                          </m:r>
+                        </m:e>
+                      </m:acc>
+                    </m:oMath>
+                  </m:oMathPara>
+                </a14:m>
+                <a:endParaRPr lang="en-US" dirty="0" smtClean="0"/>
+              </a:p>
+              <a:p>
+                <a:pPr marL="0" indent="0">
+                  <a:spcBef>
+                    <a:spcPts val="1800"/>
+                  </a:spcBef>
+                  <a:buNone/>
+                </a:pPr>
+                <a:r>
+                  <a:rPr lang="en-US" dirty="0"/>
+                  <a:t>The average stress is equal to the applied strain multiplied by the stiffness </a:t>
+                </a:r>
+                <a:r>
+                  <a:rPr lang="en-US" dirty="0" smtClean="0"/>
+                  <a:t>matrix</a:t>
+                </a:r>
+                <a:endParaRPr lang="en-US" dirty="0"/>
+              </a:p>
+            </p:txBody>
+          </p:sp>
+        </mc:Choice>
+        <mc:Fallback>
+          <p:sp>
+            <p:nvSpPr>
+              <p:cNvPr id="3" name="Content Placeholder 2"/>
+              <p:cNvSpPr>
+                <a:spLocks noGrp="1" noRot="1" noChangeAspect="1" noMove="1" noResize="1" noEditPoints="1" noAdjustHandles="1" noChangeArrowheads="1" noChangeShapeType="1" noTextEdit="1"/>
+              </p:cNvSpPr>
+              <p:nvPr>
+                <p:ph sz="half" idx="1"/>
+              </p:nvPr>
+            </p:nvSpPr>
+            <p:spPr>
+              <a:blipFill rotWithShape="0">
+                <a:blip r:embed="rId3"/>
+                <a:stretch>
+                  <a:fillRect l="-2471" t="-2241"/>
+                </a:stretch>
+              </a:blipFill>
+              <a:ln>
+                <a:noFill/>
+              </a:ln>
+            </p:spPr>
+            <p:txBody>
+              <a:bodyPr/>
+              <a:lstStyle/>
+              <a:p>
+                <a:r>
+                  <a:rPr lang="en-US">
+                    <a:noFill/>
+                  </a:rPr>
+                  <a:t> </a:t>
+                </a:r>
+              </a:p>
+            </p:txBody>
+          </p:sp>
+        </mc:Fallback>
+      </mc:AlternateContent>
+      <p:sp>
+        <p:nvSpPr>
+          <p:cNvPr id="5" name="Slide Number Placeholder 4"/>
+          <p:cNvSpPr>
+            <a:spLocks noGrp="1"/>
+          </p:cNvSpPr>
+          <p:nvPr>
+            <p:ph type="sldNum" sz="quarter" idx="12"/>
+          </p:nvPr>
+        </p:nvSpPr>
+        <p:spPr/>
+        <p:txBody>
+          <a:bodyPr/>
+          <a:lstStyle/>
+          <a:p>
+            <a:fld id="{3C34C07B-8F94-49B6-B743-70BD1DFD034D}" type="slidenum">
+              <a:rPr lang="en-US" smtClean="0"/>
+              <a:t>5</a:t>
+            </a:fld>
+            <a:endParaRPr lang="en-US"/>
+          </a:p>
+        </p:txBody>
+      </p:sp>
+      <p:sp>
+        <p:nvSpPr>
+          <p:cNvPr id="8" name="Rectangle 7"/>
+          <p:cNvSpPr/>
+          <p:nvPr/>
+        </p:nvSpPr>
+        <p:spPr>
+          <a:xfrm>
+            <a:off x="2630384" y="3972296"/>
+            <a:ext cx="1644733" cy="617517"/>
+          </a:xfrm>
+          <a:prstGeom prst="rect">
+            <a:avLst/>
+          </a:prstGeom>
+          <a:noFill/>
+        </p:spPr>
+        <p:style>
+          <a:lnRef idx="2">
+            <a:schemeClr val="accent1">
+              <a:shade val="50000"/>
+            </a:schemeClr>
+          </a:lnRef>
+          <a:fillRef idx="1">
+            <a:schemeClr val="accent1"/>
+          </a:fillRef>
+          <a:effectRef idx="0">
+            <a:schemeClr val="accent1"/>
+          </a:effectRef>
+          <a:fontRef idx="minor">
+            <a:schemeClr val="lt1"/>
+          </a:fontRef>
+        </p:style>
+        <p:txBody>
+          <a:bodyPr rtlCol="0" anchor="ctr"/>
+          <a:lstStyle/>
+          <a:p>
+            <a:pPr algn="ctr"/>
+            <a:endParaRPr lang="en-US"/>
+          </a:p>
+        </p:txBody>
+      </p:sp>
+      <mc:AlternateContent xmlns:mc="http://schemas.openxmlformats.org/markup-compatibility/2006">
+        <mc:Choice xmlns:a14="http://schemas.microsoft.com/office/drawing/2010/main" Requires="a14">
+          <p:sp>
+            <p:nvSpPr>
+              <p:cNvPr id="9" name="Content Placeholder 8"/>
+              <p:cNvSpPr>
+                <a:spLocks noGrp="1"/>
+              </p:cNvSpPr>
+              <p:nvPr>
+                <p:ph sz="half" idx="2"/>
+              </p:nvPr>
+            </p:nvSpPr>
+            <p:spPr>
+              <a:xfrm>
+                <a:off x="6172199" y="1825625"/>
+                <a:ext cx="5269675" cy="4351338"/>
+              </a:xfrm>
+            </p:spPr>
+            <p:txBody>
+              <a:bodyPr>
+                <a:normAutofit/>
+              </a:bodyPr>
+              <a:lstStyle/>
+              <a:p>
+                <a:pPr marL="0" indent="0">
+                  <a:spcAft>
+                    <a:spcPts val="2400"/>
+                  </a:spcAft>
+                  <a:buNone/>
+                </a:pPr>
+                <a:r>
+                  <a:rPr lang="en-US" dirty="0" smtClean="0"/>
+                  <a:t>The RUC can be orthotropic and have a stiffness matrix of the form:</a:t>
+                </a:r>
+              </a:p>
+              <a:p>
+                <a:pPr marL="0" indent="0">
+                  <a:buNone/>
+                </a:pPr>
+                <a14:m>
+                  <m:oMathPara xmlns:m="http://schemas.openxmlformats.org/officeDocument/2006/math">
+                    <m:oMathParaPr>
+                      <m:jc m:val="centerGroup"/>
+                    </m:oMathParaPr>
+                    <m:oMath xmlns:m="http://schemas.openxmlformats.org/officeDocument/2006/math">
+                      <m:sSup>
+                        <m:sSupPr>
+                          <m:ctrlPr>
+                            <a:rPr lang="en-US" sz="2400" i="1" smtClean="0">
+                              <a:latin typeface="Cambria Math" panose="02040503050406030204" pitchFamily="18" charset="0"/>
+                            </a:rPr>
+                          </m:ctrlPr>
+                        </m:sSupPr>
+                        <m:e>
+                          <m:r>
+                            <a:rPr lang="en-US" sz="2400" b="0" i="1" smtClean="0">
+                              <a:latin typeface="Cambria Math" panose="02040503050406030204" pitchFamily="18" charset="0"/>
+                            </a:rPr>
+                            <m:t>𝐶</m:t>
+                          </m:r>
+                        </m:e>
+                        <m:sup>
+                          <m:r>
+                            <a:rPr lang="en-US" sz="2400" b="0" i="1" smtClean="0">
+                              <a:latin typeface="Cambria Math" panose="02040503050406030204" pitchFamily="18" charset="0"/>
+                            </a:rPr>
+                            <m:t>∗</m:t>
+                          </m:r>
+                        </m:sup>
+                      </m:sSup>
+                      <m:r>
+                        <a:rPr lang="en-US" sz="2400" b="0" i="1" smtClean="0">
+                          <a:latin typeface="Cambria Math" panose="02040503050406030204" pitchFamily="18" charset="0"/>
+                        </a:rPr>
+                        <m:t>=</m:t>
+                      </m:r>
+                      <m:d>
+                        <m:dPr>
+                          <m:begChr m:val="["/>
+                          <m:endChr m:val="]"/>
+                          <m:ctrlPr>
+                            <a:rPr lang="en-US" sz="2400" b="0" i="1" smtClean="0">
+                              <a:latin typeface="Cambria Math" panose="02040503050406030204" pitchFamily="18" charset="0"/>
+                            </a:rPr>
+                          </m:ctrlPr>
+                        </m:dPr>
+                        <m:e>
+                          <m:m>
+                            <m:mPr>
+                              <m:mcs>
+                                <m:mc>
+                                  <m:mcPr>
+                                    <m:count m:val="2"/>
+                                    <m:mcJc m:val="center"/>
+                                  </m:mcPr>
+                                </m:mc>
+                              </m:mcs>
+                              <m:ctrlPr>
+                                <a:rPr lang="en-US" sz="2400" b="0" i="1" smtClean="0">
+                                  <a:latin typeface="Cambria Math" panose="02040503050406030204" pitchFamily="18" charset="0"/>
+                                </a:rPr>
+                              </m:ctrlPr>
+                            </m:mPr>
+                            <m:mr>
+                              <m:e>
+                                <m:m>
+                                  <m:mPr>
+                                    <m:mcs>
+                                      <m:mc>
+                                        <m:mcPr>
+                                          <m:count m:val="3"/>
+                                          <m:mcJc m:val="center"/>
+                                        </m:mcPr>
+                                      </m:mc>
+                                    </m:mcs>
+                                    <m:ctrlPr>
+                                      <a:rPr lang="en-US" sz="2400" b="0" i="1" smtClean="0">
+                                        <a:latin typeface="Cambria Math" panose="02040503050406030204" pitchFamily="18" charset="0"/>
+                                      </a:rPr>
+                                    </m:ctrlPr>
+                                  </m:mPr>
+                                  <m:mr>
+                                    <m:e>
+                                      <m:sSub>
+                                        <m:sSubPr>
+                                          <m:ctrlPr>
+                                            <a:rPr lang="en-US" sz="2400" b="0" i="1" smtClean="0">
+                                              <a:latin typeface="Cambria Math" panose="02040503050406030204" pitchFamily="18" charset="0"/>
+                                            </a:rPr>
+                                          </m:ctrlPr>
+                                        </m:sSubPr>
+                                        <m:e>
+                                          <m:r>
+                                            <a:rPr lang="en-US" sz="2400" b="0" i="1" smtClean="0">
+                                              <a:latin typeface="Cambria Math" panose="02040503050406030204" pitchFamily="18" charset="0"/>
+                                            </a:rPr>
+                                            <m:t>𝐶</m:t>
+                                          </m:r>
+                                        </m:e>
+                                        <m:sub>
+                                          <m:r>
+                                            <a:rPr lang="en-US" sz="2400" b="0" i="1" smtClean="0">
+                                              <a:latin typeface="Cambria Math" panose="02040503050406030204" pitchFamily="18" charset="0"/>
+                                            </a:rPr>
+                                            <m:t>11</m:t>
+                                          </m:r>
+                                        </m:sub>
+                                      </m:sSub>
+                                    </m:e>
+                                    <m:e>
+                                      <m:sSub>
+                                        <m:sSubPr>
+                                          <m:ctrlPr>
+                                            <a:rPr lang="en-US" sz="2400" i="1">
+                                              <a:latin typeface="Cambria Math" panose="02040503050406030204" pitchFamily="18" charset="0"/>
+                                            </a:rPr>
+                                          </m:ctrlPr>
+                                        </m:sSubPr>
+                                        <m:e>
+                                          <m:r>
+                                            <a:rPr lang="en-US" sz="2400" i="1">
+                                              <a:latin typeface="Cambria Math" panose="02040503050406030204" pitchFamily="18" charset="0"/>
+                                            </a:rPr>
+                                            <m:t>𝐶</m:t>
+                                          </m:r>
+                                        </m:e>
+                                        <m:sub>
+                                          <m:r>
+                                            <a:rPr lang="en-US" sz="2400" b="0" i="1" smtClean="0">
+                                              <a:latin typeface="Cambria Math" panose="02040503050406030204" pitchFamily="18" charset="0"/>
+                                            </a:rPr>
+                                            <m:t>12</m:t>
+                                          </m:r>
+                                        </m:sub>
+                                      </m:sSub>
+                                    </m:e>
+                                    <m:e>
+                                      <m:sSub>
+                                        <m:sSubPr>
+                                          <m:ctrlPr>
+                                            <a:rPr lang="en-US" sz="2400" i="1">
+                                              <a:latin typeface="Cambria Math" panose="02040503050406030204" pitchFamily="18" charset="0"/>
+                                            </a:rPr>
+                                          </m:ctrlPr>
+                                        </m:sSubPr>
+                                        <m:e>
+                                          <m:r>
+                                            <a:rPr lang="en-US" sz="2400" i="1">
+                                              <a:latin typeface="Cambria Math" panose="02040503050406030204" pitchFamily="18" charset="0"/>
+                                            </a:rPr>
+                                            <m:t>𝐶</m:t>
+                                          </m:r>
+                                        </m:e>
+                                        <m:sub>
+                                          <m:r>
+                                            <a:rPr lang="en-US" sz="2400" b="0" i="1" smtClean="0">
+                                              <a:latin typeface="Cambria Math" panose="02040503050406030204" pitchFamily="18" charset="0"/>
+                                            </a:rPr>
+                                            <m:t>13</m:t>
+                                          </m:r>
+                                        </m:sub>
+                                      </m:sSub>
+                                    </m:e>
+                                  </m:mr>
+                                  <m:mr>
+                                    <m:e>
+                                      <m:sSub>
+                                        <m:sSubPr>
+                                          <m:ctrlPr>
+                                            <a:rPr lang="en-US" sz="2400" i="1">
+                                              <a:latin typeface="Cambria Math" panose="02040503050406030204" pitchFamily="18" charset="0"/>
+                                            </a:rPr>
+                                          </m:ctrlPr>
+                                        </m:sSubPr>
+                                        <m:e>
+                                          <m:r>
+                                            <a:rPr lang="en-US" sz="2400" i="1">
+                                              <a:latin typeface="Cambria Math" panose="02040503050406030204" pitchFamily="18" charset="0"/>
+                                            </a:rPr>
+                                            <m:t>𝐶</m:t>
+                                          </m:r>
+                                        </m:e>
+                                        <m:sub>
+                                          <m:r>
+                                            <a:rPr lang="en-US" sz="2400" b="0" i="1" smtClean="0">
+                                              <a:latin typeface="Cambria Math" panose="02040503050406030204" pitchFamily="18" charset="0"/>
+                                            </a:rPr>
+                                            <m:t>12</m:t>
+                                          </m:r>
+                                        </m:sub>
+                                      </m:sSub>
+                                    </m:e>
+                                    <m:e>
+                                      <m:sSub>
+                                        <m:sSubPr>
+                                          <m:ctrlPr>
+                                            <a:rPr lang="en-US" sz="2400" i="1">
+                                              <a:latin typeface="Cambria Math" panose="02040503050406030204" pitchFamily="18" charset="0"/>
+                                            </a:rPr>
+                                          </m:ctrlPr>
+                                        </m:sSubPr>
+                                        <m:e>
+                                          <m:r>
+                                            <a:rPr lang="en-US" sz="2400" i="1">
+                                              <a:latin typeface="Cambria Math" panose="02040503050406030204" pitchFamily="18" charset="0"/>
+                                            </a:rPr>
+                                            <m:t>𝐶</m:t>
+                                          </m:r>
+                                        </m:e>
+                                        <m:sub>
+                                          <m:r>
+                                            <a:rPr lang="en-US" sz="2400" b="0" i="1" smtClean="0">
+                                              <a:latin typeface="Cambria Math" panose="02040503050406030204" pitchFamily="18" charset="0"/>
+                                            </a:rPr>
+                                            <m:t>22</m:t>
+                                          </m:r>
+                                        </m:sub>
+                                      </m:sSub>
+                                    </m:e>
+                                    <m:e>
+                                      <m:sSub>
+                                        <m:sSubPr>
+                                          <m:ctrlPr>
+                                            <a:rPr lang="en-US" sz="2400" i="1">
+                                              <a:latin typeface="Cambria Math" panose="02040503050406030204" pitchFamily="18" charset="0"/>
+                                            </a:rPr>
+                                          </m:ctrlPr>
+                                        </m:sSubPr>
+                                        <m:e>
+                                          <m:r>
+                                            <a:rPr lang="en-US" sz="2400" i="1">
+                                              <a:latin typeface="Cambria Math" panose="02040503050406030204" pitchFamily="18" charset="0"/>
+                                            </a:rPr>
+                                            <m:t>𝐶</m:t>
+                                          </m:r>
+                                        </m:e>
+                                        <m:sub>
+                                          <m:r>
+                                            <a:rPr lang="en-US" sz="2400" b="0" i="1" smtClean="0">
+                                              <a:latin typeface="Cambria Math" panose="02040503050406030204" pitchFamily="18" charset="0"/>
+                                            </a:rPr>
+                                            <m:t>23</m:t>
+                                          </m:r>
+                                        </m:sub>
+                                      </m:sSub>
+                                    </m:e>
+                                  </m:mr>
+                                  <m:mr>
+                                    <m:e>
+                                      <m:sSub>
+                                        <m:sSubPr>
+                                          <m:ctrlPr>
+                                            <a:rPr lang="en-US" sz="2400" i="1">
+                                              <a:latin typeface="Cambria Math" panose="02040503050406030204" pitchFamily="18" charset="0"/>
+                                            </a:rPr>
+                                          </m:ctrlPr>
+                                        </m:sSubPr>
+                                        <m:e>
+                                          <m:r>
+                                            <a:rPr lang="en-US" sz="2400" i="1">
+                                              <a:latin typeface="Cambria Math" panose="02040503050406030204" pitchFamily="18" charset="0"/>
+                                            </a:rPr>
+                                            <m:t>𝐶</m:t>
+                                          </m:r>
+                                        </m:e>
+                                        <m:sub>
+                                          <m:r>
+                                            <a:rPr lang="en-US" sz="2400" b="0" i="1" smtClean="0">
+                                              <a:latin typeface="Cambria Math" panose="02040503050406030204" pitchFamily="18" charset="0"/>
+                                            </a:rPr>
+                                            <m:t>13</m:t>
+                                          </m:r>
+                                        </m:sub>
+                                      </m:sSub>
+                                    </m:e>
+                                    <m:e>
+                                      <m:sSub>
+                                        <m:sSubPr>
+                                          <m:ctrlPr>
+                                            <a:rPr lang="en-US" sz="2400" i="1">
+                                              <a:latin typeface="Cambria Math" panose="02040503050406030204" pitchFamily="18" charset="0"/>
+                                            </a:rPr>
+                                          </m:ctrlPr>
+                                        </m:sSubPr>
+                                        <m:e>
+                                          <m:r>
+                                            <a:rPr lang="en-US" sz="2400" i="1">
+                                              <a:latin typeface="Cambria Math" panose="02040503050406030204" pitchFamily="18" charset="0"/>
+                                            </a:rPr>
+                                            <m:t>𝐶</m:t>
+                                          </m:r>
+                                        </m:e>
+                                        <m:sub>
+                                          <m:r>
+                                            <a:rPr lang="en-US" sz="2400" b="0" i="1" smtClean="0">
+                                              <a:latin typeface="Cambria Math" panose="02040503050406030204" pitchFamily="18" charset="0"/>
+                                            </a:rPr>
+                                            <m:t>23</m:t>
+                                          </m:r>
+                                        </m:sub>
+                                      </m:sSub>
+                                    </m:e>
+                                    <m:e>
+                                      <m:sSub>
+                                        <m:sSubPr>
+                                          <m:ctrlPr>
+                                            <a:rPr lang="en-US" sz="2400" i="1">
+                                              <a:latin typeface="Cambria Math" panose="02040503050406030204" pitchFamily="18" charset="0"/>
+                                            </a:rPr>
+                                          </m:ctrlPr>
+                                        </m:sSubPr>
+                                        <m:e>
+                                          <m:r>
+                                            <a:rPr lang="en-US" sz="2400" i="1">
+                                              <a:latin typeface="Cambria Math" panose="02040503050406030204" pitchFamily="18" charset="0"/>
+                                            </a:rPr>
+                                            <m:t>𝐶</m:t>
+                                          </m:r>
+                                        </m:e>
+                                        <m:sub>
+                                          <m:r>
+                                            <a:rPr lang="en-US" sz="2400" b="0" i="1" smtClean="0">
+                                              <a:latin typeface="Cambria Math" panose="02040503050406030204" pitchFamily="18" charset="0"/>
+                                            </a:rPr>
+                                            <m:t>33</m:t>
+                                          </m:r>
+                                        </m:sub>
+                                      </m:sSub>
+                                    </m:e>
+                                  </m:mr>
+                                </m:m>
+                              </m:e>
+                              <m:e>
+                                <m:m>
+                                  <m:mPr>
+                                    <m:mcs>
+                                      <m:mc>
+                                        <m:mcPr>
+                                          <m:count m:val="3"/>
+                                          <m:mcJc m:val="center"/>
+                                        </m:mcPr>
+                                      </m:mc>
+                                    </m:mcs>
+                                    <m:ctrlPr>
+                                      <a:rPr lang="en-US" sz="2400" b="0" i="1" smtClean="0">
+                                        <a:latin typeface="Cambria Math" panose="02040503050406030204" pitchFamily="18" charset="0"/>
+                                      </a:rPr>
+                                    </m:ctrlPr>
+                                  </m:mPr>
+                                  <m:mr>
+                                    <m:e/>
+                                    <m:e/>
+                                    <m:e/>
+                                  </m:mr>
+                                  <m:mr>
+                                    <m:e/>
+                                    <m:e/>
+                                    <m:e/>
+                                  </m:mr>
+                                  <m:mr>
+                                    <m:e/>
+                                    <m:e/>
+                                    <m:e/>
+                                  </m:mr>
+                                </m:m>
+                              </m:e>
+                            </m:mr>
+                            <m:mr>
+                              <m:e>
+                                <m:m>
+                                  <m:mPr>
+                                    <m:mcs>
+                                      <m:mc>
+                                        <m:mcPr>
+                                          <m:count m:val="3"/>
+                                          <m:mcJc m:val="center"/>
+                                        </m:mcPr>
+                                      </m:mc>
+                                    </m:mcs>
+                                    <m:ctrlPr>
+                                      <a:rPr lang="en-US" sz="2400" b="0" i="1" smtClean="0">
+                                        <a:latin typeface="Cambria Math" panose="02040503050406030204" pitchFamily="18" charset="0"/>
+                                      </a:rPr>
+                                    </m:ctrlPr>
+                                  </m:mPr>
+                                  <m:mr>
+                                    <m:e/>
+                                    <m:e/>
+                                    <m:e/>
+                                  </m:mr>
+                                  <m:mr>
+                                    <m:e/>
+                                    <m:e/>
+                                    <m:e/>
+                                  </m:mr>
+                                  <m:mr>
+                                    <m:e/>
+                                    <m:e/>
+                                    <m:e/>
+                                  </m:mr>
+                                </m:m>
+                              </m:e>
+                              <m:e>
+                                <m:m>
+                                  <m:mPr>
+                                    <m:mcs>
+                                      <m:mc>
+                                        <m:mcPr>
+                                          <m:count m:val="3"/>
+                                          <m:mcJc m:val="center"/>
+                                        </m:mcPr>
+                                      </m:mc>
+                                    </m:mcs>
+                                    <m:ctrlPr>
+                                      <a:rPr lang="en-US" sz="2400" b="0" i="1" smtClean="0">
+                                        <a:latin typeface="Cambria Math" panose="02040503050406030204" pitchFamily="18" charset="0"/>
+                                      </a:rPr>
+                                    </m:ctrlPr>
+                                  </m:mPr>
+                                  <m:mr>
+                                    <m:e>
+                                      <m:sSub>
+                                        <m:sSubPr>
+                                          <m:ctrlPr>
+                                            <a:rPr lang="en-US" sz="2400" i="1">
+                                              <a:latin typeface="Cambria Math" panose="02040503050406030204" pitchFamily="18" charset="0"/>
+                                            </a:rPr>
+                                          </m:ctrlPr>
+                                        </m:sSubPr>
+                                        <m:e>
+                                          <m:r>
+                                            <a:rPr lang="en-US" sz="2400" i="1">
+                                              <a:latin typeface="Cambria Math" panose="02040503050406030204" pitchFamily="18" charset="0"/>
+                                            </a:rPr>
+                                            <m:t>𝐶</m:t>
+                                          </m:r>
+                                        </m:e>
+                                        <m:sub>
+                                          <m:r>
+                                            <a:rPr lang="en-US" sz="2400" b="0" i="1" smtClean="0">
+                                              <a:latin typeface="Cambria Math" panose="02040503050406030204" pitchFamily="18" charset="0"/>
+                                            </a:rPr>
+                                            <m:t>44</m:t>
+                                          </m:r>
+                                        </m:sub>
+                                      </m:sSub>
+                                    </m:e>
+                                    <m:e/>
+                                    <m:e/>
+                                  </m:mr>
+                                  <m:mr>
+                                    <m:e/>
+                                    <m:e>
+                                      <m:sSub>
+                                        <m:sSubPr>
+                                          <m:ctrlPr>
+                                            <a:rPr lang="en-US" sz="2400" i="1">
+                                              <a:latin typeface="Cambria Math" panose="02040503050406030204" pitchFamily="18" charset="0"/>
+                                            </a:rPr>
+                                          </m:ctrlPr>
+                                        </m:sSubPr>
+                                        <m:e>
+                                          <m:r>
+                                            <a:rPr lang="en-US" sz="2400" i="1">
+                                              <a:latin typeface="Cambria Math" panose="02040503050406030204" pitchFamily="18" charset="0"/>
+                                            </a:rPr>
+                                            <m:t>𝐶</m:t>
+                                          </m:r>
+                                        </m:e>
+                                        <m:sub>
+                                          <m:r>
+                                            <a:rPr lang="en-US" sz="2400" b="0" i="1" smtClean="0">
+                                              <a:latin typeface="Cambria Math" panose="02040503050406030204" pitchFamily="18" charset="0"/>
+                                            </a:rPr>
+                                            <m:t>55</m:t>
+                                          </m:r>
+                                        </m:sub>
+                                      </m:sSub>
+                                    </m:e>
+                                    <m:e/>
+                                  </m:mr>
+                                  <m:mr>
+                                    <m:e/>
+                                    <m:e/>
+                                    <m:e>
+                                      <m:sSub>
+                                        <m:sSubPr>
+                                          <m:ctrlPr>
+                                            <a:rPr lang="en-US" sz="2400" i="1">
+                                              <a:latin typeface="Cambria Math" panose="02040503050406030204" pitchFamily="18" charset="0"/>
+                                            </a:rPr>
+                                          </m:ctrlPr>
+                                        </m:sSubPr>
+                                        <m:e>
+                                          <m:r>
+                                            <a:rPr lang="en-US" sz="2400" i="1">
+                                              <a:latin typeface="Cambria Math" panose="02040503050406030204" pitchFamily="18" charset="0"/>
+                                            </a:rPr>
+                                            <m:t>𝐶</m:t>
+                                          </m:r>
+                                        </m:e>
+                                        <m:sub>
+                                          <m:r>
+                                            <a:rPr lang="en-US" sz="2400" b="0" i="1" smtClean="0">
+                                              <a:latin typeface="Cambria Math" panose="02040503050406030204" pitchFamily="18" charset="0"/>
+                                            </a:rPr>
+                                            <m:t>66</m:t>
+                                          </m:r>
+                                        </m:sub>
+                                      </m:sSub>
+                                    </m:e>
+                                  </m:mr>
+                                </m:m>
+                              </m:e>
+                            </m:mr>
+                          </m:m>
+                        </m:e>
+                      </m:d>
+                    </m:oMath>
+                  </m:oMathPara>
+                </a14:m>
+                <a:endParaRPr lang="en-US" sz="2400" dirty="0" smtClean="0"/>
+              </a:p>
+              <a:p>
+                <a:pPr marL="0" indent="0">
+                  <a:buNone/>
+                </a:pPr>
+                <a:endParaRPr lang="en-US" dirty="0"/>
+              </a:p>
+            </p:txBody>
+          </p:sp>
+        </mc:Choice>
+        <mc:Fallback>
+          <p:sp>
+            <p:nvSpPr>
+              <p:cNvPr id="9" name="Content Placeholder 8"/>
+              <p:cNvSpPr>
+                <a:spLocks noGrp="1" noRot="1" noChangeAspect="1" noMove="1" noResize="1" noEditPoints="1" noAdjustHandles="1" noChangeArrowheads="1" noChangeShapeType="1" noTextEdit="1"/>
+              </p:cNvSpPr>
+              <p:nvPr>
+                <p:ph sz="half" idx="2"/>
+              </p:nvPr>
+            </p:nvSpPr>
+            <p:spPr>
+              <a:xfrm>
+                <a:off x="6172199" y="1825625"/>
+                <a:ext cx="5269675" cy="4351338"/>
+              </a:xfrm>
+              <a:blipFill rotWithShape="0">
+                <a:blip r:embed="rId4"/>
+                <a:stretch>
+                  <a:fillRect l="-2312" t="-2241" r="-1272"/>
+                </a:stretch>
+              </a:blipFill>
+            </p:spPr>
+            <p:txBody>
+              <a:bodyPr/>
+              <a:lstStyle/>
+              <a:p>
+                <a:r>
+                  <a:rPr lang="en-US">
+                    <a:noFill/>
+                  </a:rPr>
+                  <a:t> </a:t>
+                </a:r>
+              </a:p>
+            </p:txBody>
+          </p:sp>
+        </mc:Fallback>
+      </mc:AlternateContent>
+    </p:spTree>
+    <p:extLst>
+      <p:ext uri="{BB962C8B-B14F-4D97-AF65-F5344CB8AC3E}">
+        <p14:creationId xmlns:p14="http://schemas.microsoft.com/office/powerpoint/2010/main" val="2173187486"/>
+      </p:ext>
+    </p:extLst>
+  </p:cSld>
+  <p:clrMapOvr>
+    <a:masterClrMapping/>
+  </p:clrMapOvr>
+  <p:timing>
+    <p:tnLst>
+      <p:par>
+        <p:cTn id="1" dur="indefinite" restart="never" nodeType="tmRoot"/>
+      </p:par>
+    </p:tnLst>
+  </p:timing>
+</p:sld>
+</file>
+
+<file path=ppt/slides/slide6.xml><?xml version="1.0" encoding="utf-8"?>
+<p:sld xmlns:a="http://schemas.openxmlformats.org/drawingml/2006/main" xmlns:r="http://schemas.openxmlformats.org/officeDocument/2006/relationships" xmlns:p="http://schemas.openxmlformats.org/presentationml/2006/main">
+  <p:cSld>
+    <p:spTree>
+      <p:nvGrpSpPr>
+        <p:cNvPr id="1" name=""/>
+        <p:cNvGrpSpPr/>
+        <p:nvPr/>
+      </p:nvGrpSpPr>
+      <p:grpSpPr>
+        <a:xfrm>
+          <a:off x="0" y="0"/>
+          <a:ext cx="0" cy="0"/>
+          <a:chOff x="0" y="0"/>
+          <a:chExt cx="0" cy="0"/>
+        </a:xfrm>
+      </p:grpSpPr>
+      <p:sp>
+        <p:nvSpPr>
+          <p:cNvPr id="2" name="Title 1"/>
+          <p:cNvSpPr>
+            <a:spLocks noGrp="1"/>
+          </p:cNvSpPr>
+          <p:nvPr>
+            <p:ph type="title"/>
+          </p:nvPr>
+        </p:nvSpPr>
+        <p:spPr/>
+        <p:txBody>
+          <a:bodyPr/>
+          <a:lstStyle/>
+          <a:p>
+            <a:r>
+              <a:rPr lang="en-US" b="1" dirty="0" smtClean="0"/>
+              <a:t>The Code</a:t>
+            </a:r>
+            <a:endParaRPr lang="en-US" b="1" dirty="0"/>
+          </a:p>
+        </p:txBody>
+      </p:sp>
+      <p:sp>
+        <p:nvSpPr>
+          <p:cNvPr id="3" name="Content Placeholder 2"/>
+          <p:cNvSpPr>
+            <a:spLocks noGrp="1"/>
+          </p:cNvSpPr>
+          <p:nvPr>
+            <p:ph sz="half" idx="1"/>
+          </p:nvPr>
+        </p:nvSpPr>
+        <p:spPr>
+          <a:xfrm>
+            <a:off x="838200" y="1825625"/>
+            <a:ext cx="5805668" cy="4351338"/>
+          </a:xfrm>
+        </p:spPr>
+        <p:txBody>
+          <a:bodyPr>
+            <a:normAutofit/>
+          </a:bodyPr>
+          <a:lstStyle/>
+          <a:p>
+            <a:r>
               <a:rPr lang="en-US" dirty="0" smtClean="0"/>
+              <a:t>The code was written in MATLAB</a:t>
+            </a:r>
+          </a:p>
+          <a:p>
+            <a:r>
+              <a:rPr lang="en-US" dirty="0" smtClean="0"/>
+              <a:t>Code reads an input file and outputs stress, strain, and the C-matrix</a:t>
+            </a:r>
+          </a:p>
+          <a:p>
+            <a:r>
+              <a:rPr lang="en-US" dirty="0"/>
+              <a:t>M</a:t>
+            </a:r>
+            <a:r>
+              <a:rPr lang="en-US" dirty="0" smtClean="0"/>
+              <a:t>aterial properties, cell architecture, and loading conditions are set in the input file</a:t>
+            </a:r>
+          </a:p>
+          <a:p>
+            <a:r>
+              <a:rPr lang="en-US" dirty="0" smtClean="0"/>
+              <a:t>Materials are linear elastic and do not have failure conditions</a:t>
+            </a:r>
+            <a:endParaRPr lang="en-US" dirty="0"/>
+          </a:p>
+        </p:txBody>
+      </p:sp>
+      <p:sp>
+        <p:nvSpPr>
+          <p:cNvPr id="6" name="TextBox 5"/>
+          <p:cNvSpPr txBox="1"/>
+          <p:nvPr/>
+        </p:nvSpPr>
+        <p:spPr>
+          <a:xfrm>
+            <a:off x="7780698" y="456247"/>
+            <a:ext cx="3921307" cy="6401753"/>
+          </a:xfrm>
+          <a:prstGeom prst="rect">
+            <a:avLst/>
+          </a:prstGeom>
+          <a:noFill/>
+        </p:spPr>
+        <p:txBody>
+          <a:bodyPr wrap="square" rtlCol="0">
+            <a:spAutoFit/>
+          </a:bodyPr>
+          <a:lstStyle/>
+          <a:p>
+            <a:r>
+              <a:rPr lang="en-US" sz="1400" dirty="0">
+                <a:latin typeface="Courier New" panose="02070309020205020404" pitchFamily="49" charset="0"/>
+              </a:rPr>
+              <a:t>% MOC Input: Hex_0.5_01_AS.moci</a:t>
+            </a:r>
+          </a:p>
+          <a:p>
+            <a:r>
+              <a:rPr lang="en-US" sz="1400" dirty="0">
+                <a:latin typeface="Courier New" panose="02070309020205020404" pitchFamily="49" charset="0"/>
+              </a:rPr>
+              <a:t>% Created: 11-Jul-2014 11:48:03</a:t>
+            </a:r>
+          </a:p>
+          <a:p>
+            <a:r>
+              <a:rPr lang="en-US" sz="1400" dirty="0">
+                <a:latin typeface="Courier New" panose="02070309020205020404" pitchFamily="49" charset="0"/>
+              </a:rPr>
+              <a:t>%</a:t>
+            </a:r>
+          </a:p>
+          <a:p>
+            <a:r>
+              <a:rPr lang="en-US" sz="1400" dirty="0">
+                <a:latin typeface="Courier New" panose="02070309020205020404" pitchFamily="49" charset="0"/>
+              </a:rPr>
+              <a:t>*CONSTITUENTS</a:t>
+            </a:r>
+          </a:p>
+          <a:p>
+            <a:r>
+              <a:rPr lang="en-US" sz="1400" dirty="0">
+                <a:latin typeface="Courier New" panose="02070309020205020404" pitchFamily="49" charset="0"/>
+              </a:rPr>
+              <a:t>NMATS=2</a:t>
+            </a:r>
+          </a:p>
+          <a:p>
+            <a:r>
+              <a:rPr lang="en-US" sz="1400" dirty="0">
+                <a:latin typeface="Courier New" panose="02070309020205020404" pitchFamily="49" charset="0"/>
+              </a:rPr>
+              <a:t>MAT=1,CMOD=1</a:t>
+            </a:r>
+          </a:p>
+          <a:p>
+            <a:r>
+              <a:rPr lang="en-US" sz="1400" dirty="0">
+                <a:latin typeface="Courier New" panose="02070309020205020404" pitchFamily="49" charset="0"/>
+              </a:rPr>
+              <a:t>EA=2.510e+05</a:t>
+            </a:r>
+          </a:p>
+          <a:p>
+            <a:r>
+              <a:rPr lang="en-US" sz="1400" dirty="0">
+                <a:latin typeface="Courier New" panose="02070309020205020404" pitchFamily="49" charset="0"/>
+              </a:rPr>
+              <a:t>ET=4.040e+04</a:t>
+            </a:r>
+          </a:p>
+          <a:p>
+            <a:r>
+              <a:rPr lang="en-US" sz="1400" dirty="0">
+                <a:latin typeface="Courier New" panose="02070309020205020404" pitchFamily="49" charset="0"/>
+              </a:rPr>
+              <a:t>NUA=0.256</a:t>
+            </a:r>
+          </a:p>
+          <a:p>
+            <a:r>
+              <a:rPr lang="en-US" sz="1400" dirty="0">
+                <a:latin typeface="Courier New" panose="02070309020205020404" pitchFamily="49" charset="0"/>
+              </a:rPr>
+              <a:t>NUT=0.321</a:t>
+            </a:r>
+          </a:p>
+          <a:p>
+            <a:r>
+              <a:rPr lang="en-US" sz="1400" dirty="0">
+                <a:latin typeface="Courier New" panose="02070309020205020404" pitchFamily="49" charset="0"/>
+              </a:rPr>
+              <a:t>GA=1.608e+04</a:t>
+            </a:r>
+          </a:p>
+          <a:p>
+            <a:r>
+              <a:rPr lang="en-US" sz="1400" dirty="0">
+                <a:latin typeface="Courier New" panose="02070309020205020404" pitchFamily="49" charset="0"/>
+              </a:rPr>
+              <a:t>GT=3.070e+04</a:t>
+            </a:r>
+          </a:p>
+          <a:p>
+            <a:r>
+              <a:rPr lang="en-US" sz="1400" dirty="0">
+                <a:latin typeface="Courier New" panose="02070309020205020404" pitchFamily="49" charset="0"/>
+              </a:rPr>
+              <a:t>%</a:t>
+            </a:r>
+          </a:p>
+          <a:p>
+            <a:r>
+              <a:rPr lang="en-US" sz="1400" dirty="0">
+                <a:latin typeface="Courier New" panose="02070309020205020404" pitchFamily="49" charset="0"/>
+              </a:rPr>
+              <a:t>MAT=2,CMOD=2</a:t>
+            </a:r>
+          </a:p>
+          <a:p>
+            <a:r>
+              <a:rPr lang="en-US" sz="1400" dirty="0">
+                <a:latin typeface="Courier New" panose="02070309020205020404" pitchFamily="49" charset="0"/>
+              </a:rPr>
+              <a:t>E=3.310e+03</a:t>
+            </a:r>
+          </a:p>
+          <a:p>
+            <a:r>
+              <a:rPr lang="en-US" sz="1400" dirty="0">
+                <a:latin typeface="Courier New" panose="02070309020205020404" pitchFamily="49" charset="0"/>
+              </a:rPr>
+              <a:t>NU=0.318</a:t>
+            </a:r>
+          </a:p>
+          <a:p>
+            <a:r>
+              <a:rPr lang="en-US" sz="1400" dirty="0">
+                <a:latin typeface="Courier New" panose="02070309020205020404" pitchFamily="49" charset="0"/>
+              </a:rPr>
+              <a:t>%</a:t>
+            </a:r>
+          </a:p>
+          <a:p>
+            <a:r>
+              <a:rPr lang="en-US" sz="1400" dirty="0">
+                <a:latin typeface="Courier New" panose="02070309020205020404" pitchFamily="49" charset="0"/>
+              </a:rPr>
+              <a:t>*CELL</a:t>
+            </a:r>
+          </a:p>
+          <a:p>
+            <a:r>
+              <a:rPr lang="en-US" sz="1400" dirty="0">
+                <a:latin typeface="Courier New" panose="02070309020205020404" pitchFamily="49" charset="0"/>
+              </a:rPr>
+              <a:t>AMOD=3</a:t>
+            </a:r>
+          </a:p>
+          <a:p>
+            <a:r>
+              <a:rPr lang="en-US" sz="1400" dirty="0">
+                <a:latin typeface="Courier New" panose="02070309020205020404" pitchFamily="49" charset="0"/>
+              </a:rPr>
+              <a:t>VF=0.500</a:t>
+            </a:r>
+          </a:p>
+          <a:p>
+            <a:r>
+              <a:rPr lang="en-US" sz="1400" dirty="0">
+                <a:latin typeface="Courier New" panose="02070309020205020404" pitchFamily="49" charset="0"/>
+              </a:rPr>
+              <a:t>DF=5.000e-03</a:t>
+            </a:r>
+          </a:p>
+          <a:p>
+            <a:r>
+              <a:rPr lang="en-US" sz="1400" dirty="0">
+                <a:latin typeface="Courier New" panose="02070309020205020404" pitchFamily="49" charset="0"/>
+              </a:rPr>
+              <a:t>%</a:t>
+            </a:r>
+          </a:p>
+          <a:p>
+            <a:r>
+              <a:rPr lang="en-US" sz="1400" dirty="0">
+                <a:latin typeface="Courier New" panose="02070309020205020404" pitchFamily="49" charset="0"/>
+              </a:rPr>
+              <a:t>*LOADING</a:t>
+            </a:r>
+          </a:p>
+          <a:p>
+            <a:r>
+              <a:rPr lang="en-US" sz="1400" dirty="0">
+                <a:latin typeface="Courier New" panose="02070309020205020404" pitchFamily="49" charset="0"/>
+              </a:rPr>
+              <a:t>LMOD=1</a:t>
+            </a:r>
+          </a:p>
+          <a:p>
+            <a:r>
+              <a:rPr lang="en-US" sz="1400" dirty="0">
+                <a:latin typeface="Courier New" panose="02070309020205020404" pitchFamily="49" charset="0"/>
+              </a:rPr>
+              <a:t>NL=1</a:t>
+            </a:r>
+          </a:p>
+          <a:p>
+            <a:r>
+              <a:rPr lang="en-US" sz="1400" dirty="0">
+                <a:latin typeface="Courier New" panose="02070309020205020404" pitchFamily="49" charset="0"/>
+              </a:rPr>
+              <a:t>L=0.00100,</a:t>
+            </a:r>
+          </a:p>
+          <a:p>
+            <a:r>
+              <a:rPr lang="en-US" sz="1400" dirty="0" smtClean="0">
+                <a:latin typeface="Courier New" panose="02070309020205020404" pitchFamily="49" charset="0"/>
+              </a:rPr>
+              <a:t>%</a:t>
+            </a:r>
+            <a:endParaRPr lang="en-US" sz="1400" dirty="0">
+              <a:latin typeface="Courier New" panose="02070309020205020404" pitchFamily="49" charset="0"/>
+            </a:endParaRPr>
+          </a:p>
+          <a:p>
+            <a:r>
+              <a:rPr lang="en-US" sz="1400" dirty="0">
+                <a:latin typeface="Courier New" panose="02070309020205020404" pitchFamily="49" charset="0"/>
+              </a:rPr>
+              <a:t>*END</a:t>
+            </a:r>
+            <a:endParaRPr lang="en-US" sz="1400" dirty="0"/>
+          </a:p>
+          <a:p>
+            <a:endParaRPr lang="en-US" dirty="0"/>
+          </a:p>
+        </p:txBody>
+      </p:sp>
+      <p:sp>
+        <p:nvSpPr>
+          <p:cNvPr id="4" name="Slide Number Placeholder 3"/>
+          <p:cNvSpPr>
+            <a:spLocks noGrp="1"/>
+          </p:cNvSpPr>
+          <p:nvPr>
+            <p:ph type="sldNum" sz="quarter" idx="12"/>
+          </p:nvPr>
+        </p:nvSpPr>
+        <p:spPr/>
+        <p:txBody>
+          <a:bodyPr/>
+          <a:lstStyle/>
+          <a:p>
+            <a:fld id="{3C34C07B-8F94-49B6-B743-70BD1DFD034D}" type="slidenum">
+              <a:rPr lang="en-US" smtClean="0"/>
+              <a:t>6</a:t>
+            </a:fld>
+            <a:endParaRPr lang="en-US"/>
+          </a:p>
+        </p:txBody>
+      </p:sp>
+    </p:spTree>
+    <p:extLst>
+      <p:ext uri="{BB962C8B-B14F-4D97-AF65-F5344CB8AC3E}">
+        <p14:creationId xmlns:p14="http://schemas.microsoft.com/office/powerpoint/2010/main" val="1229267926"/>
+      </p:ext>
+    </p:extLst>
+  </p:cSld>
+  <p:clrMapOvr>
+    <a:masterClrMapping/>
+  </p:clrMapOvr>
+  <p:timing>
+    <p:tnLst>
+      <p:par>
+        <p:cTn id="1" dur="indefinite" restart="never" nodeType="tmRoot"/>
+      </p:par>
+    </p:tnLst>
+  </p:timing>
+</p:sld>
+</file>
+
+<file path=ppt/slides/slide7.xml><?xml version="1.0" encoding="utf-8"?>
+<p:sld xmlns:a="http://schemas.openxmlformats.org/drawingml/2006/main" xmlns:r="http://schemas.openxmlformats.org/officeDocument/2006/relationships" xmlns:p="http://schemas.openxmlformats.org/presentationml/2006/main">
+  <p:cSld>
+    <p:spTree>
+      <p:nvGrpSpPr>
+        <p:cNvPr id="1" name=""/>
+        <p:cNvGrpSpPr/>
+        <p:nvPr/>
+      </p:nvGrpSpPr>
+      <p:grpSpPr>
+        <a:xfrm>
+          <a:off x="0" y="0"/>
+          <a:ext cx="0" cy="0"/>
+          <a:chOff x="0" y="0"/>
+          <a:chExt cx="0" cy="0"/>
+        </a:xfrm>
+      </p:grpSpPr>
+      <p:sp>
+        <p:nvSpPr>
+          <p:cNvPr id="2" name="Title 1"/>
+          <p:cNvSpPr>
+            <a:spLocks noGrp="1"/>
+          </p:cNvSpPr>
+          <p:nvPr>
+            <p:ph type="title"/>
+          </p:nvPr>
+        </p:nvSpPr>
+        <p:spPr/>
+        <p:txBody>
+          <a:bodyPr/>
+          <a:lstStyle/>
+          <a:p>
+            <a:r>
+              <a:rPr lang="en-US" b="1" dirty="0" smtClean="0"/>
               <a:t>Predefined Architectures</a:t>
             </a:r>
-            <a:endParaRPr lang="en-US" dirty="0"/>
+            <a:endParaRPr lang="en-US" b="1" dirty="0"/>
           </a:p>
         </p:txBody>
       </p:sp>
@@ -4198,6 +8121,122 @@
           </a:p>
         </p:txBody>
       </p:sp>
+      <p:sp>
+        <p:nvSpPr>
+          <p:cNvPr id="3" name="Slide Number Placeholder 2"/>
+          <p:cNvSpPr>
+            <a:spLocks noGrp="1"/>
+          </p:cNvSpPr>
+          <p:nvPr>
+            <p:ph type="sldNum" sz="quarter" idx="12"/>
+          </p:nvPr>
+        </p:nvSpPr>
+        <p:spPr/>
+        <p:txBody>
+          <a:bodyPr/>
+          <a:lstStyle/>
+          <a:p>
+            <a:fld id="{3C34C07B-8F94-49B6-B743-70BD1DFD034D}" type="slidenum">
+              <a:rPr lang="en-US" smtClean="0"/>
+              <a:t>7</a:t>
+            </a:fld>
+            <a:endParaRPr lang="en-US"/>
+          </a:p>
+        </p:txBody>
+      </p:sp>
+      <p:sp>
+        <p:nvSpPr>
+          <p:cNvPr id="4" name="TextBox 3"/>
+          <p:cNvSpPr txBox="1"/>
+          <p:nvPr/>
+        </p:nvSpPr>
+        <p:spPr>
+          <a:xfrm>
+            <a:off x="3313488" y="3740017"/>
+            <a:ext cx="1401288" cy="369332"/>
+          </a:xfrm>
+          <a:prstGeom prst="rect">
+            <a:avLst/>
+          </a:prstGeom>
+          <a:noFill/>
+        </p:spPr>
+        <p:txBody>
+          <a:bodyPr wrap="square" rtlCol="0">
+            <a:spAutoFit/>
+          </a:bodyPr>
+          <a:lstStyle/>
+          <a:p>
+            <a:pPr algn="ctr"/>
+            <a:r>
+              <a:rPr lang="en-US" dirty="0" smtClean="0"/>
+              <a:t>4-cell</a:t>
+            </a:r>
+            <a:endParaRPr lang="en-US" dirty="0"/>
+          </a:p>
+        </p:txBody>
+      </p:sp>
+      <p:sp>
+        <p:nvSpPr>
+          <p:cNvPr id="10" name="TextBox 9"/>
+          <p:cNvSpPr txBox="1"/>
+          <p:nvPr/>
+        </p:nvSpPr>
+        <p:spPr>
+          <a:xfrm>
+            <a:off x="6420008" y="3734633"/>
+            <a:ext cx="1525980" cy="369332"/>
+          </a:xfrm>
+          <a:prstGeom prst="rect">
+            <a:avLst/>
+          </a:prstGeom>
+          <a:noFill/>
+        </p:spPr>
+        <p:txBody>
+          <a:bodyPr wrap="square" rtlCol="0">
+            <a:spAutoFit/>
+          </a:bodyPr>
+          <a:lstStyle/>
+          <a:p>
+            <a:pPr algn="ctr"/>
+            <a:r>
+              <a:rPr lang="en-US" dirty="0" smtClean="0"/>
+              <a:t>Square</a:t>
+            </a:r>
+            <a:endParaRPr lang="en-US" dirty="0"/>
+          </a:p>
+        </p:txBody>
+      </p:sp>
+      <p:sp>
+        <p:nvSpPr>
+          <p:cNvPr id="13" name="TextBox 12"/>
+          <p:cNvSpPr txBox="1"/>
+          <p:nvPr/>
+        </p:nvSpPr>
+        <p:spPr>
+          <a:xfrm>
+            <a:off x="4155183" y="6351474"/>
+            <a:ext cx="1549730" cy="369332"/>
+          </a:xfrm>
+          <a:prstGeom prst="rect">
+            <a:avLst/>
+          </a:prstGeom>
+          <a:noFill/>
+        </p:spPr>
+        <p:txBody>
+          <a:bodyPr wrap="square" rtlCol="0">
+            <a:spAutoFit/>
+          </a:bodyPr>
+          <a:lstStyle/>
+          <a:p>
+            <a:pPr algn="ctr"/>
+            <a:r>
+              <a:rPr lang="en-US" dirty="0" smtClean="0"/>
+              <a:t>Hex</a:t>
+            </a:r>
+            <a:endParaRPr lang="en-US" dirty="0"/>
+          </a:p>
+        </p:txBody>
+      </p:sp>
     </p:spTree>
     <p:extLst>
       <p:ext uri="{BB962C8B-B14F-4D97-AF65-F5344CB8AC3E}">
@@ -4208,10 +8247,17 @@
   <p:clrMapOvr>
     <a:masterClrMapping/>
   </p:clrMapOvr>
+  <p:timing>
+    <p:tnLst>
+      <p:par>
+        <p:cTn id="1" dur="indefinite" restart="never" nodeType="tmRoot"/>
+      </p:par>
+    </p:tnLst>
+  </p:timing>
 </p:sld>
 </file>
 
-<file path=ppt/slides/slide6.xml><?xml version="1.0" encoding="utf-8"?>
+<file path=ppt/slides/slide8.xml><?xml version="1.0" encoding="utf-8"?>
 <p:sld xmlns:a="http://schemas.openxmlformats.org/drawingml/2006/main" xmlns:r="http://schemas.openxmlformats.org/officeDocument/2006/relationships" xmlns:p="http://schemas.openxmlformats.org/presentationml/2006/main">
   <p:cSld>
     <p:spTree>
@@ -4245,7 +8291,7 @@
           <a:p>
             <a:r>
               <a:rPr lang="en-US" dirty="0" smtClean="0"/>
-              <a:t>Equations</a:t>
+              <a:t>Error Approximation</a:t>
             </a:r>
             <a:endParaRPr lang="en-US" dirty="0"/>
           </a:p>
@@ -4253,12 +8299,48 @@
       </p:sp>
       <p:sp>
         <p:nvSpPr>
-          <p:cNvPr id="4" name="Content Placeholder 3"/>
+          <p:cNvPr id="3" name="Content Placeholder 2"/>
           <p:cNvSpPr>
             <a:spLocks noGrp="1"/>
           </p:cNvSpPr>
           <p:nvPr>
-            <p:ph sz="half" idx="2"/>
+            <p:ph sz="half" idx="1"/>
+          </p:nvPr>
+        </p:nvSpPr>
+        <p:spPr>
+          <a:xfrm>
+            <a:off x="838200" y="1825625"/>
+            <a:ext cx="9097370" cy="1927509"/>
+          </a:xfrm>
+        </p:spPr>
+        <p:txBody>
+          <a:bodyPr/>
+          <a:lstStyle/>
+          <a:p>
+            <a:r>
+              <a:rPr lang="en-US" dirty="0" smtClean="0"/>
+              <a:t>The Concentric Cylinder Model (CCM) is used to check the accuracy of the MOC code.</a:t>
+            </a:r>
+          </a:p>
+          <a:p>
+            <a:endParaRPr lang="en-US" dirty="0"/>
+          </a:p>
+          <a:p>
+            <a:endParaRPr lang="en-US" dirty="0" smtClean="0"/>
+          </a:p>
+          <a:p>
+            <a:endParaRPr lang="en-US" dirty="0"/>
+          </a:p>
+        </p:txBody>
+      </p:sp>
+      <p:sp>
+        <p:nvSpPr>
+          <p:cNvPr id="4" name="Slide Number Placeholder 3"/>
+          <p:cNvSpPr>
+            <a:spLocks noGrp="1"/>
+          </p:cNvSpPr>
+          <p:nvPr>
+            <p:ph type="sldNum" sz="quarter" idx="12"/>
           </p:nvPr>
         </p:nvSpPr>
         <p:spPr/>
@@ -4266,210 +8348,2799 @@
           <a:bodyPr/>
           <a:lstStyle/>
           <a:p>
-            <a:r>
-              <a:rPr lang="en-US" dirty="0" smtClean="0"/>
-              <a:t>The average stress is equal to the applied strain multiplied by the stiffness matrix. </a:t>
-            </a:r>
-          </a:p>
-          <a:p>
-            <a:r>
-              <a:rPr lang="en-US" dirty="0" smtClean="0"/>
-              <a:t>The stiffness Coefficient in three dimensions is the volume of the RUC multiplied by the elastic stiffness of the RUC times the concentration tensor. </a:t>
-            </a:r>
-            <a:endParaRPr lang="en-US" dirty="0"/>
+            <a:fld id="{3C34C07B-8F94-49B6-B743-70BD1DFD034D}" type="slidenum">
+              <a:rPr lang="en-US" smtClean="0"/>
+              <a:t>8</a:t>
+            </a:fld>
+            <a:endParaRPr lang="en-US"/>
           </a:p>
         </p:txBody>
       </p:sp>
-      <p:pic>
-        <p:nvPicPr>
-          <p:cNvPr id="2050" name="Picture 2"/>
-          <p:cNvPicPr>
-            <a:picLocks noGrp="1" noChangeAspect="1" noChangeArrowheads="1"/>
-          </p:cNvPicPr>
+      <p:graphicFrame>
+        <p:nvGraphicFramePr>
+          <p:cNvPr id="7" name="Content Placeholder 6"/>
+          <p:cNvGraphicFramePr>
+            <a:graphicFrameLocks noGrp="1"/>
+          </p:cNvGraphicFramePr>
           <p:nvPr>
-            <p:ph sz="half" idx="1"/>
+            <p:ph sz="half" idx="2"/>
+            <p:extLst>
+              <p:ext uri="{D42A27DB-BD31-4B8C-83A1-F6EECF244321}">
+                <p14:modId xmlns:p14="http://schemas.microsoft.com/office/powerpoint/2010/main" val="3837724304"/>
+              </p:ext>
+            </p:extLst>
           </p:nvPr>
-        </p:nvPicPr>
-        <p:blipFill>
-          <a:blip r:embed="rId2">
-            <a:extLst>
-              <a:ext uri="{28A0092B-C50C-407E-A947-70E740481C1C}">
-                <a14:useLocalDpi xmlns:a14="http://schemas.microsoft.com/office/drawing/2010/main" val="0"/>
-              </a:ext>
-            </a:extLst>
-          </a:blip>
-          <a:srcRect/>
-          <a:stretch>
-            <a:fillRect/>
-          </a:stretch>
-        </p:blipFill>
-        <p:spPr bwMode="auto">
-          <a:xfrm>
-            <a:off x="982622" y="1842447"/>
-            <a:ext cx="2397474" cy="392314"/>
-          </a:xfrm>
-          <a:prstGeom prst="rect">
-            <a:avLst/>
-          </a:prstGeom>
-          <a:noFill/>
-          <a:ln>
-            <a:noFill/>
-          </a:ln>
-          <a:extLst>
-            <a:ext uri="{909E8E84-426E-40DD-AFC4-6F175D3DCCD1}">
-              <a14:hiddenFill xmlns:a14="http://schemas.microsoft.com/office/drawing/2010/main">
-                <a:solidFill>
-                  <a:schemeClr val="accent1"/>
-                </a:solidFill>
-              </a14:hiddenFill>
-            </a:ext>
-            <a:ext uri="{91240B29-F687-4F45-9708-019B960494DF}">
-              <a14:hiddenLine xmlns:a14="http://schemas.microsoft.com/office/drawing/2010/main" w="9525">
-                <a:solidFill>
-                  <a:schemeClr val="tx1"/>
-                </a:solidFill>
-                <a:miter lim="800000"/>
-                <a:headEnd/>
-                <a:tailEnd/>
-              </a14:hiddenLine>
-            </a:ext>
-          </a:extLst>
-        </p:spPr>
-      </p:pic>
-      <p:cxnSp>
-        <p:nvCxnSpPr>
-          <p:cNvPr id="6" name="Straight Connector 5"/>
-          <p:cNvCxnSpPr/>
-          <p:nvPr/>
-        </p:nvCxnSpPr>
-        <p:spPr>
-          <a:xfrm flipV="1">
-            <a:off x="2388356" y="1842448"/>
-            <a:ext cx="163773" cy="382137"/>
-          </a:xfrm>
-          <a:prstGeom prst="line">
-            <a:avLst/>
-          </a:prstGeom>
-          <a:ln>
-            <a:solidFill>
-              <a:srgbClr val="C00000"/>
-            </a:solidFill>
-          </a:ln>
-        </p:spPr>
-        <p:style>
-          <a:lnRef idx="3">
-            <a:schemeClr val="accent1"/>
-          </a:lnRef>
-          <a:fillRef idx="0">
-            <a:schemeClr val="accent1"/>
-          </a:fillRef>
-          <a:effectRef idx="2">
-            <a:schemeClr val="accent1"/>
-          </a:effectRef>
-          <a:fontRef idx="minor">
-            <a:schemeClr val="tx1"/>
-          </a:fontRef>
-        </p:style>
-      </p:cxnSp>
-      <p:cxnSp>
-        <p:nvCxnSpPr>
-          <p:cNvPr id="8" name="Straight Connector 7"/>
-          <p:cNvCxnSpPr/>
-          <p:nvPr/>
-        </p:nvCxnSpPr>
-        <p:spPr>
-          <a:xfrm flipV="1">
-            <a:off x="2922895" y="1842447"/>
-            <a:ext cx="163773" cy="382137"/>
-          </a:xfrm>
-          <a:prstGeom prst="line">
-            <a:avLst/>
-          </a:prstGeom>
-          <a:ln>
-            <a:solidFill>
-              <a:srgbClr val="C00000"/>
-            </a:solidFill>
-          </a:ln>
-        </p:spPr>
-        <p:style>
-          <a:lnRef idx="3">
-            <a:schemeClr val="accent1"/>
-          </a:lnRef>
-          <a:fillRef idx="0">
-            <a:schemeClr val="accent1"/>
-          </a:fillRef>
-          <a:effectRef idx="2">
-            <a:schemeClr val="accent1"/>
-          </a:effectRef>
-          <a:fontRef idx="minor">
-            <a:schemeClr val="tx1"/>
-          </a:fontRef>
-        </p:style>
-      </p:cxnSp>
-      <p:pic>
-        <p:nvPicPr>
-          <p:cNvPr id="2051" name="Picture 3"/>
-          <p:cNvPicPr>
-            <a:picLocks noChangeAspect="1" noChangeArrowheads="1"/>
-          </p:cNvPicPr>
-          <p:nvPr/>
-        </p:nvPicPr>
-        <p:blipFill>
-          <a:blip r:embed="rId3">
-            <a:extLst>
-              <a:ext uri="{28A0092B-C50C-407E-A947-70E740481C1C}">
-                <a14:useLocalDpi xmlns:a14="http://schemas.microsoft.com/office/drawing/2010/main" val="0"/>
-              </a:ext>
-            </a:extLst>
-          </a:blip>
-          <a:srcRect/>
-          <a:stretch>
-            <a:fillRect/>
-          </a:stretch>
-        </p:blipFill>
-        <p:spPr bwMode="auto">
-          <a:xfrm>
-            <a:off x="984559" y="2819526"/>
-            <a:ext cx="4791075" cy="742950"/>
-          </a:xfrm>
-          <a:prstGeom prst="rect">
-            <a:avLst/>
-          </a:prstGeom>
-          <a:noFill/>
-          <a:ln>
-            <a:noFill/>
-          </a:ln>
-          <a:extLst>
-            <a:ext uri="{909E8E84-426E-40DD-AFC4-6F175D3DCCD1}">
-              <a14:hiddenFill xmlns:a14="http://schemas.microsoft.com/office/drawing/2010/main">
-                <a:solidFill>
-                  <a:schemeClr val="accent1"/>
-                </a:solidFill>
-              </a14:hiddenFill>
-            </a:ext>
-            <a:ext uri="{91240B29-F687-4F45-9708-019B960494DF}">
-              <a14:hiddenLine xmlns:a14="http://schemas.microsoft.com/office/drawing/2010/main" w="9525">
-                <a:solidFill>
-                  <a:schemeClr val="tx1"/>
-                </a:solidFill>
-                <a:miter lim="800000"/>
-                <a:headEnd/>
-                <a:tailEnd/>
-              </a14:hiddenLine>
-            </a:ext>
-          </a:extLst>
-        </p:spPr>
-      </p:pic>
+        </p:nvGraphicFramePr>
+        <p:xfrm>
+          <a:off x="838200" y="3009126"/>
+          <a:ext cx="10039599" cy="2216016"/>
+        </p:xfrm>
+        <a:graphic>
+          <a:graphicData uri="http://schemas.openxmlformats.org/drawingml/2006/table">
+            <a:tbl>
+              <a:tblPr/>
+              <a:tblGrid>
+                <a:gridCol w="1511337"/>
+                <a:gridCol w="1273840"/>
+                <a:gridCol w="1036346"/>
+                <a:gridCol w="1036346"/>
+                <a:gridCol w="1036346"/>
+                <a:gridCol w="1036346"/>
+                <a:gridCol w="1036346"/>
+                <a:gridCol w="1036346"/>
+                <a:gridCol w="1036346"/>
+              </a:tblGrid>
+              <a:tr h="277002">
+                <a:tc>
+                  <a:txBody>
+                    <a:bodyPr/>
+                    <a:lstStyle/>
+                    <a:p>
+                      <a:pPr algn="l" fontAlgn="b"/>
+                      <a:r>
+                        <a:rPr lang="en-US" sz="1600" b="1" i="0" u="none" strike="noStrike" dirty="0">
+                          <a:solidFill>
+                            <a:srgbClr val="000000"/>
+                          </a:solidFill>
+                          <a:effectLst/>
+                          <a:latin typeface="Calibri" panose="020F0502020204030204" pitchFamily="34" charset="0"/>
+                        </a:rPr>
+                        <a:t>Property</a:t>
+                      </a:r>
+                    </a:p>
+                  </a:txBody>
+                  <a:tcPr marL="6686" marR="6686" marT="6686" marB="0" anchor="b">
+                    <a:lnL>
+                      <a:noFill/>
+                    </a:lnL>
+                    <a:lnR>
+                      <a:noFill/>
+                    </a:lnR>
+                    <a:lnT w="6350" cap="flat" cmpd="sng" algn="ctr">
+                      <a:solidFill>
+                        <a:srgbClr val="A5A5A5"/>
+                      </a:solidFill>
+                      <a:prstDash val="solid"/>
+                      <a:round/>
+                      <a:headEnd type="none" w="med" len="med"/>
+                      <a:tailEnd type="none" w="med" len="med"/>
+                    </a:lnT>
+                    <a:lnB w="6350" cap="flat" cmpd="sng" algn="ctr">
+                      <a:solidFill>
+                        <a:srgbClr val="A5A5A5"/>
+                      </a:solidFill>
+                      <a:prstDash val="solid"/>
+                      <a:round/>
+                      <a:headEnd type="none" w="med" len="med"/>
+                      <a:tailEnd type="none" w="med" len="med"/>
+                    </a:lnB>
+                  </a:tcPr>
+                </a:tc>
+                <a:tc>
+                  <a:txBody>
+                    <a:bodyPr/>
+                    <a:lstStyle/>
+                    <a:p>
+                      <a:pPr algn="r" fontAlgn="b"/>
+                      <a:r>
+                        <a:rPr lang="en-US" sz="1600" b="1" i="0" u="none" strike="noStrike" dirty="0">
+                          <a:solidFill>
+                            <a:srgbClr val="000000"/>
+                          </a:solidFill>
+                          <a:effectLst/>
+                          <a:latin typeface="Calibri" panose="020F0502020204030204" pitchFamily="34" charset="0"/>
+                        </a:rPr>
+                        <a:t>CCM</a:t>
+                      </a:r>
+                    </a:p>
+                  </a:txBody>
+                  <a:tcPr marL="6686" marR="6686" marT="6686" marB="0" anchor="b">
+                    <a:lnL>
+                      <a:noFill/>
+                    </a:lnL>
+                    <a:lnR>
+                      <a:noFill/>
+                    </a:lnR>
+                    <a:lnT w="6350" cap="flat" cmpd="sng" algn="ctr">
+                      <a:solidFill>
+                        <a:srgbClr val="A5A5A5"/>
+                      </a:solidFill>
+                      <a:prstDash val="solid"/>
+                      <a:round/>
+                      <a:headEnd type="none" w="med" len="med"/>
+                      <a:tailEnd type="none" w="med" len="med"/>
+                    </a:lnT>
+                    <a:lnB w="6350" cap="flat" cmpd="sng" algn="ctr">
+                      <a:solidFill>
+                        <a:srgbClr val="A5A5A5"/>
+                      </a:solidFill>
+                      <a:prstDash val="solid"/>
+                      <a:round/>
+                      <a:headEnd type="none" w="med" len="med"/>
+                      <a:tailEnd type="none" w="med" len="med"/>
+                    </a:lnB>
+                  </a:tcPr>
+                </a:tc>
+                <a:tc>
+                  <a:txBody>
+                    <a:bodyPr/>
+                    <a:lstStyle/>
+                    <a:p>
+                      <a:pPr algn="r" fontAlgn="b"/>
+                      <a:r>
+                        <a:rPr lang="en-US" sz="1600" b="1" i="0" u="none" strike="noStrike" dirty="0">
+                          <a:solidFill>
+                            <a:srgbClr val="000000"/>
+                          </a:solidFill>
+                          <a:effectLst/>
+                          <a:latin typeface="Calibri" panose="020F0502020204030204" pitchFamily="34" charset="0"/>
+                        </a:rPr>
+                        <a:t>4-cell</a:t>
+                      </a:r>
+                    </a:p>
+                  </a:txBody>
+                  <a:tcPr marL="6686" marR="6686" marT="6686" marB="0" anchor="b">
+                    <a:lnL>
+                      <a:noFill/>
+                    </a:lnL>
+                    <a:lnR>
+                      <a:noFill/>
+                    </a:lnR>
+                    <a:lnT w="6350" cap="flat" cmpd="sng" algn="ctr">
+                      <a:solidFill>
+                        <a:srgbClr val="A5A5A5"/>
+                      </a:solidFill>
+                      <a:prstDash val="solid"/>
+                      <a:round/>
+                      <a:headEnd type="none" w="med" len="med"/>
+                      <a:tailEnd type="none" w="med" len="med"/>
+                    </a:lnT>
+                    <a:lnB w="6350" cap="flat" cmpd="sng" algn="ctr">
+                      <a:solidFill>
+                        <a:srgbClr val="A5A5A5"/>
+                      </a:solidFill>
+                      <a:prstDash val="solid"/>
+                      <a:round/>
+                      <a:headEnd type="none" w="med" len="med"/>
+                      <a:tailEnd type="none" w="med" len="med"/>
+                    </a:lnB>
+                  </a:tcPr>
+                </a:tc>
+                <a:tc>
+                  <a:txBody>
+                    <a:bodyPr/>
+                    <a:lstStyle/>
+                    <a:p>
+                      <a:pPr algn="r" fontAlgn="b"/>
+                      <a:r>
+                        <a:rPr lang="en-US" sz="1600" b="1" i="0" u="none" strike="noStrike" dirty="0" smtClean="0">
+                          <a:solidFill>
+                            <a:srgbClr val="000000"/>
+                          </a:solidFill>
+                          <a:effectLst/>
+                          <a:latin typeface="Calibri" panose="020F0502020204030204" pitchFamily="34" charset="0"/>
+                        </a:rPr>
+                        <a:t>Square</a:t>
+                      </a:r>
+                      <a:endParaRPr lang="en-US" sz="1600" b="1" i="0" u="none" strike="noStrike" dirty="0">
+                        <a:solidFill>
+                          <a:srgbClr val="000000"/>
+                        </a:solidFill>
+                        <a:effectLst/>
+                        <a:latin typeface="Calibri" panose="020F0502020204030204" pitchFamily="34" charset="0"/>
+                      </a:endParaRPr>
+                    </a:p>
+                  </a:txBody>
+                  <a:tcPr marL="6686" marR="6686" marT="6686" marB="0" anchor="b">
+                    <a:lnL>
+                      <a:noFill/>
+                    </a:lnL>
+                    <a:lnR>
+                      <a:noFill/>
+                    </a:lnR>
+                    <a:lnT w="6350" cap="flat" cmpd="sng" algn="ctr">
+                      <a:solidFill>
+                        <a:srgbClr val="A5A5A5"/>
+                      </a:solidFill>
+                      <a:prstDash val="solid"/>
+                      <a:round/>
+                      <a:headEnd type="none" w="med" len="med"/>
+                      <a:tailEnd type="none" w="med" len="med"/>
+                    </a:lnT>
+                    <a:lnB w="6350" cap="flat" cmpd="sng" algn="ctr">
+                      <a:solidFill>
+                        <a:srgbClr val="A5A5A5"/>
+                      </a:solidFill>
+                      <a:prstDash val="solid"/>
+                      <a:round/>
+                      <a:headEnd type="none" w="med" len="med"/>
+                      <a:tailEnd type="none" w="med" len="med"/>
+                    </a:lnB>
+                  </a:tcPr>
+                </a:tc>
+                <a:tc>
+                  <a:txBody>
+                    <a:bodyPr/>
+                    <a:lstStyle/>
+                    <a:p>
+                      <a:pPr algn="r" fontAlgn="b"/>
+                      <a:r>
+                        <a:rPr lang="en-US" sz="1600" b="1" i="0" u="none" strike="noStrike" dirty="0">
+                          <a:solidFill>
+                            <a:srgbClr val="000000"/>
+                          </a:solidFill>
+                          <a:effectLst/>
+                          <a:latin typeface="Calibri" panose="020F0502020204030204" pitchFamily="34" charset="0"/>
+                        </a:rPr>
+                        <a:t>Hex</a:t>
+                      </a:r>
+                    </a:p>
+                  </a:txBody>
+                  <a:tcPr marL="6686" marR="6686" marT="6686" marB="0" anchor="b">
+                    <a:lnL>
+                      <a:noFill/>
+                    </a:lnL>
+                    <a:lnR>
+                      <a:noFill/>
+                    </a:lnR>
+                    <a:lnT w="6350" cap="flat" cmpd="sng" algn="ctr">
+                      <a:solidFill>
+                        <a:srgbClr val="A5A5A5"/>
+                      </a:solidFill>
+                      <a:prstDash val="solid"/>
+                      <a:round/>
+                      <a:headEnd type="none" w="med" len="med"/>
+                      <a:tailEnd type="none" w="med" len="med"/>
+                    </a:lnT>
+                    <a:lnB w="6350" cap="flat" cmpd="sng" algn="ctr">
+                      <a:solidFill>
+                        <a:srgbClr val="A5A5A5"/>
+                      </a:solidFill>
+                      <a:prstDash val="solid"/>
+                      <a:round/>
+                      <a:headEnd type="none" w="med" len="med"/>
+                      <a:tailEnd type="none" w="med" len="med"/>
+                    </a:lnB>
+                  </a:tcPr>
+                </a:tc>
+                <a:tc>
+                  <a:txBody>
+                    <a:bodyPr/>
+                    <a:lstStyle/>
+                    <a:p>
+                      <a:pPr algn="r" fontAlgn="b"/>
+                      <a:endParaRPr lang="en-US" sz="1600" b="0" i="0" u="none" strike="noStrike" dirty="0">
+                        <a:solidFill>
+                          <a:srgbClr val="000000"/>
+                        </a:solidFill>
+                        <a:effectLst/>
+                        <a:latin typeface="Calibri" panose="020F0502020204030204" pitchFamily="34" charset="0"/>
+                      </a:endParaRPr>
+                    </a:p>
+                  </a:txBody>
+                  <a:tcPr marL="6686" marR="6686" marT="6686" marB="0" anchor="b">
+                    <a:lnL>
+                      <a:noFill/>
+                    </a:lnL>
+                    <a:lnR>
+                      <a:noFill/>
+                    </a:lnR>
+                    <a:lnT>
+                      <a:noFill/>
+                    </a:lnT>
+                    <a:lnB>
+                      <a:noFill/>
+                    </a:lnB>
+                  </a:tcPr>
+                </a:tc>
+                <a:tc>
+                  <a:txBody>
+                    <a:bodyPr/>
+                    <a:lstStyle/>
+                    <a:p>
+                      <a:pPr algn="r" fontAlgn="b"/>
+                      <a:r>
+                        <a:rPr lang="en-US" sz="1600" b="1" i="0" u="none" strike="noStrike" dirty="0">
+                          <a:solidFill>
+                            <a:srgbClr val="000000"/>
+                          </a:solidFill>
+                          <a:effectLst/>
+                          <a:latin typeface="Calibri" panose="020F0502020204030204" pitchFamily="34" charset="0"/>
+                        </a:rPr>
+                        <a:t>4-cell</a:t>
+                      </a:r>
+                    </a:p>
+                  </a:txBody>
+                  <a:tcPr marL="6686" marR="6686" marT="6686" marB="0" anchor="b">
+                    <a:lnL>
+                      <a:noFill/>
+                    </a:lnL>
+                    <a:lnR>
+                      <a:noFill/>
+                    </a:lnR>
+                    <a:lnT w="6350" cap="flat" cmpd="sng" algn="ctr">
+                      <a:solidFill>
+                        <a:srgbClr val="A5A5A5"/>
+                      </a:solidFill>
+                      <a:prstDash val="solid"/>
+                      <a:round/>
+                      <a:headEnd type="none" w="med" len="med"/>
+                      <a:tailEnd type="none" w="med" len="med"/>
+                    </a:lnT>
+                    <a:lnB w="6350" cap="flat" cmpd="sng" algn="ctr">
+                      <a:solidFill>
+                        <a:srgbClr val="A5A5A5"/>
+                      </a:solidFill>
+                      <a:prstDash val="solid"/>
+                      <a:round/>
+                      <a:headEnd type="none" w="med" len="med"/>
+                      <a:tailEnd type="none" w="med" len="med"/>
+                    </a:lnB>
+                  </a:tcPr>
+                </a:tc>
+                <a:tc>
+                  <a:txBody>
+                    <a:bodyPr/>
+                    <a:lstStyle/>
+                    <a:p>
+                      <a:pPr algn="r" fontAlgn="b"/>
+                      <a:r>
+                        <a:rPr lang="en-US" sz="1600" b="1" i="0" u="none" strike="noStrike" dirty="0" smtClean="0">
+                          <a:solidFill>
+                            <a:srgbClr val="000000"/>
+                          </a:solidFill>
+                          <a:effectLst/>
+                          <a:latin typeface="Calibri" panose="020F0502020204030204" pitchFamily="34" charset="0"/>
+                        </a:rPr>
+                        <a:t>Square</a:t>
+                      </a:r>
+                      <a:endParaRPr lang="en-US" sz="1600" b="1" i="0" u="none" strike="noStrike" dirty="0">
+                        <a:solidFill>
+                          <a:srgbClr val="000000"/>
+                        </a:solidFill>
+                        <a:effectLst/>
+                        <a:latin typeface="Calibri" panose="020F0502020204030204" pitchFamily="34" charset="0"/>
+                      </a:endParaRPr>
+                    </a:p>
+                  </a:txBody>
+                  <a:tcPr marL="6686" marR="6686" marT="6686" marB="0" anchor="b">
+                    <a:lnL>
+                      <a:noFill/>
+                    </a:lnL>
+                    <a:lnR>
+                      <a:noFill/>
+                    </a:lnR>
+                    <a:lnT w="6350" cap="flat" cmpd="sng" algn="ctr">
+                      <a:solidFill>
+                        <a:srgbClr val="A5A5A5"/>
+                      </a:solidFill>
+                      <a:prstDash val="solid"/>
+                      <a:round/>
+                      <a:headEnd type="none" w="med" len="med"/>
+                      <a:tailEnd type="none" w="med" len="med"/>
+                    </a:lnT>
+                    <a:lnB w="6350" cap="flat" cmpd="sng" algn="ctr">
+                      <a:solidFill>
+                        <a:srgbClr val="A5A5A5"/>
+                      </a:solidFill>
+                      <a:prstDash val="solid"/>
+                      <a:round/>
+                      <a:headEnd type="none" w="med" len="med"/>
+                      <a:tailEnd type="none" w="med" len="med"/>
+                    </a:lnB>
+                  </a:tcPr>
+                </a:tc>
+                <a:tc>
+                  <a:txBody>
+                    <a:bodyPr/>
+                    <a:lstStyle/>
+                    <a:p>
+                      <a:pPr algn="r" fontAlgn="b"/>
+                      <a:r>
+                        <a:rPr lang="en-US" sz="1600" b="1" i="0" u="none" strike="noStrike" dirty="0">
+                          <a:solidFill>
+                            <a:srgbClr val="000000"/>
+                          </a:solidFill>
+                          <a:effectLst/>
+                          <a:latin typeface="Calibri" panose="020F0502020204030204" pitchFamily="34" charset="0"/>
+                        </a:rPr>
+                        <a:t>Hex</a:t>
+                      </a:r>
+                    </a:p>
+                  </a:txBody>
+                  <a:tcPr marL="6686" marR="6686" marT="6686" marB="0" anchor="b">
+                    <a:lnL>
+                      <a:noFill/>
+                    </a:lnL>
+                    <a:lnR>
+                      <a:noFill/>
+                    </a:lnR>
+                    <a:lnT w="6350" cap="flat" cmpd="sng" algn="ctr">
+                      <a:solidFill>
+                        <a:srgbClr val="A5A5A5"/>
+                      </a:solidFill>
+                      <a:prstDash val="solid"/>
+                      <a:round/>
+                      <a:headEnd type="none" w="med" len="med"/>
+                      <a:tailEnd type="none" w="med" len="med"/>
+                    </a:lnT>
+                    <a:lnB w="6350" cap="flat" cmpd="sng" algn="ctr">
+                      <a:solidFill>
+                        <a:srgbClr val="A5A5A5"/>
+                      </a:solidFill>
+                      <a:prstDash val="solid"/>
+                      <a:round/>
+                      <a:headEnd type="none" w="med" len="med"/>
+                      <a:tailEnd type="none" w="med" len="med"/>
+                    </a:lnB>
+                  </a:tcPr>
+                </a:tc>
+              </a:tr>
+              <a:tr h="277002">
+                <a:tc>
+                  <a:txBody>
+                    <a:bodyPr/>
+                    <a:lstStyle/>
+                    <a:p>
+                      <a:pPr algn="l" fontAlgn="b"/>
+                      <a:r>
+                        <a:rPr lang="en-US" sz="1600" b="0" i="0" u="none" strike="noStrike">
+                          <a:solidFill>
+                            <a:srgbClr val="000000"/>
+                          </a:solidFill>
+                          <a:effectLst/>
+                          <a:latin typeface="Calibri" panose="020F0502020204030204" pitchFamily="34" charset="0"/>
+                        </a:rPr>
+                        <a:t>E11 (GPa)</a:t>
+                      </a:r>
+                    </a:p>
+                  </a:txBody>
+                  <a:tcPr marL="6686" marR="6686" marT="6686" marB="0" anchor="b">
+                    <a:lnL>
+                      <a:noFill/>
+                    </a:lnL>
+                    <a:lnR>
+                      <a:noFill/>
+                    </a:lnR>
+                    <a:lnT w="6350" cap="flat" cmpd="sng" algn="ctr">
+                      <a:solidFill>
+                        <a:srgbClr val="A5A5A5"/>
+                      </a:solidFill>
+                      <a:prstDash val="solid"/>
+                      <a:round/>
+                      <a:headEnd type="none" w="med" len="med"/>
+                      <a:tailEnd type="none" w="med" len="med"/>
+                    </a:lnT>
+                    <a:lnB>
+                      <a:noFill/>
+                    </a:lnB>
+                    <a:solidFill>
+                      <a:srgbClr val="EDEDED"/>
+                    </a:solidFill>
+                  </a:tcPr>
+                </a:tc>
+                <a:tc>
+                  <a:txBody>
+                    <a:bodyPr/>
+                    <a:lstStyle/>
+                    <a:p>
+                      <a:pPr algn="r" fontAlgn="b"/>
+                      <a:r>
+                        <a:rPr lang="en-US" sz="1600" b="0" i="0" u="none" strike="noStrike">
+                          <a:solidFill>
+                            <a:srgbClr val="7B7B7B"/>
+                          </a:solidFill>
+                          <a:effectLst/>
+                          <a:latin typeface="Calibri" panose="020F0502020204030204" pitchFamily="34" charset="0"/>
+                        </a:rPr>
+                        <a:t>127.16</a:t>
+                      </a:r>
+                    </a:p>
+                  </a:txBody>
+                  <a:tcPr marL="6686" marR="6686" marT="6686" marB="0" anchor="b">
+                    <a:lnL>
+                      <a:noFill/>
+                    </a:lnL>
+                    <a:lnR>
+                      <a:noFill/>
+                    </a:lnR>
+                    <a:lnT w="6350" cap="flat" cmpd="sng" algn="ctr">
+                      <a:solidFill>
+                        <a:srgbClr val="A5A5A5"/>
+                      </a:solidFill>
+                      <a:prstDash val="solid"/>
+                      <a:round/>
+                      <a:headEnd type="none" w="med" len="med"/>
+                      <a:tailEnd type="none" w="med" len="med"/>
+                    </a:lnT>
+                    <a:lnB>
+                      <a:noFill/>
+                    </a:lnB>
+                    <a:solidFill>
+                      <a:srgbClr val="EDEDED"/>
+                    </a:solidFill>
+                  </a:tcPr>
+                </a:tc>
+                <a:tc>
+                  <a:txBody>
+                    <a:bodyPr/>
+                    <a:lstStyle/>
+                    <a:p>
+                      <a:pPr algn="r" fontAlgn="b"/>
+                      <a:r>
+                        <a:rPr lang="en-US" sz="1600" b="0" i="0" u="none" strike="noStrike">
+                          <a:solidFill>
+                            <a:srgbClr val="7B7B7B"/>
+                          </a:solidFill>
+                          <a:effectLst/>
+                          <a:latin typeface="Calibri" panose="020F0502020204030204" pitchFamily="34" charset="0"/>
+                        </a:rPr>
+                        <a:t>124.29</a:t>
+                      </a:r>
+                    </a:p>
+                  </a:txBody>
+                  <a:tcPr marL="6686" marR="6686" marT="6686" marB="0" anchor="b">
+                    <a:lnL>
+                      <a:noFill/>
+                    </a:lnL>
+                    <a:lnR>
+                      <a:noFill/>
+                    </a:lnR>
+                    <a:lnT w="6350" cap="flat" cmpd="sng" algn="ctr">
+                      <a:solidFill>
+                        <a:srgbClr val="A5A5A5"/>
+                      </a:solidFill>
+                      <a:prstDash val="solid"/>
+                      <a:round/>
+                      <a:headEnd type="none" w="med" len="med"/>
+                      <a:tailEnd type="none" w="med" len="med"/>
+                    </a:lnT>
+                    <a:lnB>
+                      <a:noFill/>
+                    </a:lnB>
+                    <a:solidFill>
+                      <a:srgbClr val="EDEDED"/>
+                    </a:solidFill>
+                  </a:tcPr>
+                </a:tc>
+                <a:tc>
+                  <a:txBody>
+                    <a:bodyPr/>
+                    <a:lstStyle/>
+                    <a:p>
+                      <a:pPr algn="r" fontAlgn="b"/>
+                      <a:r>
+                        <a:rPr lang="en-US" sz="1600" b="0" i="0" u="none" strike="noStrike">
+                          <a:solidFill>
+                            <a:srgbClr val="7B7B7B"/>
+                          </a:solidFill>
+                          <a:effectLst/>
+                          <a:latin typeface="Calibri" panose="020F0502020204030204" pitchFamily="34" charset="0"/>
+                        </a:rPr>
+                        <a:t>124.29</a:t>
+                      </a:r>
+                    </a:p>
+                  </a:txBody>
+                  <a:tcPr marL="6686" marR="6686" marT="6686" marB="0" anchor="b">
+                    <a:lnL>
+                      <a:noFill/>
+                    </a:lnL>
+                    <a:lnR>
+                      <a:noFill/>
+                    </a:lnR>
+                    <a:lnT w="6350" cap="flat" cmpd="sng" algn="ctr">
+                      <a:solidFill>
+                        <a:srgbClr val="A5A5A5"/>
+                      </a:solidFill>
+                      <a:prstDash val="solid"/>
+                      <a:round/>
+                      <a:headEnd type="none" w="med" len="med"/>
+                      <a:tailEnd type="none" w="med" len="med"/>
+                    </a:lnT>
+                    <a:lnB>
+                      <a:noFill/>
+                    </a:lnB>
+                    <a:solidFill>
+                      <a:srgbClr val="EDEDED"/>
+                    </a:solidFill>
+                  </a:tcPr>
+                </a:tc>
+                <a:tc>
+                  <a:txBody>
+                    <a:bodyPr/>
+                    <a:lstStyle/>
+                    <a:p>
+                      <a:pPr algn="r" fontAlgn="b"/>
+                      <a:r>
+                        <a:rPr lang="en-US" sz="1600" b="0" i="0" u="none" strike="noStrike">
+                          <a:solidFill>
+                            <a:srgbClr val="7B7B7B"/>
+                          </a:solidFill>
+                          <a:effectLst/>
+                          <a:latin typeface="Calibri" panose="020F0502020204030204" pitchFamily="34" charset="0"/>
+                        </a:rPr>
+                        <a:t>124.20</a:t>
+                      </a:r>
+                    </a:p>
+                  </a:txBody>
+                  <a:tcPr marL="6686" marR="6686" marT="6686" marB="0" anchor="b">
+                    <a:lnL>
+                      <a:noFill/>
+                    </a:lnL>
+                    <a:lnR>
+                      <a:noFill/>
+                    </a:lnR>
+                    <a:lnT w="6350" cap="flat" cmpd="sng" algn="ctr">
+                      <a:solidFill>
+                        <a:srgbClr val="A5A5A5"/>
+                      </a:solidFill>
+                      <a:prstDash val="solid"/>
+                      <a:round/>
+                      <a:headEnd type="none" w="med" len="med"/>
+                      <a:tailEnd type="none" w="med" len="med"/>
+                    </a:lnT>
+                    <a:lnB>
+                      <a:noFill/>
+                    </a:lnB>
+                    <a:solidFill>
+                      <a:srgbClr val="EDEDED"/>
+                    </a:solidFill>
+                  </a:tcPr>
+                </a:tc>
+                <a:tc>
+                  <a:txBody>
+                    <a:bodyPr/>
+                    <a:lstStyle/>
+                    <a:p>
+                      <a:pPr algn="l" fontAlgn="b"/>
+                      <a:endParaRPr lang="en-US" sz="1600" b="0" i="0" u="none" strike="noStrike">
+                        <a:solidFill>
+                          <a:srgbClr val="000000"/>
+                        </a:solidFill>
+                        <a:effectLst/>
+                        <a:latin typeface="Calibri" panose="020F0502020204030204" pitchFamily="34" charset="0"/>
+                      </a:endParaRPr>
+                    </a:p>
+                  </a:txBody>
+                  <a:tcPr marL="6686" marR="6686" marT="6686" marB="0" anchor="b">
+                    <a:lnL>
+                      <a:noFill/>
+                    </a:lnL>
+                    <a:lnR>
+                      <a:noFill/>
+                    </a:lnR>
+                    <a:lnT>
+                      <a:noFill/>
+                    </a:lnT>
+                    <a:lnB>
+                      <a:noFill/>
+                    </a:lnB>
+                  </a:tcPr>
+                </a:tc>
+                <a:tc>
+                  <a:txBody>
+                    <a:bodyPr/>
+                    <a:lstStyle/>
+                    <a:p>
+                      <a:pPr algn="r" fontAlgn="b"/>
+                      <a:r>
+                        <a:rPr lang="en-US" sz="1600" b="0" i="0" u="none" strike="noStrike">
+                          <a:solidFill>
+                            <a:srgbClr val="000000"/>
+                          </a:solidFill>
+                          <a:effectLst/>
+                          <a:latin typeface="Calibri" panose="020F0502020204030204" pitchFamily="34" charset="0"/>
+                        </a:rPr>
+                        <a:t>-2.26%</a:t>
+                      </a:r>
+                    </a:p>
+                  </a:txBody>
+                  <a:tcPr marL="6686" marR="6686" marT="6686" marB="0" anchor="b">
+                    <a:lnL>
+                      <a:noFill/>
+                    </a:lnL>
+                    <a:lnR>
+                      <a:noFill/>
+                    </a:lnR>
+                    <a:lnT w="6350" cap="flat" cmpd="sng" algn="ctr">
+                      <a:solidFill>
+                        <a:srgbClr val="A5A5A5"/>
+                      </a:solidFill>
+                      <a:prstDash val="solid"/>
+                      <a:round/>
+                      <a:headEnd type="none" w="med" len="med"/>
+                      <a:tailEnd type="none" w="med" len="med"/>
+                    </a:lnT>
+                    <a:lnB>
+                      <a:noFill/>
+                    </a:lnB>
+                    <a:solidFill>
+                      <a:srgbClr val="C6E0B4"/>
+                    </a:solidFill>
+                  </a:tcPr>
+                </a:tc>
+                <a:tc>
+                  <a:txBody>
+                    <a:bodyPr/>
+                    <a:lstStyle/>
+                    <a:p>
+                      <a:pPr algn="r" fontAlgn="b"/>
+                      <a:r>
+                        <a:rPr lang="en-US" sz="1600" b="0" i="0" u="none" strike="noStrike">
+                          <a:solidFill>
+                            <a:srgbClr val="000000"/>
+                          </a:solidFill>
+                          <a:effectLst/>
+                          <a:latin typeface="Calibri" panose="020F0502020204030204" pitchFamily="34" charset="0"/>
+                        </a:rPr>
+                        <a:t>-2.26%</a:t>
+                      </a:r>
+                    </a:p>
+                  </a:txBody>
+                  <a:tcPr marL="6686" marR="6686" marT="6686" marB="0" anchor="b">
+                    <a:lnL>
+                      <a:noFill/>
+                    </a:lnL>
+                    <a:lnR>
+                      <a:noFill/>
+                    </a:lnR>
+                    <a:lnT w="6350" cap="flat" cmpd="sng" algn="ctr">
+                      <a:solidFill>
+                        <a:srgbClr val="A5A5A5"/>
+                      </a:solidFill>
+                      <a:prstDash val="solid"/>
+                      <a:round/>
+                      <a:headEnd type="none" w="med" len="med"/>
+                      <a:tailEnd type="none" w="med" len="med"/>
+                    </a:lnT>
+                    <a:lnB>
+                      <a:noFill/>
+                    </a:lnB>
+                    <a:solidFill>
+                      <a:srgbClr val="C6E0B4"/>
+                    </a:solidFill>
+                  </a:tcPr>
+                </a:tc>
+                <a:tc>
+                  <a:txBody>
+                    <a:bodyPr/>
+                    <a:lstStyle/>
+                    <a:p>
+                      <a:pPr algn="r" fontAlgn="b"/>
+                      <a:r>
+                        <a:rPr lang="en-US" sz="1600" b="0" i="0" u="none" strike="noStrike">
+                          <a:solidFill>
+                            <a:srgbClr val="000000"/>
+                          </a:solidFill>
+                          <a:effectLst/>
+                          <a:latin typeface="Calibri" panose="020F0502020204030204" pitchFamily="34" charset="0"/>
+                        </a:rPr>
+                        <a:t>-2.33%</a:t>
+                      </a:r>
+                    </a:p>
+                  </a:txBody>
+                  <a:tcPr marL="6686" marR="6686" marT="6686" marB="0" anchor="b">
+                    <a:lnL>
+                      <a:noFill/>
+                    </a:lnL>
+                    <a:lnR>
+                      <a:noFill/>
+                    </a:lnR>
+                    <a:lnT w="6350" cap="flat" cmpd="sng" algn="ctr">
+                      <a:solidFill>
+                        <a:srgbClr val="A5A5A5"/>
+                      </a:solidFill>
+                      <a:prstDash val="solid"/>
+                      <a:round/>
+                      <a:headEnd type="none" w="med" len="med"/>
+                      <a:tailEnd type="none" w="med" len="med"/>
+                    </a:lnT>
+                    <a:lnB>
+                      <a:noFill/>
+                    </a:lnB>
+                    <a:solidFill>
+                      <a:srgbClr val="C6E0B4"/>
+                    </a:solidFill>
+                  </a:tcPr>
+                </a:tc>
+              </a:tr>
+              <a:tr h="277002">
+                <a:tc>
+                  <a:txBody>
+                    <a:bodyPr/>
+                    <a:lstStyle/>
+                    <a:p>
+                      <a:pPr algn="l" fontAlgn="b"/>
+                      <a:r>
+                        <a:rPr lang="en-US" sz="1600" b="0" i="0" u="none" strike="noStrike">
+                          <a:solidFill>
+                            <a:srgbClr val="000000"/>
+                          </a:solidFill>
+                          <a:effectLst/>
+                          <a:latin typeface="Calibri" panose="020F0502020204030204" pitchFamily="34" charset="0"/>
+                        </a:rPr>
+                        <a:t>E22 (GPa)</a:t>
+                      </a:r>
+                    </a:p>
+                  </a:txBody>
+                  <a:tcPr marL="6686" marR="6686" marT="6686" marB="0" anchor="b">
+                    <a:lnL>
+                      <a:noFill/>
+                    </a:lnL>
+                    <a:lnR>
+                      <a:noFill/>
+                    </a:lnR>
+                    <a:lnT>
+                      <a:noFill/>
+                    </a:lnT>
+                    <a:lnB>
+                      <a:noFill/>
+                    </a:lnB>
+                  </a:tcPr>
+                </a:tc>
+                <a:tc>
+                  <a:txBody>
+                    <a:bodyPr/>
+                    <a:lstStyle/>
+                    <a:p>
+                      <a:pPr algn="r" fontAlgn="b"/>
+                      <a:r>
+                        <a:rPr lang="en-US" sz="1600" b="0" i="0" u="none" strike="noStrike">
+                          <a:solidFill>
+                            <a:srgbClr val="7B7B7B"/>
+                          </a:solidFill>
+                          <a:effectLst/>
+                          <a:latin typeface="Calibri" panose="020F0502020204030204" pitchFamily="34" charset="0"/>
+                        </a:rPr>
+                        <a:t>7.672</a:t>
+                      </a:r>
+                    </a:p>
+                  </a:txBody>
+                  <a:tcPr marL="6686" marR="6686" marT="6686" marB="0" anchor="b">
+                    <a:lnL>
+                      <a:noFill/>
+                    </a:lnL>
+                    <a:lnR>
+                      <a:noFill/>
+                    </a:lnR>
+                    <a:lnT>
+                      <a:noFill/>
+                    </a:lnT>
+                    <a:lnB>
+                      <a:noFill/>
+                    </a:lnB>
+                  </a:tcPr>
+                </a:tc>
+                <a:tc>
+                  <a:txBody>
+                    <a:bodyPr/>
+                    <a:lstStyle/>
+                    <a:p>
+                      <a:pPr algn="r" fontAlgn="b"/>
+                      <a:r>
+                        <a:rPr lang="en-US" sz="1600" b="0" i="0" u="none" strike="noStrike">
+                          <a:solidFill>
+                            <a:srgbClr val="7B7B7B"/>
+                          </a:solidFill>
+                          <a:effectLst/>
+                          <a:latin typeface="Calibri" panose="020F0502020204030204" pitchFamily="34" charset="0"/>
+                        </a:rPr>
+                        <a:t>9.079</a:t>
+                      </a:r>
+                    </a:p>
+                  </a:txBody>
+                  <a:tcPr marL="6686" marR="6686" marT="6686" marB="0" anchor="b">
+                    <a:lnL>
+                      <a:noFill/>
+                    </a:lnL>
+                    <a:lnR>
+                      <a:noFill/>
+                    </a:lnR>
+                    <a:lnT>
+                      <a:noFill/>
+                    </a:lnT>
+                    <a:lnB>
+                      <a:noFill/>
+                    </a:lnB>
+                  </a:tcPr>
+                </a:tc>
+                <a:tc>
+                  <a:txBody>
+                    <a:bodyPr/>
+                    <a:lstStyle/>
+                    <a:p>
+                      <a:pPr algn="r" fontAlgn="b"/>
+                      <a:r>
+                        <a:rPr lang="en-US" sz="1600" b="0" i="0" u="none" strike="noStrike">
+                          <a:solidFill>
+                            <a:srgbClr val="7B7B7B"/>
+                          </a:solidFill>
+                          <a:effectLst/>
+                          <a:latin typeface="Calibri" panose="020F0502020204030204" pitchFamily="34" charset="0"/>
+                        </a:rPr>
+                        <a:t>9.095</a:t>
+                      </a:r>
+                    </a:p>
+                  </a:txBody>
+                  <a:tcPr marL="6686" marR="6686" marT="6686" marB="0" anchor="b">
+                    <a:lnL>
+                      <a:noFill/>
+                    </a:lnL>
+                    <a:lnR>
+                      <a:noFill/>
+                    </a:lnR>
+                    <a:lnT>
+                      <a:noFill/>
+                    </a:lnT>
+                    <a:lnB>
+                      <a:noFill/>
+                    </a:lnB>
+                  </a:tcPr>
+                </a:tc>
+                <a:tc>
+                  <a:txBody>
+                    <a:bodyPr/>
+                    <a:lstStyle/>
+                    <a:p>
+                      <a:pPr algn="r" fontAlgn="b"/>
+                      <a:r>
+                        <a:rPr lang="en-US" sz="1600" b="0" i="0" u="none" strike="noStrike">
+                          <a:solidFill>
+                            <a:srgbClr val="7B7B7B"/>
+                          </a:solidFill>
+                          <a:effectLst/>
+                          <a:latin typeface="Calibri" panose="020F0502020204030204" pitchFamily="34" charset="0"/>
+                        </a:rPr>
+                        <a:t>8.114</a:t>
+                      </a:r>
+                    </a:p>
+                  </a:txBody>
+                  <a:tcPr marL="6686" marR="6686" marT="6686" marB="0" anchor="b">
+                    <a:lnL>
+                      <a:noFill/>
+                    </a:lnL>
+                    <a:lnR>
+                      <a:noFill/>
+                    </a:lnR>
+                    <a:lnT>
+                      <a:noFill/>
+                    </a:lnT>
+                    <a:lnB>
+                      <a:noFill/>
+                    </a:lnB>
+                  </a:tcPr>
+                </a:tc>
+                <a:tc>
+                  <a:txBody>
+                    <a:bodyPr/>
+                    <a:lstStyle/>
+                    <a:p>
+                      <a:pPr algn="l" fontAlgn="b"/>
+                      <a:endParaRPr lang="en-US" sz="1600" b="0" i="0" u="none" strike="noStrike">
+                        <a:solidFill>
+                          <a:srgbClr val="000000"/>
+                        </a:solidFill>
+                        <a:effectLst/>
+                        <a:latin typeface="Calibri" panose="020F0502020204030204" pitchFamily="34" charset="0"/>
+                      </a:endParaRPr>
+                    </a:p>
+                  </a:txBody>
+                  <a:tcPr marL="6686" marR="6686" marT="6686" marB="0" anchor="b">
+                    <a:lnL>
+                      <a:noFill/>
+                    </a:lnL>
+                    <a:lnR>
+                      <a:noFill/>
+                    </a:lnR>
+                    <a:lnT>
+                      <a:noFill/>
+                    </a:lnT>
+                    <a:lnB>
+                      <a:noFill/>
+                    </a:lnB>
+                  </a:tcPr>
+                </a:tc>
+                <a:tc>
+                  <a:txBody>
+                    <a:bodyPr/>
+                    <a:lstStyle/>
+                    <a:p>
+                      <a:pPr algn="r" fontAlgn="b"/>
+                      <a:r>
+                        <a:rPr lang="en-US" sz="1600" b="0" i="0" u="none" strike="noStrike">
+                          <a:solidFill>
+                            <a:srgbClr val="000000"/>
+                          </a:solidFill>
+                          <a:effectLst/>
+                          <a:latin typeface="Calibri" panose="020F0502020204030204" pitchFamily="34" charset="0"/>
+                        </a:rPr>
+                        <a:t>18.34%</a:t>
+                      </a:r>
+                    </a:p>
+                  </a:txBody>
+                  <a:tcPr marL="6686" marR="6686" marT="6686" marB="0" anchor="b">
+                    <a:lnL>
+                      <a:noFill/>
+                    </a:lnL>
+                    <a:lnR>
+                      <a:noFill/>
+                    </a:lnR>
+                    <a:lnT>
+                      <a:noFill/>
+                    </a:lnT>
+                    <a:lnB>
+                      <a:noFill/>
+                    </a:lnB>
+                    <a:solidFill>
+                      <a:srgbClr val="FF8F8F"/>
+                    </a:solidFill>
+                  </a:tcPr>
+                </a:tc>
+                <a:tc>
+                  <a:txBody>
+                    <a:bodyPr/>
+                    <a:lstStyle/>
+                    <a:p>
+                      <a:pPr algn="r" fontAlgn="b"/>
+                      <a:r>
+                        <a:rPr lang="en-US" sz="1600" b="0" i="0" u="none" strike="noStrike">
+                          <a:solidFill>
+                            <a:srgbClr val="000000"/>
+                          </a:solidFill>
+                          <a:effectLst/>
+                          <a:latin typeface="Calibri" panose="020F0502020204030204" pitchFamily="34" charset="0"/>
+                        </a:rPr>
+                        <a:t>18.55%</a:t>
+                      </a:r>
+                    </a:p>
+                  </a:txBody>
+                  <a:tcPr marL="6686" marR="6686" marT="6686" marB="0" anchor="b">
+                    <a:lnL>
+                      <a:noFill/>
+                    </a:lnL>
+                    <a:lnR>
+                      <a:noFill/>
+                    </a:lnR>
+                    <a:lnT>
+                      <a:noFill/>
+                    </a:lnT>
+                    <a:lnB>
+                      <a:noFill/>
+                    </a:lnB>
+                    <a:solidFill>
+                      <a:srgbClr val="FF8F8F"/>
+                    </a:solidFill>
+                  </a:tcPr>
+                </a:tc>
+                <a:tc>
+                  <a:txBody>
+                    <a:bodyPr/>
+                    <a:lstStyle/>
+                    <a:p>
+                      <a:pPr algn="r" fontAlgn="b"/>
+                      <a:r>
+                        <a:rPr lang="en-US" sz="1600" b="0" i="0" u="none" strike="noStrike">
+                          <a:solidFill>
+                            <a:srgbClr val="000000"/>
+                          </a:solidFill>
+                          <a:effectLst/>
+                          <a:latin typeface="Calibri" panose="020F0502020204030204" pitchFamily="34" charset="0"/>
+                        </a:rPr>
+                        <a:t>5.76%</a:t>
+                      </a:r>
+                    </a:p>
+                  </a:txBody>
+                  <a:tcPr marL="6686" marR="6686" marT="6686" marB="0" anchor="b">
+                    <a:lnL>
+                      <a:noFill/>
+                    </a:lnL>
+                    <a:lnR>
+                      <a:noFill/>
+                    </a:lnR>
+                    <a:lnT>
+                      <a:noFill/>
+                    </a:lnT>
+                    <a:lnB>
+                      <a:noFill/>
+                    </a:lnB>
+                    <a:solidFill>
+                      <a:srgbClr val="FF8F8F"/>
+                    </a:solidFill>
+                  </a:tcPr>
+                </a:tc>
+              </a:tr>
+              <a:tr h="277002">
+                <a:tc>
+                  <a:txBody>
+                    <a:bodyPr/>
+                    <a:lstStyle/>
+                    <a:p>
+                      <a:pPr algn="l" fontAlgn="b"/>
+                      <a:r>
+                        <a:rPr lang="en-US" sz="1600" b="0" i="0" u="none" strike="noStrike" dirty="0">
+                          <a:solidFill>
+                            <a:srgbClr val="000000"/>
+                          </a:solidFill>
+                          <a:effectLst/>
+                          <a:latin typeface="Calibri" panose="020F0502020204030204" pitchFamily="34" charset="0"/>
+                        </a:rPr>
+                        <a:t>G23 (</a:t>
+                      </a:r>
+                      <a:r>
+                        <a:rPr lang="en-US" sz="1600" b="0" i="0" u="none" strike="noStrike" dirty="0" err="1">
+                          <a:solidFill>
+                            <a:srgbClr val="000000"/>
+                          </a:solidFill>
+                          <a:effectLst/>
+                          <a:latin typeface="Calibri" panose="020F0502020204030204" pitchFamily="34" charset="0"/>
+                        </a:rPr>
+                        <a:t>GPa</a:t>
+                      </a:r>
+                      <a:r>
+                        <a:rPr lang="en-US" sz="1600" b="0" i="0" u="none" strike="noStrike" dirty="0">
+                          <a:solidFill>
+                            <a:srgbClr val="000000"/>
+                          </a:solidFill>
+                          <a:effectLst/>
+                          <a:latin typeface="Calibri" panose="020F0502020204030204" pitchFamily="34" charset="0"/>
+                        </a:rPr>
+                        <a:t>)</a:t>
+                      </a:r>
+                    </a:p>
+                  </a:txBody>
+                  <a:tcPr marL="6686" marR="6686" marT="6686" marB="0" anchor="b">
+                    <a:lnL>
+                      <a:noFill/>
+                    </a:lnL>
+                    <a:lnR>
+                      <a:noFill/>
+                    </a:lnR>
+                    <a:lnT>
+                      <a:noFill/>
+                    </a:lnT>
+                    <a:lnB>
+                      <a:noFill/>
+                    </a:lnB>
+                    <a:solidFill>
+                      <a:srgbClr val="EDEDED"/>
+                    </a:solidFill>
+                  </a:tcPr>
+                </a:tc>
+                <a:tc>
+                  <a:txBody>
+                    <a:bodyPr/>
+                    <a:lstStyle/>
+                    <a:p>
+                      <a:pPr algn="r" fontAlgn="b"/>
+                      <a:r>
+                        <a:rPr lang="en-US" sz="1600" b="0" i="0" u="none" strike="noStrike">
+                          <a:solidFill>
+                            <a:srgbClr val="7B7B7B"/>
+                          </a:solidFill>
+                          <a:effectLst/>
+                          <a:latin typeface="Calibri" panose="020F0502020204030204" pitchFamily="34" charset="0"/>
+                        </a:rPr>
+                        <a:t>2.795</a:t>
+                      </a:r>
+                    </a:p>
+                  </a:txBody>
+                  <a:tcPr marL="6686" marR="6686" marT="6686" marB="0" anchor="b">
+                    <a:lnL>
+                      <a:noFill/>
+                    </a:lnL>
+                    <a:lnR>
+                      <a:noFill/>
+                    </a:lnR>
+                    <a:lnT>
+                      <a:noFill/>
+                    </a:lnT>
+                    <a:lnB>
+                      <a:noFill/>
+                    </a:lnB>
+                    <a:solidFill>
+                      <a:srgbClr val="EDEDED"/>
+                    </a:solidFill>
+                  </a:tcPr>
+                </a:tc>
+                <a:tc>
+                  <a:txBody>
+                    <a:bodyPr/>
+                    <a:lstStyle/>
+                    <a:p>
+                      <a:pPr algn="r" fontAlgn="b"/>
+                      <a:r>
+                        <a:rPr lang="en-US" sz="1600" b="0" i="0" u="none" strike="noStrike">
+                          <a:solidFill>
+                            <a:srgbClr val="7B7B7B"/>
+                          </a:solidFill>
+                          <a:effectLst/>
+                          <a:latin typeface="Calibri" panose="020F0502020204030204" pitchFamily="34" charset="0"/>
+                        </a:rPr>
+                        <a:t>3.473</a:t>
+                      </a:r>
+                    </a:p>
+                  </a:txBody>
+                  <a:tcPr marL="6686" marR="6686" marT="6686" marB="0" anchor="b">
+                    <a:lnL>
+                      <a:noFill/>
+                    </a:lnL>
+                    <a:lnR>
+                      <a:noFill/>
+                    </a:lnR>
+                    <a:lnT>
+                      <a:noFill/>
+                    </a:lnT>
+                    <a:lnB>
+                      <a:noFill/>
+                    </a:lnB>
+                    <a:solidFill>
+                      <a:srgbClr val="EDEDED"/>
+                    </a:solidFill>
+                  </a:tcPr>
+                </a:tc>
+                <a:tc>
+                  <a:txBody>
+                    <a:bodyPr/>
+                    <a:lstStyle/>
+                    <a:p>
+                      <a:pPr algn="r" fontAlgn="b"/>
+                      <a:r>
+                        <a:rPr lang="en-US" sz="1600" b="0" i="0" u="none" strike="noStrike">
+                          <a:solidFill>
+                            <a:srgbClr val="7B7B7B"/>
+                          </a:solidFill>
+                          <a:effectLst/>
+                          <a:latin typeface="Calibri" panose="020F0502020204030204" pitchFamily="34" charset="0"/>
+                        </a:rPr>
+                        <a:t>3.456</a:t>
+                      </a:r>
+                    </a:p>
+                  </a:txBody>
+                  <a:tcPr marL="6686" marR="6686" marT="6686" marB="0" anchor="b">
+                    <a:lnL>
+                      <a:noFill/>
+                    </a:lnL>
+                    <a:lnR>
+                      <a:noFill/>
+                    </a:lnR>
+                    <a:lnT>
+                      <a:noFill/>
+                    </a:lnT>
+                    <a:lnB>
+                      <a:noFill/>
+                    </a:lnB>
+                    <a:solidFill>
+                      <a:srgbClr val="EDEDED"/>
+                    </a:solidFill>
+                  </a:tcPr>
+                </a:tc>
+                <a:tc>
+                  <a:txBody>
+                    <a:bodyPr/>
+                    <a:lstStyle/>
+                    <a:p>
+                      <a:pPr algn="r" fontAlgn="b"/>
+                      <a:r>
+                        <a:rPr lang="en-US" sz="1600" b="0" i="0" u="none" strike="noStrike">
+                          <a:solidFill>
+                            <a:srgbClr val="7B7B7B"/>
+                          </a:solidFill>
+                          <a:effectLst/>
+                          <a:latin typeface="Calibri" panose="020F0502020204030204" pitchFamily="34" charset="0"/>
+                        </a:rPr>
+                        <a:t>2.949</a:t>
+                      </a:r>
+                    </a:p>
+                  </a:txBody>
+                  <a:tcPr marL="6686" marR="6686" marT="6686" marB="0" anchor="b">
+                    <a:lnL>
+                      <a:noFill/>
+                    </a:lnL>
+                    <a:lnR>
+                      <a:noFill/>
+                    </a:lnR>
+                    <a:lnT>
+                      <a:noFill/>
+                    </a:lnT>
+                    <a:lnB>
+                      <a:noFill/>
+                    </a:lnB>
+                    <a:solidFill>
+                      <a:srgbClr val="EDEDED"/>
+                    </a:solidFill>
+                  </a:tcPr>
+                </a:tc>
+                <a:tc>
+                  <a:txBody>
+                    <a:bodyPr/>
+                    <a:lstStyle/>
+                    <a:p>
+                      <a:pPr algn="l" fontAlgn="b"/>
+                      <a:endParaRPr lang="en-US" sz="1600" b="0" i="0" u="none" strike="noStrike">
+                        <a:solidFill>
+                          <a:srgbClr val="000000"/>
+                        </a:solidFill>
+                        <a:effectLst/>
+                        <a:latin typeface="Calibri" panose="020F0502020204030204" pitchFamily="34" charset="0"/>
+                      </a:endParaRPr>
+                    </a:p>
+                  </a:txBody>
+                  <a:tcPr marL="6686" marR="6686" marT="6686" marB="0" anchor="b">
+                    <a:lnL>
+                      <a:noFill/>
+                    </a:lnL>
+                    <a:lnR>
+                      <a:noFill/>
+                    </a:lnR>
+                    <a:lnT>
+                      <a:noFill/>
+                    </a:lnT>
+                    <a:lnB>
+                      <a:noFill/>
+                    </a:lnB>
+                  </a:tcPr>
+                </a:tc>
+                <a:tc>
+                  <a:txBody>
+                    <a:bodyPr/>
+                    <a:lstStyle/>
+                    <a:p>
+                      <a:pPr algn="r" fontAlgn="b"/>
+                      <a:r>
+                        <a:rPr lang="en-US" sz="1600" b="0" i="0" u="none" strike="noStrike">
+                          <a:solidFill>
+                            <a:srgbClr val="000000"/>
+                          </a:solidFill>
+                          <a:effectLst/>
+                          <a:latin typeface="Calibri" panose="020F0502020204030204" pitchFamily="34" charset="0"/>
+                        </a:rPr>
+                        <a:t>24.26%</a:t>
+                      </a:r>
+                    </a:p>
+                  </a:txBody>
+                  <a:tcPr marL="6686" marR="6686" marT="6686" marB="0" anchor="b">
+                    <a:lnL>
+                      <a:noFill/>
+                    </a:lnL>
+                    <a:lnR>
+                      <a:noFill/>
+                    </a:lnR>
+                    <a:lnT>
+                      <a:noFill/>
+                    </a:lnT>
+                    <a:lnB>
+                      <a:noFill/>
+                    </a:lnB>
+                    <a:solidFill>
+                      <a:srgbClr val="FF8F8F"/>
+                    </a:solidFill>
+                  </a:tcPr>
+                </a:tc>
+                <a:tc>
+                  <a:txBody>
+                    <a:bodyPr/>
+                    <a:lstStyle/>
+                    <a:p>
+                      <a:pPr algn="r" fontAlgn="b"/>
+                      <a:r>
+                        <a:rPr lang="en-US" sz="1600" b="0" i="0" u="none" strike="noStrike">
+                          <a:solidFill>
+                            <a:srgbClr val="000000"/>
+                          </a:solidFill>
+                          <a:effectLst/>
+                          <a:latin typeface="Calibri" panose="020F0502020204030204" pitchFamily="34" charset="0"/>
+                        </a:rPr>
+                        <a:t>23.65%</a:t>
+                      </a:r>
+                    </a:p>
+                  </a:txBody>
+                  <a:tcPr marL="6686" marR="6686" marT="6686" marB="0" anchor="b">
+                    <a:lnL>
+                      <a:noFill/>
+                    </a:lnL>
+                    <a:lnR>
+                      <a:noFill/>
+                    </a:lnR>
+                    <a:lnT>
+                      <a:noFill/>
+                    </a:lnT>
+                    <a:lnB>
+                      <a:noFill/>
+                    </a:lnB>
+                    <a:solidFill>
+                      <a:srgbClr val="FF8F8F"/>
+                    </a:solidFill>
+                  </a:tcPr>
+                </a:tc>
+                <a:tc>
+                  <a:txBody>
+                    <a:bodyPr/>
+                    <a:lstStyle/>
+                    <a:p>
+                      <a:pPr algn="r" fontAlgn="b"/>
+                      <a:r>
+                        <a:rPr lang="en-US" sz="1600" b="0" i="0" u="none" strike="noStrike">
+                          <a:solidFill>
+                            <a:srgbClr val="000000"/>
+                          </a:solidFill>
+                          <a:effectLst/>
+                          <a:latin typeface="Calibri" panose="020F0502020204030204" pitchFamily="34" charset="0"/>
+                        </a:rPr>
+                        <a:t>5.51%</a:t>
+                      </a:r>
+                    </a:p>
+                  </a:txBody>
+                  <a:tcPr marL="6686" marR="6686" marT="6686" marB="0" anchor="b">
+                    <a:lnL>
+                      <a:noFill/>
+                    </a:lnL>
+                    <a:lnR>
+                      <a:noFill/>
+                    </a:lnR>
+                    <a:lnT>
+                      <a:noFill/>
+                    </a:lnT>
+                    <a:lnB>
+                      <a:noFill/>
+                    </a:lnB>
+                    <a:solidFill>
+                      <a:srgbClr val="FF8F8F"/>
+                    </a:solidFill>
+                  </a:tcPr>
+                </a:tc>
+              </a:tr>
+              <a:tr h="277002">
+                <a:tc>
+                  <a:txBody>
+                    <a:bodyPr/>
+                    <a:lstStyle/>
+                    <a:p>
+                      <a:pPr algn="l" fontAlgn="b"/>
+                      <a:r>
+                        <a:rPr lang="en-US" sz="1600" b="0" i="0" u="none" strike="noStrike">
+                          <a:solidFill>
+                            <a:srgbClr val="000000"/>
+                          </a:solidFill>
+                          <a:effectLst/>
+                          <a:latin typeface="Calibri" panose="020F0502020204030204" pitchFamily="34" charset="0"/>
+                        </a:rPr>
+                        <a:t>G12 (GPa)</a:t>
+                      </a:r>
+                    </a:p>
+                  </a:txBody>
+                  <a:tcPr marL="6686" marR="6686" marT="6686" marB="0" anchor="b">
+                    <a:lnL>
+                      <a:noFill/>
+                    </a:lnL>
+                    <a:lnR>
+                      <a:noFill/>
+                    </a:lnR>
+                    <a:lnT>
+                      <a:noFill/>
+                    </a:lnT>
+                    <a:lnB>
+                      <a:noFill/>
+                    </a:lnB>
+                  </a:tcPr>
+                </a:tc>
+                <a:tc>
+                  <a:txBody>
+                    <a:bodyPr/>
+                    <a:lstStyle/>
+                    <a:p>
+                      <a:pPr algn="r" fontAlgn="b"/>
+                      <a:r>
+                        <a:rPr lang="en-US" sz="1600" b="0" i="0" u="none" strike="noStrike">
+                          <a:solidFill>
+                            <a:srgbClr val="7B7B7B"/>
+                          </a:solidFill>
+                          <a:effectLst/>
+                          <a:latin typeface="Calibri" panose="020F0502020204030204" pitchFamily="34" charset="0"/>
+                        </a:rPr>
+                        <a:t>3.401</a:t>
+                      </a:r>
+                    </a:p>
+                  </a:txBody>
+                  <a:tcPr marL="6686" marR="6686" marT="6686" marB="0" anchor="b">
+                    <a:lnL>
+                      <a:noFill/>
+                    </a:lnL>
+                    <a:lnR>
+                      <a:noFill/>
+                    </a:lnR>
+                    <a:lnT>
+                      <a:noFill/>
+                    </a:lnT>
+                    <a:lnB>
+                      <a:noFill/>
+                    </a:lnB>
+                  </a:tcPr>
+                </a:tc>
+                <a:tc>
+                  <a:txBody>
+                    <a:bodyPr/>
+                    <a:lstStyle/>
+                    <a:p>
+                      <a:pPr algn="r" fontAlgn="b"/>
+                      <a:r>
+                        <a:rPr lang="en-US" sz="1600" b="0" i="0" u="none" strike="noStrike">
+                          <a:solidFill>
+                            <a:srgbClr val="7B7B7B"/>
+                          </a:solidFill>
+                          <a:effectLst/>
+                          <a:latin typeface="Calibri" panose="020F0502020204030204" pitchFamily="34" charset="0"/>
+                        </a:rPr>
+                        <a:t>3.257</a:t>
+                      </a:r>
+                    </a:p>
+                  </a:txBody>
+                  <a:tcPr marL="6686" marR="6686" marT="6686" marB="0" anchor="b">
+                    <a:lnL>
+                      <a:noFill/>
+                    </a:lnL>
+                    <a:lnR>
+                      <a:noFill/>
+                    </a:lnR>
+                    <a:lnT>
+                      <a:noFill/>
+                    </a:lnT>
+                    <a:lnB>
+                      <a:noFill/>
+                    </a:lnB>
+                  </a:tcPr>
+                </a:tc>
+                <a:tc>
+                  <a:txBody>
+                    <a:bodyPr/>
+                    <a:lstStyle/>
+                    <a:p>
+                      <a:pPr algn="r" fontAlgn="b"/>
+                      <a:r>
+                        <a:rPr lang="en-US" sz="1600" b="0" i="0" u="none" strike="noStrike">
+                          <a:solidFill>
+                            <a:srgbClr val="7B7B7B"/>
+                          </a:solidFill>
+                          <a:effectLst/>
+                          <a:latin typeface="Calibri" panose="020F0502020204030204" pitchFamily="34" charset="0"/>
+                        </a:rPr>
+                        <a:t>3.379</a:t>
+                      </a:r>
+                    </a:p>
+                  </a:txBody>
+                  <a:tcPr marL="6686" marR="6686" marT="6686" marB="0" anchor="b">
+                    <a:lnL>
+                      <a:noFill/>
+                    </a:lnL>
+                    <a:lnR>
+                      <a:noFill/>
+                    </a:lnR>
+                    <a:lnT>
+                      <a:noFill/>
+                    </a:lnT>
+                    <a:lnB>
+                      <a:noFill/>
+                    </a:lnB>
+                  </a:tcPr>
+                </a:tc>
+                <a:tc>
+                  <a:txBody>
+                    <a:bodyPr/>
+                    <a:lstStyle/>
+                    <a:p>
+                      <a:pPr algn="r" fontAlgn="b"/>
+                      <a:r>
+                        <a:rPr lang="en-US" sz="1600" b="0" i="0" u="none" strike="noStrike">
+                          <a:solidFill>
+                            <a:srgbClr val="7B7B7B"/>
+                          </a:solidFill>
+                          <a:effectLst/>
+                          <a:latin typeface="Calibri" panose="020F0502020204030204" pitchFamily="34" charset="0"/>
+                        </a:rPr>
+                        <a:t>3.037</a:t>
+                      </a:r>
+                    </a:p>
+                  </a:txBody>
+                  <a:tcPr marL="6686" marR="6686" marT="6686" marB="0" anchor="b">
+                    <a:lnL>
+                      <a:noFill/>
+                    </a:lnL>
+                    <a:lnR>
+                      <a:noFill/>
+                    </a:lnR>
+                    <a:lnT>
+                      <a:noFill/>
+                    </a:lnT>
+                    <a:lnB>
+                      <a:noFill/>
+                    </a:lnB>
+                  </a:tcPr>
+                </a:tc>
+                <a:tc>
+                  <a:txBody>
+                    <a:bodyPr/>
+                    <a:lstStyle/>
+                    <a:p>
+                      <a:pPr algn="l" fontAlgn="b"/>
+                      <a:endParaRPr lang="en-US" sz="1600" b="0" i="0" u="none" strike="noStrike">
+                        <a:solidFill>
+                          <a:srgbClr val="000000"/>
+                        </a:solidFill>
+                        <a:effectLst/>
+                        <a:latin typeface="Calibri" panose="020F0502020204030204" pitchFamily="34" charset="0"/>
+                      </a:endParaRPr>
+                    </a:p>
+                  </a:txBody>
+                  <a:tcPr marL="6686" marR="6686" marT="6686" marB="0" anchor="b">
+                    <a:lnL>
+                      <a:noFill/>
+                    </a:lnL>
+                    <a:lnR>
+                      <a:noFill/>
+                    </a:lnR>
+                    <a:lnT>
+                      <a:noFill/>
+                    </a:lnT>
+                    <a:lnB>
+                      <a:noFill/>
+                    </a:lnB>
+                  </a:tcPr>
+                </a:tc>
+                <a:tc>
+                  <a:txBody>
+                    <a:bodyPr/>
+                    <a:lstStyle/>
+                    <a:p>
+                      <a:pPr algn="r" fontAlgn="b"/>
+                      <a:r>
+                        <a:rPr lang="en-US" sz="1600" b="0" i="0" u="none" strike="noStrike">
+                          <a:solidFill>
+                            <a:srgbClr val="000000"/>
+                          </a:solidFill>
+                          <a:effectLst/>
+                          <a:latin typeface="Calibri" panose="020F0502020204030204" pitchFamily="34" charset="0"/>
+                        </a:rPr>
+                        <a:t>-4.23%</a:t>
+                      </a:r>
+                    </a:p>
+                  </a:txBody>
+                  <a:tcPr marL="6686" marR="6686" marT="6686" marB="0" anchor="b">
+                    <a:lnL>
+                      <a:noFill/>
+                    </a:lnL>
+                    <a:lnR>
+                      <a:noFill/>
+                    </a:lnR>
+                    <a:lnT>
+                      <a:noFill/>
+                    </a:lnT>
+                    <a:lnB>
+                      <a:noFill/>
+                    </a:lnB>
+                    <a:solidFill>
+                      <a:srgbClr val="C6E0B4"/>
+                    </a:solidFill>
+                  </a:tcPr>
+                </a:tc>
+                <a:tc>
+                  <a:txBody>
+                    <a:bodyPr/>
+                    <a:lstStyle/>
+                    <a:p>
+                      <a:pPr algn="r" fontAlgn="b"/>
+                      <a:r>
+                        <a:rPr lang="en-US" sz="1600" b="0" i="0" u="none" strike="noStrike">
+                          <a:solidFill>
+                            <a:srgbClr val="000000"/>
+                          </a:solidFill>
+                          <a:effectLst/>
+                          <a:latin typeface="Calibri" panose="020F0502020204030204" pitchFamily="34" charset="0"/>
+                        </a:rPr>
+                        <a:t>-0.65%</a:t>
+                      </a:r>
+                    </a:p>
+                  </a:txBody>
+                  <a:tcPr marL="6686" marR="6686" marT="6686" marB="0" anchor="b">
+                    <a:lnL>
+                      <a:noFill/>
+                    </a:lnL>
+                    <a:lnR>
+                      <a:noFill/>
+                    </a:lnR>
+                    <a:lnT>
+                      <a:noFill/>
+                    </a:lnT>
+                    <a:lnB>
+                      <a:noFill/>
+                    </a:lnB>
+                    <a:solidFill>
+                      <a:srgbClr val="C6E0B4"/>
+                    </a:solidFill>
+                  </a:tcPr>
+                </a:tc>
+                <a:tc>
+                  <a:txBody>
+                    <a:bodyPr/>
+                    <a:lstStyle/>
+                    <a:p>
+                      <a:pPr algn="r" fontAlgn="b"/>
+                      <a:r>
+                        <a:rPr lang="en-US" sz="1600" b="0" i="0" u="none" strike="noStrike">
+                          <a:solidFill>
+                            <a:srgbClr val="000000"/>
+                          </a:solidFill>
+                          <a:effectLst/>
+                          <a:latin typeface="Calibri" panose="020F0502020204030204" pitchFamily="34" charset="0"/>
+                        </a:rPr>
+                        <a:t>-10.70%</a:t>
+                      </a:r>
+                    </a:p>
+                  </a:txBody>
+                  <a:tcPr marL="6686" marR="6686" marT="6686" marB="0" anchor="b">
+                    <a:lnL>
+                      <a:noFill/>
+                    </a:lnL>
+                    <a:lnR>
+                      <a:noFill/>
+                    </a:lnR>
+                    <a:lnT>
+                      <a:noFill/>
+                    </a:lnT>
+                    <a:lnB>
+                      <a:noFill/>
+                    </a:lnB>
+                    <a:solidFill>
+                      <a:srgbClr val="FF8F8F"/>
+                    </a:solidFill>
+                  </a:tcPr>
+                </a:tc>
+              </a:tr>
+              <a:tr h="277002">
+                <a:tc>
+                  <a:txBody>
+                    <a:bodyPr/>
+                    <a:lstStyle/>
+                    <a:p>
+                      <a:pPr algn="l" fontAlgn="b"/>
+                      <a:r>
+                        <a:rPr lang="en-US" sz="1600" b="0" i="0" u="none" strike="noStrike">
+                          <a:solidFill>
+                            <a:srgbClr val="000000"/>
+                          </a:solidFill>
+                          <a:effectLst/>
+                          <a:latin typeface="Calibri" panose="020F0502020204030204" pitchFamily="34" charset="0"/>
+                        </a:rPr>
+                        <a:t>v23</a:t>
+                      </a:r>
+                    </a:p>
+                  </a:txBody>
+                  <a:tcPr marL="6686" marR="6686" marT="6686" marB="0" anchor="b">
+                    <a:lnL>
+                      <a:noFill/>
+                    </a:lnL>
+                    <a:lnR>
+                      <a:noFill/>
+                    </a:lnR>
+                    <a:lnT>
+                      <a:noFill/>
+                    </a:lnT>
+                    <a:lnB>
+                      <a:noFill/>
+                    </a:lnB>
+                    <a:solidFill>
+                      <a:srgbClr val="EDEDED"/>
+                    </a:solidFill>
+                  </a:tcPr>
+                </a:tc>
+                <a:tc>
+                  <a:txBody>
+                    <a:bodyPr/>
+                    <a:lstStyle/>
+                    <a:p>
+                      <a:pPr algn="r" fontAlgn="b"/>
+                      <a:r>
+                        <a:rPr lang="en-US" sz="1600" b="0" i="0" u="none" strike="noStrike">
+                          <a:solidFill>
+                            <a:srgbClr val="7B7B7B"/>
+                          </a:solidFill>
+                          <a:effectLst/>
+                          <a:latin typeface="Calibri" panose="020F0502020204030204" pitchFamily="34" charset="0"/>
+                        </a:rPr>
+                        <a:t>0.3725</a:t>
+                      </a:r>
+                    </a:p>
+                  </a:txBody>
+                  <a:tcPr marL="6686" marR="6686" marT="6686" marB="0" anchor="b">
+                    <a:lnL>
+                      <a:noFill/>
+                    </a:lnL>
+                    <a:lnR>
+                      <a:noFill/>
+                    </a:lnR>
+                    <a:lnT>
+                      <a:noFill/>
+                    </a:lnT>
+                    <a:lnB>
+                      <a:noFill/>
+                    </a:lnB>
+                    <a:solidFill>
+                      <a:srgbClr val="EDEDED"/>
+                    </a:solidFill>
+                  </a:tcPr>
+                </a:tc>
+                <a:tc>
+                  <a:txBody>
+                    <a:bodyPr/>
+                    <a:lstStyle/>
+                    <a:p>
+                      <a:pPr algn="r" fontAlgn="b"/>
+                      <a:r>
+                        <a:rPr lang="en-US" sz="1600" b="0" i="0" u="none" strike="noStrike">
+                          <a:solidFill>
+                            <a:srgbClr val="7B7B7B"/>
+                          </a:solidFill>
+                          <a:effectLst/>
+                          <a:latin typeface="Calibri" panose="020F0502020204030204" pitchFamily="34" charset="0"/>
+                        </a:rPr>
+                        <a:t>0.3071</a:t>
+                      </a:r>
+                    </a:p>
+                  </a:txBody>
+                  <a:tcPr marL="6686" marR="6686" marT="6686" marB="0" anchor="b">
+                    <a:lnL>
+                      <a:noFill/>
+                    </a:lnL>
+                    <a:lnR>
+                      <a:noFill/>
+                    </a:lnR>
+                    <a:lnT>
+                      <a:noFill/>
+                    </a:lnT>
+                    <a:lnB>
+                      <a:noFill/>
+                    </a:lnB>
+                    <a:solidFill>
+                      <a:srgbClr val="EDEDED"/>
+                    </a:solidFill>
+                  </a:tcPr>
+                </a:tc>
+                <a:tc>
+                  <a:txBody>
+                    <a:bodyPr/>
+                    <a:lstStyle/>
+                    <a:p>
+                      <a:pPr algn="r" fontAlgn="b"/>
+                      <a:r>
+                        <a:rPr lang="en-US" sz="1600" b="0" i="0" u="none" strike="noStrike">
+                          <a:solidFill>
+                            <a:srgbClr val="7B7B7B"/>
+                          </a:solidFill>
+                          <a:effectLst/>
+                          <a:latin typeface="Calibri" panose="020F0502020204030204" pitchFamily="34" charset="0"/>
+                        </a:rPr>
+                        <a:t>0.3157</a:t>
+                      </a:r>
+                    </a:p>
+                  </a:txBody>
+                  <a:tcPr marL="6686" marR="6686" marT="6686" marB="0" anchor="b">
+                    <a:lnL>
+                      <a:noFill/>
+                    </a:lnL>
+                    <a:lnR>
+                      <a:noFill/>
+                    </a:lnR>
+                    <a:lnT>
+                      <a:noFill/>
+                    </a:lnT>
+                    <a:lnB>
+                      <a:noFill/>
+                    </a:lnB>
+                    <a:solidFill>
+                      <a:srgbClr val="EDEDED"/>
+                    </a:solidFill>
+                  </a:tcPr>
+                </a:tc>
+                <a:tc>
+                  <a:txBody>
+                    <a:bodyPr/>
+                    <a:lstStyle/>
+                    <a:p>
+                      <a:pPr algn="r" fontAlgn="b"/>
+                      <a:r>
+                        <a:rPr lang="en-US" sz="1600" b="0" i="0" u="none" strike="noStrike">
+                          <a:solidFill>
+                            <a:srgbClr val="7B7B7B"/>
+                          </a:solidFill>
+                          <a:effectLst/>
+                          <a:latin typeface="Calibri" panose="020F0502020204030204" pitchFamily="34" charset="0"/>
+                        </a:rPr>
+                        <a:t>0.3759</a:t>
+                      </a:r>
+                    </a:p>
+                  </a:txBody>
+                  <a:tcPr marL="6686" marR="6686" marT="6686" marB="0" anchor="b">
+                    <a:lnL>
+                      <a:noFill/>
+                    </a:lnL>
+                    <a:lnR>
+                      <a:noFill/>
+                    </a:lnR>
+                    <a:lnT>
+                      <a:noFill/>
+                    </a:lnT>
+                    <a:lnB>
+                      <a:noFill/>
+                    </a:lnB>
+                    <a:solidFill>
+                      <a:srgbClr val="EDEDED"/>
+                    </a:solidFill>
+                  </a:tcPr>
+                </a:tc>
+                <a:tc>
+                  <a:txBody>
+                    <a:bodyPr/>
+                    <a:lstStyle/>
+                    <a:p>
+                      <a:pPr algn="l" fontAlgn="b"/>
+                      <a:endParaRPr lang="en-US" sz="1600" b="0" i="0" u="none" strike="noStrike">
+                        <a:solidFill>
+                          <a:srgbClr val="000000"/>
+                        </a:solidFill>
+                        <a:effectLst/>
+                        <a:latin typeface="Calibri" panose="020F0502020204030204" pitchFamily="34" charset="0"/>
+                      </a:endParaRPr>
+                    </a:p>
+                  </a:txBody>
+                  <a:tcPr marL="6686" marR="6686" marT="6686" marB="0" anchor="b">
+                    <a:lnL>
+                      <a:noFill/>
+                    </a:lnL>
+                    <a:lnR>
+                      <a:noFill/>
+                    </a:lnR>
+                    <a:lnT>
+                      <a:noFill/>
+                    </a:lnT>
+                    <a:lnB>
+                      <a:noFill/>
+                    </a:lnB>
+                  </a:tcPr>
+                </a:tc>
+                <a:tc>
+                  <a:txBody>
+                    <a:bodyPr/>
+                    <a:lstStyle/>
+                    <a:p>
+                      <a:pPr algn="r" fontAlgn="b"/>
+                      <a:r>
+                        <a:rPr lang="en-US" sz="1600" b="0" i="0" u="none" strike="noStrike">
+                          <a:solidFill>
+                            <a:srgbClr val="000000"/>
+                          </a:solidFill>
+                          <a:effectLst/>
+                          <a:latin typeface="Calibri" panose="020F0502020204030204" pitchFamily="34" charset="0"/>
+                        </a:rPr>
+                        <a:t>-17.56%</a:t>
+                      </a:r>
+                    </a:p>
+                  </a:txBody>
+                  <a:tcPr marL="6686" marR="6686" marT="6686" marB="0" anchor="b">
+                    <a:lnL>
+                      <a:noFill/>
+                    </a:lnL>
+                    <a:lnR>
+                      <a:noFill/>
+                    </a:lnR>
+                    <a:lnT>
+                      <a:noFill/>
+                    </a:lnT>
+                    <a:lnB>
+                      <a:noFill/>
+                    </a:lnB>
+                    <a:solidFill>
+                      <a:srgbClr val="FF8F8F"/>
+                    </a:solidFill>
+                  </a:tcPr>
+                </a:tc>
+                <a:tc>
+                  <a:txBody>
+                    <a:bodyPr/>
+                    <a:lstStyle/>
+                    <a:p>
+                      <a:pPr algn="r" fontAlgn="b"/>
+                      <a:r>
+                        <a:rPr lang="en-US" sz="1600" b="0" i="0" u="none" strike="noStrike">
+                          <a:solidFill>
+                            <a:srgbClr val="000000"/>
+                          </a:solidFill>
+                          <a:effectLst/>
+                          <a:latin typeface="Calibri" panose="020F0502020204030204" pitchFamily="34" charset="0"/>
+                        </a:rPr>
+                        <a:t>-15.25%</a:t>
+                      </a:r>
+                    </a:p>
+                  </a:txBody>
+                  <a:tcPr marL="6686" marR="6686" marT="6686" marB="0" anchor="b">
+                    <a:lnL>
+                      <a:noFill/>
+                    </a:lnL>
+                    <a:lnR>
+                      <a:noFill/>
+                    </a:lnR>
+                    <a:lnT>
+                      <a:noFill/>
+                    </a:lnT>
+                    <a:lnB>
+                      <a:noFill/>
+                    </a:lnB>
+                    <a:solidFill>
+                      <a:srgbClr val="FF8F8F"/>
+                    </a:solidFill>
+                  </a:tcPr>
+                </a:tc>
+                <a:tc>
+                  <a:txBody>
+                    <a:bodyPr/>
+                    <a:lstStyle/>
+                    <a:p>
+                      <a:pPr algn="r" fontAlgn="b"/>
+                      <a:r>
+                        <a:rPr lang="en-US" sz="1600" b="0" i="0" u="none" strike="noStrike">
+                          <a:solidFill>
+                            <a:srgbClr val="000000"/>
+                          </a:solidFill>
+                          <a:effectLst/>
+                          <a:latin typeface="Calibri" panose="020F0502020204030204" pitchFamily="34" charset="0"/>
+                        </a:rPr>
+                        <a:t>0.91%</a:t>
+                      </a:r>
+                    </a:p>
+                  </a:txBody>
+                  <a:tcPr marL="6686" marR="6686" marT="6686" marB="0" anchor="b">
+                    <a:lnL>
+                      <a:noFill/>
+                    </a:lnL>
+                    <a:lnR>
+                      <a:noFill/>
+                    </a:lnR>
+                    <a:lnT>
+                      <a:noFill/>
+                    </a:lnT>
+                    <a:lnB>
+                      <a:noFill/>
+                    </a:lnB>
+                    <a:solidFill>
+                      <a:srgbClr val="C6E0B4"/>
+                    </a:solidFill>
+                  </a:tcPr>
+                </a:tc>
+              </a:tr>
+              <a:tr h="277002">
+                <a:tc>
+                  <a:txBody>
+                    <a:bodyPr/>
+                    <a:lstStyle/>
+                    <a:p>
+                      <a:pPr algn="l" fontAlgn="b"/>
+                      <a:r>
+                        <a:rPr lang="en-US" sz="1600" b="0" i="0" u="none" strike="noStrike">
+                          <a:solidFill>
+                            <a:srgbClr val="000000"/>
+                          </a:solidFill>
+                          <a:effectLst/>
+                          <a:latin typeface="Calibri" panose="020F0502020204030204" pitchFamily="34" charset="0"/>
+                        </a:rPr>
+                        <a:t>v12</a:t>
+                      </a:r>
+                    </a:p>
+                  </a:txBody>
+                  <a:tcPr marL="6686" marR="6686" marT="6686" marB="0" anchor="b">
+                    <a:lnL>
+                      <a:noFill/>
+                    </a:lnL>
+                    <a:lnR>
+                      <a:noFill/>
+                    </a:lnR>
+                    <a:lnT>
+                      <a:noFill/>
+                    </a:lnT>
+                    <a:lnB>
+                      <a:noFill/>
+                    </a:lnB>
+                  </a:tcPr>
+                </a:tc>
+                <a:tc>
+                  <a:txBody>
+                    <a:bodyPr/>
+                    <a:lstStyle/>
+                    <a:p>
+                      <a:pPr algn="r" fontAlgn="b"/>
+                      <a:r>
+                        <a:rPr lang="en-US" sz="1600" b="0" i="0" u="none" strike="noStrike">
+                          <a:solidFill>
+                            <a:srgbClr val="7B7B7B"/>
+                          </a:solidFill>
+                          <a:effectLst/>
+                          <a:latin typeface="Calibri" panose="020F0502020204030204" pitchFamily="34" charset="0"/>
+                        </a:rPr>
+                        <a:t>0.3197</a:t>
+                      </a:r>
+                    </a:p>
+                  </a:txBody>
+                  <a:tcPr marL="6686" marR="6686" marT="6686" marB="0" anchor="b">
+                    <a:lnL>
+                      <a:noFill/>
+                    </a:lnL>
+                    <a:lnR>
+                      <a:noFill/>
+                    </a:lnR>
+                    <a:lnT>
+                      <a:noFill/>
+                    </a:lnT>
+                    <a:lnB>
+                      <a:noFill/>
+                    </a:lnB>
+                  </a:tcPr>
+                </a:tc>
+                <a:tc>
+                  <a:txBody>
+                    <a:bodyPr/>
+                    <a:lstStyle/>
+                    <a:p>
+                      <a:pPr algn="r" fontAlgn="b"/>
+                      <a:r>
+                        <a:rPr lang="en-US" sz="1600" b="0" i="0" u="none" strike="noStrike">
+                          <a:solidFill>
+                            <a:srgbClr val="7B7B7B"/>
+                          </a:solidFill>
+                          <a:effectLst/>
+                          <a:latin typeface="Calibri" panose="020F0502020204030204" pitchFamily="34" charset="0"/>
+                        </a:rPr>
+                        <a:t>0.3197</a:t>
+                      </a:r>
+                    </a:p>
+                  </a:txBody>
+                  <a:tcPr marL="6686" marR="6686" marT="6686" marB="0" anchor="b">
+                    <a:lnL>
+                      <a:noFill/>
+                    </a:lnL>
+                    <a:lnR>
+                      <a:noFill/>
+                    </a:lnR>
+                    <a:lnT>
+                      <a:noFill/>
+                    </a:lnT>
+                    <a:lnB>
+                      <a:noFill/>
+                    </a:lnB>
+                  </a:tcPr>
+                </a:tc>
+                <a:tc>
+                  <a:txBody>
+                    <a:bodyPr/>
+                    <a:lstStyle/>
+                    <a:p>
+                      <a:pPr algn="r" fontAlgn="b"/>
+                      <a:r>
+                        <a:rPr lang="en-US" sz="1600" b="0" i="0" u="none" strike="noStrike">
+                          <a:solidFill>
+                            <a:srgbClr val="7B7B7B"/>
+                          </a:solidFill>
+                          <a:effectLst/>
+                          <a:latin typeface="Calibri" panose="020F0502020204030204" pitchFamily="34" charset="0"/>
+                        </a:rPr>
+                        <a:t>0.3197</a:t>
+                      </a:r>
+                    </a:p>
+                  </a:txBody>
+                  <a:tcPr marL="6686" marR="6686" marT="6686" marB="0" anchor="b">
+                    <a:lnL>
+                      <a:noFill/>
+                    </a:lnL>
+                    <a:lnR>
+                      <a:noFill/>
+                    </a:lnR>
+                    <a:lnT>
+                      <a:noFill/>
+                    </a:lnT>
+                    <a:lnB>
+                      <a:noFill/>
+                    </a:lnB>
+                  </a:tcPr>
+                </a:tc>
+                <a:tc>
+                  <a:txBody>
+                    <a:bodyPr/>
+                    <a:lstStyle/>
+                    <a:p>
+                      <a:pPr algn="r" fontAlgn="b"/>
+                      <a:r>
+                        <a:rPr lang="en-US" sz="1600" b="0" i="0" u="none" strike="noStrike">
+                          <a:solidFill>
+                            <a:srgbClr val="7B7B7B"/>
+                          </a:solidFill>
+                          <a:effectLst/>
+                          <a:latin typeface="Calibri" panose="020F0502020204030204" pitchFamily="34" charset="0"/>
+                        </a:rPr>
+                        <a:t>0.3196</a:t>
+                      </a:r>
+                    </a:p>
+                  </a:txBody>
+                  <a:tcPr marL="6686" marR="6686" marT="6686" marB="0" anchor="b">
+                    <a:lnL>
+                      <a:noFill/>
+                    </a:lnL>
+                    <a:lnR>
+                      <a:noFill/>
+                    </a:lnR>
+                    <a:lnT>
+                      <a:noFill/>
+                    </a:lnT>
+                    <a:lnB>
+                      <a:noFill/>
+                    </a:lnB>
+                  </a:tcPr>
+                </a:tc>
+                <a:tc>
+                  <a:txBody>
+                    <a:bodyPr/>
+                    <a:lstStyle/>
+                    <a:p>
+                      <a:pPr algn="l" fontAlgn="b"/>
+                      <a:endParaRPr lang="en-US" sz="1600" b="0" i="0" u="none" strike="noStrike">
+                        <a:solidFill>
+                          <a:srgbClr val="000000"/>
+                        </a:solidFill>
+                        <a:effectLst/>
+                        <a:latin typeface="Calibri" panose="020F0502020204030204" pitchFamily="34" charset="0"/>
+                      </a:endParaRPr>
+                    </a:p>
+                  </a:txBody>
+                  <a:tcPr marL="6686" marR="6686" marT="6686" marB="0" anchor="b">
+                    <a:lnL>
+                      <a:noFill/>
+                    </a:lnL>
+                    <a:lnR>
+                      <a:noFill/>
+                    </a:lnR>
+                    <a:lnT>
+                      <a:noFill/>
+                    </a:lnT>
+                    <a:lnB>
+                      <a:noFill/>
+                    </a:lnB>
+                  </a:tcPr>
+                </a:tc>
+                <a:tc>
+                  <a:txBody>
+                    <a:bodyPr/>
+                    <a:lstStyle/>
+                    <a:p>
+                      <a:pPr algn="r" fontAlgn="b"/>
+                      <a:r>
+                        <a:rPr lang="en-US" sz="1600" b="0" i="0" u="none" strike="noStrike">
+                          <a:solidFill>
+                            <a:srgbClr val="000000"/>
+                          </a:solidFill>
+                          <a:effectLst/>
+                          <a:latin typeface="Calibri" panose="020F0502020204030204" pitchFamily="34" charset="0"/>
+                        </a:rPr>
+                        <a:t>0.00%</a:t>
+                      </a:r>
+                    </a:p>
+                  </a:txBody>
+                  <a:tcPr marL="6686" marR="6686" marT="6686" marB="0" anchor="b">
+                    <a:lnL>
+                      <a:noFill/>
+                    </a:lnL>
+                    <a:lnR>
+                      <a:noFill/>
+                    </a:lnR>
+                    <a:lnT>
+                      <a:noFill/>
+                    </a:lnT>
+                    <a:lnB>
+                      <a:noFill/>
+                    </a:lnB>
+                    <a:solidFill>
+                      <a:srgbClr val="C6E0B4"/>
+                    </a:solidFill>
+                  </a:tcPr>
+                </a:tc>
+                <a:tc>
+                  <a:txBody>
+                    <a:bodyPr/>
+                    <a:lstStyle/>
+                    <a:p>
+                      <a:pPr algn="r" fontAlgn="b"/>
+                      <a:r>
+                        <a:rPr lang="en-US" sz="1600" b="0" i="0" u="none" strike="noStrike">
+                          <a:solidFill>
+                            <a:srgbClr val="000000"/>
+                          </a:solidFill>
+                          <a:effectLst/>
+                          <a:latin typeface="Calibri" panose="020F0502020204030204" pitchFamily="34" charset="0"/>
+                        </a:rPr>
+                        <a:t>0.00%</a:t>
+                      </a:r>
+                    </a:p>
+                  </a:txBody>
+                  <a:tcPr marL="6686" marR="6686" marT="6686" marB="0" anchor="b">
+                    <a:lnL>
+                      <a:noFill/>
+                    </a:lnL>
+                    <a:lnR>
+                      <a:noFill/>
+                    </a:lnR>
+                    <a:lnT>
+                      <a:noFill/>
+                    </a:lnT>
+                    <a:lnB>
+                      <a:noFill/>
+                    </a:lnB>
+                    <a:solidFill>
+                      <a:srgbClr val="C6E0B4"/>
+                    </a:solidFill>
+                  </a:tcPr>
+                </a:tc>
+                <a:tc>
+                  <a:txBody>
+                    <a:bodyPr/>
+                    <a:lstStyle/>
+                    <a:p>
+                      <a:pPr algn="r" fontAlgn="b"/>
+                      <a:r>
+                        <a:rPr lang="en-US" sz="1600" b="0" i="0" u="none" strike="noStrike">
+                          <a:solidFill>
+                            <a:srgbClr val="000000"/>
+                          </a:solidFill>
+                          <a:effectLst/>
+                          <a:latin typeface="Calibri" panose="020F0502020204030204" pitchFamily="34" charset="0"/>
+                        </a:rPr>
+                        <a:t>-0.03%</a:t>
+                      </a:r>
+                    </a:p>
+                  </a:txBody>
+                  <a:tcPr marL="6686" marR="6686" marT="6686" marB="0" anchor="b">
+                    <a:lnL>
+                      <a:noFill/>
+                    </a:lnL>
+                    <a:lnR>
+                      <a:noFill/>
+                    </a:lnR>
+                    <a:lnT>
+                      <a:noFill/>
+                    </a:lnT>
+                    <a:lnB>
+                      <a:noFill/>
+                    </a:lnB>
+                    <a:solidFill>
+                      <a:srgbClr val="C6E0B4"/>
+                    </a:solidFill>
+                  </a:tcPr>
+                </a:tc>
+              </a:tr>
+              <a:tr h="277002">
+                <a:tc>
+                  <a:txBody>
+                    <a:bodyPr/>
+                    <a:lstStyle/>
+                    <a:p>
+                      <a:pPr algn="l" fontAlgn="b"/>
+                      <a:r>
+                        <a:rPr lang="en-US" sz="1600" b="0" i="0" u="none" strike="noStrike" dirty="0">
+                          <a:solidFill>
+                            <a:srgbClr val="000000"/>
+                          </a:solidFill>
+                          <a:effectLst/>
+                          <a:latin typeface="Calibri" panose="020F0502020204030204" pitchFamily="34" charset="0"/>
+                        </a:rPr>
+                        <a:t>K23 (</a:t>
+                      </a:r>
+                      <a:r>
+                        <a:rPr lang="en-US" sz="1600" b="0" i="0" u="none" strike="noStrike" dirty="0" err="1">
+                          <a:solidFill>
+                            <a:srgbClr val="000000"/>
+                          </a:solidFill>
+                          <a:effectLst/>
+                          <a:latin typeface="Calibri" panose="020F0502020204030204" pitchFamily="34" charset="0"/>
+                        </a:rPr>
+                        <a:t>GPa</a:t>
+                      </a:r>
+                      <a:r>
+                        <a:rPr lang="en-US" sz="1600" b="0" i="0" u="none" strike="noStrike" dirty="0">
+                          <a:solidFill>
+                            <a:srgbClr val="000000"/>
+                          </a:solidFill>
+                          <a:effectLst/>
+                          <a:latin typeface="Calibri" panose="020F0502020204030204" pitchFamily="34" charset="0"/>
+                        </a:rPr>
+                        <a:t>)</a:t>
+                      </a:r>
+                    </a:p>
+                  </a:txBody>
+                  <a:tcPr marL="6686" marR="6686" marT="6686" marB="0" anchor="b">
+                    <a:lnL>
+                      <a:noFill/>
+                    </a:lnL>
+                    <a:lnR>
+                      <a:noFill/>
+                    </a:lnR>
+                    <a:lnT>
+                      <a:noFill/>
+                    </a:lnT>
+                    <a:lnB w="6350" cap="flat" cmpd="sng" algn="ctr">
+                      <a:solidFill>
+                        <a:srgbClr val="A5A5A5"/>
+                      </a:solidFill>
+                      <a:prstDash val="solid"/>
+                      <a:round/>
+                      <a:headEnd type="none" w="med" len="med"/>
+                      <a:tailEnd type="none" w="med" len="med"/>
+                    </a:lnB>
+                    <a:solidFill>
+                      <a:srgbClr val="EDEDED"/>
+                    </a:solidFill>
+                  </a:tcPr>
+                </a:tc>
+                <a:tc>
+                  <a:txBody>
+                    <a:bodyPr/>
+                    <a:lstStyle/>
+                    <a:p>
+                      <a:pPr algn="r" fontAlgn="b"/>
+                      <a:r>
+                        <a:rPr lang="en-US" sz="1600" b="0" i="0" u="none" strike="noStrike">
+                          <a:solidFill>
+                            <a:srgbClr val="7B7B7B"/>
+                          </a:solidFill>
+                          <a:effectLst/>
+                          <a:latin typeface="Calibri" panose="020F0502020204030204" pitchFamily="34" charset="0"/>
+                        </a:rPr>
+                        <a:t>6.236</a:t>
+                      </a:r>
+                    </a:p>
+                  </a:txBody>
+                  <a:tcPr marL="6686" marR="6686" marT="6686" marB="0" anchor="b">
+                    <a:lnL>
+                      <a:noFill/>
+                    </a:lnL>
+                    <a:lnR>
+                      <a:noFill/>
+                    </a:lnR>
+                    <a:lnT>
+                      <a:noFill/>
+                    </a:lnT>
+                    <a:lnB w="6350" cap="flat" cmpd="sng" algn="ctr">
+                      <a:solidFill>
+                        <a:srgbClr val="A5A5A5"/>
+                      </a:solidFill>
+                      <a:prstDash val="solid"/>
+                      <a:round/>
+                      <a:headEnd type="none" w="med" len="med"/>
+                      <a:tailEnd type="none" w="med" len="med"/>
+                    </a:lnB>
+                    <a:solidFill>
+                      <a:srgbClr val="EDEDED"/>
+                    </a:solidFill>
+                  </a:tcPr>
+                </a:tc>
+                <a:tc>
+                  <a:txBody>
+                    <a:bodyPr/>
+                    <a:lstStyle/>
+                    <a:p>
+                      <a:pPr algn="r" fontAlgn="b"/>
+                      <a:r>
+                        <a:rPr lang="en-US" sz="1600" b="0" i="0" u="none" strike="noStrike">
+                          <a:solidFill>
+                            <a:srgbClr val="7B7B7B"/>
+                          </a:solidFill>
+                          <a:effectLst/>
+                          <a:latin typeface="Calibri" panose="020F0502020204030204" pitchFamily="34" charset="0"/>
+                        </a:rPr>
+                        <a:t>6.696</a:t>
+                      </a:r>
+                    </a:p>
+                  </a:txBody>
+                  <a:tcPr marL="6686" marR="6686" marT="6686" marB="0" anchor="b">
+                    <a:lnL>
+                      <a:noFill/>
+                    </a:lnL>
+                    <a:lnR>
+                      <a:noFill/>
+                    </a:lnR>
+                    <a:lnT>
+                      <a:noFill/>
+                    </a:lnT>
+                    <a:lnB w="6350" cap="flat" cmpd="sng" algn="ctr">
+                      <a:solidFill>
+                        <a:srgbClr val="A5A5A5"/>
+                      </a:solidFill>
+                      <a:prstDash val="solid"/>
+                      <a:round/>
+                      <a:headEnd type="none" w="med" len="med"/>
+                      <a:tailEnd type="none" w="med" len="med"/>
+                    </a:lnB>
+                    <a:solidFill>
+                      <a:srgbClr val="EDEDED"/>
+                    </a:solidFill>
+                  </a:tcPr>
+                </a:tc>
+                <a:tc>
+                  <a:txBody>
+                    <a:bodyPr/>
+                    <a:lstStyle/>
+                    <a:p>
+                      <a:pPr algn="r" fontAlgn="b"/>
+                      <a:r>
+                        <a:rPr lang="en-US" sz="1600" b="0" i="0" u="none" strike="noStrike">
+                          <a:solidFill>
+                            <a:srgbClr val="7B7B7B"/>
+                          </a:solidFill>
+                          <a:effectLst/>
+                          <a:latin typeface="Calibri" panose="020F0502020204030204" pitchFamily="34" charset="0"/>
+                        </a:rPr>
+                        <a:t>6.794</a:t>
+                      </a:r>
+                    </a:p>
+                  </a:txBody>
+                  <a:tcPr marL="6686" marR="6686" marT="6686" marB="0" anchor="b">
+                    <a:lnL>
+                      <a:noFill/>
+                    </a:lnL>
+                    <a:lnR>
+                      <a:noFill/>
+                    </a:lnR>
+                    <a:lnT>
+                      <a:noFill/>
+                    </a:lnT>
+                    <a:lnB w="6350" cap="flat" cmpd="sng" algn="ctr">
+                      <a:solidFill>
+                        <a:srgbClr val="A5A5A5"/>
+                      </a:solidFill>
+                      <a:prstDash val="solid"/>
+                      <a:round/>
+                      <a:headEnd type="none" w="med" len="med"/>
+                      <a:tailEnd type="none" w="med" len="med"/>
+                    </a:lnB>
+                    <a:solidFill>
+                      <a:srgbClr val="EDEDED"/>
+                    </a:solidFill>
+                  </a:tcPr>
+                </a:tc>
+                <a:tc>
+                  <a:txBody>
+                    <a:bodyPr/>
+                    <a:lstStyle/>
+                    <a:p>
+                      <a:pPr algn="r" fontAlgn="b"/>
+                      <a:r>
+                        <a:rPr lang="en-US" sz="1600" b="0" i="0" u="none" strike="noStrike">
+                          <a:solidFill>
+                            <a:srgbClr val="7B7B7B"/>
+                          </a:solidFill>
+                          <a:effectLst/>
+                          <a:latin typeface="Calibri" panose="020F0502020204030204" pitchFamily="34" charset="0"/>
+                        </a:rPr>
+                        <a:t>6.643</a:t>
+                      </a:r>
+                    </a:p>
+                  </a:txBody>
+                  <a:tcPr marL="6686" marR="6686" marT="6686" marB="0" anchor="b">
+                    <a:lnL>
+                      <a:noFill/>
+                    </a:lnL>
+                    <a:lnR>
+                      <a:noFill/>
+                    </a:lnR>
+                    <a:lnT>
+                      <a:noFill/>
+                    </a:lnT>
+                    <a:lnB w="6350" cap="flat" cmpd="sng" algn="ctr">
+                      <a:solidFill>
+                        <a:srgbClr val="A5A5A5"/>
+                      </a:solidFill>
+                      <a:prstDash val="solid"/>
+                      <a:round/>
+                      <a:headEnd type="none" w="med" len="med"/>
+                      <a:tailEnd type="none" w="med" len="med"/>
+                    </a:lnB>
+                    <a:solidFill>
+                      <a:srgbClr val="EDEDED"/>
+                    </a:solidFill>
+                  </a:tcPr>
+                </a:tc>
+                <a:tc>
+                  <a:txBody>
+                    <a:bodyPr/>
+                    <a:lstStyle/>
+                    <a:p>
+                      <a:pPr algn="l" fontAlgn="b"/>
+                      <a:endParaRPr lang="en-US" sz="1600" b="0" i="0" u="none" strike="noStrike">
+                        <a:solidFill>
+                          <a:srgbClr val="000000"/>
+                        </a:solidFill>
+                        <a:effectLst/>
+                        <a:latin typeface="Calibri" panose="020F0502020204030204" pitchFamily="34" charset="0"/>
+                      </a:endParaRPr>
+                    </a:p>
+                  </a:txBody>
+                  <a:tcPr marL="6686" marR="6686" marT="6686" marB="0" anchor="b">
+                    <a:lnL>
+                      <a:noFill/>
+                    </a:lnL>
+                    <a:lnR>
+                      <a:noFill/>
+                    </a:lnR>
+                    <a:lnT>
+                      <a:noFill/>
+                    </a:lnT>
+                    <a:lnB>
+                      <a:noFill/>
+                    </a:lnB>
+                  </a:tcPr>
+                </a:tc>
+                <a:tc>
+                  <a:txBody>
+                    <a:bodyPr/>
+                    <a:lstStyle/>
+                    <a:p>
+                      <a:pPr algn="r" fontAlgn="b"/>
+                      <a:r>
+                        <a:rPr lang="en-US" sz="1600" b="0" i="0" u="none" strike="noStrike">
+                          <a:solidFill>
+                            <a:srgbClr val="000000"/>
+                          </a:solidFill>
+                          <a:effectLst/>
+                          <a:latin typeface="Calibri" panose="020F0502020204030204" pitchFamily="34" charset="0"/>
+                        </a:rPr>
+                        <a:t>7.38%</a:t>
+                      </a:r>
+                    </a:p>
+                  </a:txBody>
+                  <a:tcPr marL="6686" marR="6686" marT="6686" marB="0" anchor="b">
+                    <a:lnL>
+                      <a:noFill/>
+                    </a:lnL>
+                    <a:lnR>
+                      <a:noFill/>
+                    </a:lnR>
+                    <a:lnT>
+                      <a:noFill/>
+                    </a:lnT>
+                    <a:lnB w="6350" cap="flat" cmpd="sng" algn="ctr">
+                      <a:solidFill>
+                        <a:srgbClr val="A5A5A5"/>
+                      </a:solidFill>
+                      <a:prstDash val="solid"/>
+                      <a:round/>
+                      <a:headEnd type="none" w="med" len="med"/>
+                      <a:tailEnd type="none" w="med" len="med"/>
+                    </a:lnB>
+                    <a:solidFill>
+                      <a:srgbClr val="FF8F8F"/>
+                    </a:solidFill>
+                  </a:tcPr>
+                </a:tc>
+                <a:tc>
+                  <a:txBody>
+                    <a:bodyPr/>
+                    <a:lstStyle/>
+                    <a:p>
+                      <a:pPr algn="r" fontAlgn="b"/>
+                      <a:r>
+                        <a:rPr lang="en-US" sz="1600" b="0" i="0" u="none" strike="noStrike">
+                          <a:solidFill>
+                            <a:srgbClr val="000000"/>
+                          </a:solidFill>
+                          <a:effectLst/>
+                          <a:latin typeface="Calibri" panose="020F0502020204030204" pitchFamily="34" charset="0"/>
+                        </a:rPr>
+                        <a:t>8.95%</a:t>
+                      </a:r>
+                    </a:p>
+                  </a:txBody>
+                  <a:tcPr marL="6686" marR="6686" marT="6686" marB="0" anchor="b">
+                    <a:lnL>
+                      <a:noFill/>
+                    </a:lnL>
+                    <a:lnR>
+                      <a:noFill/>
+                    </a:lnR>
+                    <a:lnT>
+                      <a:noFill/>
+                    </a:lnT>
+                    <a:lnB w="6350" cap="flat" cmpd="sng" algn="ctr">
+                      <a:solidFill>
+                        <a:srgbClr val="A5A5A5"/>
+                      </a:solidFill>
+                      <a:prstDash val="solid"/>
+                      <a:round/>
+                      <a:headEnd type="none" w="med" len="med"/>
+                      <a:tailEnd type="none" w="med" len="med"/>
+                    </a:lnB>
+                    <a:solidFill>
+                      <a:srgbClr val="FF8F8F"/>
+                    </a:solidFill>
+                  </a:tcPr>
+                </a:tc>
+                <a:tc>
+                  <a:txBody>
+                    <a:bodyPr/>
+                    <a:lstStyle/>
+                    <a:p>
+                      <a:pPr algn="r" fontAlgn="b"/>
+                      <a:r>
+                        <a:rPr lang="en-US" sz="1600" b="0" i="0" u="none" strike="noStrike" dirty="0">
+                          <a:solidFill>
+                            <a:srgbClr val="000000"/>
+                          </a:solidFill>
+                          <a:effectLst/>
+                          <a:latin typeface="Calibri" panose="020F0502020204030204" pitchFamily="34" charset="0"/>
+                        </a:rPr>
+                        <a:t>6.53%</a:t>
+                      </a:r>
+                    </a:p>
+                  </a:txBody>
+                  <a:tcPr marL="6686" marR="6686" marT="6686" marB="0" anchor="b">
+                    <a:lnL>
+                      <a:noFill/>
+                    </a:lnL>
+                    <a:lnR>
+                      <a:noFill/>
+                    </a:lnR>
+                    <a:lnT>
+                      <a:noFill/>
+                    </a:lnT>
+                    <a:lnB w="6350" cap="flat" cmpd="sng" algn="ctr">
+                      <a:solidFill>
+                        <a:srgbClr val="A5A5A5"/>
+                      </a:solidFill>
+                      <a:prstDash val="solid"/>
+                      <a:round/>
+                      <a:headEnd type="none" w="med" len="med"/>
+                      <a:tailEnd type="none" w="med" len="med"/>
+                    </a:lnB>
+                    <a:solidFill>
+                      <a:srgbClr val="FF8F8F"/>
+                    </a:solidFill>
+                  </a:tcPr>
+                </a:tc>
+              </a:tr>
+            </a:tbl>
+          </a:graphicData>
+        </a:graphic>
+      </p:graphicFrame>
       <p:sp>
         <p:nvSpPr>
-          <p:cNvPr id="7" name="TextBox 6"/>
+          <p:cNvPr id="8" name="TextBox 7"/>
           <p:cNvSpPr txBox="1"/>
           <p:nvPr/>
         </p:nvSpPr>
         <p:spPr>
           <a:xfrm>
-            <a:off x="1146411" y="2450194"/>
-            <a:ext cx="2115403" cy="369332"/>
+            <a:off x="838200" y="5480462"/>
+            <a:ext cx="9920844" cy="646331"/>
           </a:xfrm>
           <a:prstGeom prst="rect">
             <a:avLst/>
@@ -4484,7 +11155,7 @@
           <a:p>
             <a:r>
               <a:rPr lang="en-US" dirty="0" smtClean="0"/>
-              <a:t>where</a:t>
+              <a:t>Transversely isotropic relations were used to find the properties. Some RUCs are not transversely isotropic, so we are working on a better way of finding the properties. </a:t>
             </a:r>
             <a:endParaRPr lang="en-US" dirty="0"/>
           </a:p>
@@ -4493,7 +11164,7 @@
     </p:spTree>
     <p:extLst>
       <p:ext uri="{BB962C8B-B14F-4D97-AF65-F5344CB8AC3E}">
-        <p14:creationId xmlns:p14="http://schemas.microsoft.com/office/powerpoint/2010/main" val="3331768039"/>
+        <p14:creationId xmlns:p14="http://schemas.microsoft.com/office/powerpoint/2010/main" val="1900943380"/>
       </p:ext>
     </p:extLst>
   </p:cSld>
@@ -4503,7 +11174,7 @@
 </p:sld>
 </file>
 
-<file path=ppt/slides/slide7.xml><?xml version="1.0" encoding="utf-8"?>
+<file path=ppt/slides/slide9.xml><?xml version="1.0" encoding="utf-8"?>
 <p:sld xmlns:a="http://schemas.openxmlformats.org/drawingml/2006/main" xmlns:r="http://schemas.openxmlformats.org/officeDocument/2006/relationships" xmlns:p="http://schemas.openxmlformats.org/presentationml/2006/main">
   <p:cSld>
     <p:spTree>
@@ -4535,11 +11206,7 @@
           <a:bodyPr/>
           <a:lstStyle/>
           <a:p>
-            <a:r>
-              <a:rPr lang="en-US" dirty="0" smtClean="0"/>
-              <a:t>Error Approximation</a:t>
-            </a:r>
-            <a:endParaRPr lang="en-US" dirty="0"/>
+            <a:endParaRPr lang="en-US"/>
           </a:p>
         </p:txBody>
       </p:sp>
@@ -4553,92 +11220,61 @@
             <p:ph sz="half" idx="1"/>
           </p:nvPr>
         </p:nvSpPr>
-        <p:spPr>
-          <a:xfrm>
-            <a:off x="838200" y="1825625"/>
-            <a:ext cx="9097370" cy="1927509"/>
-          </a:xfrm>
-        </p:spPr>
+        <p:spPr/>
         <p:txBody>
           <a:bodyPr/>
           <a:lstStyle/>
           <a:p>
-            <a:r>
-              <a:rPr lang="en-US" dirty="0" smtClean="0"/>
-              <a:t>The Concentric Cylinder Model (CCM) is used to check the accuracy of the MOC code.</a:t>
-            </a:r>
-          </a:p>
-          <a:p>
-            <a:endParaRPr lang="en-US" dirty="0"/>
-          </a:p>
-          <a:p>
-            <a:endParaRPr lang="en-US" dirty="0" smtClean="0"/>
-          </a:p>
-          <a:p>
-            <a:endParaRPr lang="en-US" dirty="0"/>
+            <a:endParaRPr lang="en-US"/>
           </a:p>
         </p:txBody>
       </p:sp>
-      <p:pic>
-        <p:nvPicPr>
-          <p:cNvPr id="1026" name="Picture 2"/>
-          <p:cNvPicPr>
-            <a:picLocks noGrp="1" noChangeAspect="1" noChangeArrowheads="1"/>
-          </p:cNvPicPr>
+      <p:sp>
+        <p:nvSpPr>
+          <p:cNvPr id="4" name="Content Placeholder 3"/>
+          <p:cNvSpPr>
+            <a:spLocks noGrp="1"/>
+          </p:cNvSpPr>
           <p:nvPr>
             <p:ph sz="half" idx="2"/>
           </p:nvPr>
-        </p:nvPicPr>
-        <p:blipFill>
-          <a:blip r:embed="rId2">
-            <a:extLst>
-              <a:ext uri="{28A0092B-C50C-407E-A947-70E740481C1C}">
-                <a14:useLocalDpi xmlns:a14="http://schemas.microsoft.com/office/drawing/2010/main" val="0"/>
-              </a:ext>
-            </a:extLst>
-          </a:blip>
-          <a:srcRect/>
-          <a:stretch>
-            <a:fillRect/>
-          </a:stretch>
-        </p:blipFill>
-        <p:spPr bwMode="auto">
-          <a:xfrm>
-            <a:off x="1105323" y="3070746"/>
-            <a:ext cx="9605596" cy="3086999"/>
-          </a:xfrm>
-          <a:prstGeom prst="rect">
-            <a:avLst/>
-          </a:prstGeom>
-          <a:noFill/>
-          <a:ln>
-            <a:noFill/>
-          </a:ln>
-          <a:extLst>
-            <a:ext uri="{909E8E84-426E-40DD-AFC4-6F175D3DCCD1}">
-              <a14:hiddenFill xmlns:a14="http://schemas.microsoft.com/office/drawing/2010/main">
-                <a:solidFill>
-                  <a:schemeClr val="accent1"/>
-                </a:solidFill>
-              </a14:hiddenFill>
-            </a:ext>
-            <a:ext uri="{91240B29-F687-4F45-9708-019B960494DF}">
-              <a14:hiddenLine xmlns:a14="http://schemas.microsoft.com/office/drawing/2010/main" w="9525">
-                <a:solidFill>
-                  <a:schemeClr val="tx1"/>
-                </a:solidFill>
-                <a:miter lim="800000"/>
-                <a:headEnd/>
-                <a:tailEnd/>
-              </a14:hiddenLine>
-            </a:ext>
-          </a:extLst>
-        </p:spPr>
-      </p:pic>
+        </p:nvSpPr>
+        <p:spPr/>
+        <p:txBody>
+          <a:bodyPr/>
+          <a:lstStyle/>
+          <a:p>
+            <a:endParaRPr lang="en-US"/>
+          </a:p>
+        </p:txBody>
+      </p:sp>
+      <p:sp>
+        <p:nvSpPr>
+          <p:cNvPr id="5" name="Slide Number Placeholder 4"/>
+          <p:cNvSpPr>
+            <a:spLocks noGrp="1"/>
+          </p:cNvSpPr>
+          <p:nvPr>
+            <p:ph type="sldNum" sz="quarter" idx="12"/>
+          </p:nvPr>
+        </p:nvSpPr>
+        <p:spPr/>
+        <p:txBody>
+          <a:bodyPr/>
+          <a:lstStyle/>
+          <a:p>
+            <a:fld id="{3C34C07B-8F94-49B6-B743-70BD1DFD034D}" type="slidenum">
+              <a:rPr lang="en-US" smtClean="0"/>
+              <a:t>9</a:t>
+            </a:fld>
+            <a:endParaRPr lang="en-US"/>
+          </a:p>
+        </p:txBody>
+      </p:sp>
     </p:spTree>
     <p:extLst>
       <p:ext uri="{BB962C8B-B14F-4D97-AF65-F5344CB8AC3E}">
-        <p14:creationId xmlns:p14="http://schemas.microsoft.com/office/powerpoint/2010/main" val="1900943380"/>
+        <p14:creationId xmlns:p14="http://schemas.microsoft.com/office/powerpoint/2010/main" val="542059651"/>
       </p:ext>
     </p:extLst>
   </p:cSld>
@@ -4903,7 +11539,7 @@
   <a:extraClrSchemeLst/>
   <a:extLst>
     <a:ext uri="{05A4C25C-085E-4340-85A3-A5531E510DB2}">
-      <thm15:themeFamily xmlns:thm15="http://schemas.microsoft.com/office/thememl/2012/main" xmlns="" name="Office Theme" id="{62F939B6-93AF-4DB8-9C6B-D6C7DFDC589F}" vid="{4A3C46E8-61CC-4603-A589-7422A47A8E4A}"/>
+      <thm15:themeFamily xmlns:thm15="http://schemas.microsoft.com/office/thememl/2012/main" name="Office Theme" id="{62F939B6-93AF-4DB8-9C6B-D6C7DFDC589F}" vid="{4A3C46E8-61CC-4603-A589-7422A47A8E4A}"/>
     </a:ext>
   </a:extLst>
 </a:theme>
@@ -5164,7 +11800,268 @@
   <a:extraClrSchemeLst/>
   <a:extLst>
     <a:ext uri="{05A4C25C-085E-4340-85A3-A5531E510DB2}">
-      <thm15:themeFamily xmlns:thm15="http://schemas.microsoft.com/office/thememl/2012/main" xmlns="" name="Office Theme" id="{62F939B6-93AF-4DB8-9C6B-D6C7DFDC589F}" vid="{4A3C46E8-61CC-4603-A589-7422A47A8E4A}"/>
+      <thm15:themeFamily xmlns:thm15="http://schemas.microsoft.com/office/thememl/2012/main" name="Office Theme" id="{62F939B6-93AF-4DB8-9C6B-D6C7DFDC589F}" vid="{4A3C46E8-61CC-4603-A589-7422A47A8E4A}"/>
+    </a:ext>
+  </a:extLst>
+</a:theme>
+</file>
+
+<file path=ppt/theme/theme3.xml><?xml version="1.0" encoding="utf-8"?>
+<a:theme xmlns:a="http://schemas.openxmlformats.org/drawingml/2006/main" name="Office Theme">
+  <a:themeElements>
+    <a:clrScheme name="Office">
+      <a:dk1>
+        <a:sysClr val="windowText" lastClr="000000"/>
+      </a:dk1>
+      <a:lt1>
+        <a:sysClr val="window" lastClr="FFFFFF"/>
+      </a:lt1>
+      <a:dk2>
+        <a:srgbClr val="44546A"/>
+      </a:dk2>
+      <a:lt2>
+        <a:srgbClr val="E7E6E6"/>
+      </a:lt2>
+      <a:accent1>
+        <a:srgbClr val="5B9BD5"/>
+      </a:accent1>
+      <a:accent2>
+        <a:srgbClr val="ED7D31"/>
+      </a:accent2>
+      <a:accent3>
+        <a:srgbClr val="A5A5A5"/>
+      </a:accent3>
+      <a:accent4>
+        <a:srgbClr val="FFC000"/>
+      </a:accent4>
+      <a:accent5>
+        <a:srgbClr val="4472C4"/>
+      </a:accent5>
+      <a:accent6>
+        <a:srgbClr val="70AD47"/>
+      </a:accent6>
+      <a:hlink>
+        <a:srgbClr val="0563C1"/>
+      </a:hlink>
+      <a:folHlink>
+        <a:srgbClr val="954F72"/>
+      </a:folHlink>
+    </a:clrScheme>
+    <a:fontScheme name="Office">
+      <a:majorFont>
+        <a:latin typeface="Calibri Light" panose="020F0302020204030204"/>
+        <a:ea typeface=""/>
+        <a:cs typeface=""/>
+        <a:font script="Jpan" typeface="ＭＳ Ｐゴシック"/>
+        <a:font script="Hang" typeface="맑은 고딕"/>
+        <a:font script="Hans" typeface="宋体"/>
+        <a:font script="Hant" typeface="新細明體"/>
+        <a:font script="Arab" typeface="Times New Roman"/>
+        <a:font script="Hebr" typeface="Times New Roman"/>
+        <a:font script="Thai" typeface="Angsana New"/>
+        <a:font script="Ethi" typeface="Nyala"/>
+        <a:font script="Beng" typeface="Vrinda"/>
+        <a:font script="Gujr" typeface="Shruti"/>
+        <a:font script="Khmr" typeface="MoolBoran"/>
+        <a:font script="Knda" typeface="Tunga"/>
+        <a:font script="Guru" typeface="Raavi"/>
+        <a:font script="Cans" typeface="Euphemia"/>
+        <a:font script="Cher" typeface="Plantagenet Cherokee"/>
+        <a:font script="Yiii" typeface="Microsoft Yi Baiti"/>
+        <a:font script="Tibt" typeface="Microsoft Himalaya"/>
+        <a:font script="Thaa" typeface="MV Boli"/>
+        <a:font script="Deva" typeface="Mangal"/>
+        <a:font script="Telu" typeface="Gautami"/>
+        <a:font script="Taml" typeface="Latha"/>
+        <a:font script="Syrc" typeface="Estrangelo Edessa"/>
+        <a:font script="Orya" typeface="Kalinga"/>
+        <a:font script="Mlym" typeface="Kartika"/>
+        <a:font script="Laoo" typeface="DokChampa"/>
+        <a:font script="Sinh" typeface="Iskoola Pota"/>
+        <a:font script="Mong" typeface="Mongolian Baiti"/>
+        <a:font script="Viet" typeface="Times New Roman"/>
+        <a:font script="Uigh" typeface="Microsoft Uighur"/>
+        <a:font script="Geor" typeface="Sylfaen"/>
+      </a:majorFont>
+      <a:minorFont>
+        <a:latin typeface="Calibri" panose="020F0502020204030204"/>
+        <a:ea typeface=""/>
+        <a:cs typeface=""/>
+        <a:font script="Jpan" typeface="ＭＳ Ｐゴシック"/>
+        <a:font script="Hang" typeface="맑은 고딕"/>
+        <a:font script="Hans" typeface="宋体"/>
+        <a:font script="Hant" typeface="新細明體"/>
+        <a:font script="Arab" typeface="Arial"/>
+        <a:font script="Hebr" typeface="Arial"/>
+        <a:font script="Thai" typeface="Cordia New"/>
+        <a:font script="Ethi" typeface="Nyala"/>
+        <a:font script="Beng" typeface="Vrinda"/>
+        <a:font script="Gujr" typeface="Shruti"/>
+        <a:font script="Khmr" typeface="DaunPenh"/>
+        <a:font script="Knda" typeface="Tunga"/>
+        <a:font script="Guru" typeface="Raavi"/>
+        <a:font script="Cans" typeface="Euphemia"/>
+        <a:font script="Cher" typeface="Plantagenet Cherokee"/>
+        <a:font script="Yiii" typeface="Microsoft Yi Baiti"/>
+        <a:font script="Tibt" typeface="Microsoft Himalaya"/>
+        <a:font script="Thaa" typeface="MV Boli"/>
+        <a:font script="Deva" typeface="Mangal"/>
+        <a:font script="Telu" typeface="Gautami"/>
+        <a:font script="Taml" typeface="Latha"/>
+        <a:font script="Syrc" typeface="Estrangelo Edessa"/>
+        <a:font script="Orya" typeface="Kalinga"/>
+        <a:font script="Mlym" typeface="Kartika"/>
+        <a:font script="Laoo" typeface="DokChampa"/>
+        <a:font script="Sinh" typeface="Iskoola Pota"/>
+        <a:font script="Mong" typeface="Mongolian Baiti"/>
+        <a:font script="Viet" typeface="Arial"/>
+        <a:font script="Uigh" typeface="Microsoft Uighur"/>
+        <a:font script="Geor" typeface="Sylfaen"/>
+      </a:minorFont>
+    </a:fontScheme>
+    <a:fmtScheme name="Office">
+      <a:fillStyleLst>
+        <a:solidFill>
+          <a:schemeClr val="phClr"/>
+        </a:solidFill>
+        <a:gradFill rotWithShape="1">
+          <a:gsLst>
+            <a:gs pos="0">
+              <a:schemeClr val="phClr">
+                <a:lumMod val="110000"/>
+                <a:satMod val="105000"/>
+                <a:tint val="67000"/>
+              </a:schemeClr>
+            </a:gs>
+            <a:gs pos="50000">
+              <a:schemeClr val="phClr">
+                <a:lumMod val="105000"/>
+                <a:satMod val="103000"/>
+                <a:tint val="73000"/>
+              </a:schemeClr>
+            </a:gs>
+            <a:gs pos="100000">
+              <a:schemeClr val="phClr">
+                <a:lumMod val="105000"/>
+                <a:satMod val="109000"/>
+                <a:tint val="81000"/>
+              </a:schemeClr>
+            </a:gs>
+          </a:gsLst>
+          <a:lin ang="5400000" scaled="0"/>
+        </a:gradFill>
+        <a:gradFill rotWithShape="1">
+          <a:gsLst>
+            <a:gs pos="0">
+              <a:schemeClr val="phClr">
+                <a:satMod val="103000"/>
+                <a:lumMod val="102000"/>
+                <a:tint val="94000"/>
+              </a:schemeClr>
+            </a:gs>
+            <a:gs pos="50000">
+              <a:schemeClr val="phClr">
+                <a:satMod val="110000"/>
+                <a:lumMod val="100000"/>
+                <a:shade val="100000"/>
+              </a:schemeClr>
+            </a:gs>
+            <a:gs pos="100000">
+              <a:schemeClr val="phClr">
+                <a:lumMod val="99000"/>
+                <a:satMod val="120000"/>
+                <a:shade val="78000"/>
+              </a:schemeClr>
+            </a:gs>
+          </a:gsLst>
+          <a:lin ang="5400000" scaled="0"/>
+        </a:gradFill>
+      </a:fillStyleLst>
+      <a:lnStyleLst>
+        <a:ln w="6350" cap="flat" cmpd="sng" algn="ctr">
+          <a:solidFill>
+            <a:schemeClr val="phClr"/>
+          </a:solidFill>
+          <a:prstDash val="solid"/>
+          <a:miter lim="800000"/>
+        </a:ln>
+        <a:ln w="12700" cap="flat" cmpd="sng" algn="ctr">
+          <a:solidFill>
+            <a:schemeClr val="phClr"/>
+          </a:solidFill>
+          <a:prstDash val="solid"/>
+          <a:miter lim="800000"/>
+        </a:ln>
+        <a:ln w="19050" cap="flat" cmpd="sng" algn="ctr">
+          <a:solidFill>
+            <a:schemeClr val="phClr"/>
+          </a:solidFill>
+          <a:prstDash val="solid"/>
+          <a:miter lim="800000"/>
+        </a:ln>
+      </a:lnStyleLst>
+      <a:effectStyleLst>
+        <a:effectStyle>
+          <a:effectLst/>
+        </a:effectStyle>
+        <a:effectStyle>
+          <a:effectLst/>
+        </a:effectStyle>
+        <a:effectStyle>
+          <a:effectLst>
+            <a:outerShdw blurRad="57150" dist="19050" dir="5400000" algn="ctr" rotWithShape="0">
+              <a:srgbClr val="000000">
+                <a:alpha val="63000"/>
+              </a:srgbClr>
+            </a:outerShdw>
+          </a:effectLst>
+        </a:effectStyle>
+      </a:effectStyleLst>
+      <a:bgFillStyleLst>
+        <a:solidFill>
+          <a:schemeClr val="phClr"/>
+        </a:solidFill>
+        <a:solidFill>
+          <a:schemeClr val="phClr">
+            <a:tint val="95000"/>
+            <a:satMod val="170000"/>
+          </a:schemeClr>
+        </a:solidFill>
+        <a:gradFill rotWithShape="1">
+          <a:gsLst>
+            <a:gs pos="0">
+              <a:schemeClr val="phClr">
+                <a:tint val="93000"/>
+                <a:satMod val="150000"/>
+                <a:shade val="98000"/>
+                <a:lumMod val="102000"/>
+              </a:schemeClr>
+            </a:gs>
+            <a:gs pos="50000">
+              <a:schemeClr val="phClr">
+                <a:tint val="98000"/>
+                <a:satMod val="130000"/>
+                <a:shade val="90000"/>
+                <a:lumMod val="103000"/>
+              </a:schemeClr>
+            </a:gs>
+            <a:gs pos="100000">
+              <a:schemeClr val="phClr">
+                <a:shade val="63000"/>
+                <a:satMod val="120000"/>
+              </a:schemeClr>
+            </a:gs>
+          </a:gsLst>
+          <a:lin ang="5400000" scaled="0"/>
+        </a:gradFill>
+      </a:bgFillStyleLst>
+    </a:fmtScheme>
+  </a:themeElements>
+  <a:objectDefaults/>
+  <a:extraClrSchemeLst/>
+  <a:extLst>
+    <a:ext uri="{05A4C25C-085E-4340-85A3-A5531E510DB2}">
+      <thm15:themeFamily xmlns:thm15="http://schemas.microsoft.com/office/thememl/2012/main" name="Office Theme" id="{62F939B6-93AF-4DB8-9C6B-D6C7DFDC589F}" vid="{4A3C46E8-61CC-4603-A589-7422A47A8E4A}"/>
     </a:ext>
   </a:extLst>
 </a:theme>

--- a/Generalized Method of Cells (08-01-2014).pptx
+++ b/Generalized Method of Cells (08-01-2014).pptx
@@ -5,10 +5,10 @@
     <p:sldMasterId id="2147483648" r:id="rId1"/>
   </p:sldMasterIdLst>
   <p:notesMasterIdLst>
-    <p:notesMasterId r:id="rId11"/>
+    <p:notesMasterId r:id="rId15"/>
   </p:notesMasterIdLst>
   <p:handoutMasterIdLst>
-    <p:handoutMasterId r:id="rId12"/>
+    <p:handoutMasterId r:id="rId16"/>
   </p:handoutMasterIdLst>
   <p:sldIdLst>
     <p:sldId id="256" r:id="rId2"/>
@@ -20,6 +20,10 @@
     <p:sldId id="260" r:id="rId8"/>
     <p:sldId id="262" r:id="rId9"/>
     <p:sldId id="265" r:id="rId10"/>
+    <p:sldId id="266" r:id="rId11"/>
+    <p:sldId id="267" r:id="rId12"/>
+    <p:sldId id="268" r:id="rId13"/>
+    <p:sldId id="269" r:id="rId14"/>
   </p:sldIdLst>
   <p:sldSz cx="12192000" cy="6858000"/>
   <p:notesSz cx="6985000" cy="9283700"/>
@@ -3682,6 +3686,1898 @@
   <p:clrMapOvr>
     <a:masterClrMapping/>
   </p:clrMapOvr>
+  <p:timing>
+    <p:tnLst>
+      <p:par>
+        <p:cTn id="1" dur="indefinite" restart="never" nodeType="tmRoot"/>
+      </p:par>
+    </p:tnLst>
+  </p:timing>
+</p:sld>
+</file>
+
+<file path=ppt/slides/slide10.xml><?xml version="1.0" encoding="utf-8"?>
+<p:sld xmlns:a="http://schemas.openxmlformats.org/drawingml/2006/main" xmlns:r="http://schemas.openxmlformats.org/officeDocument/2006/relationships" xmlns:p="http://schemas.openxmlformats.org/presentationml/2006/main">
+  <p:cSld>
+    <p:spTree>
+      <p:nvGrpSpPr>
+        <p:cNvPr id="1" name=""/>
+        <p:cNvGrpSpPr/>
+        <p:nvPr/>
+      </p:nvGrpSpPr>
+      <p:grpSpPr>
+        <a:xfrm>
+          <a:off x="0" y="0"/>
+          <a:ext cx="0" cy="0"/>
+          <a:chOff x="0" y="0"/>
+          <a:chExt cx="0" cy="0"/>
+        </a:xfrm>
+      </p:grpSpPr>
+      <p:sp>
+        <p:nvSpPr>
+          <p:cNvPr id="2" name="Title 1"/>
+          <p:cNvSpPr>
+            <a:spLocks noGrp="1"/>
+          </p:cNvSpPr>
+          <p:nvPr>
+            <p:ph type="title"/>
+          </p:nvPr>
+        </p:nvSpPr>
+        <p:spPr/>
+        <p:txBody>
+          <a:bodyPr/>
+          <a:lstStyle/>
+          <a:p>
+            <a:r>
+              <a:rPr lang="en-US" b="1" dirty="0" smtClean="0"/>
+              <a:t>Test Case: Interphase Effects</a:t>
+            </a:r>
+            <a:endParaRPr lang="en-US" b="1" dirty="0"/>
+          </a:p>
+        </p:txBody>
+      </p:sp>
+      <p:sp>
+        <p:nvSpPr>
+          <p:cNvPr id="3" name="Content Placeholder 2"/>
+          <p:cNvSpPr>
+            <a:spLocks noGrp="1"/>
+          </p:cNvSpPr>
+          <p:nvPr>
+            <p:ph sz="half" idx="1"/>
+          </p:nvPr>
+        </p:nvSpPr>
+        <p:spPr/>
+        <p:txBody>
+          <a:bodyPr/>
+          <a:lstStyle/>
+          <a:p>
+            <a:r>
+              <a:rPr lang="en-US" dirty="0" smtClean="0"/>
+              <a:t>The interphase stiffness was changed to see its effect on the RUC stiffness</a:t>
+            </a:r>
+          </a:p>
+          <a:p>
+            <a:r>
+              <a:rPr lang="en-US" dirty="0" smtClean="0"/>
+              <a:t>Interphase thickness of 2% of the fiber radius was used</a:t>
+            </a:r>
+          </a:p>
+        </p:txBody>
+      </p:sp>
+      <p:graphicFrame>
+        <p:nvGraphicFramePr>
+          <p:cNvPr id="6" name="Content Placeholder 5"/>
+          <p:cNvGraphicFramePr>
+            <a:graphicFrameLocks noGrp="1"/>
+          </p:cNvGraphicFramePr>
+          <p:nvPr>
+            <p:ph sz="half" idx="2"/>
+            <p:extLst>
+              <p:ext uri="{D42A27DB-BD31-4B8C-83A1-F6EECF244321}">
+                <p14:modId xmlns:p14="http://schemas.microsoft.com/office/powerpoint/2010/main" val="1202123814"/>
+              </p:ext>
+            </p:extLst>
+          </p:nvPr>
+        </p:nvGraphicFramePr>
+        <p:xfrm>
+          <a:off x="1015314" y="4177269"/>
+          <a:ext cx="4454611" cy="1767701"/>
+        </p:xfrm>
+        <a:graphic>
+          <a:graphicData uri="http://schemas.openxmlformats.org/drawingml/2006/table">
+            <a:tbl>
+              <a:tblPr firstRow="1" firstCol="1" bandRow="1">
+                <a:tableStyleId>{5C22544A-7EE6-4342-B048-85BDC9FD1C3A}</a:tableStyleId>
+              </a:tblPr>
+              <a:tblGrid>
+                <a:gridCol w="788773"/>
+                <a:gridCol w="978772"/>
+                <a:gridCol w="1336061"/>
+                <a:gridCol w="1351005"/>
+              </a:tblGrid>
+              <a:tr h="626225">
+                <a:tc>
+                  <a:txBody>
+                    <a:bodyPr/>
+                    <a:lstStyle/>
+                    <a:p>
+                      <a:pPr marL="0" marR="0">
+                        <a:lnSpc>
+                          <a:spcPct val="107000"/>
+                        </a:lnSpc>
+                        <a:spcBef>
+                          <a:spcPts val="0"/>
+                        </a:spcBef>
+                        <a:spcAft>
+                          <a:spcPts val="0"/>
+                        </a:spcAft>
+                      </a:pPr>
+                      <a:r>
+                        <a:rPr lang="en-US" sz="1000" dirty="0">
+                          <a:effectLst/>
+                        </a:rPr>
+                        <a:t> </a:t>
+                      </a:r>
+                      <a:endParaRPr lang="en-US" sz="1000" dirty="0">
+                        <a:effectLst/>
+                        <a:latin typeface="Calibri" panose="020F0502020204030204" pitchFamily="34" charset="0"/>
+                        <a:ea typeface="Calibri" panose="020F0502020204030204" pitchFamily="34" charset="0"/>
+                        <a:cs typeface="Times New Roman" panose="02020603050405020304" pitchFamily="18" charset="0"/>
+                      </a:endParaRPr>
+                    </a:p>
+                  </a:txBody>
+                  <a:tcPr marL="59852" marR="59852" marT="0" marB="0"/>
+                </a:tc>
+                <a:tc>
+                  <a:txBody>
+                    <a:bodyPr/>
+                    <a:lstStyle/>
+                    <a:p>
+                      <a:pPr marL="0" marR="0">
+                        <a:lnSpc>
+                          <a:spcPct val="107000"/>
+                        </a:lnSpc>
+                        <a:spcBef>
+                          <a:spcPts val="0"/>
+                        </a:spcBef>
+                        <a:spcAft>
+                          <a:spcPts val="0"/>
+                        </a:spcAft>
+                      </a:pPr>
+                      <a:r>
+                        <a:rPr lang="en-US" sz="1000">
+                          <a:effectLst/>
+                        </a:rPr>
+                        <a:t>Hex Pack</a:t>
+                      </a:r>
+                      <a:endParaRPr lang="en-US" sz="1000">
+                        <a:effectLst/>
+                        <a:latin typeface="Calibri" panose="020F0502020204030204" pitchFamily="34" charset="0"/>
+                        <a:ea typeface="Calibri" panose="020F0502020204030204" pitchFamily="34" charset="0"/>
+                        <a:cs typeface="Times New Roman" panose="02020603050405020304" pitchFamily="18" charset="0"/>
+                      </a:endParaRPr>
+                    </a:p>
+                  </a:txBody>
+                  <a:tcPr marL="59852" marR="59852" marT="0" marB="0"/>
+                </a:tc>
+                <a:tc>
+                  <a:txBody>
+                    <a:bodyPr/>
+                    <a:lstStyle/>
+                    <a:p>
+                      <a:pPr marL="0" marR="0">
+                        <a:lnSpc>
+                          <a:spcPct val="107000"/>
+                        </a:lnSpc>
+                        <a:spcBef>
+                          <a:spcPts val="0"/>
+                        </a:spcBef>
+                        <a:spcAft>
+                          <a:spcPts val="0"/>
+                        </a:spcAft>
+                      </a:pPr>
+                      <a:r>
+                        <a:rPr lang="en-US" sz="1000" dirty="0">
+                          <a:effectLst/>
+                        </a:rPr>
+                        <a:t>Hex Pack with </a:t>
+                      </a:r>
+                      <a:r>
+                        <a:rPr lang="en-US" sz="1000" dirty="0" smtClean="0">
+                          <a:effectLst/>
+                        </a:rPr>
+                        <a:t>Interphase (0.33 </a:t>
+                      </a:r>
+                      <a:r>
+                        <a:rPr lang="en-US" sz="1000" dirty="0" err="1" smtClean="0">
+                          <a:effectLst/>
+                        </a:rPr>
+                        <a:t>GPa</a:t>
+                      </a:r>
+                      <a:r>
+                        <a:rPr lang="en-US" sz="1000" dirty="0" smtClean="0">
+                          <a:effectLst/>
+                        </a:rPr>
+                        <a:t>)</a:t>
+                      </a:r>
+                      <a:endParaRPr lang="en-US" sz="1000" dirty="0">
+                        <a:effectLst/>
+                        <a:latin typeface="Calibri" panose="020F0502020204030204" pitchFamily="34" charset="0"/>
+                        <a:ea typeface="Calibri" panose="020F0502020204030204" pitchFamily="34" charset="0"/>
+                        <a:cs typeface="Times New Roman" panose="02020603050405020304" pitchFamily="18" charset="0"/>
+                      </a:endParaRPr>
+                    </a:p>
+                  </a:txBody>
+                  <a:tcPr marL="59852" marR="59852" marT="0" marB="0"/>
+                </a:tc>
+                <a:tc>
+                  <a:txBody>
+                    <a:bodyPr/>
+                    <a:lstStyle/>
+                    <a:p>
+                      <a:pPr marL="0" marR="0">
+                        <a:lnSpc>
+                          <a:spcPct val="107000"/>
+                        </a:lnSpc>
+                        <a:spcBef>
+                          <a:spcPts val="0"/>
+                        </a:spcBef>
+                        <a:spcAft>
+                          <a:spcPts val="0"/>
+                        </a:spcAft>
+                      </a:pPr>
+                      <a:r>
+                        <a:rPr lang="en-US" sz="1000" dirty="0">
+                          <a:effectLst/>
+                        </a:rPr>
+                        <a:t>Hex pack </a:t>
+                      </a:r>
+                      <a:r>
+                        <a:rPr lang="en-US" sz="1000" dirty="0" smtClean="0">
+                          <a:effectLst/>
+                        </a:rPr>
+                        <a:t>with </a:t>
+                      </a:r>
+                      <a:r>
+                        <a:rPr lang="en-US" sz="1000" dirty="0">
+                          <a:effectLst/>
+                        </a:rPr>
+                        <a:t>interphase (100 </a:t>
+                      </a:r>
+                      <a:r>
+                        <a:rPr lang="en-US" sz="1000" dirty="0" err="1">
+                          <a:effectLst/>
+                        </a:rPr>
+                        <a:t>GPa</a:t>
+                      </a:r>
+                      <a:r>
+                        <a:rPr lang="en-US" sz="1000" dirty="0">
+                          <a:effectLst/>
+                        </a:rPr>
+                        <a:t>)</a:t>
+                      </a:r>
+                      <a:endParaRPr lang="en-US" sz="1000" dirty="0">
+                        <a:effectLst/>
+                        <a:latin typeface="Calibri" panose="020F0502020204030204" pitchFamily="34" charset="0"/>
+                        <a:ea typeface="Calibri" panose="020F0502020204030204" pitchFamily="34" charset="0"/>
+                        <a:cs typeface="Times New Roman" panose="02020603050405020304" pitchFamily="18" charset="0"/>
+                      </a:endParaRPr>
+                    </a:p>
+                  </a:txBody>
+                  <a:tcPr marL="59852" marR="59852" marT="0" marB="0"/>
+                </a:tc>
+              </a:tr>
+              <a:tr h="156557">
+                <a:tc>
+                  <a:txBody>
+                    <a:bodyPr/>
+                    <a:lstStyle/>
+                    <a:p>
+                      <a:pPr marL="0" marR="0">
+                        <a:lnSpc>
+                          <a:spcPct val="107000"/>
+                        </a:lnSpc>
+                        <a:spcBef>
+                          <a:spcPts val="0"/>
+                        </a:spcBef>
+                        <a:spcAft>
+                          <a:spcPts val="0"/>
+                        </a:spcAft>
+                      </a:pPr>
+                      <a:r>
+                        <a:rPr lang="en-US" sz="1000" dirty="0" smtClean="0">
+                          <a:effectLst/>
+                        </a:rPr>
+                        <a:t>E11 (</a:t>
+                      </a:r>
+                      <a:r>
+                        <a:rPr lang="en-US" sz="1000" dirty="0" err="1" smtClean="0">
+                          <a:effectLst/>
+                        </a:rPr>
+                        <a:t>GPa</a:t>
+                      </a:r>
+                      <a:r>
+                        <a:rPr lang="en-US" sz="1000" dirty="0" smtClean="0">
+                          <a:effectLst/>
+                        </a:rPr>
+                        <a:t>)</a:t>
+                      </a:r>
+                      <a:endParaRPr lang="en-US" sz="1000" dirty="0">
+                        <a:effectLst/>
+                        <a:latin typeface="Calibri" panose="020F0502020204030204" pitchFamily="34" charset="0"/>
+                        <a:ea typeface="Calibri" panose="020F0502020204030204" pitchFamily="34" charset="0"/>
+                        <a:cs typeface="Times New Roman" panose="02020603050405020304" pitchFamily="18" charset="0"/>
+                      </a:endParaRPr>
+                    </a:p>
+                  </a:txBody>
+                  <a:tcPr marL="59852" marR="59852" marT="0" marB="0"/>
+                </a:tc>
+                <a:tc>
+                  <a:txBody>
+                    <a:bodyPr/>
+                    <a:lstStyle/>
+                    <a:p>
+                      <a:pPr marL="0" marR="0" algn="ctr">
+                        <a:lnSpc>
+                          <a:spcPct val="107000"/>
+                        </a:lnSpc>
+                        <a:spcBef>
+                          <a:spcPts val="0"/>
+                        </a:spcBef>
+                        <a:spcAft>
+                          <a:spcPts val="0"/>
+                        </a:spcAft>
+                      </a:pPr>
+                      <a:r>
+                        <a:rPr lang="en-US" sz="1000" dirty="0" smtClean="0">
+                          <a:effectLst/>
+                        </a:rPr>
+                        <a:t>124.20</a:t>
+                      </a:r>
+                      <a:endParaRPr lang="en-US" sz="1000" dirty="0">
+                        <a:effectLst/>
+                        <a:latin typeface="Calibri" panose="020F0502020204030204" pitchFamily="34" charset="0"/>
+                        <a:ea typeface="Calibri" panose="020F0502020204030204" pitchFamily="34" charset="0"/>
+                        <a:cs typeface="Times New Roman" panose="02020603050405020304" pitchFamily="18" charset="0"/>
+                      </a:endParaRPr>
+                    </a:p>
+                  </a:txBody>
+                  <a:tcPr marL="59852" marR="59852" marT="0" marB="0"/>
+                </a:tc>
+                <a:tc>
+                  <a:txBody>
+                    <a:bodyPr/>
+                    <a:lstStyle/>
+                    <a:p>
+                      <a:pPr marL="0" marR="0" algn="ctr">
+                        <a:lnSpc>
+                          <a:spcPct val="107000"/>
+                        </a:lnSpc>
+                        <a:spcBef>
+                          <a:spcPts val="0"/>
+                        </a:spcBef>
+                        <a:spcAft>
+                          <a:spcPts val="0"/>
+                        </a:spcAft>
+                      </a:pPr>
+                      <a:r>
+                        <a:rPr lang="en-US" sz="1000" dirty="0" smtClean="0">
+                          <a:effectLst/>
+                        </a:rPr>
+                        <a:t>124.16</a:t>
+                      </a:r>
+                      <a:endParaRPr lang="en-US" sz="1000" dirty="0">
+                        <a:effectLst/>
+                        <a:latin typeface="Calibri" panose="020F0502020204030204" pitchFamily="34" charset="0"/>
+                        <a:ea typeface="Calibri" panose="020F0502020204030204" pitchFamily="34" charset="0"/>
+                        <a:cs typeface="Times New Roman" panose="02020603050405020304" pitchFamily="18" charset="0"/>
+                      </a:endParaRPr>
+                    </a:p>
+                  </a:txBody>
+                  <a:tcPr marL="59852" marR="59852" marT="0" marB="0"/>
+                </a:tc>
+                <a:tc>
+                  <a:txBody>
+                    <a:bodyPr/>
+                    <a:lstStyle/>
+                    <a:p>
+                      <a:pPr marL="0" marR="0" algn="ctr">
+                        <a:lnSpc>
+                          <a:spcPct val="107000"/>
+                        </a:lnSpc>
+                        <a:spcBef>
+                          <a:spcPts val="0"/>
+                        </a:spcBef>
+                        <a:spcAft>
+                          <a:spcPts val="0"/>
+                        </a:spcAft>
+                      </a:pPr>
+                      <a:r>
+                        <a:rPr lang="en-US" sz="1000" dirty="0" smtClean="0">
+                          <a:effectLst/>
+                        </a:rPr>
+                        <a:t>126.64</a:t>
+                      </a:r>
+                      <a:endParaRPr lang="en-US" sz="1000" dirty="0">
+                        <a:effectLst/>
+                        <a:latin typeface="Calibri" panose="020F0502020204030204" pitchFamily="34" charset="0"/>
+                        <a:ea typeface="Calibri" panose="020F0502020204030204" pitchFamily="34" charset="0"/>
+                        <a:cs typeface="Times New Roman" panose="02020603050405020304" pitchFamily="18" charset="0"/>
+                      </a:endParaRPr>
+                    </a:p>
+                  </a:txBody>
+                  <a:tcPr marL="59852" marR="59852" marT="0" marB="0"/>
+                </a:tc>
+              </a:tr>
+              <a:tr h="156557">
+                <a:tc>
+                  <a:txBody>
+                    <a:bodyPr/>
+                    <a:lstStyle/>
+                    <a:p>
+                      <a:pPr marL="0" marR="0">
+                        <a:lnSpc>
+                          <a:spcPct val="107000"/>
+                        </a:lnSpc>
+                        <a:spcBef>
+                          <a:spcPts val="0"/>
+                        </a:spcBef>
+                        <a:spcAft>
+                          <a:spcPts val="0"/>
+                        </a:spcAft>
+                      </a:pPr>
+                      <a:r>
+                        <a:rPr lang="en-US" sz="1000" dirty="0">
+                          <a:effectLst/>
+                        </a:rPr>
+                        <a:t>v12</a:t>
+                      </a:r>
+                      <a:endParaRPr lang="en-US" sz="1000" dirty="0">
+                        <a:effectLst/>
+                        <a:latin typeface="Calibri" panose="020F0502020204030204" pitchFamily="34" charset="0"/>
+                        <a:ea typeface="Calibri" panose="020F0502020204030204" pitchFamily="34" charset="0"/>
+                        <a:cs typeface="Times New Roman" panose="02020603050405020304" pitchFamily="18" charset="0"/>
+                      </a:endParaRPr>
+                    </a:p>
+                  </a:txBody>
+                  <a:tcPr marL="59852" marR="59852" marT="0" marB="0"/>
+                </a:tc>
+                <a:tc>
+                  <a:txBody>
+                    <a:bodyPr/>
+                    <a:lstStyle/>
+                    <a:p>
+                      <a:pPr marL="0" marR="0" algn="ctr">
+                        <a:lnSpc>
+                          <a:spcPct val="107000"/>
+                        </a:lnSpc>
+                        <a:spcBef>
+                          <a:spcPts val="0"/>
+                        </a:spcBef>
+                        <a:spcAft>
+                          <a:spcPts val="0"/>
+                        </a:spcAft>
+                      </a:pPr>
+                      <a:r>
+                        <a:rPr lang="en-US" sz="1000" dirty="0" smtClean="0">
+                          <a:effectLst/>
+                        </a:rPr>
+                        <a:t>0.3196</a:t>
+                      </a:r>
+                      <a:endParaRPr lang="en-US" sz="1000" dirty="0">
+                        <a:effectLst/>
+                        <a:latin typeface="Calibri" panose="020F0502020204030204" pitchFamily="34" charset="0"/>
+                        <a:ea typeface="Calibri" panose="020F0502020204030204" pitchFamily="34" charset="0"/>
+                        <a:cs typeface="Times New Roman" panose="02020603050405020304" pitchFamily="18" charset="0"/>
+                      </a:endParaRPr>
+                    </a:p>
+                  </a:txBody>
+                  <a:tcPr marL="59852" marR="59852" marT="0" marB="0"/>
+                </a:tc>
+                <a:tc>
+                  <a:txBody>
+                    <a:bodyPr/>
+                    <a:lstStyle/>
+                    <a:p>
+                      <a:pPr marL="0" marR="0" algn="ctr">
+                        <a:lnSpc>
+                          <a:spcPct val="107000"/>
+                        </a:lnSpc>
+                        <a:spcBef>
+                          <a:spcPts val="0"/>
+                        </a:spcBef>
+                        <a:spcAft>
+                          <a:spcPts val="0"/>
+                        </a:spcAft>
+                      </a:pPr>
+                      <a:r>
+                        <a:rPr lang="en-US" sz="1000" dirty="0">
+                          <a:effectLst/>
+                        </a:rPr>
+                        <a:t>0.3196</a:t>
+                      </a:r>
+                      <a:endParaRPr lang="en-US" sz="1000" dirty="0">
+                        <a:effectLst/>
+                        <a:latin typeface="Calibri" panose="020F0502020204030204" pitchFamily="34" charset="0"/>
+                        <a:ea typeface="Calibri" panose="020F0502020204030204" pitchFamily="34" charset="0"/>
+                        <a:cs typeface="Times New Roman" panose="02020603050405020304" pitchFamily="18" charset="0"/>
+                      </a:endParaRPr>
+                    </a:p>
+                  </a:txBody>
+                  <a:tcPr marL="59852" marR="59852" marT="0" marB="0"/>
+                </a:tc>
+                <a:tc>
+                  <a:txBody>
+                    <a:bodyPr/>
+                    <a:lstStyle/>
+                    <a:p>
+                      <a:pPr marL="0" marR="0" algn="ctr">
+                        <a:lnSpc>
+                          <a:spcPct val="107000"/>
+                        </a:lnSpc>
+                        <a:spcBef>
+                          <a:spcPts val="0"/>
+                        </a:spcBef>
+                        <a:spcAft>
+                          <a:spcPts val="0"/>
+                        </a:spcAft>
+                      </a:pPr>
+                      <a:r>
+                        <a:rPr lang="en-US" sz="1000">
+                          <a:effectLst/>
+                        </a:rPr>
+                        <a:t>0.3196</a:t>
+                      </a:r>
+                      <a:endParaRPr lang="en-US" sz="1000">
+                        <a:effectLst/>
+                        <a:latin typeface="Calibri" panose="020F0502020204030204" pitchFamily="34" charset="0"/>
+                        <a:ea typeface="Calibri" panose="020F0502020204030204" pitchFamily="34" charset="0"/>
+                        <a:cs typeface="Times New Roman" panose="02020603050405020304" pitchFamily="18" charset="0"/>
+                      </a:endParaRPr>
+                    </a:p>
+                  </a:txBody>
+                  <a:tcPr marL="59852" marR="59852" marT="0" marB="0"/>
+                </a:tc>
+              </a:tr>
+              <a:tr h="156557">
+                <a:tc>
+                  <a:txBody>
+                    <a:bodyPr/>
+                    <a:lstStyle/>
+                    <a:p>
+                      <a:pPr marL="0" marR="0">
+                        <a:lnSpc>
+                          <a:spcPct val="107000"/>
+                        </a:lnSpc>
+                        <a:spcBef>
+                          <a:spcPts val="0"/>
+                        </a:spcBef>
+                        <a:spcAft>
+                          <a:spcPts val="0"/>
+                        </a:spcAft>
+                      </a:pPr>
+                      <a:r>
+                        <a:rPr lang="en-US" sz="1000" dirty="0" smtClean="0">
+                          <a:effectLst/>
+                        </a:rPr>
+                        <a:t>G12 (</a:t>
+                      </a:r>
+                      <a:r>
+                        <a:rPr lang="en-US" sz="1000" dirty="0" err="1" smtClean="0">
+                          <a:effectLst/>
+                        </a:rPr>
+                        <a:t>GPa</a:t>
+                      </a:r>
+                      <a:r>
+                        <a:rPr lang="en-US" sz="1000" dirty="0" smtClean="0">
+                          <a:effectLst/>
+                        </a:rPr>
+                        <a:t>)</a:t>
+                      </a:r>
+                      <a:endParaRPr lang="en-US" sz="1000" dirty="0">
+                        <a:effectLst/>
+                        <a:latin typeface="Calibri" panose="020F0502020204030204" pitchFamily="34" charset="0"/>
+                        <a:ea typeface="Calibri" panose="020F0502020204030204" pitchFamily="34" charset="0"/>
+                        <a:cs typeface="Times New Roman" panose="02020603050405020304" pitchFamily="18" charset="0"/>
+                      </a:endParaRPr>
+                    </a:p>
+                  </a:txBody>
+                  <a:tcPr marL="59852" marR="59852" marT="0" marB="0"/>
+                </a:tc>
+                <a:tc>
+                  <a:txBody>
+                    <a:bodyPr/>
+                    <a:lstStyle/>
+                    <a:p>
+                      <a:pPr marL="0" marR="0" algn="ctr">
+                        <a:lnSpc>
+                          <a:spcPct val="107000"/>
+                        </a:lnSpc>
+                        <a:spcBef>
+                          <a:spcPts val="0"/>
+                        </a:spcBef>
+                        <a:spcAft>
+                          <a:spcPts val="0"/>
+                        </a:spcAft>
+                      </a:pPr>
+                      <a:r>
+                        <a:rPr lang="en-US" sz="1000" dirty="0" smtClean="0">
+                          <a:effectLst/>
+                        </a:rPr>
+                        <a:t>3.03</a:t>
+                      </a:r>
+                      <a:endParaRPr lang="en-US" sz="1000" dirty="0">
+                        <a:effectLst/>
+                        <a:latin typeface="Calibri" panose="020F0502020204030204" pitchFamily="34" charset="0"/>
+                        <a:ea typeface="Calibri" panose="020F0502020204030204" pitchFamily="34" charset="0"/>
+                        <a:cs typeface="Times New Roman" panose="02020603050405020304" pitchFamily="18" charset="0"/>
+                      </a:endParaRPr>
+                    </a:p>
+                  </a:txBody>
+                  <a:tcPr marL="59852" marR="59852" marT="0" marB="0"/>
+                </a:tc>
+                <a:tc>
+                  <a:txBody>
+                    <a:bodyPr/>
+                    <a:lstStyle/>
+                    <a:p>
+                      <a:pPr marL="0" marR="0" algn="ctr">
+                        <a:lnSpc>
+                          <a:spcPct val="107000"/>
+                        </a:lnSpc>
+                        <a:spcBef>
+                          <a:spcPts val="0"/>
+                        </a:spcBef>
+                        <a:spcAft>
+                          <a:spcPts val="0"/>
+                        </a:spcAft>
+                      </a:pPr>
+                      <a:r>
+                        <a:rPr lang="en-US" sz="1000" dirty="0" smtClean="0">
+                          <a:effectLst/>
+                        </a:rPr>
+                        <a:t>2.18</a:t>
+                      </a:r>
+                      <a:endParaRPr lang="en-US" sz="1000" dirty="0">
+                        <a:effectLst/>
+                        <a:latin typeface="Calibri" panose="020F0502020204030204" pitchFamily="34" charset="0"/>
+                        <a:ea typeface="Calibri" panose="020F0502020204030204" pitchFamily="34" charset="0"/>
+                        <a:cs typeface="Times New Roman" panose="02020603050405020304" pitchFamily="18" charset="0"/>
+                      </a:endParaRPr>
+                    </a:p>
+                  </a:txBody>
+                  <a:tcPr marL="59852" marR="59852" marT="0" marB="0"/>
+                </a:tc>
+                <a:tc>
+                  <a:txBody>
+                    <a:bodyPr/>
+                    <a:lstStyle/>
+                    <a:p>
+                      <a:pPr marL="0" marR="0" algn="ctr">
+                        <a:lnSpc>
+                          <a:spcPct val="107000"/>
+                        </a:lnSpc>
+                        <a:spcBef>
+                          <a:spcPts val="0"/>
+                        </a:spcBef>
+                        <a:spcAft>
+                          <a:spcPts val="0"/>
+                        </a:spcAft>
+                      </a:pPr>
+                      <a:r>
+                        <a:rPr lang="en-US" sz="1000" dirty="0" smtClean="0">
+                          <a:effectLst/>
+                        </a:rPr>
+                        <a:t>3.22</a:t>
+                      </a:r>
+                      <a:endParaRPr lang="en-US" sz="1000" dirty="0">
+                        <a:effectLst/>
+                        <a:latin typeface="Calibri" panose="020F0502020204030204" pitchFamily="34" charset="0"/>
+                        <a:ea typeface="Calibri" panose="020F0502020204030204" pitchFamily="34" charset="0"/>
+                        <a:cs typeface="Times New Roman" panose="02020603050405020304" pitchFamily="18" charset="0"/>
+                      </a:endParaRPr>
+                    </a:p>
+                  </a:txBody>
+                  <a:tcPr marL="59852" marR="59852" marT="0" marB="0"/>
+                </a:tc>
+              </a:tr>
+              <a:tr h="156557">
+                <a:tc>
+                  <a:txBody>
+                    <a:bodyPr/>
+                    <a:lstStyle/>
+                    <a:p>
+                      <a:pPr marL="0" marR="0">
+                        <a:lnSpc>
+                          <a:spcPct val="107000"/>
+                        </a:lnSpc>
+                        <a:spcBef>
+                          <a:spcPts val="0"/>
+                        </a:spcBef>
+                        <a:spcAft>
+                          <a:spcPts val="0"/>
+                        </a:spcAft>
+                      </a:pPr>
+                      <a:r>
+                        <a:rPr lang="en-US" sz="1000" dirty="0" smtClean="0">
+                          <a:effectLst/>
+                        </a:rPr>
+                        <a:t>K23 (</a:t>
+                      </a:r>
+                      <a:r>
+                        <a:rPr lang="en-US" sz="1000" dirty="0" err="1" smtClean="0">
+                          <a:effectLst/>
+                        </a:rPr>
+                        <a:t>GPa</a:t>
+                      </a:r>
+                      <a:r>
+                        <a:rPr lang="en-US" sz="1000" dirty="0" smtClean="0">
+                          <a:effectLst/>
+                        </a:rPr>
+                        <a:t>)</a:t>
+                      </a:r>
+                      <a:endParaRPr lang="en-US" sz="1000" dirty="0">
+                        <a:effectLst/>
+                        <a:latin typeface="Calibri" panose="020F0502020204030204" pitchFamily="34" charset="0"/>
+                        <a:ea typeface="Calibri" panose="020F0502020204030204" pitchFamily="34" charset="0"/>
+                        <a:cs typeface="Times New Roman" panose="02020603050405020304" pitchFamily="18" charset="0"/>
+                      </a:endParaRPr>
+                    </a:p>
+                  </a:txBody>
+                  <a:tcPr marL="59852" marR="59852" marT="0" marB="0"/>
+                </a:tc>
+                <a:tc>
+                  <a:txBody>
+                    <a:bodyPr/>
+                    <a:lstStyle/>
+                    <a:p>
+                      <a:pPr marL="0" marR="0" algn="ctr">
+                        <a:lnSpc>
+                          <a:spcPct val="107000"/>
+                        </a:lnSpc>
+                        <a:spcBef>
+                          <a:spcPts val="0"/>
+                        </a:spcBef>
+                        <a:spcAft>
+                          <a:spcPts val="0"/>
+                        </a:spcAft>
+                      </a:pPr>
+                      <a:r>
+                        <a:rPr lang="en-US" sz="1000" dirty="0" smtClean="0">
+                          <a:effectLst/>
+                        </a:rPr>
+                        <a:t>6.64</a:t>
+                      </a:r>
+                      <a:endParaRPr lang="en-US" sz="1000" dirty="0">
+                        <a:effectLst/>
+                        <a:latin typeface="Calibri" panose="020F0502020204030204" pitchFamily="34" charset="0"/>
+                        <a:ea typeface="Calibri" panose="020F0502020204030204" pitchFamily="34" charset="0"/>
+                        <a:cs typeface="Times New Roman" panose="02020603050405020304" pitchFamily="18" charset="0"/>
+                      </a:endParaRPr>
+                    </a:p>
+                  </a:txBody>
+                  <a:tcPr marL="59852" marR="59852" marT="0" marB="0"/>
+                </a:tc>
+                <a:tc>
+                  <a:txBody>
+                    <a:bodyPr/>
+                    <a:lstStyle/>
+                    <a:p>
+                      <a:pPr marL="0" marR="0" algn="ctr">
+                        <a:lnSpc>
+                          <a:spcPct val="107000"/>
+                        </a:lnSpc>
+                        <a:spcBef>
+                          <a:spcPts val="0"/>
+                        </a:spcBef>
+                        <a:spcAft>
+                          <a:spcPts val="0"/>
+                        </a:spcAft>
+                      </a:pPr>
+                      <a:r>
+                        <a:rPr lang="en-US" sz="1000" dirty="0" smtClean="0">
+                          <a:effectLst/>
+                        </a:rPr>
+                        <a:t>4.87</a:t>
+                      </a:r>
+                      <a:endParaRPr lang="en-US" sz="1000" dirty="0">
+                        <a:effectLst/>
+                        <a:latin typeface="Calibri" panose="020F0502020204030204" pitchFamily="34" charset="0"/>
+                        <a:ea typeface="Calibri" panose="020F0502020204030204" pitchFamily="34" charset="0"/>
+                        <a:cs typeface="Times New Roman" panose="02020603050405020304" pitchFamily="18" charset="0"/>
+                      </a:endParaRPr>
+                    </a:p>
+                  </a:txBody>
+                  <a:tcPr marL="59852" marR="59852" marT="0" marB="0"/>
+                </a:tc>
+                <a:tc>
+                  <a:txBody>
+                    <a:bodyPr/>
+                    <a:lstStyle/>
+                    <a:p>
+                      <a:pPr marL="0" marR="0" algn="ctr">
+                        <a:lnSpc>
+                          <a:spcPct val="107000"/>
+                        </a:lnSpc>
+                        <a:spcBef>
+                          <a:spcPts val="0"/>
+                        </a:spcBef>
+                        <a:spcAft>
+                          <a:spcPts val="0"/>
+                        </a:spcAft>
+                      </a:pPr>
+                      <a:r>
+                        <a:rPr lang="en-US" sz="1000" dirty="0" smtClean="0">
+                          <a:effectLst/>
+                        </a:rPr>
+                        <a:t>6.96</a:t>
+                      </a:r>
+                      <a:endParaRPr lang="en-US" sz="1000" dirty="0">
+                        <a:effectLst/>
+                        <a:latin typeface="Calibri" panose="020F0502020204030204" pitchFamily="34" charset="0"/>
+                        <a:ea typeface="Calibri" panose="020F0502020204030204" pitchFamily="34" charset="0"/>
+                        <a:cs typeface="Times New Roman" panose="02020603050405020304" pitchFamily="18" charset="0"/>
+                      </a:endParaRPr>
+                    </a:p>
+                  </a:txBody>
+                  <a:tcPr marL="59852" marR="59852" marT="0" marB="0"/>
+                </a:tc>
+              </a:tr>
+              <a:tr h="156557">
+                <a:tc>
+                  <a:txBody>
+                    <a:bodyPr/>
+                    <a:lstStyle/>
+                    <a:p>
+                      <a:pPr marL="0" marR="0">
+                        <a:lnSpc>
+                          <a:spcPct val="107000"/>
+                        </a:lnSpc>
+                        <a:spcBef>
+                          <a:spcPts val="0"/>
+                        </a:spcBef>
+                        <a:spcAft>
+                          <a:spcPts val="0"/>
+                        </a:spcAft>
+                      </a:pPr>
+                      <a:r>
+                        <a:rPr lang="en-US" sz="1000" dirty="0" smtClean="0">
+                          <a:effectLst/>
+                        </a:rPr>
+                        <a:t>G23 (</a:t>
+                      </a:r>
+                      <a:r>
+                        <a:rPr lang="en-US" sz="1000" dirty="0" err="1" smtClean="0">
+                          <a:effectLst/>
+                        </a:rPr>
+                        <a:t>GPa</a:t>
+                      </a:r>
+                      <a:r>
+                        <a:rPr lang="en-US" sz="1000" dirty="0" smtClean="0">
+                          <a:effectLst/>
+                        </a:rPr>
+                        <a:t>)</a:t>
+                      </a:r>
+                      <a:endParaRPr lang="en-US" sz="1000" dirty="0">
+                        <a:effectLst/>
+                        <a:latin typeface="Calibri" panose="020F0502020204030204" pitchFamily="34" charset="0"/>
+                        <a:ea typeface="Calibri" panose="020F0502020204030204" pitchFamily="34" charset="0"/>
+                        <a:cs typeface="Times New Roman" panose="02020603050405020304" pitchFamily="18" charset="0"/>
+                      </a:endParaRPr>
+                    </a:p>
+                  </a:txBody>
+                  <a:tcPr marL="59852" marR="59852" marT="0" marB="0"/>
+                </a:tc>
+                <a:tc>
+                  <a:txBody>
+                    <a:bodyPr/>
+                    <a:lstStyle/>
+                    <a:p>
+                      <a:pPr marL="0" marR="0" algn="ctr">
+                        <a:lnSpc>
+                          <a:spcPct val="107000"/>
+                        </a:lnSpc>
+                        <a:spcBef>
+                          <a:spcPts val="0"/>
+                        </a:spcBef>
+                        <a:spcAft>
+                          <a:spcPts val="0"/>
+                        </a:spcAft>
+                      </a:pPr>
+                      <a:r>
+                        <a:rPr lang="en-US" sz="1000" dirty="0" smtClean="0">
+                          <a:effectLst/>
+                        </a:rPr>
+                        <a:t>2.94</a:t>
+                      </a:r>
+                      <a:endParaRPr lang="en-US" sz="1000" dirty="0">
+                        <a:effectLst/>
+                        <a:latin typeface="Calibri" panose="020F0502020204030204" pitchFamily="34" charset="0"/>
+                        <a:ea typeface="Calibri" panose="020F0502020204030204" pitchFamily="34" charset="0"/>
+                        <a:cs typeface="Times New Roman" panose="02020603050405020304" pitchFamily="18" charset="0"/>
+                      </a:endParaRPr>
+                    </a:p>
+                  </a:txBody>
+                  <a:tcPr marL="59852" marR="59852" marT="0" marB="0"/>
+                </a:tc>
+                <a:tc>
+                  <a:txBody>
+                    <a:bodyPr/>
+                    <a:lstStyle/>
+                    <a:p>
+                      <a:pPr marL="0" marR="0" algn="ctr">
+                        <a:lnSpc>
+                          <a:spcPct val="107000"/>
+                        </a:lnSpc>
+                        <a:spcBef>
+                          <a:spcPts val="0"/>
+                        </a:spcBef>
+                        <a:spcAft>
+                          <a:spcPts val="0"/>
+                        </a:spcAft>
+                      </a:pPr>
+                      <a:r>
+                        <a:rPr lang="en-US" sz="1000" dirty="0" smtClean="0">
+                          <a:effectLst/>
+                        </a:rPr>
+                        <a:t>2.28</a:t>
+                      </a:r>
+                      <a:endParaRPr lang="en-US" sz="1000" dirty="0">
+                        <a:effectLst/>
+                        <a:latin typeface="Calibri" panose="020F0502020204030204" pitchFamily="34" charset="0"/>
+                        <a:ea typeface="Calibri" panose="020F0502020204030204" pitchFamily="34" charset="0"/>
+                        <a:cs typeface="Times New Roman" panose="02020603050405020304" pitchFamily="18" charset="0"/>
+                      </a:endParaRPr>
+                    </a:p>
+                  </a:txBody>
+                  <a:tcPr marL="59852" marR="59852" marT="0" marB="0"/>
+                </a:tc>
+                <a:tc>
+                  <a:txBody>
+                    <a:bodyPr/>
+                    <a:lstStyle/>
+                    <a:p>
+                      <a:pPr marL="0" marR="0" algn="ctr">
+                        <a:lnSpc>
+                          <a:spcPct val="107000"/>
+                        </a:lnSpc>
+                        <a:spcBef>
+                          <a:spcPts val="0"/>
+                        </a:spcBef>
+                        <a:spcAft>
+                          <a:spcPts val="0"/>
+                        </a:spcAft>
+                      </a:pPr>
+                      <a:r>
+                        <a:rPr lang="en-US" sz="1000" dirty="0" smtClean="0">
+                          <a:effectLst/>
+                        </a:rPr>
+                        <a:t>3.12</a:t>
+                      </a:r>
+                      <a:endParaRPr lang="en-US" sz="1000" dirty="0">
+                        <a:effectLst/>
+                        <a:latin typeface="Calibri" panose="020F0502020204030204" pitchFamily="34" charset="0"/>
+                        <a:ea typeface="Calibri" panose="020F0502020204030204" pitchFamily="34" charset="0"/>
+                        <a:cs typeface="Times New Roman" panose="02020603050405020304" pitchFamily="18" charset="0"/>
+                      </a:endParaRPr>
+                    </a:p>
+                  </a:txBody>
+                  <a:tcPr marL="59852" marR="59852" marT="0" marB="0"/>
+                </a:tc>
+              </a:tr>
+              <a:tr h="156557">
+                <a:tc>
+                  <a:txBody>
+                    <a:bodyPr/>
+                    <a:lstStyle/>
+                    <a:p>
+                      <a:pPr marL="0" marR="0">
+                        <a:lnSpc>
+                          <a:spcPct val="107000"/>
+                        </a:lnSpc>
+                        <a:spcBef>
+                          <a:spcPts val="0"/>
+                        </a:spcBef>
+                        <a:spcAft>
+                          <a:spcPts val="0"/>
+                        </a:spcAft>
+                      </a:pPr>
+                      <a:r>
+                        <a:rPr lang="en-US" sz="1000" dirty="0" smtClean="0">
+                          <a:effectLst/>
+                        </a:rPr>
+                        <a:t>E22 (</a:t>
+                      </a:r>
+                      <a:r>
+                        <a:rPr lang="en-US" sz="1000" dirty="0" err="1" smtClean="0">
+                          <a:effectLst/>
+                        </a:rPr>
+                        <a:t>GPa</a:t>
+                      </a:r>
+                      <a:r>
+                        <a:rPr lang="en-US" sz="1000" dirty="0" smtClean="0">
+                          <a:effectLst/>
+                        </a:rPr>
+                        <a:t>)</a:t>
+                      </a:r>
+                      <a:endParaRPr lang="en-US" sz="1000" dirty="0">
+                        <a:effectLst/>
+                        <a:latin typeface="Calibri" panose="020F0502020204030204" pitchFamily="34" charset="0"/>
+                        <a:ea typeface="Calibri" panose="020F0502020204030204" pitchFamily="34" charset="0"/>
+                        <a:cs typeface="Times New Roman" panose="02020603050405020304" pitchFamily="18" charset="0"/>
+                      </a:endParaRPr>
+                    </a:p>
+                  </a:txBody>
+                  <a:tcPr marL="59852" marR="59852" marT="0" marB="0"/>
+                </a:tc>
+                <a:tc>
+                  <a:txBody>
+                    <a:bodyPr/>
+                    <a:lstStyle/>
+                    <a:p>
+                      <a:pPr marL="0" marR="0" algn="ctr">
+                        <a:lnSpc>
+                          <a:spcPct val="107000"/>
+                        </a:lnSpc>
+                        <a:spcBef>
+                          <a:spcPts val="0"/>
+                        </a:spcBef>
+                        <a:spcAft>
+                          <a:spcPts val="0"/>
+                        </a:spcAft>
+                      </a:pPr>
+                      <a:r>
+                        <a:rPr lang="en-US" sz="1000" dirty="0" smtClean="0">
+                          <a:effectLst/>
+                        </a:rPr>
+                        <a:t>8.11</a:t>
+                      </a:r>
+                      <a:endParaRPr lang="en-US" sz="1000" dirty="0">
+                        <a:effectLst/>
+                        <a:latin typeface="Calibri" panose="020F0502020204030204" pitchFamily="34" charset="0"/>
+                        <a:ea typeface="Calibri" panose="020F0502020204030204" pitchFamily="34" charset="0"/>
+                        <a:cs typeface="Times New Roman" panose="02020603050405020304" pitchFamily="18" charset="0"/>
+                      </a:endParaRPr>
+                    </a:p>
+                  </a:txBody>
+                  <a:tcPr marL="59852" marR="59852" marT="0" marB="0"/>
+                </a:tc>
+                <a:tc>
+                  <a:txBody>
+                    <a:bodyPr/>
+                    <a:lstStyle/>
+                    <a:p>
+                      <a:pPr marL="0" marR="0" algn="ctr">
+                        <a:lnSpc>
+                          <a:spcPct val="107000"/>
+                        </a:lnSpc>
+                        <a:spcBef>
+                          <a:spcPts val="0"/>
+                        </a:spcBef>
+                        <a:spcAft>
+                          <a:spcPts val="0"/>
+                        </a:spcAft>
+                      </a:pPr>
+                      <a:r>
+                        <a:rPr lang="en-US" sz="1000" dirty="0" smtClean="0">
+                          <a:effectLst/>
+                        </a:rPr>
+                        <a:t>6.18</a:t>
+                      </a:r>
+                      <a:endParaRPr lang="en-US" sz="1000" dirty="0">
+                        <a:effectLst/>
+                        <a:latin typeface="Calibri" panose="020F0502020204030204" pitchFamily="34" charset="0"/>
+                        <a:ea typeface="Calibri" panose="020F0502020204030204" pitchFamily="34" charset="0"/>
+                        <a:cs typeface="Times New Roman" panose="02020603050405020304" pitchFamily="18" charset="0"/>
+                      </a:endParaRPr>
+                    </a:p>
+                  </a:txBody>
+                  <a:tcPr marL="59852" marR="59852" marT="0" marB="0"/>
+                </a:tc>
+                <a:tc>
+                  <a:txBody>
+                    <a:bodyPr/>
+                    <a:lstStyle/>
+                    <a:p>
+                      <a:pPr marL="0" marR="0" algn="ctr">
+                        <a:lnSpc>
+                          <a:spcPct val="107000"/>
+                        </a:lnSpc>
+                        <a:spcBef>
+                          <a:spcPts val="0"/>
+                        </a:spcBef>
+                        <a:spcAft>
+                          <a:spcPts val="0"/>
+                        </a:spcAft>
+                      </a:pPr>
+                      <a:r>
+                        <a:rPr lang="en-US" sz="1000" dirty="0" smtClean="0">
+                          <a:effectLst/>
+                        </a:rPr>
+                        <a:t>8.57</a:t>
+                      </a:r>
+                      <a:endParaRPr lang="en-US" sz="1000" dirty="0">
+                        <a:effectLst/>
+                        <a:latin typeface="Calibri" panose="020F0502020204030204" pitchFamily="34" charset="0"/>
+                        <a:ea typeface="Calibri" panose="020F0502020204030204" pitchFamily="34" charset="0"/>
+                        <a:cs typeface="Times New Roman" panose="02020603050405020304" pitchFamily="18" charset="0"/>
+                      </a:endParaRPr>
+                    </a:p>
+                  </a:txBody>
+                  <a:tcPr marL="59852" marR="59852" marT="0" marB="0"/>
+                </a:tc>
+              </a:tr>
+              <a:tr h="156557">
+                <a:tc>
+                  <a:txBody>
+                    <a:bodyPr/>
+                    <a:lstStyle/>
+                    <a:p>
+                      <a:pPr marL="0" marR="0">
+                        <a:lnSpc>
+                          <a:spcPct val="107000"/>
+                        </a:lnSpc>
+                        <a:spcBef>
+                          <a:spcPts val="0"/>
+                        </a:spcBef>
+                        <a:spcAft>
+                          <a:spcPts val="0"/>
+                        </a:spcAft>
+                      </a:pPr>
+                      <a:r>
+                        <a:rPr lang="en-US" sz="1000">
+                          <a:effectLst/>
+                        </a:rPr>
+                        <a:t>v23</a:t>
+                      </a:r>
+                      <a:endParaRPr lang="en-US" sz="1000">
+                        <a:effectLst/>
+                        <a:latin typeface="Calibri" panose="020F0502020204030204" pitchFamily="34" charset="0"/>
+                        <a:ea typeface="Calibri" panose="020F0502020204030204" pitchFamily="34" charset="0"/>
+                        <a:cs typeface="Times New Roman" panose="02020603050405020304" pitchFamily="18" charset="0"/>
+                      </a:endParaRPr>
+                    </a:p>
+                  </a:txBody>
+                  <a:tcPr marL="59852" marR="59852" marT="0" marB="0"/>
+                </a:tc>
+                <a:tc>
+                  <a:txBody>
+                    <a:bodyPr/>
+                    <a:lstStyle/>
+                    <a:p>
+                      <a:pPr marL="0" marR="0" algn="ctr">
+                        <a:lnSpc>
+                          <a:spcPct val="107000"/>
+                        </a:lnSpc>
+                        <a:spcBef>
+                          <a:spcPts val="0"/>
+                        </a:spcBef>
+                        <a:spcAft>
+                          <a:spcPts val="0"/>
+                        </a:spcAft>
+                      </a:pPr>
+                      <a:r>
+                        <a:rPr lang="en-US" sz="1000" dirty="0" smtClean="0">
+                          <a:effectLst/>
+                        </a:rPr>
+                        <a:t>0.3759</a:t>
+                      </a:r>
+                      <a:endParaRPr lang="en-US" sz="1000" dirty="0">
+                        <a:effectLst/>
+                        <a:latin typeface="Calibri" panose="020F0502020204030204" pitchFamily="34" charset="0"/>
+                        <a:ea typeface="Calibri" panose="020F0502020204030204" pitchFamily="34" charset="0"/>
+                        <a:cs typeface="Times New Roman" panose="02020603050405020304" pitchFamily="18" charset="0"/>
+                      </a:endParaRPr>
+                    </a:p>
+                  </a:txBody>
+                  <a:tcPr marL="59852" marR="59852" marT="0" marB="0"/>
+                </a:tc>
+                <a:tc>
+                  <a:txBody>
+                    <a:bodyPr/>
+                    <a:lstStyle/>
+                    <a:p>
+                      <a:pPr marL="0" marR="0" algn="ctr">
+                        <a:lnSpc>
+                          <a:spcPct val="107000"/>
+                        </a:lnSpc>
+                        <a:spcBef>
+                          <a:spcPts val="0"/>
+                        </a:spcBef>
+                        <a:spcAft>
+                          <a:spcPts val="0"/>
+                        </a:spcAft>
+                      </a:pPr>
+                      <a:r>
+                        <a:rPr lang="en-US" sz="1000">
+                          <a:effectLst/>
+                        </a:rPr>
+                        <a:t>0.3549</a:t>
+                      </a:r>
+                      <a:endParaRPr lang="en-US" sz="1000">
+                        <a:effectLst/>
+                        <a:latin typeface="Calibri" panose="020F0502020204030204" pitchFamily="34" charset="0"/>
+                        <a:ea typeface="Calibri" panose="020F0502020204030204" pitchFamily="34" charset="0"/>
+                        <a:cs typeface="Times New Roman" panose="02020603050405020304" pitchFamily="18" charset="0"/>
+                      </a:endParaRPr>
+                    </a:p>
+                  </a:txBody>
+                  <a:tcPr marL="59852" marR="59852" marT="0" marB="0"/>
+                </a:tc>
+                <a:tc>
+                  <a:txBody>
+                    <a:bodyPr/>
+                    <a:lstStyle/>
+                    <a:p>
+                      <a:pPr marL="0" marR="0" algn="ctr">
+                        <a:lnSpc>
+                          <a:spcPct val="107000"/>
+                        </a:lnSpc>
+                        <a:spcBef>
+                          <a:spcPts val="0"/>
+                        </a:spcBef>
+                        <a:spcAft>
+                          <a:spcPts val="0"/>
+                        </a:spcAft>
+                      </a:pPr>
+                      <a:r>
+                        <a:rPr lang="en-US" sz="1000" dirty="0">
+                          <a:effectLst/>
+                        </a:rPr>
+                        <a:t>0.3705</a:t>
+                      </a:r>
+                      <a:endParaRPr lang="en-US" sz="1000" dirty="0">
+                        <a:effectLst/>
+                        <a:latin typeface="Calibri" panose="020F0502020204030204" pitchFamily="34" charset="0"/>
+                        <a:ea typeface="Calibri" panose="020F0502020204030204" pitchFamily="34" charset="0"/>
+                        <a:cs typeface="Times New Roman" panose="02020603050405020304" pitchFamily="18" charset="0"/>
+                      </a:endParaRPr>
+                    </a:p>
+                  </a:txBody>
+                  <a:tcPr marL="59852" marR="59852" marT="0" marB="0"/>
+                </a:tc>
+              </a:tr>
+            </a:tbl>
+          </a:graphicData>
+        </a:graphic>
+      </p:graphicFrame>
+      <p:sp>
+        <p:nvSpPr>
+          <p:cNvPr id="5" name="Slide Number Placeholder 4"/>
+          <p:cNvSpPr>
+            <a:spLocks noGrp="1"/>
+          </p:cNvSpPr>
+          <p:nvPr>
+            <p:ph type="sldNum" sz="quarter" idx="12"/>
+          </p:nvPr>
+        </p:nvSpPr>
+        <p:spPr/>
+        <p:txBody>
+          <a:bodyPr/>
+          <a:lstStyle/>
+          <a:p>
+            <a:fld id="{3C34C07B-8F94-49B6-B743-70BD1DFD034D}" type="slidenum">
+              <a:rPr lang="en-US" smtClean="0"/>
+              <a:t>10</a:t>
+            </a:fld>
+            <a:endParaRPr lang="en-US"/>
+          </a:p>
+        </p:txBody>
+      </p:sp>
+      <p:pic>
+        <p:nvPicPr>
+          <p:cNvPr id="7" name="Picture 6"/>
+          <p:cNvPicPr>
+            <a:picLocks noChangeAspect="1"/>
+          </p:cNvPicPr>
+          <p:nvPr/>
+        </p:nvPicPr>
+        <p:blipFill>
+          <a:blip r:embed="rId2">
+            <a:extLst>
+              <a:ext uri="{28A0092B-C50C-407E-A947-70E740481C1C}">
+                <a14:useLocalDpi xmlns:a14="http://schemas.microsoft.com/office/drawing/2010/main" val="0"/>
+              </a:ext>
+            </a:extLst>
+          </a:blip>
+          <a:stretch>
+            <a:fillRect/>
+          </a:stretch>
+        </p:blipFill>
+        <p:spPr>
+          <a:xfrm>
+            <a:off x="7488195" y="3700895"/>
+            <a:ext cx="3941138" cy="2955854"/>
+          </a:xfrm>
+          <a:prstGeom prst="rect">
+            <a:avLst/>
+          </a:prstGeom>
+        </p:spPr>
+      </p:pic>
+      <p:pic>
+        <p:nvPicPr>
+          <p:cNvPr id="9" name="Picture 8"/>
+          <p:cNvPicPr>
+            <a:picLocks noChangeAspect="1"/>
+          </p:cNvPicPr>
+          <p:nvPr/>
+        </p:nvPicPr>
+        <p:blipFill>
+          <a:blip r:embed="rId3">
+            <a:extLst>
+              <a:ext uri="{28A0092B-C50C-407E-A947-70E740481C1C}">
+                <a14:useLocalDpi xmlns:a14="http://schemas.microsoft.com/office/drawing/2010/main" val="0"/>
+              </a:ext>
+            </a:extLst>
+          </a:blip>
+          <a:stretch>
+            <a:fillRect/>
+          </a:stretch>
+        </p:blipFill>
+        <p:spPr>
+          <a:xfrm>
+            <a:off x="7488195" y="1045440"/>
+            <a:ext cx="3941138" cy="2955854"/>
+          </a:xfrm>
+          <a:prstGeom prst="rect">
+            <a:avLst/>
+          </a:prstGeom>
+        </p:spPr>
+      </p:pic>
+      <p:sp>
+        <p:nvSpPr>
+          <p:cNvPr id="10" name="Rectangle 9"/>
+          <p:cNvSpPr/>
+          <p:nvPr/>
+        </p:nvSpPr>
+        <p:spPr>
+          <a:xfrm>
+            <a:off x="7870154" y="3544570"/>
+            <a:ext cx="3177220" cy="312650"/>
+          </a:xfrm>
+          <a:prstGeom prst="rect">
+            <a:avLst/>
+          </a:prstGeom>
+        </p:spPr>
+        <p:txBody>
+          <a:bodyPr wrap="square">
+            <a:spAutoFit/>
+          </a:bodyPr>
+          <a:lstStyle/>
+          <a:p>
+            <a:pPr algn="ctr">
+              <a:lnSpc>
+                <a:spcPct val="107000"/>
+              </a:lnSpc>
+            </a:pPr>
+            <a:r>
+              <a:rPr lang="en-US" sz="1400" dirty="0"/>
+              <a:t>Hex Pack with Interphase (0.33 </a:t>
+            </a:r>
+            <a:r>
+              <a:rPr lang="en-US" sz="1400" dirty="0" err="1"/>
+              <a:t>GPa</a:t>
+            </a:r>
+            <a:r>
+              <a:rPr lang="en-US" sz="1400" dirty="0"/>
+              <a:t>)</a:t>
+            </a:r>
+            <a:endParaRPr lang="en-US" sz="1400" dirty="0">
+              <a:latin typeface="Calibri" panose="020F0502020204030204" pitchFamily="34" charset="0"/>
+              <a:ea typeface="Calibri" panose="020F0502020204030204" pitchFamily="34" charset="0"/>
+              <a:cs typeface="Times New Roman" panose="02020603050405020304" pitchFamily="18" charset="0"/>
+            </a:endParaRPr>
+          </a:p>
+        </p:txBody>
+      </p:sp>
+      <p:sp>
+        <p:nvSpPr>
+          <p:cNvPr id="11" name="Rectangle 10"/>
+          <p:cNvSpPr/>
+          <p:nvPr/>
+        </p:nvSpPr>
+        <p:spPr>
+          <a:xfrm>
+            <a:off x="7870154" y="6202131"/>
+            <a:ext cx="3177220" cy="322845"/>
+          </a:xfrm>
+          <a:prstGeom prst="rect">
+            <a:avLst/>
+          </a:prstGeom>
+        </p:spPr>
+        <p:txBody>
+          <a:bodyPr wrap="square">
+            <a:spAutoFit/>
+          </a:bodyPr>
+          <a:lstStyle/>
+          <a:p>
+            <a:pPr algn="ctr">
+              <a:lnSpc>
+                <a:spcPct val="107000"/>
+              </a:lnSpc>
+            </a:pPr>
+            <a:r>
+              <a:rPr lang="en-US" sz="1400" dirty="0"/>
+              <a:t>Hex Pack with Interphase </a:t>
+            </a:r>
+            <a:r>
+              <a:rPr lang="en-US" sz="1400" dirty="0" smtClean="0"/>
+              <a:t>(100 </a:t>
+            </a:r>
+            <a:r>
+              <a:rPr lang="en-US" sz="1400" dirty="0" err="1"/>
+              <a:t>GPa</a:t>
+            </a:r>
+            <a:r>
+              <a:rPr lang="en-US" sz="1400" dirty="0"/>
+              <a:t>)</a:t>
+            </a:r>
+            <a:endParaRPr lang="en-US" sz="1400" dirty="0">
+              <a:latin typeface="Calibri" panose="020F0502020204030204" pitchFamily="34" charset="0"/>
+              <a:ea typeface="Calibri" panose="020F0502020204030204" pitchFamily="34" charset="0"/>
+              <a:cs typeface="Times New Roman" panose="02020603050405020304" pitchFamily="18" charset="0"/>
+            </a:endParaRPr>
+          </a:p>
+        </p:txBody>
+      </p:sp>
+    </p:spTree>
+    <p:extLst>
+      <p:ext uri="{BB962C8B-B14F-4D97-AF65-F5344CB8AC3E}">
+        <p14:creationId xmlns:p14="http://schemas.microsoft.com/office/powerpoint/2010/main" val="3036931282"/>
+      </p:ext>
+    </p:extLst>
+  </p:cSld>
+  <p:clrMapOvr>
+    <a:masterClrMapping/>
+  </p:clrMapOvr>
+  <p:timing>
+    <p:tnLst>
+      <p:par>
+        <p:cTn id="1" dur="indefinite" restart="never" nodeType="tmRoot"/>
+      </p:par>
+    </p:tnLst>
+  </p:timing>
+</p:sld>
+</file>
+
+<file path=ppt/slides/slide11.xml><?xml version="1.0" encoding="utf-8"?>
+<p:sld xmlns:a="http://schemas.openxmlformats.org/drawingml/2006/main" xmlns:r="http://schemas.openxmlformats.org/officeDocument/2006/relationships" xmlns:p="http://schemas.openxmlformats.org/presentationml/2006/main">
+  <p:cSld>
+    <p:spTree>
+      <p:nvGrpSpPr>
+        <p:cNvPr id="1" name=""/>
+        <p:cNvGrpSpPr/>
+        <p:nvPr/>
+      </p:nvGrpSpPr>
+      <p:grpSpPr>
+        <a:xfrm>
+          <a:off x="0" y="0"/>
+          <a:ext cx="0" cy="0"/>
+          <a:chOff x="0" y="0"/>
+          <a:chExt cx="0" cy="0"/>
+        </a:xfrm>
+      </p:grpSpPr>
+      <p:sp>
+        <p:nvSpPr>
+          <p:cNvPr id="2" name="Title 1"/>
+          <p:cNvSpPr>
+            <a:spLocks noGrp="1"/>
+          </p:cNvSpPr>
+          <p:nvPr>
+            <p:ph type="title"/>
+          </p:nvPr>
+        </p:nvSpPr>
+        <p:spPr/>
+        <p:txBody>
+          <a:bodyPr/>
+          <a:lstStyle/>
+          <a:p>
+            <a:r>
+              <a:rPr lang="en-US" b="1" dirty="0" smtClean="0"/>
+              <a:t>Test Case: Transverse Strain</a:t>
+            </a:r>
+            <a:endParaRPr lang="en-US" b="1" dirty="0"/>
+          </a:p>
+        </p:txBody>
+      </p:sp>
+      <p:sp>
+        <p:nvSpPr>
+          <p:cNvPr id="3" name="Content Placeholder 2"/>
+          <p:cNvSpPr>
+            <a:spLocks noGrp="1"/>
+          </p:cNvSpPr>
+          <p:nvPr>
+            <p:ph sz="half" idx="1"/>
+          </p:nvPr>
+        </p:nvSpPr>
+        <p:spPr/>
+        <p:txBody>
+          <a:bodyPr/>
+          <a:lstStyle/>
+          <a:p>
+            <a:r>
+              <a:rPr lang="en-US" dirty="0" smtClean="0"/>
+              <a:t>Strain the RUC in the X</a:t>
+            </a:r>
+            <a:r>
+              <a:rPr lang="en-US" baseline="-25000" dirty="0" smtClean="0"/>
+              <a:t>2</a:t>
+            </a:r>
+            <a:r>
+              <a:rPr lang="en-US" dirty="0" smtClean="0"/>
+              <a:t> direction</a:t>
+            </a:r>
+          </a:p>
+          <a:p>
+            <a:endParaRPr lang="en-US" dirty="0"/>
+          </a:p>
+        </p:txBody>
+      </p:sp>
+      <p:pic>
+        <p:nvPicPr>
+          <p:cNvPr id="7" name="Content Placeholder 6"/>
+          <p:cNvPicPr>
+            <a:picLocks noGrp="1" noChangeAspect="1"/>
+          </p:cNvPicPr>
+          <p:nvPr>
+            <p:ph sz="half" idx="2"/>
+          </p:nvPr>
+        </p:nvPicPr>
+        <p:blipFill>
+          <a:blip r:embed="rId2">
+            <a:extLst>
+              <a:ext uri="{28A0092B-C50C-407E-A947-70E740481C1C}">
+                <a14:useLocalDpi xmlns:a14="http://schemas.microsoft.com/office/drawing/2010/main" val="0"/>
+              </a:ext>
+            </a:extLst>
+          </a:blip>
+          <a:stretch>
+            <a:fillRect/>
+          </a:stretch>
+        </p:blipFill>
+        <p:spPr>
+          <a:xfrm>
+            <a:off x="5343304" y="2854410"/>
+            <a:ext cx="5181600" cy="3457490"/>
+          </a:xfrm>
+        </p:spPr>
+      </p:pic>
+      <p:sp>
+        <p:nvSpPr>
+          <p:cNvPr id="5" name="Slide Number Placeholder 4"/>
+          <p:cNvSpPr>
+            <a:spLocks noGrp="1"/>
+          </p:cNvSpPr>
+          <p:nvPr>
+            <p:ph type="sldNum" sz="quarter" idx="12"/>
+          </p:nvPr>
+        </p:nvSpPr>
+        <p:spPr/>
+        <p:txBody>
+          <a:bodyPr/>
+          <a:lstStyle/>
+          <a:p>
+            <a:fld id="{3C34C07B-8F94-49B6-B743-70BD1DFD034D}" type="slidenum">
+              <a:rPr lang="en-US" smtClean="0"/>
+              <a:t>11</a:t>
+            </a:fld>
+            <a:endParaRPr lang="en-US"/>
+          </a:p>
+        </p:txBody>
+      </p:sp>
+      <p:pic>
+        <p:nvPicPr>
+          <p:cNvPr id="6" name="Picture 5"/>
+          <p:cNvPicPr>
+            <a:picLocks noChangeAspect="1"/>
+          </p:cNvPicPr>
+          <p:nvPr/>
+        </p:nvPicPr>
+        <p:blipFill rotWithShape="1">
+          <a:blip r:embed="rId3">
+            <a:extLst>
+              <a:ext uri="{28A0092B-C50C-407E-A947-70E740481C1C}">
+                <a14:useLocalDpi xmlns:a14="http://schemas.microsoft.com/office/drawing/2010/main" val="0"/>
+              </a:ext>
+            </a:extLst>
+          </a:blip>
+          <a:srcRect l="12463" t="17802" r="8548" b="21257"/>
+          <a:stretch/>
+        </p:blipFill>
+        <p:spPr>
+          <a:xfrm>
+            <a:off x="1134762" y="3523387"/>
+            <a:ext cx="3445402" cy="1987732"/>
+          </a:xfrm>
+          <a:prstGeom prst="rect">
+            <a:avLst/>
+          </a:prstGeom>
+        </p:spPr>
+      </p:pic>
+      <p:cxnSp>
+        <p:nvCxnSpPr>
+          <p:cNvPr id="9" name="Straight Arrow Connector 8"/>
+          <p:cNvCxnSpPr/>
+          <p:nvPr/>
+        </p:nvCxnSpPr>
+        <p:spPr>
+          <a:xfrm flipV="1">
+            <a:off x="2660822" y="5835803"/>
+            <a:ext cx="617837" cy="31536"/>
+          </a:xfrm>
+          <a:prstGeom prst="straightConnector1">
+            <a:avLst/>
+          </a:prstGeom>
+          <a:ln>
+            <a:tailEnd type="triangle"/>
+          </a:ln>
+        </p:spPr>
+        <p:style>
+          <a:lnRef idx="1">
+            <a:schemeClr val="accent1"/>
+          </a:lnRef>
+          <a:fillRef idx="0">
+            <a:schemeClr val="accent1"/>
+          </a:fillRef>
+          <a:effectRef idx="0">
+            <a:schemeClr val="accent1"/>
+          </a:effectRef>
+          <a:fontRef idx="minor">
+            <a:schemeClr val="tx1"/>
+          </a:fontRef>
+        </p:style>
+      </p:cxnSp>
+    </p:spTree>
+    <p:extLst>
+      <p:ext uri="{BB962C8B-B14F-4D97-AF65-F5344CB8AC3E}">
+        <p14:creationId xmlns:p14="http://schemas.microsoft.com/office/powerpoint/2010/main" val="3159378368"/>
+      </p:ext>
+    </p:extLst>
+  </p:cSld>
+  <p:clrMapOvr>
+    <a:masterClrMapping/>
+  </p:clrMapOvr>
+  <p:timing>
+    <p:tnLst>
+      <p:par>
+        <p:cTn id="1" dur="indefinite" restart="never" nodeType="tmRoot"/>
+      </p:par>
+    </p:tnLst>
+  </p:timing>
+</p:sld>
+</file>
+
+<file path=ppt/slides/slide12.xml><?xml version="1.0" encoding="utf-8"?>
+<p:sld xmlns:a="http://schemas.openxmlformats.org/drawingml/2006/main" xmlns:r="http://schemas.openxmlformats.org/officeDocument/2006/relationships" xmlns:p="http://schemas.openxmlformats.org/presentationml/2006/main">
+  <p:cSld>
+    <p:spTree>
+      <p:nvGrpSpPr>
+        <p:cNvPr id="1" name=""/>
+        <p:cNvGrpSpPr/>
+        <p:nvPr/>
+      </p:nvGrpSpPr>
+      <p:grpSpPr>
+        <a:xfrm>
+          <a:off x="0" y="0"/>
+          <a:ext cx="0" cy="0"/>
+          <a:chOff x="0" y="0"/>
+          <a:chExt cx="0" cy="0"/>
+        </a:xfrm>
+      </p:grpSpPr>
+      <p:sp>
+        <p:nvSpPr>
+          <p:cNvPr id="2" name="Title 1"/>
+          <p:cNvSpPr>
+            <a:spLocks noGrp="1"/>
+          </p:cNvSpPr>
+          <p:nvPr>
+            <p:ph type="title"/>
+          </p:nvPr>
+        </p:nvSpPr>
+        <p:spPr/>
+        <p:txBody>
+          <a:bodyPr/>
+          <a:lstStyle/>
+          <a:p>
+            <a:r>
+              <a:rPr lang="en-US" b="1" dirty="0" smtClean="0"/>
+              <a:t>Further Work</a:t>
+            </a:r>
+            <a:endParaRPr lang="en-US" b="1" dirty="0"/>
+          </a:p>
+        </p:txBody>
+      </p:sp>
+      <p:sp>
+        <p:nvSpPr>
+          <p:cNvPr id="3" name="Content Placeholder 2"/>
+          <p:cNvSpPr>
+            <a:spLocks noGrp="1"/>
+          </p:cNvSpPr>
+          <p:nvPr>
+            <p:ph sz="half" idx="1"/>
+          </p:nvPr>
+        </p:nvSpPr>
+        <p:spPr/>
+        <p:txBody>
+          <a:bodyPr/>
+          <a:lstStyle/>
+          <a:p>
+            <a:r>
+              <a:rPr lang="en-US" dirty="0" smtClean="0"/>
+              <a:t>Inelastic materials</a:t>
+            </a:r>
+            <a:endParaRPr lang="en-US" dirty="0"/>
+          </a:p>
+          <a:p>
+            <a:r>
+              <a:rPr lang="en-US" dirty="0" err="1" smtClean="0"/>
+              <a:t>Subcell</a:t>
+            </a:r>
+            <a:r>
+              <a:rPr lang="en-US" dirty="0" smtClean="0"/>
+              <a:t> failure integration</a:t>
+            </a:r>
+          </a:p>
+          <a:p>
+            <a:r>
+              <a:rPr lang="en-US" dirty="0" err="1" smtClean="0"/>
+              <a:t>Abaqus</a:t>
+            </a:r>
+            <a:r>
+              <a:rPr lang="en-US" dirty="0" smtClean="0"/>
+              <a:t> integration</a:t>
+            </a:r>
+          </a:p>
+          <a:p>
+            <a:r>
+              <a:rPr lang="en-US" dirty="0" smtClean="0"/>
+              <a:t>Inexact boundary conditions</a:t>
+            </a:r>
+          </a:p>
+        </p:txBody>
+      </p:sp>
+      <p:sp>
+        <p:nvSpPr>
+          <p:cNvPr id="5" name="Slide Number Placeholder 4"/>
+          <p:cNvSpPr>
+            <a:spLocks noGrp="1"/>
+          </p:cNvSpPr>
+          <p:nvPr>
+            <p:ph type="sldNum" sz="quarter" idx="12"/>
+          </p:nvPr>
+        </p:nvSpPr>
+        <p:spPr/>
+        <p:txBody>
+          <a:bodyPr/>
+          <a:lstStyle/>
+          <a:p>
+            <a:fld id="{3C34C07B-8F94-49B6-B743-70BD1DFD034D}" type="slidenum">
+              <a:rPr lang="en-US" smtClean="0"/>
+              <a:t>12</a:t>
+            </a:fld>
+            <a:endParaRPr lang="en-US"/>
+          </a:p>
+        </p:txBody>
+      </p:sp>
+    </p:spTree>
+    <p:extLst>
+      <p:ext uri="{BB962C8B-B14F-4D97-AF65-F5344CB8AC3E}">
+        <p14:creationId xmlns:p14="http://schemas.microsoft.com/office/powerpoint/2010/main" val="1469822549"/>
+      </p:ext>
+    </p:extLst>
+  </p:cSld>
+  <p:clrMapOvr>
+    <a:masterClrMapping/>
+  </p:clrMapOvr>
+  <p:timing>
+    <p:tnLst>
+      <p:par>
+        <p:cTn id="1" dur="indefinite" restart="never" nodeType="tmRoot"/>
+      </p:par>
+    </p:tnLst>
+  </p:timing>
+</p:sld>
+</file>
+
+<file path=ppt/slides/slide13.xml><?xml version="1.0" encoding="utf-8"?>
+<p:sld xmlns:a="http://schemas.openxmlformats.org/drawingml/2006/main" xmlns:r="http://schemas.openxmlformats.org/officeDocument/2006/relationships" xmlns:p="http://schemas.openxmlformats.org/presentationml/2006/main">
+  <p:cSld>
+    <p:spTree>
+      <p:nvGrpSpPr>
+        <p:cNvPr id="1" name=""/>
+        <p:cNvGrpSpPr/>
+        <p:nvPr/>
+      </p:nvGrpSpPr>
+      <p:grpSpPr>
+        <a:xfrm>
+          <a:off x="0" y="0"/>
+          <a:ext cx="0" cy="0"/>
+          <a:chOff x="0" y="0"/>
+          <a:chExt cx="0" cy="0"/>
+        </a:xfrm>
+      </p:grpSpPr>
+      <p:sp>
+        <p:nvSpPr>
+          <p:cNvPr id="6" name="Title 5"/>
+          <p:cNvSpPr>
+            <a:spLocks noGrp="1"/>
+          </p:cNvSpPr>
+          <p:nvPr>
+            <p:ph type="ctrTitle"/>
+          </p:nvPr>
+        </p:nvSpPr>
+        <p:spPr/>
+        <p:txBody>
+          <a:bodyPr/>
+          <a:lstStyle/>
+          <a:p>
+            <a:r>
+              <a:rPr lang="en-US" b="1" dirty="0" smtClean="0"/>
+              <a:t>Questions?</a:t>
+            </a:r>
+            <a:endParaRPr lang="en-US" b="1" dirty="0"/>
+          </a:p>
+        </p:txBody>
+      </p:sp>
+      <p:sp>
+        <p:nvSpPr>
+          <p:cNvPr id="7" name="Subtitle 6"/>
+          <p:cNvSpPr>
+            <a:spLocks noGrp="1"/>
+          </p:cNvSpPr>
+          <p:nvPr>
+            <p:ph type="subTitle" idx="1"/>
+          </p:nvPr>
+        </p:nvSpPr>
+        <p:spPr/>
+        <p:txBody>
+          <a:bodyPr/>
+          <a:lstStyle/>
+          <a:p>
+            <a:endParaRPr lang="en-US"/>
+          </a:p>
+        </p:txBody>
+      </p:sp>
+      <p:sp>
+        <p:nvSpPr>
+          <p:cNvPr id="5" name="Slide Number Placeholder 4"/>
+          <p:cNvSpPr>
+            <a:spLocks noGrp="1"/>
+          </p:cNvSpPr>
+          <p:nvPr>
+            <p:ph type="sldNum" sz="quarter" idx="12"/>
+          </p:nvPr>
+        </p:nvSpPr>
+        <p:spPr/>
+        <p:txBody>
+          <a:bodyPr/>
+          <a:lstStyle/>
+          <a:p>
+            <a:fld id="{3C34C07B-8F94-49B6-B743-70BD1DFD034D}" type="slidenum">
+              <a:rPr lang="en-US" smtClean="0"/>
+              <a:t>13</a:t>
+            </a:fld>
+            <a:endParaRPr lang="en-US"/>
+          </a:p>
+        </p:txBody>
+      </p:sp>
+    </p:spTree>
+    <p:extLst>
+      <p:ext uri="{BB962C8B-B14F-4D97-AF65-F5344CB8AC3E}">
+        <p14:creationId xmlns:p14="http://schemas.microsoft.com/office/powerpoint/2010/main" val="486535771"/>
+      </p:ext>
+    </p:extLst>
+  </p:cSld>
+  <p:clrMapOvr>
+    <a:masterClrMapping/>
+  </p:clrMapOvr>
+  <p:timing>
+    <p:tnLst>
+      <p:par>
+        <p:cTn id="1" dur="indefinite" restart="never" nodeType="tmRoot"/>
+      </p:par>
+    </p:tnLst>
+  </p:timing>
 </p:sld>
 </file>
 
@@ -3830,6 +5726,13 @@
   <p:clrMapOvr>
     <a:masterClrMapping/>
   </p:clrMapOvr>
+  <p:timing>
+    <p:tnLst>
+      <p:par>
+        <p:cTn id="1" dur="indefinite" restart="never" nodeType="tmRoot"/>
+      </p:par>
+    </p:tnLst>
+  </p:timing>
 </p:sld>
 </file>
 
@@ -3867,11 +5770,7 @@
           <a:p>
             <a:r>
               <a:rPr lang="en-US" b="1" dirty="0" smtClean="0"/>
-              <a:t>The </a:t>
-            </a:r>
-            <a:r>
-              <a:rPr lang="en-US" b="1" dirty="0" smtClean="0"/>
-              <a:t>Method of Cells</a:t>
+              <a:t>The Method of Cells</a:t>
             </a:r>
             <a:endParaRPr lang="en-US" b="1" dirty="0"/>
           </a:p>
@@ -3936,8 +5835,8 @@
           </a:p>
         </p:txBody>
       </p:sp>
-      <mc:AlternateContent xmlns:mc="http://schemas.openxmlformats.org/markup-compatibility/2006">
-        <mc:Choice xmlns:a14="http://schemas.microsoft.com/office/drawing/2010/main" Requires="a14">
+      <mc:AlternateContent xmlns:mc="http://schemas.openxmlformats.org/markup-compatibility/2006" xmlns:a14="http://schemas.microsoft.com/office/drawing/2010/main">
+        <mc:Choice Requires="a14">
           <p:sp>
             <p:nvSpPr>
               <p:cNvPr id="2" name="TextBox 1"/>
@@ -3960,6 +5859,7 @@
               </a:bodyPr>
               <a:lstStyle/>
               <a:p>
+                <a:pPr/>
                 <a14:m>
                   <m:oMathPara xmlns:m="http://schemas.openxmlformats.org/officeDocument/2006/math">
                     <m:oMathParaPr>
@@ -4400,6 +6300,7 @@
                 <a:endParaRPr lang="en-US" dirty="0" smtClean="0"/>
               </a:p>
               <a:p>
+                <a:pPr/>
                 <a14:m>
                   <m:oMathPara xmlns:m="http://schemas.openxmlformats.org/officeDocument/2006/math">
                     <m:oMathParaPr>
@@ -4843,6 +6744,7 @@
                 <a:endParaRPr lang="en-US" dirty="0" smtClean="0"/>
               </a:p>
               <a:p>
+                <a:pPr/>
                 <a14:m>
                   <m:oMathPara xmlns:m="http://schemas.openxmlformats.org/officeDocument/2006/math">
                     <m:oMathParaPr>
@@ -5021,6 +6923,7 @@
                 <a:endParaRPr lang="en-US" dirty="0" smtClean="0"/>
               </a:p>
               <a:p>
+                <a:pPr/>
                 <a14:m>
                   <m:oMathPara xmlns:m="http://schemas.openxmlformats.org/officeDocument/2006/math">
                     <m:oMathParaPr>
@@ -5126,31 +7029,7 @@
                                 <a:rPr lang="en-US" i="1">
                                   <a:latin typeface="Cambria Math" panose="02040503050406030204" pitchFamily="18" charset="0"/>
                                 </a:rPr>
-                                <m:t>&amp;</m:t>
-                              </m:r>
-                              <m:r>
-                                <a:rPr lang="en-US" i="1">
-                                  <a:latin typeface="Cambria Math" panose="02040503050406030204" pitchFamily="18" charset="0"/>
-                                </a:rPr>
-                                <m:t>1</m:t>
-                              </m:r>
-                              <m:r>
-                                <a:rPr lang="en-US" i="1">
-                                  <a:latin typeface="Cambria Math" panose="02040503050406030204" pitchFamily="18" charset="0"/>
-                                </a:rPr>
-                                <m:t>,</m:t>
-                              </m:r>
-                              <m:r>
-                                <a:rPr lang="en-US" i="1">
-                                  <a:latin typeface="Cambria Math" panose="02040503050406030204" pitchFamily="18" charset="0"/>
-                                </a:rPr>
-                                <m:t>        </m:t>
-                              </m:r>
-                              <m:r>
-                                <a:rPr lang="en-US" i="1">
-                                  <a:latin typeface="Cambria Math" panose="02040503050406030204" pitchFamily="18" charset="0"/>
-                                </a:rPr>
-                                <m:t>  </m:t>
+                                <m:t>&amp;1,          </m:t>
                               </m:r>
                               <m:r>
                                 <a:rPr lang="en-US" b="0" i="1" smtClean="0">
@@ -5201,7 +7080,7 @@
             </p:txBody>
           </p:sp>
         </mc:Choice>
-        <mc:Fallback>
+        <mc:Fallback xmlns="">
           <p:sp>
             <p:nvSpPr>
               <p:cNvPr id="2" name="TextBox 1"/>
@@ -5299,6 +7178,13 @@
   <p:clrMapOvr>
     <a:masterClrMapping/>
   </p:clrMapOvr>
+  <p:timing>
+    <p:tnLst>
+      <p:par>
+        <p:cTn id="1" dur="indefinite" restart="never" nodeType="tmRoot"/>
+      </p:par>
+    </p:tnLst>
+  </p:timing>
 </p:sld>
 </file>
 
@@ -5342,8 +7228,8 @@
           </a:p>
         </p:txBody>
       </p:sp>
-      <mc:AlternateContent xmlns:mc="http://schemas.openxmlformats.org/markup-compatibility/2006">
-        <mc:Choice xmlns:a14="http://schemas.microsoft.com/office/drawing/2010/main" Requires="a14">
+      <mc:AlternateContent xmlns:mc="http://schemas.openxmlformats.org/markup-compatibility/2006" xmlns:a14="http://schemas.microsoft.com/office/drawing/2010/main">
+        <mc:Choice Requires="a14">
           <p:sp>
             <p:nvSpPr>
               <p:cNvPr id="3" name="Content Placeholder 2"/>
@@ -5985,7 +7871,7 @@
             </p:txBody>
           </p:sp>
         </mc:Choice>
-        <mc:Fallback>
+        <mc:Fallback xmlns="">
           <p:sp>
             <p:nvSpPr>
               <p:cNvPr id="3" name="Content Placeholder 2"/>
@@ -6224,8 +8110,8 @@
           </a:p>
         </p:txBody>
       </p:sp>
-      <mc:AlternateContent xmlns:mc="http://schemas.openxmlformats.org/markup-compatibility/2006">
-        <mc:Choice xmlns:a14="http://schemas.microsoft.com/office/drawing/2010/main" Requires="a14">
+      <mc:AlternateContent xmlns:mc="http://schemas.openxmlformats.org/markup-compatibility/2006" xmlns:a14="http://schemas.microsoft.com/office/drawing/2010/main">
+        <mc:Choice Requires="a14">
           <p:sp>
             <p:nvSpPr>
               <p:cNvPr id="3" name="Content Placeholder 2"/>
@@ -6667,7 +8553,7 @@
             </p:txBody>
           </p:sp>
         </mc:Choice>
-        <mc:Fallback>
+        <mc:Fallback xmlns="">
           <p:sp>
             <p:nvSpPr>
               <p:cNvPr id="3" name="Content Placeholder 2"/>
@@ -6768,8 +8654,8 @@
           </a:p>
         </p:txBody>
       </p:sp>
-      <mc:AlternateContent xmlns:mc="http://schemas.openxmlformats.org/markup-compatibility/2006">
-        <mc:Choice xmlns:a14="http://schemas.microsoft.com/office/drawing/2010/main" Requires="a14">
+      <mc:AlternateContent xmlns:mc="http://schemas.openxmlformats.org/markup-compatibility/2006" xmlns:a14="http://schemas.microsoft.com/office/drawing/2010/main">
+        <mc:Choice Requires="a14">
           <p:sp>
             <p:nvSpPr>
               <p:cNvPr id="9" name="Content Placeholder 8"/>
@@ -7340,7 +9226,7 @@
             </p:txBody>
           </p:sp>
         </mc:Choice>
-        <mc:Fallback>
+        <mc:Fallback xmlns="">
           <p:sp>
             <p:nvSpPr>
               <p:cNvPr id="9" name="Content Placeholder 8"/>
@@ -8290,10 +10176,10 @@
           <a:lstStyle/>
           <a:p>
             <a:r>
-              <a:rPr lang="en-US" dirty="0" smtClean="0"/>
+              <a:rPr lang="en-US" b="1" dirty="0" smtClean="0"/>
               <a:t>Error Approximation</a:t>
             </a:r>
-            <a:endParaRPr lang="en-US" dirty="0"/>
+            <a:endParaRPr lang="en-US" b="1" dirty="0"/>
           </a:p>
         </p:txBody>
       </p:sp>
@@ -11171,6 +13057,13 @@
   <p:clrMapOvr>
     <a:masterClrMapping/>
   </p:clrMapOvr>
+  <p:timing>
+    <p:tnLst>
+      <p:par>
+        <p:cTn id="1" dur="indefinite" restart="never" nodeType="tmRoot"/>
+      </p:par>
+    </p:tnLst>
+  </p:timing>
 </p:sld>
 </file>
 
@@ -11206,7 +13099,11 @@
           <a:bodyPr/>
           <a:lstStyle/>
           <a:p>
-            <a:endParaRPr lang="en-US"/>
+            <a:r>
+              <a:rPr lang="en-US" b="1" dirty="0" smtClean="0"/>
+              <a:t>Test Case: Interphase</a:t>
+            </a:r>
+            <a:endParaRPr lang="en-US" b="1" dirty="0"/>
           </a:p>
         </p:txBody>
       </p:sp>
@@ -11220,34 +13117,968 @@
             <p:ph sz="half" idx="1"/>
           </p:nvPr>
         </p:nvSpPr>
-        <p:spPr/>
+        <p:spPr>
+          <a:xfrm>
+            <a:off x="838199" y="1825624"/>
+            <a:ext cx="5200135" cy="4377467"/>
+          </a:xfrm>
+        </p:spPr>
         <p:txBody>
           <a:bodyPr/>
           <a:lstStyle/>
           <a:p>
-            <a:endParaRPr lang="en-US"/>
+            <a:r>
+              <a:rPr lang="en-US" dirty="0" smtClean="0"/>
+              <a:t>The code was tested to make sure that the results were not dependent upon the number of cells. </a:t>
+            </a:r>
+          </a:p>
+          <a:p>
+            <a:r>
+              <a:rPr lang="en-US" dirty="0" smtClean="0"/>
+              <a:t>We made the Interphase the same material as the Interphase and got the same results. </a:t>
+            </a:r>
+          </a:p>
+          <a:p>
+            <a:pPr marL="0" indent="0">
+              <a:buNone/>
+            </a:pPr>
+            <a:endParaRPr lang="en-US" dirty="0" smtClean="0"/>
+          </a:p>
+          <a:p>
+            <a:endParaRPr lang="en-US" dirty="0"/>
           </a:p>
         </p:txBody>
       </p:sp>
-      <p:sp>
-        <p:nvSpPr>
-          <p:cNvPr id="4" name="Content Placeholder 3"/>
-          <p:cNvSpPr>
-            <a:spLocks noGrp="1"/>
-          </p:cNvSpPr>
+      <p:graphicFrame>
+        <p:nvGraphicFramePr>
+          <p:cNvPr id="6" name="Content Placeholder 5"/>
+          <p:cNvGraphicFramePr>
+            <a:graphicFrameLocks noGrp="1"/>
+          </p:cNvGraphicFramePr>
           <p:nvPr>
             <p:ph sz="half" idx="2"/>
+            <p:extLst>
+              <p:ext uri="{D42A27DB-BD31-4B8C-83A1-F6EECF244321}">
+                <p14:modId xmlns:p14="http://schemas.microsoft.com/office/powerpoint/2010/main" val="1767580245"/>
+              </p:ext>
+            </p:extLst>
           </p:nvPr>
-        </p:nvSpPr>
-        <p:spPr/>
-        <p:txBody>
-          <a:bodyPr/>
-          <a:lstStyle/>
-          <a:p>
-            <a:endParaRPr lang="en-US"/>
-          </a:p>
-        </p:txBody>
-      </p:sp>
+        </p:nvGraphicFramePr>
+        <p:xfrm>
+          <a:off x="972065" y="5008605"/>
+          <a:ext cx="4666735" cy="1569082"/>
+        </p:xfrm>
+        <a:graphic>
+          <a:graphicData uri="http://schemas.openxmlformats.org/drawingml/2006/table">
+            <a:tbl>
+              <a:tblPr firstRow="1" firstCol="1" bandRow="1">
+                <a:tableStyleId>{5C22544A-7EE6-4342-B048-85BDC9FD1C3A}</a:tableStyleId>
+              </a:tblPr>
+              <a:tblGrid>
+                <a:gridCol w="1382470"/>
+                <a:gridCol w="1609512"/>
+                <a:gridCol w="1674753"/>
+              </a:tblGrid>
+              <a:tr h="427606">
+                <a:tc>
+                  <a:txBody>
+                    <a:bodyPr/>
+                    <a:lstStyle/>
+                    <a:p>
+                      <a:pPr marL="0" marR="0">
+                        <a:lnSpc>
+                          <a:spcPct val="107000"/>
+                        </a:lnSpc>
+                        <a:spcBef>
+                          <a:spcPts val="0"/>
+                        </a:spcBef>
+                        <a:spcAft>
+                          <a:spcPts val="0"/>
+                        </a:spcAft>
+                      </a:pPr>
+                      <a:r>
+                        <a:rPr lang="en-US" sz="1000" dirty="0">
+                          <a:effectLst/>
+                        </a:rPr>
+                        <a:t> </a:t>
+                      </a:r>
+                      <a:endParaRPr lang="en-US" sz="1000" dirty="0">
+                        <a:effectLst/>
+                        <a:latin typeface="Calibri" panose="020F0502020204030204" pitchFamily="34" charset="0"/>
+                        <a:ea typeface="Calibri" panose="020F0502020204030204" pitchFamily="34" charset="0"/>
+                        <a:cs typeface="Times New Roman" panose="02020603050405020304" pitchFamily="18" charset="0"/>
+                      </a:endParaRPr>
+                    </a:p>
+                  </a:txBody>
+                  <a:tcPr marL="59852" marR="59852" marT="0" marB="0"/>
+                </a:tc>
+                <a:tc>
+                  <a:txBody>
+                    <a:bodyPr/>
+                    <a:lstStyle/>
+                    <a:p>
+                      <a:pPr marL="0" marR="0">
+                        <a:lnSpc>
+                          <a:spcPct val="107000"/>
+                        </a:lnSpc>
+                        <a:spcBef>
+                          <a:spcPts val="0"/>
+                        </a:spcBef>
+                        <a:spcAft>
+                          <a:spcPts val="0"/>
+                        </a:spcAft>
+                      </a:pPr>
+                      <a:r>
+                        <a:rPr lang="en-US" sz="1000">
+                          <a:effectLst/>
+                        </a:rPr>
+                        <a:t>Hex Pack</a:t>
+                      </a:r>
+                      <a:endParaRPr lang="en-US" sz="1000">
+                        <a:effectLst/>
+                        <a:latin typeface="Calibri" panose="020F0502020204030204" pitchFamily="34" charset="0"/>
+                        <a:ea typeface="Calibri" panose="020F0502020204030204" pitchFamily="34" charset="0"/>
+                        <a:cs typeface="Times New Roman" panose="02020603050405020304" pitchFamily="18" charset="0"/>
+                      </a:endParaRPr>
+                    </a:p>
+                  </a:txBody>
+                  <a:tcPr marL="59852" marR="59852" marT="0" marB="0"/>
+                </a:tc>
+                <a:tc>
+                  <a:txBody>
+                    <a:bodyPr/>
+                    <a:lstStyle/>
+                    <a:p>
+                      <a:pPr marL="0" marR="0">
+                        <a:lnSpc>
+                          <a:spcPct val="107000"/>
+                        </a:lnSpc>
+                        <a:spcBef>
+                          <a:spcPts val="0"/>
+                        </a:spcBef>
+                        <a:spcAft>
+                          <a:spcPts val="0"/>
+                        </a:spcAft>
+                      </a:pPr>
+                      <a:r>
+                        <a:rPr lang="en-US" sz="1000" dirty="0">
+                          <a:effectLst/>
+                        </a:rPr>
+                        <a:t>Hex Pack with </a:t>
+                      </a:r>
+                      <a:r>
+                        <a:rPr lang="en-US" sz="1000" dirty="0" smtClean="0">
+                          <a:effectLst/>
+                        </a:rPr>
+                        <a:t>Interphase </a:t>
+                      </a:r>
+                      <a:endParaRPr lang="en-US" sz="1000" dirty="0">
+                        <a:effectLst/>
+                      </a:endParaRPr>
+                    </a:p>
+                    <a:p>
+                      <a:pPr marL="0" marR="0">
+                        <a:lnSpc>
+                          <a:spcPct val="107000"/>
+                        </a:lnSpc>
+                        <a:spcBef>
+                          <a:spcPts val="0"/>
+                        </a:spcBef>
+                        <a:spcAft>
+                          <a:spcPts val="0"/>
+                        </a:spcAft>
+                      </a:pPr>
+                      <a:r>
+                        <a:rPr lang="en-US" sz="1000" dirty="0">
+                          <a:effectLst/>
+                        </a:rPr>
+                        <a:t>(Same properties as matrix)</a:t>
+                      </a:r>
+                      <a:endParaRPr lang="en-US" sz="1000" dirty="0">
+                        <a:effectLst/>
+                        <a:latin typeface="Calibri" panose="020F0502020204030204" pitchFamily="34" charset="0"/>
+                        <a:ea typeface="Calibri" panose="020F0502020204030204" pitchFamily="34" charset="0"/>
+                        <a:cs typeface="Times New Roman" panose="02020603050405020304" pitchFamily="18" charset="0"/>
+                      </a:endParaRPr>
+                    </a:p>
+                  </a:txBody>
+                  <a:tcPr marL="59852" marR="59852" marT="0" marB="0"/>
+                </a:tc>
+              </a:tr>
+              <a:tr h="160088">
+                <a:tc>
+                  <a:txBody>
+                    <a:bodyPr/>
+                    <a:lstStyle/>
+                    <a:p>
+                      <a:pPr marL="0" marR="0">
+                        <a:lnSpc>
+                          <a:spcPct val="107000"/>
+                        </a:lnSpc>
+                        <a:spcBef>
+                          <a:spcPts val="0"/>
+                        </a:spcBef>
+                        <a:spcAft>
+                          <a:spcPts val="0"/>
+                        </a:spcAft>
+                      </a:pPr>
+                      <a:r>
+                        <a:rPr lang="en-US" sz="1000" dirty="0" smtClean="0">
+                          <a:effectLst/>
+                        </a:rPr>
+                        <a:t>E11 </a:t>
+                      </a:r>
+                      <a:r>
+                        <a:rPr lang="en-US" sz="1000" dirty="0" smtClean="0">
+                          <a:effectLst/>
+                        </a:rPr>
+                        <a:t>(</a:t>
+                      </a:r>
+                      <a:r>
+                        <a:rPr lang="en-US" sz="1000" dirty="0" err="1" smtClean="0">
+                          <a:effectLst/>
+                        </a:rPr>
+                        <a:t>GPa</a:t>
+                      </a:r>
+                      <a:r>
+                        <a:rPr lang="en-US" sz="1000" dirty="0" smtClean="0">
+                          <a:effectLst/>
+                        </a:rPr>
+                        <a:t>)</a:t>
+                      </a:r>
+                      <a:endParaRPr lang="en-US" sz="1000" dirty="0">
+                        <a:effectLst/>
+                        <a:latin typeface="Calibri" panose="020F0502020204030204" pitchFamily="34" charset="0"/>
+                        <a:ea typeface="Calibri" panose="020F0502020204030204" pitchFamily="34" charset="0"/>
+                        <a:cs typeface="Times New Roman" panose="02020603050405020304" pitchFamily="18" charset="0"/>
+                      </a:endParaRPr>
+                    </a:p>
+                  </a:txBody>
+                  <a:tcPr marL="59852" marR="59852" marT="0" marB="0"/>
+                </a:tc>
+                <a:tc>
+                  <a:txBody>
+                    <a:bodyPr/>
+                    <a:lstStyle/>
+                    <a:p>
+                      <a:pPr marL="0" marR="0" algn="ctr">
+                        <a:lnSpc>
+                          <a:spcPct val="107000"/>
+                        </a:lnSpc>
+                        <a:spcBef>
+                          <a:spcPts val="0"/>
+                        </a:spcBef>
+                        <a:spcAft>
+                          <a:spcPts val="0"/>
+                        </a:spcAft>
+                      </a:pPr>
+                      <a:r>
+                        <a:rPr lang="en-US" sz="1000" dirty="0" smtClean="0">
+                          <a:effectLst/>
+                        </a:rPr>
+                        <a:t>124.20</a:t>
+                      </a:r>
+                      <a:endParaRPr lang="en-US" sz="1000" dirty="0">
+                        <a:effectLst/>
+                        <a:latin typeface="Calibri" panose="020F0502020204030204" pitchFamily="34" charset="0"/>
+                        <a:ea typeface="Calibri" panose="020F0502020204030204" pitchFamily="34" charset="0"/>
+                        <a:cs typeface="Times New Roman" panose="02020603050405020304" pitchFamily="18" charset="0"/>
+                      </a:endParaRPr>
+                    </a:p>
+                  </a:txBody>
+                  <a:tcPr marL="59852" marR="59852" marT="0" marB="0"/>
+                </a:tc>
+                <a:tc>
+                  <a:txBody>
+                    <a:bodyPr/>
+                    <a:lstStyle/>
+                    <a:p>
+                      <a:pPr marL="0" marR="0" algn="ctr">
+                        <a:lnSpc>
+                          <a:spcPct val="107000"/>
+                        </a:lnSpc>
+                        <a:spcBef>
+                          <a:spcPts val="0"/>
+                        </a:spcBef>
+                        <a:spcAft>
+                          <a:spcPts val="0"/>
+                        </a:spcAft>
+                      </a:pPr>
+                      <a:r>
+                        <a:rPr lang="en-US" sz="1000" dirty="0" smtClean="0">
+                          <a:effectLst/>
+                        </a:rPr>
+                        <a:t>124.20</a:t>
+                      </a:r>
+                      <a:endParaRPr lang="en-US" sz="1000" dirty="0">
+                        <a:effectLst/>
+                        <a:latin typeface="Calibri" panose="020F0502020204030204" pitchFamily="34" charset="0"/>
+                        <a:ea typeface="Calibri" panose="020F0502020204030204" pitchFamily="34" charset="0"/>
+                        <a:cs typeface="Times New Roman" panose="02020603050405020304" pitchFamily="18" charset="0"/>
+                      </a:endParaRPr>
+                    </a:p>
+                  </a:txBody>
+                  <a:tcPr marL="59852" marR="59852" marT="0" marB="0"/>
+                </a:tc>
+              </a:tr>
+              <a:tr h="160088">
+                <a:tc>
+                  <a:txBody>
+                    <a:bodyPr/>
+                    <a:lstStyle/>
+                    <a:p>
+                      <a:pPr marL="0" marR="0">
+                        <a:lnSpc>
+                          <a:spcPct val="107000"/>
+                        </a:lnSpc>
+                        <a:spcBef>
+                          <a:spcPts val="0"/>
+                        </a:spcBef>
+                        <a:spcAft>
+                          <a:spcPts val="0"/>
+                        </a:spcAft>
+                      </a:pPr>
+                      <a:r>
+                        <a:rPr lang="en-US" sz="1000" dirty="0">
+                          <a:effectLst/>
+                        </a:rPr>
+                        <a:t>v12</a:t>
+                      </a:r>
+                      <a:endParaRPr lang="en-US" sz="1000" dirty="0">
+                        <a:effectLst/>
+                        <a:latin typeface="Calibri" panose="020F0502020204030204" pitchFamily="34" charset="0"/>
+                        <a:ea typeface="Calibri" panose="020F0502020204030204" pitchFamily="34" charset="0"/>
+                        <a:cs typeface="Times New Roman" panose="02020603050405020304" pitchFamily="18" charset="0"/>
+                      </a:endParaRPr>
+                    </a:p>
+                  </a:txBody>
+                  <a:tcPr marL="59852" marR="59852" marT="0" marB="0"/>
+                </a:tc>
+                <a:tc>
+                  <a:txBody>
+                    <a:bodyPr/>
+                    <a:lstStyle/>
+                    <a:p>
+                      <a:pPr marL="0" marR="0" algn="ctr">
+                        <a:lnSpc>
+                          <a:spcPct val="107000"/>
+                        </a:lnSpc>
+                        <a:spcBef>
+                          <a:spcPts val="0"/>
+                        </a:spcBef>
+                        <a:spcAft>
+                          <a:spcPts val="0"/>
+                        </a:spcAft>
+                      </a:pPr>
+                      <a:r>
+                        <a:rPr lang="en-US" sz="1000" dirty="0" smtClean="0">
+                          <a:effectLst/>
+                        </a:rPr>
+                        <a:t>0.3196</a:t>
+                      </a:r>
+                      <a:endParaRPr lang="en-US" sz="1000" dirty="0">
+                        <a:effectLst/>
+                        <a:latin typeface="Calibri" panose="020F0502020204030204" pitchFamily="34" charset="0"/>
+                        <a:ea typeface="Calibri" panose="020F0502020204030204" pitchFamily="34" charset="0"/>
+                        <a:cs typeface="Times New Roman" panose="02020603050405020304" pitchFamily="18" charset="0"/>
+                      </a:endParaRPr>
+                    </a:p>
+                  </a:txBody>
+                  <a:tcPr marL="59852" marR="59852" marT="0" marB="0"/>
+                </a:tc>
+                <a:tc>
+                  <a:txBody>
+                    <a:bodyPr/>
+                    <a:lstStyle/>
+                    <a:p>
+                      <a:pPr marL="0" marR="0" algn="ctr">
+                        <a:lnSpc>
+                          <a:spcPct val="107000"/>
+                        </a:lnSpc>
+                        <a:spcBef>
+                          <a:spcPts val="0"/>
+                        </a:spcBef>
+                        <a:spcAft>
+                          <a:spcPts val="0"/>
+                        </a:spcAft>
+                      </a:pPr>
+                      <a:r>
+                        <a:rPr lang="en-US" sz="1000" dirty="0" smtClean="0">
+                          <a:effectLst/>
+                        </a:rPr>
+                        <a:t>0.3196</a:t>
+                      </a:r>
+                      <a:endParaRPr lang="en-US" sz="1000" dirty="0">
+                        <a:effectLst/>
+                        <a:latin typeface="Calibri" panose="020F0502020204030204" pitchFamily="34" charset="0"/>
+                        <a:ea typeface="Calibri" panose="020F0502020204030204" pitchFamily="34" charset="0"/>
+                        <a:cs typeface="Times New Roman" panose="02020603050405020304" pitchFamily="18" charset="0"/>
+                      </a:endParaRPr>
+                    </a:p>
+                  </a:txBody>
+                  <a:tcPr marL="59852" marR="59852" marT="0" marB="0"/>
+                </a:tc>
+              </a:tr>
+              <a:tr h="160088">
+                <a:tc>
+                  <a:txBody>
+                    <a:bodyPr/>
+                    <a:lstStyle/>
+                    <a:p>
+                      <a:pPr marL="0" marR="0">
+                        <a:lnSpc>
+                          <a:spcPct val="107000"/>
+                        </a:lnSpc>
+                        <a:spcBef>
+                          <a:spcPts val="0"/>
+                        </a:spcBef>
+                        <a:spcAft>
+                          <a:spcPts val="0"/>
+                        </a:spcAft>
+                      </a:pPr>
+                      <a:r>
+                        <a:rPr lang="en-US" sz="1000" dirty="0" smtClean="0">
+                          <a:effectLst/>
+                        </a:rPr>
+                        <a:t>G12 </a:t>
+                      </a:r>
+                      <a:r>
+                        <a:rPr lang="en-US" sz="1000" dirty="0" smtClean="0">
+                          <a:effectLst/>
+                        </a:rPr>
+                        <a:t>(</a:t>
+                      </a:r>
+                      <a:r>
+                        <a:rPr lang="en-US" sz="1000" dirty="0" err="1" smtClean="0">
+                          <a:effectLst/>
+                        </a:rPr>
+                        <a:t>GPa</a:t>
+                      </a:r>
+                      <a:r>
+                        <a:rPr lang="en-US" sz="1000" dirty="0" smtClean="0">
+                          <a:effectLst/>
+                        </a:rPr>
+                        <a:t>)</a:t>
+                      </a:r>
+                      <a:endParaRPr lang="en-US" sz="1000" dirty="0">
+                        <a:effectLst/>
+                        <a:latin typeface="Calibri" panose="020F0502020204030204" pitchFamily="34" charset="0"/>
+                        <a:ea typeface="Calibri" panose="020F0502020204030204" pitchFamily="34" charset="0"/>
+                        <a:cs typeface="Times New Roman" panose="02020603050405020304" pitchFamily="18" charset="0"/>
+                      </a:endParaRPr>
+                    </a:p>
+                  </a:txBody>
+                  <a:tcPr marL="59852" marR="59852" marT="0" marB="0"/>
+                </a:tc>
+                <a:tc>
+                  <a:txBody>
+                    <a:bodyPr/>
+                    <a:lstStyle/>
+                    <a:p>
+                      <a:pPr marL="0" marR="0" algn="ctr">
+                        <a:lnSpc>
+                          <a:spcPct val="107000"/>
+                        </a:lnSpc>
+                        <a:spcBef>
+                          <a:spcPts val="0"/>
+                        </a:spcBef>
+                        <a:spcAft>
+                          <a:spcPts val="0"/>
+                        </a:spcAft>
+                      </a:pPr>
+                      <a:r>
+                        <a:rPr lang="en-US" sz="1000" dirty="0" smtClean="0">
+                          <a:effectLst/>
+                        </a:rPr>
+                        <a:t>3.03</a:t>
+                      </a:r>
+                      <a:endParaRPr lang="en-US" sz="1000" dirty="0">
+                        <a:effectLst/>
+                        <a:latin typeface="Calibri" panose="020F0502020204030204" pitchFamily="34" charset="0"/>
+                        <a:ea typeface="Calibri" panose="020F0502020204030204" pitchFamily="34" charset="0"/>
+                        <a:cs typeface="Times New Roman" panose="02020603050405020304" pitchFamily="18" charset="0"/>
+                      </a:endParaRPr>
+                    </a:p>
+                  </a:txBody>
+                  <a:tcPr marL="59852" marR="59852" marT="0" marB="0"/>
+                </a:tc>
+                <a:tc>
+                  <a:txBody>
+                    <a:bodyPr/>
+                    <a:lstStyle/>
+                    <a:p>
+                      <a:pPr marL="0" marR="0" algn="ctr">
+                        <a:lnSpc>
+                          <a:spcPct val="107000"/>
+                        </a:lnSpc>
+                        <a:spcBef>
+                          <a:spcPts val="0"/>
+                        </a:spcBef>
+                        <a:spcAft>
+                          <a:spcPts val="0"/>
+                        </a:spcAft>
+                      </a:pPr>
+                      <a:r>
+                        <a:rPr lang="en-US" sz="1000" dirty="0" smtClean="0">
+                          <a:effectLst/>
+                        </a:rPr>
+                        <a:t>3.03</a:t>
+                      </a:r>
+                      <a:endParaRPr lang="en-US" sz="1000" dirty="0">
+                        <a:effectLst/>
+                        <a:latin typeface="Calibri" panose="020F0502020204030204" pitchFamily="34" charset="0"/>
+                        <a:ea typeface="Calibri" panose="020F0502020204030204" pitchFamily="34" charset="0"/>
+                        <a:cs typeface="Times New Roman" panose="02020603050405020304" pitchFamily="18" charset="0"/>
+                      </a:endParaRPr>
+                    </a:p>
+                  </a:txBody>
+                  <a:tcPr marL="59852" marR="59852" marT="0" marB="0"/>
+                </a:tc>
+              </a:tr>
+              <a:tr h="160088">
+                <a:tc>
+                  <a:txBody>
+                    <a:bodyPr/>
+                    <a:lstStyle/>
+                    <a:p>
+                      <a:pPr marL="0" marR="0">
+                        <a:lnSpc>
+                          <a:spcPct val="107000"/>
+                        </a:lnSpc>
+                        <a:spcBef>
+                          <a:spcPts val="0"/>
+                        </a:spcBef>
+                        <a:spcAft>
+                          <a:spcPts val="0"/>
+                        </a:spcAft>
+                      </a:pPr>
+                      <a:r>
+                        <a:rPr lang="en-US" sz="1000" dirty="0" smtClean="0">
+                          <a:effectLst/>
+                        </a:rPr>
+                        <a:t>K23 </a:t>
+                      </a:r>
+                      <a:r>
+                        <a:rPr lang="en-US" sz="1000" dirty="0" smtClean="0">
+                          <a:effectLst/>
+                        </a:rPr>
+                        <a:t>(</a:t>
+                      </a:r>
+                      <a:r>
+                        <a:rPr lang="en-US" sz="1000" dirty="0" err="1" smtClean="0">
+                          <a:effectLst/>
+                        </a:rPr>
+                        <a:t>GPa</a:t>
+                      </a:r>
+                      <a:r>
+                        <a:rPr lang="en-US" sz="1000" dirty="0" smtClean="0">
+                          <a:effectLst/>
+                        </a:rPr>
+                        <a:t>)</a:t>
+                      </a:r>
+                      <a:endParaRPr lang="en-US" sz="1000" dirty="0">
+                        <a:effectLst/>
+                        <a:latin typeface="Calibri" panose="020F0502020204030204" pitchFamily="34" charset="0"/>
+                        <a:ea typeface="Calibri" panose="020F0502020204030204" pitchFamily="34" charset="0"/>
+                        <a:cs typeface="Times New Roman" panose="02020603050405020304" pitchFamily="18" charset="0"/>
+                      </a:endParaRPr>
+                    </a:p>
+                  </a:txBody>
+                  <a:tcPr marL="59852" marR="59852" marT="0" marB="0"/>
+                </a:tc>
+                <a:tc>
+                  <a:txBody>
+                    <a:bodyPr/>
+                    <a:lstStyle/>
+                    <a:p>
+                      <a:pPr marL="0" marR="0" algn="ctr">
+                        <a:lnSpc>
+                          <a:spcPct val="107000"/>
+                        </a:lnSpc>
+                        <a:spcBef>
+                          <a:spcPts val="0"/>
+                        </a:spcBef>
+                        <a:spcAft>
+                          <a:spcPts val="0"/>
+                        </a:spcAft>
+                      </a:pPr>
+                      <a:r>
+                        <a:rPr lang="en-US" sz="1000" dirty="0" smtClean="0">
+                          <a:effectLst/>
+                        </a:rPr>
+                        <a:t>6.64</a:t>
+                      </a:r>
+                      <a:endParaRPr lang="en-US" sz="1000" dirty="0">
+                        <a:effectLst/>
+                        <a:latin typeface="Calibri" panose="020F0502020204030204" pitchFamily="34" charset="0"/>
+                        <a:ea typeface="Calibri" panose="020F0502020204030204" pitchFamily="34" charset="0"/>
+                        <a:cs typeface="Times New Roman" panose="02020603050405020304" pitchFamily="18" charset="0"/>
+                      </a:endParaRPr>
+                    </a:p>
+                  </a:txBody>
+                  <a:tcPr marL="59852" marR="59852" marT="0" marB="0"/>
+                </a:tc>
+                <a:tc>
+                  <a:txBody>
+                    <a:bodyPr/>
+                    <a:lstStyle/>
+                    <a:p>
+                      <a:pPr marL="0" marR="0" algn="ctr">
+                        <a:lnSpc>
+                          <a:spcPct val="107000"/>
+                        </a:lnSpc>
+                        <a:spcBef>
+                          <a:spcPts val="0"/>
+                        </a:spcBef>
+                        <a:spcAft>
+                          <a:spcPts val="0"/>
+                        </a:spcAft>
+                      </a:pPr>
+                      <a:r>
+                        <a:rPr lang="en-US" sz="1000" dirty="0" smtClean="0">
+                          <a:effectLst/>
+                        </a:rPr>
+                        <a:t>6.64</a:t>
+                      </a:r>
+                      <a:endParaRPr lang="en-US" sz="1000" dirty="0">
+                        <a:effectLst/>
+                        <a:latin typeface="Calibri" panose="020F0502020204030204" pitchFamily="34" charset="0"/>
+                        <a:ea typeface="Calibri" panose="020F0502020204030204" pitchFamily="34" charset="0"/>
+                        <a:cs typeface="Times New Roman" panose="02020603050405020304" pitchFamily="18" charset="0"/>
+                      </a:endParaRPr>
+                    </a:p>
+                  </a:txBody>
+                  <a:tcPr marL="59852" marR="59852" marT="0" marB="0"/>
+                </a:tc>
+              </a:tr>
+              <a:tr h="160088">
+                <a:tc>
+                  <a:txBody>
+                    <a:bodyPr/>
+                    <a:lstStyle/>
+                    <a:p>
+                      <a:pPr marL="0" marR="0">
+                        <a:lnSpc>
+                          <a:spcPct val="107000"/>
+                        </a:lnSpc>
+                        <a:spcBef>
+                          <a:spcPts val="0"/>
+                        </a:spcBef>
+                        <a:spcAft>
+                          <a:spcPts val="0"/>
+                        </a:spcAft>
+                      </a:pPr>
+                      <a:r>
+                        <a:rPr lang="en-US" sz="1000" dirty="0" smtClean="0">
+                          <a:effectLst/>
+                        </a:rPr>
+                        <a:t>G23 (</a:t>
+                      </a:r>
+                      <a:r>
+                        <a:rPr lang="en-US" sz="1000" dirty="0" err="1" smtClean="0">
+                          <a:effectLst/>
+                        </a:rPr>
+                        <a:t>GPa</a:t>
+                      </a:r>
+                      <a:r>
+                        <a:rPr lang="en-US" sz="1000" dirty="0" smtClean="0">
+                          <a:effectLst/>
+                        </a:rPr>
+                        <a:t>)</a:t>
+                      </a:r>
+                      <a:endParaRPr lang="en-US" sz="1000" dirty="0">
+                        <a:effectLst/>
+                        <a:latin typeface="Calibri" panose="020F0502020204030204" pitchFamily="34" charset="0"/>
+                        <a:ea typeface="Calibri" panose="020F0502020204030204" pitchFamily="34" charset="0"/>
+                        <a:cs typeface="Times New Roman" panose="02020603050405020304" pitchFamily="18" charset="0"/>
+                      </a:endParaRPr>
+                    </a:p>
+                  </a:txBody>
+                  <a:tcPr marL="59852" marR="59852" marT="0" marB="0"/>
+                </a:tc>
+                <a:tc>
+                  <a:txBody>
+                    <a:bodyPr/>
+                    <a:lstStyle/>
+                    <a:p>
+                      <a:pPr marL="0" marR="0" algn="ctr">
+                        <a:lnSpc>
+                          <a:spcPct val="107000"/>
+                        </a:lnSpc>
+                        <a:spcBef>
+                          <a:spcPts val="0"/>
+                        </a:spcBef>
+                        <a:spcAft>
+                          <a:spcPts val="0"/>
+                        </a:spcAft>
+                      </a:pPr>
+                      <a:r>
+                        <a:rPr lang="en-US" sz="1000" dirty="0" smtClean="0">
+                          <a:effectLst/>
+                        </a:rPr>
+                        <a:t>2.94</a:t>
+                      </a:r>
+                      <a:endParaRPr lang="en-US" sz="1000" dirty="0">
+                        <a:effectLst/>
+                        <a:latin typeface="Calibri" panose="020F0502020204030204" pitchFamily="34" charset="0"/>
+                        <a:ea typeface="Calibri" panose="020F0502020204030204" pitchFamily="34" charset="0"/>
+                        <a:cs typeface="Times New Roman" panose="02020603050405020304" pitchFamily="18" charset="0"/>
+                      </a:endParaRPr>
+                    </a:p>
+                  </a:txBody>
+                  <a:tcPr marL="59852" marR="59852" marT="0" marB="0"/>
+                </a:tc>
+                <a:tc>
+                  <a:txBody>
+                    <a:bodyPr/>
+                    <a:lstStyle/>
+                    <a:p>
+                      <a:pPr marL="0" marR="0" algn="ctr">
+                        <a:lnSpc>
+                          <a:spcPct val="107000"/>
+                        </a:lnSpc>
+                        <a:spcBef>
+                          <a:spcPts val="0"/>
+                        </a:spcBef>
+                        <a:spcAft>
+                          <a:spcPts val="0"/>
+                        </a:spcAft>
+                      </a:pPr>
+                      <a:r>
+                        <a:rPr lang="en-US" sz="1000" dirty="0" smtClean="0">
+                          <a:effectLst/>
+                        </a:rPr>
+                        <a:t>2.94</a:t>
+                      </a:r>
+                      <a:endParaRPr lang="en-US" sz="1000" dirty="0">
+                        <a:effectLst/>
+                        <a:latin typeface="Calibri" panose="020F0502020204030204" pitchFamily="34" charset="0"/>
+                        <a:ea typeface="Calibri" panose="020F0502020204030204" pitchFamily="34" charset="0"/>
+                        <a:cs typeface="Times New Roman" panose="02020603050405020304" pitchFamily="18" charset="0"/>
+                      </a:endParaRPr>
+                    </a:p>
+                  </a:txBody>
+                  <a:tcPr marL="59852" marR="59852" marT="0" marB="0"/>
+                </a:tc>
+              </a:tr>
+              <a:tr h="160088">
+                <a:tc>
+                  <a:txBody>
+                    <a:bodyPr/>
+                    <a:lstStyle/>
+                    <a:p>
+                      <a:pPr marL="0" marR="0">
+                        <a:lnSpc>
+                          <a:spcPct val="107000"/>
+                        </a:lnSpc>
+                        <a:spcBef>
+                          <a:spcPts val="0"/>
+                        </a:spcBef>
+                        <a:spcAft>
+                          <a:spcPts val="0"/>
+                        </a:spcAft>
+                      </a:pPr>
+                      <a:r>
+                        <a:rPr lang="en-US" sz="1000" dirty="0" smtClean="0">
+                          <a:effectLst/>
+                        </a:rPr>
+                        <a:t>E22 </a:t>
+                      </a:r>
+                      <a:r>
+                        <a:rPr lang="en-US" sz="1000" dirty="0" smtClean="0">
+                          <a:effectLst/>
+                        </a:rPr>
+                        <a:t>(</a:t>
+                      </a:r>
+                      <a:r>
+                        <a:rPr lang="en-US" sz="1000" dirty="0" err="1" smtClean="0">
+                          <a:effectLst/>
+                        </a:rPr>
+                        <a:t>GPa</a:t>
+                      </a:r>
+                      <a:r>
+                        <a:rPr lang="en-US" sz="1000" dirty="0" smtClean="0">
+                          <a:effectLst/>
+                        </a:rPr>
+                        <a:t>)</a:t>
+                      </a:r>
+                      <a:endParaRPr lang="en-US" sz="1000" dirty="0">
+                        <a:effectLst/>
+                        <a:latin typeface="Calibri" panose="020F0502020204030204" pitchFamily="34" charset="0"/>
+                        <a:ea typeface="Calibri" panose="020F0502020204030204" pitchFamily="34" charset="0"/>
+                        <a:cs typeface="Times New Roman" panose="02020603050405020304" pitchFamily="18" charset="0"/>
+                      </a:endParaRPr>
+                    </a:p>
+                  </a:txBody>
+                  <a:tcPr marL="59852" marR="59852" marT="0" marB="0"/>
+                </a:tc>
+                <a:tc>
+                  <a:txBody>
+                    <a:bodyPr/>
+                    <a:lstStyle/>
+                    <a:p>
+                      <a:pPr marL="0" marR="0" algn="ctr">
+                        <a:lnSpc>
+                          <a:spcPct val="107000"/>
+                        </a:lnSpc>
+                        <a:spcBef>
+                          <a:spcPts val="0"/>
+                        </a:spcBef>
+                        <a:spcAft>
+                          <a:spcPts val="0"/>
+                        </a:spcAft>
+                      </a:pPr>
+                      <a:r>
+                        <a:rPr lang="en-US" sz="1000" dirty="0" smtClean="0">
+                          <a:effectLst/>
+                        </a:rPr>
+                        <a:t>8.11</a:t>
+                      </a:r>
+                      <a:endParaRPr lang="en-US" sz="1000" dirty="0">
+                        <a:effectLst/>
+                        <a:latin typeface="Calibri" panose="020F0502020204030204" pitchFamily="34" charset="0"/>
+                        <a:ea typeface="Calibri" panose="020F0502020204030204" pitchFamily="34" charset="0"/>
+                        <a:cs typeface="Times New Roman" panose="02020603050405020304" pitchFamily="18" charset="0"/>
+                      </a:endParaRPr>
+                    </a:p>
+                  </a:txBody>
+                  <a:tcPr marL="59852" marR="59852" marT="0" marB="0"/>
+                </a:tc>
+                <a:tc>
+                  <a:txBody>
+                    <a:bodyPr/>
+                    <a:lstStyle/>
+                    <a:p>
+                      <a:pPr marL="0" marR="0" algn="ctr">
+                        <a:lnSpc>
+                          <a:spcPct val="107000"/>
+                        </a:lnSpc>
+                        <a:spcBef>
+                          <a:spcPts val="0"/>
+                        </a:spcBef>
+                        <a:spcAft>
+                          <a:spcPts val="0"/>
+                        </a:spcAft>
+                      </a:pPr>
+                      <a:r>
+                        <a:rPr lang="en-US" sz="1000" dirty="0" smtClean="0">
+                          <a:effectLst/>
+                        </a:rPr>
+                        <a:t>8.11</a:t>
+                      </a:r>
+                      <a:endParaRPr lang="en-US" sz="1000" dirty="0">
+                        <a:effectLst/>
+                        <a:latin typeface="Calibri" panose="020F0502020204030204" pitchFamily="34" charset="0"/>
+                        <a:ea typeface="Calibri" panose="020F0502020204030204" pitchFamily="34" charset="0"/>
+                        <a:cs typeface="Times New Roman" panose="02020603050405020304" pitchFamily="18" charset="0"/>
+                      </a:endParaRPr>
+                    </a:p>
+                  </a:txBody>
+                  <a:tcPr marL="59852" marR="59852" marT="0" marB="0"/>
+                </a:tc>
+              </a:tr>
+              <a:tr h="160088">
+                <a:tc>
+                  <a:txBody>
+                    <a:bodyPr/>
+                    <a:lstStyle/>
+                    <a:p>
+                      <a:pPr marL="0" marR="0">
+                        <a:lnSpc>
+                          <a:spcPct val="107000"/>
+                        </a:lnSpc>
+                        <a:spcBef>
+                          <a:spcPts val="0"/>
+                        </a:spcBef>
+                        <a:spcAft>
+                          <a:spcPts val="0"/>
+                        </a:spcAft>
+                      </a:pPr>
+                      <a:r>
+                        <a:rPr lang="en-US" sz="1000">
+                          <a:effectLst/>
+                        </a:rPr>
+                        <a:t>v23</a:t>
+                      </a:r>
+                      <a:endParaRPr lang="en-US" sz="1000">
+                        <a:effectLst/>
+                        <a:latin typeface="Calibri" panose="020F0502020204030204" pitchFamily="34" charset="0"/>
+                        <a:ea typeface="Calibri" panose="020F0502020204030204" pitchFamily="34" charset="0"/>
+                        <a:cs typeface="Times New Roman" panose="02020603050405020304" pitchFamily="18" charset="0"/>
+                      </a:endParaRPr>
+                    </a:p>
+                  </a:txBody>
+                  <a:tcPr marL="59852" marR="59852" marT="0" marB="0"/>
+                </a:tc>
+                <a:tc>
+                  <a:txBody>
+                    <a:bodyPr/>
+                    <a:lstStyle/>
+                    <a:p>
+                      <a:pPr marL="0" marR="0" algn="ctr">
+                        <a:lnSpc>
+                          <a:spcPct val="107000"/>
+                        </a:lnSpc>
+                        <a:spcBef>
+                          <a:spcPts val="0"/>
+                        </a:spcBef>
+                        <a:spcAft>
+                          <a:spcPts val="0"/>
+                        </a:spcAft>
+                      </a:pPr>
+                      <a:r>
+                        <a:rPr lang="en-US" sz="1000" dirty="0" smtClean="0">
+                          <a:effectLst/>
+                        </a:rPr>
+                        <a:t>0.3759</a:t>
+                      </a:r>
+                      <a:endParaRPr lang="en-US" sz="1000" dirty="0">
+                        <a:effectLst/>
+                        <a:latin typeface="Calibri" panose="020F0502020204030204" pitchFamily="34" charset="0"/>
+                        <a:ea typeface="Calibri" panose="020F0502020204030204" pitchFamily="34" charset="0"/>
+                        <a:cs typeface="Times New Roman" panose="02020603050405020304" pitchFamily="18" charset="0"/>
+                      </a:endParaRPr>
+                    </a:p>
+                  </a:txBody>
+                  <a:tcPr marL="59852" marR="59852" marT="0" marB="0"/>
+                </a:tc>
+                <a:tc>
+                  <a:txBody>
+                    <a:bodyPr/>
+                    <a:lstStyle/>
+                    <a:p>
+                      <a:pPr marL="0" marR="0" algn="ctr">
+                        <a:lnSpc>
+                          <a:spcPct val="107000"/>
+                        </a:lnSpc>
+                        <a:spcBef>
+                          <a:spcPts val="0"/>
+                        </a:spcBef>
+                        <a:spcAft>
+                          <a:spcPts val="0"/>
+                        </a:spcAft>
+                      </a:pPr>
+                      <a:r>
+                        <a:rPr lang="en-US" sz="1000" dirty="0" smtClean="0">
+                          <a:effectLst/>
+                        </a:rPr>
+                        <a:t>0.3759</a:t>
+                      </a:r>
+                      <a:endParaRPr lang="en-US" sz="1000" dirty="0">
+                        <a:effectLst/>
+                        <a:latin typeface="Calibri" panose="020F0502020204030204" pitchFamily="34" charset="0"/>
+                        <a:ea typeface="Calibri" panose="020F0502020204030204" pitchFamily="34" charset="0"/>
+                        <a:cs typeface="Times New Roman" panose="02020603050405020304" pitchFamily="18" charset="0"/>
+                      </a:endParaRPr>
+                    </a:p>
+                  </a:txBody>
+                  <a:tcPr marL="59852" marR="59852" marT="0" marB="0"/>
+                </a:tc>
+              </a:tr>
+            </a:tbl>
+          </a:graphicData>
+        </a:graphic>
+      </p:graphicFrame>
       <p:sp>
         <p:nvSpPr>
           <p:cNvPr id="5" name="Slide Number Placeholder 4"/>
@@ -11271,6 +14102,126 @@
           </a:p>
         </p:txBody>
       </p:sp>
+      <p:pic>
+        <p:nvPicPr>
+          <p:cNvPr id="7" name="Picture 6"/>
+          <p:cNvPicPr>
+            <a:picLocks noChangeAspect="1"/>
+          </p:cNvPicPr>
+          <p:nvPr/>
+        </p:nvPicPr>
+        <p:blipFill>
+          <a:blip r:embed="rId2">
+            <a:extLst>
+              <a:ext uri="{28A0092B-C50C-407E-A947-70E740481C1C}">
+                <a14:useLocalDpi xmlns:a14="http://schemas.microsoft.com/office/drawing/2010/main" val="0"/>
+              </a:ext>
+            </a:extLst>
+          </a:blip>
+          <a:stretch>
+            <a:fillRect/>
+          </a:stretch>
+        </p:blipFill>
+        <p:spPr>
+          <a:xfrm>
+            <a:off x="7101017" y="365125"/>
+            <a:ext cx="4143632" cy="3107725"/>
+          </a:xfrm>
+          <a:prstGeom prst="rect">
+            <a:avLst/>
+          </a:prstGeom>
+        </p:spPr>
+      </p:pic>
+      <p:pic>
+        <p:nvPicPr>
+          <p:cNvPr id="8" name="Picture 7"/>
+          <p:cNvPicPr>
+            <a:picLocks noChangeAspect="1"/>
+          </p:cNvPicPr>
+          <p:nvPr/>
+        </p:nvPicPr>
+        <p:blipFill>
+          <a:blip r:embed="rId2">
+            <a:extLst>
+              <a:ext uri="{28A0092B-C50C-407E-A947-70E740481C1C}">
+                <a14:useLocalDpi xmlns:a14="http://schemas.microsoft.com/office/drawing/2010/main" val="0"/>
+              </a:ext>
+            </a:extLst>
+          </a:blip>
+          <a:stretch>
+            <a:fillRect/>
+          </a:stretch>
+        </p:blipFill>
+        <p:spPr>
+          <a:xfrm>
+            <a:off x="7101017" y="3431187"/>
+            <a:ext cx="4143632" cy="3107725"/>
+          </a:xfrm>
+          <a:prstGeom prst="rect">
+            <a:avLst/>
+          </a:prstGeom>
+        </p:spPr>
+      </p:pic>
+      <p:sp>
+        <p:nvSpPr>
+          <p:cNvPr id="9" name="TextBox 8"/>
+          <p:cNvSpPr txBox="1"/>
+          <p:nvPr/>
+        </p:nvSpPr>
+        <p:spPr>
+          <a:xfrm>
+            <a:off x="7636476" y="2965622"/>
+            <a:ext cx="2924432" cy="369332"/>
+          </a:xfrm>
+          <a:prstGeom prst="rect">
+            <a:avLst/>
+          </a:prstGeom>
+          <a:noFill/>
+        </p:spPr>
+        <p:txBody>
+          <a:bodyPr wrap="square" rtlCol="0">
+            <a:spAutoFit/>
+          </a:bodyPr>
+          <a:lstStyle/>
+          <a:p>
+            <a:r>
+              <a:rPr lang="en-US" dirty="0" smtClean="0"/>
+              <a:t>No Interphase cells present</a:t>
+            </a:r>
+            <a:endParaRPr lang="en-US" dirty="0"/>
+          </a:p>
+        </p:txBody>
+      </p:sp>
+      <p:sp>
+        <p:nvSpPr>
+          <p:cNvPr id="10" name="TextBox 9"/>
+          <p:cNvSpPr txBox="1"/>
+          <p:nvPr/>
+        </p:nvSpPr>
+        <p:spPr>
+          <a:xfrm>
+            <a:off x="7636476" y="6171684"/>
+            <a:ext cx="2924432" cy="369332"/>
+          </a:xfrm>
+          <a:prstGeom prst="rect">
+            <a:avLst/>
+          </a:prstGeom>
+          <a:noFill/>
+        </p:spPr>
+        <p:txBody>
+          <a:bodyPr wrap="square" rtlCol="0">
+            <a:spAutoFit/>
+          </a:bodyPr>
+          <a:lstStyle/>
+          <a:p>
+            <a:r>
+              <a:rPr lang="en-US" dirty="0" smtClean="0"/>
+              <a:t>Interphase cells present</a:t>
+            </a:r>
+            <a:endParaRPr lang="en-US" dirty="0"/>
+          </a:p>
+        </p:txBody>
+      </p:sp>
     </p:spTree>
     <p:extLst>
       <p:ext uri="{BB962C8B-B14F-4D97-AF65-F5344CB8AC3E}">
@@ -11281,6 +14232,13 @@
   <p:clrMapOvr>
     <a:masterClrMapping/>
   </p:clrMapOvr>
+  <p:timing>
+    <p:tnLst>
+      <p:par>
+        <p:cTn id="1" dur="indefinite" restart="never" nodeType="tmRoot"/>
+      </p:par>
+    </p:tnLst>
+  </p:timing>
 </p:sld>
 </file>
 

--- a/Generalized Method of Cells (08-01-2014).pptx
+++ b/Generalized Method of Cells (08-01-2014).pptx
@@ -124,7 +124,7 @@
   </p:defaultTextStyle>
   <p:extLst>
     <p:ext uri="{EFAFB233-063F-42B5-8137-9DF3F51BA10A}">
-      <p15:sldGuideLst xmlns:p15="http://schemas.microsoft.com/office/powerpoint/2012/main">
+      <p15:sldGuideLst xmlns:p15="http://schemas.microsoft.com/office/powerpoint/2012/main" xmlns="">
         <p15:guide id="1" orient="horz" pos="2160">
           <p15:clr>
             <a:srgbClr val="A4A3A4"/>
@@ -223,7 +223,7 @@
           <a:p>
             <a:fld id="{7B333BA5-51A3-40A0-B8B6-6449580A3234}" type="datetimeFigureOut">
               <a:rPr lang="en-US" smtClean="0"/>
-              <a:t>7/31/2014</a:t>
+              <a:t>8/1/2014</a:t>
             </a:fld>
             <a:endParaRPr lang="en-US"/>
           </a:p>
@@ -388,7 +388,7 @@
           <a:p>
             <a:fld id="{30C2E9BF-685C-4ABF-925C-CABD8ED997ED}" type="datetimeFigureOut">
               <a:rPr lang="en-US" smtClean="0"/>
-              <a:t>7/31/2014</a:t>
+              <a:t>8/1/2014</a:t>
             </a:fld>
             <a:endParaRPr lang="en-US"/>
           </a:p>
@@ -871,7 +871,7 @@
           <a:p>
             <a:fld id="{51B38FC1-DB72-46C2-AE96-A0AE994E2717}" type="datetime1">
               <a:rPr lang="en-US" smtClean="0"/>
-              <a:t>7/31/2014</a:t>
+              <a:t>8/1/2014</a:t>
             </a:fld>
             <a:endParaRPr lang="en-US"/>
           </a:p>
@@ -1041,7 +1041,7 @@
           <a:p>
             <a:fld id="{825E2633-4636-48B3-BAAC-B88165078D94}" type="datetime1">
               <a:rPr lang="en-US" smtClean="0"/>
-              <a:t>7/31/2014</a:t>
+              <a:t>8/1/2014</a:t>
             </a:fld>
             <a:endParaRPr lang="en-US"/>
           </a:p>
@@ -1221,7 +1221,7 @@
           <a:p>
             <a:fld id="{CF3E49D9-F414-4E19-A0ED-310D76FD5DAC}" type="datetime1">
               <a:rPr lang="en-US" smtClean="0"/>
-              <a:t>7/31/2014</a:t>
+              <a:t>8/1/2014</a:t>
             </a:fld>
             <a:endParaRPr lang="en-US"/>
           </a:p>
@@ -1391,7 +1391,7 @@
           <a:p>
             <a:fld id="{E913274F-0962-406C-86A8-8D3405F8CF11}" type="datetime1">
               <a:rPr lang="en-US" smtClean="0"/>
-              <a:t>7/31/2014</a:t>
+              <a:t>8/1/2014</a:t>
             </a:fld>
             <a:endParaRPr lang="en-US"/>
           </a:p>
@@ -1637,7 +1637,7 @@
           <a:p>
             <a:fld id="{E3E12CBA-B143-447A-884E-49F10D835496}" type="datetime1">
               <a:rPr lang="en-US" smtClean="0"/>
-              <a:t>7/31/2014</a:t>
+              <a:t>8/1/2014</a:t>
             </a:fld>
             <a:endParaRPr lang="en-US"/>
           </a:p>
@@ -1869,7 +1869,7 @@
           <a:p>
             <a:fld id="{1BBE34B6-8ED9-4A3D-B24E-622AE7606EBD}" type="datetime1">
               <a:rPr lang="en-US" smtClean="0"/>
-              <a:t>7/31/2014</a:t>
+              <a:t>8/1/2014</a:t>
             </a:fld>
             <a:endParaRPr lang="en-US"/>
           </a:p>
@@ -2236,7 +2236,7 @@
           <a:p>
             <a:fld id="{322983B7-A536-432B-AC5D-30B01BE27FDE}" type="datetime1">
               <a:rPr lang="en-US" smtClean="0"/>
-              <a:t>7/31/2014</a:t>
+              <a:t>8/1/2014</a:t>
             </a:fld>
             <a:endParaRPr lang="en-US"/>
           </a:p>
@@ -2354,7 +2354,7 @@
           <a:p>
             <a:fld id="{DA0A4D64-33E7-44AE-B54A-4F0694EFD087}" type="datetime1">
               <a:rPr lang="en-US" smtClean="0"/>
-              <a:t>7/31/2014</a:t>
+              <a:t>8/1/2014</a:t>
             </a:fld>
             <a:endParaRPr lang="en-US"/>
           </a:p>
@@ -2449,7 +2449,7 @@
           <a:p>
             <a:fld id="{C74C1522-0843-4A1F-99B0-4AE57C4D5770}" type="datetime1">
               <a:rPr lang="en-US" smtClean="0"/>
-              <a:t>7/31/2014</a:t>
+              <a:t>8/1/2014</a:t>
             </a:fld>
             <a:endParaRPr lang="en-US"/>
           </a:p>
@@ -2726,7 +2726,7 @@
           <a:p>
             <a:fld id="{B1BC3398-6B26-40A6-9F1A-31623249176D}" type="datetime1">
               <a:rPr lang="en-US" smtClean="0"/>
-              <a:t>7/31/2014</a:t>
+              <a:t>8/1/2014</a:t>
             </a:fld>
             <a:endParaRPr lang="en-US"/>
           </a:p>
@@ -2979,7 +2979,7 @@
           <a:p>
             <a:fld id="{98FBEBD7-1149-4DB7-9FB3-76FBCB776BAB}" type="datetime1">
               <a:rPr lang="en-US" smtClean="0"/>
-              <a:t>7/31/2014</a:t>
+              <a:t>8/1/2014</a:t>
             </a:fld>
             <a:endParaRPr lang="en-US"/>
           </a:p>
@@ -3192,7 +3192,7 @@
           <a:p>
             <a:fld id="{1F641966-DB4A-4A37-A2CC-0C62F7E403E3}" type="datetime1">
               <a:rPr lang="en-US" smtClean="0"/>
-              <a:t>7/31/2014</a:t>
+              <a:t>8/1/2014</a:t>
             </a:fld>
             <a:endParaRPr lang="en-US"/>
           </a:p>
@@ -5870,7 +5870,7 @@
                         <m:sSubPr>
                           <m:ctrlPr>
                             <a:rPr lang="en-US" i="1" smtClean="0">
-                              <a:latin typeface="Cambria Math" panose="02040503050406030204" pitchFamily="18" charset="0"/>
+                              <a:latin typeface="Cambria Math"/>
                             </a:rPr>
                           </m:ctrlPr>
                         </m:sSubPr>
@@ -5881,7 +5881,7 @@
                               <m:endChr m:val="|"/>
                               <m:ctrlPr>
                                 <a:rPr lang="en-US" i="1">
-                                  <a:latin typeface="Cambria Math" panose="02040503050406030204" pitchFamily="18" charset="0"/>
+                                  <a:latin typeface="Cambria Math"/>
                                 </a:rPr>
                               </m:ctrlPr>
                             </m:dPr>
@@ -5890,7 +5890,7 @@
                                 <m:sSupPr>
                                   <m:ctrlPr>
                                     <a:rPr lang="en-US" i="1">
-                                      <a:latin typeface="Cambria Math" panose="02040503050406030204" pitchFamily="18" charset="0"/>
+                                      <a:latin typeface="Cambria Math"/>
                                     </a:rPr>
                                   </m:ctrlPr>
                                 </m:sSupPr>
@@ -5899,7 +5899,7 @@
                                     <m:sSubPr>
                                       <m:ctrlPr>
                                         <a:rPr lang="en-US" i="1">
-                                          <a:latin typeface="Cambria Math" panose="02040503050406030204" pitchFamily="18" charset="0"/>
+                                          <a:latin typeface="Cambria Math"/>
                                         </a:rPr>
                                       </m:ctrlPr>
                                     </m:sSubPr>
@@ -5950,7 +5950,7 @@
                             <m:sSupPr>
                               <m:ctrlPr>
                                 <a:rPr lang="en-US" i="1" smtClean="0">
-                                  <a:latin typeface="Cambria Math" panose="02040503050406030204" pitchFamily="18" charset="0"/>
+                                  <a:latin typeface="Cambria Math"/>
                                 </a:rPr>
                               </m:ctrlPr>
                             </m:sSupPr>
@@ -5959,7 +5959,7 @@
                                 <m:sSubPr>
                                   <m:ctrlPr>
                                     <a:rPr lang="en-US" i="1" smtClean="0">
-                                      <a:latin typeface="Cambria Math" panose="02040503050406030204" pitchFamily="18" charset="0"/>
+                                      <a:latin typeface="Cambria Math"/>
                                     </a:rPr>
                                   </m:ctrlPr>
                                 </m:sSubPr>
@@ -5969,7 +5969,7 @@
                                       <m:chr m:val="̅"/>
                                       <m:ctrlPr>
                                         <a:rPr lang="en-US" i="1" smtClean="0">
-                                          <a:latin typeface="Cambria Math" panose="02040503050406030204" pitchFamily="18" charset="0"/>
+                                          <a:latin typeface="Cambria Math"/>
                                         </a:rPr>
                                       </m:ctrlPr>
                                     </m:accPr>
@@ -6024,7 +6024,7 @@
                             <m:sSubPr>
                               <m:ctrlPr>
                                 <a:rPr lang="en-US" b="0" i="1" smtClean="0">
-                                  <a:latin typeface="Cambria Math" panose="02040503050406030204" pitchFamily="18" charset="0"/>
+                                  <a:latin typeface="Cambria Math"/>
                                 </a:rPr>
                               </m:ctrlPr>
                             </m:sSubPr>
@@ -6063,7 +6063,7 @@
                         <m:sSubPr>
                           <m:ctrlPr>
                             <a:rPr lang="en-US" i="1">
-                              <a:latin typeface="Cambria Math" panose="02040503050406030204" pitchFamily="18" charset="0"/>
+                              <a:latin typeface="Cambria Math"/>
                             </a:rPr>
                           </m:ctrlPr>
                         </m:sSubPr>
@@ -6074,7 +6074,7 @@
                               <m:endChr m:val="|"/>
                               <m:ctrlPr>
                                 <a:rPr lang="en-US" i="1">
-                                  <a:latin typeface="Cambria Math" panose="02040503050406030204" pitchFamily="18" charset="0"/>
+                                  <a:latin typeface="Cambria Math"/>
                                 </a:rPr>
                               </m:ctrlPr>
                             </m:dPr>
@@ -6083,7 +6083,7 @@
                                 <m:sSupPr>
                                   <m:ctrlPr>
                                     <a:rPr lang="en-US" i="1">
-                                      <a:latin typeface="Cambria Math" panose="02040503050406030204" pitchFamily="18" charset="0"/>
+                                      <a:latin typeface="Cambria Math"/>
                                     </a:rPr>
                                   </m:ctrlPr>
                                 </m:sSupPr>
@@ -6092,7 +6092,7 @@
                                     <m:sSubPr>
                                       <m:ctrlPr>
                                         <a:rPr lang="en-US" i="1">
-                                          <a:latin typeface="Cambria Math" panose="02040503050406030204" pitchFamily="18" charset="0"/>
+                                          <a:latin typeface="Cambria Math"/>
                                         </a:rPr>
                                       </m:ctrlPr>
                                     </m:sSubPr>
@@ -6126,7 +6126,7 @@
                                       <m:chr m:val="̂"/>
                                       <m:ctrlPr>
                                         <a:rPr lang="en-US" i="1" smtClean="0">
-                                          <a:latin typeface="Cambria Math" panose="02040503050406030204" pitchFamily="18" charset="0"/>
+                                          <a:latin typeface="Cambria Math"/>
                                         </a:rPr>
                                       </m:ctrlPr>
                                     </m:accPr>
@@ -6161,7 +6161,7 @@
                             <m:sSupPr>
                               <m:ctrlPr>
                                 <a:rPr lang="en-US" i="1">
-                                  <a:latin typeface="Cambria Math" panose="02040503050406030204" pitchFamily="18" charset="0"/>
+                                  <a:latin typeface="Cambria Math"/>
                                 </a:rPr>
                               </m:ctrlPr>
                             </m:sSupPr>
@@ -6170,7 +6170,7 @@
                                 <m:sSubPr>
                                   <m:ctrlPr>
                                     <a:rPr lang="en-US" i="1">
-                                      <a:latin typeface="Cambria Math" panose="02040503050406030204" pitchFamily="18" charset="0"/>
+                                      <a:latin typeface="Cambria Math"/>
                                     </a:rPr>
                                   </m:ctrlPr>
                                 </m:sSubPr>
@@ -6180,7 +6180,7 @@
                                       <m:chr m:val="̅"/>
                                       <m:ctrlPr>
                                         <a:rPr lang="en-US" i="1">
-                                          <a:latin typeface="Cambria Math" panose="02040503050406030204" pitchFamily="18" charset="0"/>
+                                          <a:latin typeface="Cambria Math"/>
                                         </a:rPr>
                                       </m:ctrlPr>
                                     </m:accPr>
@@ -6216,7 +6216,7 @@
                                   <m:chr m:val="̂"/>
                                   <m:ctrlPr>
                                     <a:rPr lang="en-US" i="1">
-                                      <a:latin typeface="Cambria Math" panose="02040503050406030204" pitchFamily="18" charset="0"/>
+                                      <a:latin typeface="Cambria Math"/>
                                     </a:rPr>
                                   </m:ctrlPr>
                                 </m:accPr>
@@ -6247,7 +6247,7 @@
                             <m:sSubPr>
                               <m:ctrlPr>
                                 <a:rPr lang="en-US" i="1">
-                                  <a:latin typeface="Cambria Math" panose="02040503050406030204" pitchFamily="18" charset="0"/>
+                                  <a:latin typeface="Cambria Math"/>
                                 </a:rPr>
                               </m:ctrlPr>
                             </m:sSubPr>
@@ -6271,7 +6271,7 @@
                                   <m:chr m:val="̂"/>
                                   <m:ctrlPr>
                                     <a:rPr lang="en-US" i="1">
-                                      <a:latin typeface="Cambria Math" panose="02040503050406030204" pitchFamily="18" charset="0"/>
+                                      <a:latin typeface="Cambria Math"/>
                                     </a:rPr>
                                   </m:ctrlPr>
                                 </m:accPr>
@@ -6311,7 +6311,7 @@
                         <m:sSubPr>
                           <m:ctrlPr>
                             <a:rPr lang="en-US" i="1">
-                              <a:latin typeface="Cambria Math" panose="02040503050406030204" pitchFamily="18" charset="0"/>
+                              <a:latin typeface="Cambria Math"/>
                             </a:rPr>
                           </m:ctrlPr>
                         </m:sSubPr>
@@ -6322,7 +6322,7 @@
                               <m:endChr m:val="|"/>
                               <m:ctrlPr>
                                 <a:rPr lang="en-US" i="1">
-                                  <a:latin typeface="Cambria Math" panose="02040503050406030204" pitchFamily="18" charset="0"/>
+                                  <a:latin typeface="Cambria Math"/>
                                 </a:rPr>
                               </m:ctrlPr>
                             </m:dPr>
@@ -6331,7 +6331,7 @@
                                 <m:sSupPr>
                                   <m:ctrlPr>
                                     <a:rPr lang="en-US" i="1">
-                                      <a:latin typeface="Cambria Math" panose="02040503050406030204" pitchFamily="18" charset="0"/>
+                                      <a:latin typeface="Cambria Math"/>
                                     </a:rPr>
                                   </m:ctrlPr>
                                 </m:sSupPr>
@@ -6340,7 +6340,7 @@
                                     <m:sSubPr>
                                       <m:ctrlPr>
                                         <a:rPr lang="en-US" i="1">
-                                          <a:latin typeface="Cambria Math" panose="02040503050406030204" pitchFamily="18" charset="0"/>
+                                          <a:latin typeface="Cambria Math"/>
                                         </a:rPr>
                                       </m:ctrlPr>
                                     </m:sSubPr>
@@ -6391,7 +6391,7 @@
                             <m:sSupPr>
                               <m:ctrlPr>
                                 <a:rPr lang="en-US" i="1">
-                                  <a:latin typeface="Cambria Math" panose="02040503050406030204" pitchFamily="18" charset="0"/>
+                                  <a:latin typeface="Cambria Math"/>
                                 </a:rPr>
                               </m:ctrlPr>
                             </m:sSupPr>
@@ -6400,7 +6400,7 @@
                                 <m:sSubPr>
                                   <m:ctrlPr>
                                     <a:rPr lang="en-US" i="1">
-                                      <a:latin typeface="Cambria Math" panose="02040503050406030204" pitchFamily="18" charset="0"/>
+                                      <a:latin typeface="Cambria Math"/>
                                     </a:rPr>
                                   </m:ctrlPr>
                                 </m:sSubPr>
@@ -6410,7 +6410,7 @@
                                       <m:chr m:val="̅"/>
                                       <m:ctrlPr>
                                         <a:rPr lang="en-US" i="1">
-                                          <a:latin typeface="Cambria Math" panose="02040503050406030204" pitchFamily="18" charset="0"/>
+                                          <a:latin typeface="Cambria Math"/>
                                         </a:rPr>
                                       </m:ctrlPr>
                                     </m:accPr>
@@ -6465,7 +6465,7 @@
                             <m:sSubPr>
                               <m:ctrlPr>
                                 <a:rPr lang="en-US" i="1">
-                                  <a:latin typeface="Cambria Math" panose="02040503050406030204" pitchFamily="18" charset="0"/>
+                                  <a:latin typeface="Cambria Math"/>
                                 </a:rPr>
                               </m:ctrlPr>
                             </m:sSubPr>
@@ -6504,7 +6504,7 @@
                         <m:sSubPr>
                           <m:ctrlPr>
                             <a:rPr lang="en-US" i="1">
-                              <a:latin typeface="Cambria Math" panose="02040503050406030204" pitchFamily="18" charset="0"/>
+                              <a:latin typeface="Cambria Math"/>
                             </a:rPr>
                           </m:ctrlPr>
                         </m:sSubPr>
@@ -6515,7 +6515,7 @@
                               <m:endChr m:val="|"/>
                               <m:ctrlPr>
                                 <a:rPr lang="en-US" i="1">
-                                  <a:latin typeface="Cambria Math" panose="02040503050406030204" pitchFamily="18" charset="0"/>
+                                  <a:latin typeface="Cambria Math"/>
                                 </a:rPr>
                               </m:ctrlPr>
                             </m:dPr>
@@ -6524,7 +6524,7 @@
                                 <m:sSupPr>
                                   <m:ctrlPr>
                                     <a:rPr lang="en-US" i="1">
-                                      <a:latin typeface="Cambria Math" panose="02040503050406030204" pitchFamily="18" charset="0"/>
+                                      <a:latin typeface="Cambria Math"/>
                                     </a:rPr>
                                   </m:ctrlPr>
                                 </m:sSupPr>
@@ -6533,7 +6533,7 @@
                                     <m:sSubPr>
                                       <m:ctrlPr>
                                         <a:rPr lang="en-US" i="1">
-                                          <a:latin typeface="Cambria Math" panose="02040503050406030204" pitchFamily="18" charset="0"/>
+                                          <a:latin typeface="Cambria Math"/>
                                         </a:rPr>
                                       </m:ctrlPr>
                                     </m:sSubPr>
@@ -6573,7 +6573,7 @@
                                       <m:chr m:val="̂"/>
                                       <m:ctrlPr>
                                         <a:rPr lang="en-US" b="0" i="1" smtClean="0">
-                                          <a:latin typeface="Cambria Math" panose="02040503050406030204" pitchFamily="18" charset="0"/>
+                                          <a:latin typeface="Cambria Math"/>
                                         </a:rPr>
                                       </m:ctrlPr>
                                     </m:accPr>
@@ -6602,7 +6602,7 @@
                             <m:sSupPr>
                               <m:ctrlPr>
                                 <a:rPr lang="en-US" i="1">
-                                  <a:latin typeface="Cambria Math" panose="02040503050406030204" pitchFamily="18" charset="0"/>
+                                  <a:latin typeface="Cambria Math"/>
                                 </a:rPr>
                               </m:ctrlPr>
                             </m:sSupPr>
@@ -6611,7 +6611,7 @@
                                 <m:sSubPr>
                                   <m:ctrlPr>
                                     <a:rPr lang="en-US" i="1">
-                                      <a:latin typeface="Cambria Math" panose="02040503050406030204" pitchFamily="18" charset="0"/>
+                                      <a:latin typeface="Cambria Math"/>
                                     </a:rPr>
                                   </m:ctrlPr>
                                 </m:sSubPr>
@@ -6621,7 +6621,7 @@
                                       <m:chr m:val="̅"/>
                                       <m:ctrlPr>
                                         <a:rPr lang="en-US" i="1">
-                                          <a:latin typeface="Cambria Math" panose="02040503050406030204" pitchFamily="18" charset="0"/>
+                                          <a:latin typeface="Cambria Math"/>
                                         </a:rPr>
                                       </m:ctrlPr>
                                     </m:accPr>
@@ -6657,7 +6657,7 @@
                                   <m:chr m:val="̂"/>
                                   <m:ctrlPr>
                                     <a:rPr lang="en-US" i="1">
-                                      <a:latin typeface="Cambria Math" panose="02040503050406030204" pitchFamily="18" charset="0"/>
+                                      <a:latin typeface="Cambria Math"/>
                                     </a:rPr>
                                   </m:ctrlPr>
                                 </m:accPr>
@@ -6688,7 +6688,7 @@
                             <m:sSubPr>
                               <m:ctrlPr>
                                 <a:rPr lang="en-US" i="1">
-                                  <a:latin typeface="Cambria Math" panose="02040503050406030204" pitchFamily="18" charset="0"/>
+                                  <a:latin typeface="Cambria Math"/>
                                 </a:rPr>
                               </m:ctrlPr>
                             </m:sSubPr>
@@ -6712,7 +6712,7 @@
                                   <m:chr m:val="̂"/>
                                   <m:ctrlPr>
                                     <a:rPr lang="en-US" i="1">
-                                      <a:latin typeface="Cambria Math" panose="02040503050406030204" pitchFamily="18" charset="0"/>
+                                      <a:latin typeface="Cambria Math"/>
                                     </a:rPr>
                                   </m:ctrlPr>
                                 </m:accPr>
@@ -6756,7 +6756,7 @@
                           <m:chr m:val="̂"/>
                           <m:ctrlPr>
                             <a:rPr lang="en-US" i="1" smtClean="0">
-                              <a:latin typeface="Cambria Math" panose="02040503050406030204" pitchFamily="18" charset="0"/>
+                              <a:latin typeface="Cambria Math"/>
                             </a:rPr>
                           </m:ctrlPr>
                         </m:accPr>
@@ -6781,7 +6781,7 @@
                           <m:endChr m:val=""/>
                           <m:ctrlPr>
                             <a:rPr lang="en-US" i="1">
-                              <a:latin typeface="Cambria Math" panose="02040503050406030204" pitchFamily="18" charset="0"/>
+                              <a:latin typeface="Cambria Math"/>
                             </a:rPr>
                           </m:ctrlPr>
                         </m:dPr>
@@ -6790,7 +6790,7 @@
                             <m:eqArrPr>
                               <m:ctrlPr>
                                 <a:rPr lang="en-US" i="1">
-                                  <a:latin typeface="Cambria Math" panose="02040503050406030204" pitchFamily="18" charset="0"/>
+                                  <a:latin typeface="Cambria Math"/>
                                 </a:rPr>
                               </m:ctrlPr>
                             </m:eqArrPr>
@@ -6823,7 +6823,7 @@
                                 <m:sSubPr>
                                   <m:ctrlPr>
                                     <a:rPr lang="en-US" i="1" smtClean="0">
-                                      <a:latin typeface="Cambria Math" panose="02040503050406030204" pitchFamily="18" charset="0"/>
+                                      <a:latin typeface="Cambria Math"/>
                                     </a:rPr>
                                   </m:ctrlPr>
                                 </m:sSubPr>
@@ -6892,7 +6892,7 @@
                                 <m:sSubPr>
                                   <m:ctrlPr>
                                     <a:rPr lang="en-US" i="1">
-                                      <a:latin typeface="Cambria Math" panose="02040503050406030204" pitchFamily="18" charset="0"/>
+                                      <a:latin typeface="Cambria Math"/>
                                     </a:rPr>
                                   </m:ctrlPr>
                                 </m:sSubPr>
@@ -6935,7 +6935,7 @@
                           <m:chr m:val="̂"/>
                           <m:ctrlPr>
                             <a:rPr lang="en-US" i="1">
-                              <a:latin typeface="Cambria Math" panose="02040503050406030204" pitchFamily="18" charset="0"/>
+                              <a:latin typeface="Cambria Math"/>
                             </a:rPr>
                           </m:ctrlPr>
                         </m:accPr>
@@ -6960,7 +6960,7 @@
                           <m:endChr m:val=""/>
                           <m:ctrlPr>
                             <a:rPr lang="en-US" i="1">
-                              <a:latin typeface="Cambria Math" panose="02040503050406030204" pitchFamily="18" charset="0"/>
+                              <a:latin typeface="Cambria Math"/>
                             </a:rPr>
                           </m:ctrlPr>
                         </m:dPr>
@@ -6969,7 +6969,7 @@
                             <m:eqArrPr>
                               <m:ctrlPr>
                                 <a:rPr lang="en-US" i="1">
-                                  <a:latin typeface="Cambria Math" panose="02040503050406030204" pitchFamily="18" charset="0"/>
+                                  <a:latin typeface="Cambria Math"/>
                                 </a:rPr>
                               </m:ctrlPr>
                             </m:eqArrPr>
@@ -7002,7 +7002,7 @@
                                 <m:sSubPr>
                                   <m:ctrlPr>
                                     <a:rPr lang="en-US" i="1">
-                                      <a:latin typeface="Cambria Math" panose="02040503050406030204" pitchFamily="18" charset="0"/>
+                                      <a:latin typeface="Cambria Math"/>
                                     </a:rPr>
                                   </m:ctrlPr>
                                 </m:sSubPr>
@@ -7047,7 +7047,7 @@
                                 <m:sSubPr>
                                   <m:ctrlPr>
                                     <a:rPr lang="en-US" i="1">
-                                      <a:latin typeface="Cambria Math" panose="02040503050406030204" pitchFamily="18" charset="0"/>
+                                      <a:latin typeface="Cambria Math"/>
                                     </a:rPr>
                                   </m:ctrlPr>
                                 </m:sSubPr>
@@ -7279,7 +7279,7 @@
                         <m:sSupPr>
                           <m:ctrlPr>
                             <a:rPr lang="en-US" i="1" smtClean="0">
-                              <a:latin typeface="Cambria Math" panose="02040503050406030204" pitchFamily="18" charset="0"/>
+                              <a:latin typeface="Cambria Math"/>
                             </a:rPr>
                           </m:ctrlPr>
                         </m:sSupPr>
@@ -7289,7 +7289,7 @@
                               <m:chr m:val="̅"/>
                               <m:ctrlPr>
                                 <a:rPr lang="en-US" i="1">
-                                  <a:latin typeface="Cambria Math" panose="02040503050406030204" pitchFamily="18" charset="0"/>
+                                  <a:latin typeface="Cambria Math"/>
                                 </a:rPr>
                               </m:ctrlPr>
                             </m:accPr>
@@ -7308,7 +7308,7 @@
                             <m:dPr>
                               <m:ctrlPr>
                                 <a:rPr lang="en-US" i="1">
-                                  <a:latin typeface="Cambria Math" panose="02040503050406030204" pitchFamily="18" charset="0"/>
+                                  <a:latin typeface="Cambria Math"/>
                                 </a:rPr>
                               </m:ctrlPr>
                             </m:dPr>
@@ -7333,7 +7333,7 @@
                         <m:sSupPr>
                           <m:ctrlPr>
                             <a:rPr lang="en-US" b="0" i="1" smtClean="0">
-                              <a:latin typeface="Cambria Math" panose="02040503050406030204" pitchFamily="18" charset="0"/>
+                              <a:latin typeface="Cambria Math"/>
                             </a:rPr>
                           </m:ctrlPr>
                         </m:sSupPr>
@@ -7350,7 +7350,7 @@
                             <m:dPr>
                               <m:ctrlPr>
                                 <a:rPr lang="en-US" i="1">
-                                  <a:latin typeface="Cambria Math" panose="02040503050406030204" pitchFamily="18" charset="0"/>
+                                  <a:latin typeface="Cambria Math"/>
                                 </a:rPr>
                               </m:ctrlPr>
                             </m:dPr>
@@ -7370,7 +7370,7 @@
                           <m:chr m:val="̅"/>
                           <m:ctrlPr>
                             <a:rPr lang="en-US" b="0" i="1" smtClean="0">
-                              <a:latin typeface="Cambria Math" panose="02040503050406030204" pitchFamily="18" charset="0"/>
+                              <a:latin typeface="Cambria Math"/>
                             </a:rPr>
                           </m:ctrlPr>
                         </m:accPr>
@@ -7425,7 +7425,7 @@
                         <m:sSupPr>
                           <m:ctrlPr>
                             <a:rPr lang="en-US" i="1" smtClean="0">
-                              <a:latin typeface="Cambria Math" panose="02040503050406030204" pitchFamily="18" charset="0"/>
+                              <a:latin typeface="Cambria Math"/>
                             </a:rPr>
                           </m:ctrlPr>
                         </m:sSupPr>
@@ -7435,7 +7435,7 @@
                               <m:chr m:val="̅"/>
                               <m:ctrlPr>
                                 <a:rPr lang="en-US" i="1" smtClean="0">
-                                  <a:latin typeface="Cambria Math" panose="02040503050406030204" pitchFamily="18" charset="0"/>
+                                  <a:latin typeface="Cambria Math"/>
                                 </a:rPr>
                               </m:ctrlPr>
                             </m:accPr>
@@ -7454,7 +7454,7 @@
                             <m:dPr>
                               <m:ctrlPr>
                                 <a:rPr lang="en-US" b="0" i="1" smtClean="0">
-                                  <a:latin typeface="Cambria Math" panose="02040503050406030204" pitchFamily="18" charset="0"/>
+                                  <a:latin typeface="Cambria Math"/>
                                 </a:rPr>
                               </m:ctrlPr>
                             </m:dPr>
@@ -7479,7 +7479,7 @@
                         <m:sSupPr>
                           <m:ctrlPr>
                             <a:rPr lang="en-US" b="0" i="1" smtClean="0">
-                              <a:latin typeface="Cambria Math" panose="02040503050406030204" pitchFamily="18" charset="0"/>
+                              <a:latin typeface="Cambria Math"/>
                             </a:rPr>
                           </m:ctrlPr>
                         </m:sSupPr>
@@ -7496,7 +7496,7 @@
                             <m:dPr>
                               <m:ctrlPr>
                                 <a:rPr lang="en-US" i="1">
-                                  <a:latin typeface="Cambria Math" panose="02040503050406030204" pitchFamily="18" charset="0"/>
+                                  <a:latin typeface="Cambria Math"/>
                                 </a:rPr>
                               </m:ctrlPr>
                             </m:dPr>
@@ -7515,7 +7515,7 @@
                         <m:dPr>
                           <m:ctrlPr>
                             <a:rPr lang="en-US" b="0" i="1" smtClean="0">
-                              <a:latin typeface="Cambria Math" panose="02040503050406030204" pitchFamily="18" charset="0"/>
+                              <a:latin typeface="Cambria Math"/>
                             </a:rPr>
                           </m:ctrlPr>
                         </m:dPr>
@@ -7524,7 +7524,7 @@
                             <m:sSupPr>
                               <m:ctrlPr>
                                 <a:rPr lang="en-US" b="0" i="1" smtClean="0">
-                                  <a:latin typeface="Cambria Math" panose="02040503050406030204" pitchFamily="18" charset="0"/>
+                                  <a:latin typeface="Cambria Math"/>
                                 </a:rPr>
                               </m:ctrlPr>
                             </m:sSupPr>
@@ -7541,7 +7541,7 @@
                                 <m:dPr>
                                   <m:ctrlPr>
                                     <a:rPr lang="en-US" i="1">
-                                      <a:latin typeface="Cambria Math" panose="02040503050406030204" pitchFamily="18" charset="0"/>
+                                      <a:latin typeface="Cambria Math"/>
                                     </a:rPr>
                                   </m:ctrlPr>
                                 </m:dPr>
@@ -7561,7 +7561,7 @@
                               <m:chr m:val="̅"/>
                               <m:ctrlPr>
                                 <a:rPr lang="en-US" b="0" i="1" smtClean="0">
-                                  <a:latin typeface="Cambria Math" panose="02040503050406030204" pitchFamily="18" charset="0"/>
+                                  <a:latin typeface="Cambria Math"/>
                                 </a:rPr>
                               </m:ctrlPr>
                             </m:accPr>
@@ -7608,7 +7608,7 @@
                           <m:chr m:val="̅"/>
                           <m:ctrlPr>
                             <a:rPr lang="en-US" i="1">
-                              <a:latin typeface="Cambria Math" panose="02040503050406030204" pitchFamily="18" charset="0"/>
+                              <a:latin typeface="Cambria Math"/>
                             </a:rPr>
                           </m:ctrlPr>
                         </m:accPr>
@@ -7631,7 +7631,7 @@
                         <m:fPr>
                           <m:ctrlPr>
                             <a:rPr lang="en-US" b="0" i="1" smtClean="0">
-                              <a:latin typeface="Cambria Math" panose="02040503050406030204" pitchFamily="18" charset="0"/>
+                              <a:latin typeface="Cambria Math"/>
                             </a:rPr>
                           </m:ctrlPr>
                         </m:fPr>
@@ -7657,7 +7657,7 @@
                           <m:chr m:val="∑"/>
                           <m:ctrlPr>
                             <a:rPr lang="en-US" b="0" i="1" smtClean="0">
-                              <a:latin typeface="Cambria Math" panose="02040503050406030204" pitchFamily="18" charset="0"/>
+                              <a:latin typeface="Cambria Math"/>
                             </a:rPr>
                           </m:ctrlPr>
                         </m:naryPr>
@@ -7680,7 +7680,7 @@
                             <m:sSubPr>
                               <m:ctrlPr>
                                 <a:rPr lang="en-US" b="0" i="1" smtClean="0">
-                                  <a:latin typeface="Cambria Math" panose="02040503050406030204" pitchFamily="18" charset="0"/>
+                                  <a:latin typeface="Cambria Math"/>
                                 </a:rPr>
                               </m:ctrlPr>
                             </m:sSubPr>
@@ -7708,7 +7708,7 @@
                               <m:chr m:val="∑"/>
                               <m:ctrlPr>
                                 <a:rPr lang="en-US" b="0" i="1" smtClean="0">
-                                  <a:latin typeface="Cambria Math" panose="02040503050406030204" pitchFamily="18" charset="0"/>
+                                  <a:latin typeface="Cambria Math"/>
                                 </a:rPr>
                               </m:ctrlPr>
                             </m:naryPr>
@@ -7731,7 +7731,7 @@
                                 <m:sSubPr>
                                   <m:ctrlPr>
                                     <a:rPr lang="en-US" b="0" i="1" smtClean="0">
-                                      <a:latin typeface="Cambria Math" panose="02040503050406030204" pitchFamily="18" charset="0"/>
+                                      <a:latin typeface="Cambria Math"/>
                                     </a:rPr>
                                   </m:ctrlPr>
                                 </m:sSubPr>
@@ -7758,7 +7758,7 @@
                                 <m:sSubPr>
                                   <m:ctrlPr>
                                     <a:rPr lang="en-US" b="0" i="1" smtClean="0">
-                                      <a:latin typeface="Cambria Math" panose="02040503050406030204" pitchFamily="18" charset="0"/>
+                                      <a:latin typeface="Cambria Math"/>
                                     </a:rPr>
                                   </m:ctrlPr>
                                 </m:sSubPr>
@@ -7783,7 +7783,7 @@
                                 <m:sSubPr>
                                   <m:ctrlPr>
                                     <a:rPr lang="en-US" b="0" i="1" smtClean="0">
-                                      <a:latin typeface="Cambria Math" panose="02040503050406030204" pitchFamily="18" charset="0"/>
+                                      <a:latin typeface="Cambria Math"/>
                                     </a:rPr>
                                   </m:ctrlPr>
                                 </m:sSubPr>
@@ -7808,7 +7808,7 @@
                                 <m:sSupPr>
                                   <m:ctrlPr>
                                     <a:rPr lang="en-US" b="0" i="1" smtClean="0">
-                                      <a:latin typeface="Cambria Math" panose="02040503050406030204" pitchFamily="18" charset="0"/>
+                                      <a:latin typeface="Cambria Math"/>
                                     </a:rPr>
                                   </m:ctrlPr>
                                 </m:sSupPr>
@@ -7818,7 +7818,7 @@
                                       <m:chr m:val="̅"/>
                                       <m:ctrlPr>
                                         <a:rPr lang="en-US" i="1">
-                                          <a:latin typeface="Cambria Math" panose="02040503050406030204" pitchFamily="18" charset="0"/>
+                                          <a:latin typeface="Cambria Math"/>
                                         </a:rPr>
                                       </m:ctrlPr>
                                     </m:accPr>
@@ -8158,7 +8158,7 @@
                         <m:sSupPr>
                           <m:ctrlPr>
                             <a:rPr lang="en-US" i="1" smtClean="0">
-                              <a:latin typeface="Cambria Math" panose="02040503050406030204" pitchFamily="18" charset="0"/>
+                              <a:latin typeface="Cambria Math"/>
                             </a:rPr>
                           </m:ctrlPr>
                         </m:sSupPr>
@@ -8189,7 +8189,7 @@
                         <m:fPr>
                           <m:ctrlPr>
                             <a:rPr lang="en-US" b="0" i="1" smtClean="0">
-                              <a:latin typeface="Cambria Math" panose="02040503050406030204" pitchFamily="18" charset="0"/>
+                              <a:latin typeface="Cambria Math"/>
                             </a:rPr>
                           </m:ctrlPr>
                         </m:fPr>
@@ -8215,7 +8215,7 @@
                           <m:chr m:val="∑"/>
                           <m:ctrlPr>
                             <a:rPr lang="en-US" b="0" i="1" smtClean="0">
-                              <a:latin typeface="Cambria Math" panose="02040503050406030204" pitchFamily="18" charset="0"/>
+                              <a:latin typeface="Cambria Math"/>
                             </a:rPr>
                           </m:ctrlPr>
                         </m:naryPr>
@@ -8238,7 +8238,7 @@
                             <m:sSubPr>
                               <m:ctrlPr>
                                 <a:rPr lang="en-US" b="0" i="1" smtClean="0">
-                                  <a:latin typeface="Cambria Math" panose="02040503050406030204" pitchFamily="18" charset="0"/>
+                                  <a:latin typeface="Cambria Math"/>
                                 </a:rPr>
                               </m:ctrlPr>
                             </m:sSubPr>
@@ -8266,7 +8266,7 @@
                               <m:chr m:val="∑"/>
                               <m:ctrlPr>
                                 <a:rPr lang="en-US" b="0" i="1" smtClean="0">
-                                  <a:latin typeface="Cambria Math" panose="02040503050406030204" pitchFamily="18" charset="0"/>
+                                  <a:latin typeface="Cambria Math"/>
                                 </a:rPr>
                               </m:ctrlPr>
                             </m:naryPr>
@@ -8289,7 +8289,7 @@
                                 <m:sSubPr>
                                   <m:ctrlPr>
                                     <a:rPr lang="en-US" b="0" i="1" smtClean="0">
-                                      <a:latin typeface="Cambria Math" panose="02040503050406030204" pitchFamily="18" charset="0"/>
+                                      <a:latin typeface="Cambria Math"/>
                                     </a:rPr>
                                   </m:ctrlPr>
                                 </m:sSubPr>
@@ -8316,7 +8316,7 @@
                                 <m:sSubPr>
                                   <m:ctrlPr>
                                     <a:rPr lang="en-US" b="0" i="1" smtClean="0">
-                                      <a:latin typeface="Cambria Math" panose="02040503050406030204" pitchFamily="18" charset="0"/>
+                                      <a:latin typeface="Cambria Math"/>
                                     </a:rPr>
                                   </m:ctrlPr>
                                 </m:sSubPr>
@@ -8341,7 +8341,7 @@
                                 <m:sSubPr>
                                   <m:ctrlPr>
                                     <a:rPr lang="en-US" b="0" i="1" smtClean="0">
-                                      <a:latin typeface="Cambria Math" panose="02040503050406030204" pitchFamily="18" charset="0"/>
+                                      <a:latin typeface="Cambria Math"/>
                                     </a:rPr>
                                   </m:ctrlPr>
                                 </m:sSubPr>
@@ -8366,7 +8366,7 @@
                                 <m:sSupPr>
                                   <m:ctrlPr>
                                     <a:rPr lang="en-US" b="0" i="1" smtClean="0">
-                                      <a:latin typeface="Cambria Math" panose="02040503050406030204" pitchFamily="18" charset="0"/>
+                                      <a:latin typeface="Cambria Math"/>
                                     </a:rPr>
                                   </m:ctrlPr>
                                 </m:sSupPr>
@@ -8403,7 +8403,7 @@
                                 <m:sSupPr>
                                   <m:ctrlPr>
                                     <a:rPr lang="en-US" b="0" i="1" smtClean="0">
-                                      <a:latin typeface="Cambria Math" panose="02040503050406030204" pitchFamily="18" charset="0"/>
+                                      <a:latin typeface="Cambria Math"/>
                                     </a:rPr>
                                   </m:ctrlPr>
                                 </m:sSupPr>
@@ -8466,7 +8466,7 @@
                           <m:chr m:val="̅"/>
                           <m:ctrlPr>
                             <a:rPr lang="en-US" i="1" smtClean="0">
-                              <a:latin typeface="Cambria Math" panose="02040503050406030204" pitchFamily="18" charset="0"/>
+                              <a:latin typeface="Cambria Math"/>
                             </a:rPr>
                           </m:ctrlPr>
                         </m:accPr>
@@ -8489,7 +8489,7 @@
                         <m:sSupPr>
                           <m:ctrlPr>
                             <a:rPr lang="en-US" b="0" i="1" smtClean="0">
-                              <a:latin typeface="Cambria Math" panose="02040503050406030204" pitchFamily="18" charset="0"/>
+                              <a:latin typeface="Cambria Math"/>
                             </a:rPr>
                           </m:ctrlPr>
                         </m:sSupPr>
@@ -8515,7 +8515,7 @@
                           <m:chr m:val="̅"/>
                           <m:ctrlPr>
                             <a:rPr lang="en-US" b="0" i="1" smtClean="0">
-                              <a:latin typeface="Cambria Math" panose="02040503050406030204" pitchFamily="18" charset="0"/>
+                              <a:latin typeface="Cambria Math"/>
                             </a:rPr>
                           </m:ctrlPr>
                         </m:accPr>
@@ -8703,7 +8703,7 @@
                         <m:sSupPr>
                           <m:ctrlPr>
                             <a:rPr lang="en-US" sz="2400" i="1" smtClean="0">
-                              <a:latin typeface="Cambria Math" panose="02040503050406030204" pitchFamily="18" charset="0"/>
+                              <a:latin typeface="Cambria Math"/>
                             </a:rPr>
                           </m:ctrlPr>
                         </m:sSupPr>
@@ -8736,7 +8736,7 @@
                           <m:endChr m:val="]"/>
                           <m:ctrlPr>
                             <a:rPr lang="en-US" sz="2400" b="0" i="1" smtClean="0">
-                              <a:latin typeface="Cambria Math" panose="02040503050406030204" pitchFamily="18" charset="0"/>
+                              <a:latin typeface="Cambria Math"/>
                             </a:rPr>
                           </m:ctrlPr>
                         </m:dPr>
@@ -8753,7 +8753,7 @@
                               </m:mcs>
                               <m:ctrlPr>
                                 <a:rPr lang="en-US" sz="2400" b="0" i="1" smtClean="0">
-                                  <a:latin typeface="Cambria Math" panose="02040503050406030204" pitchFamily="18" charset="0"/>
+                                  <a:latin typeface="Cambria Math"/>
                                 </a:rPr>
                               </m:ctrlPr>
                             </m:mPr>
@@ -8771,7 +8771,7 @@
                                     </m:mcs>
                                     <m:ctrlPr>
                                       <a:rPr lang="en-US" sz="2400" b="0" i="1" smtClean="0">
-                                        <a:latin typeface="Cambria Math" panose="02040503050406030204" pitchFamily="18" charset="0"/>
+                                        <a:latin typeface="Cambria Math"/>
                                       </a:rPr>
                                     </m:ctrlPr>
                                   </m:mPr>
@@ -8781,7 +8781,7 @@
                                         <m:sSubPr>
                                           <m:ctrlPr>
                                             <a:rPr lang="en-US" sz="2400" b="0" i="1" smtClean="0">
-                                              <a:latin typeface="Cambria Math" panose="02040503050406030204" pitchFamily="18" charset="0"/>
+                                              <a:latin typeface="Cambria Math"/>
                                             </a:rPr>
                                           </m:ctrlPr>
                                         </m:sSubPr>
@@ -8808,7 +8808,7 @@
                                         <m:sSubPr>
                                           <m:ctrlPr>
                                             <a:rPr lang="en-US" sz="2400" i="1">
-                                              <a:latin typeface="Cambria Math" panose="02040503050406030204" pitchFamily="18" charset="0"/>
+                                              <a:latin typeface="Cambria Math"/>
                                             </a:rPr>
                                           </m:ctrlPr>
                                         </m:sSubPr>
@@ -8835,7 +8835,7 @@
                                         <m:sSubPr>
                                           <m:ctrlPr>
                                             <a:rPr lang="en-US" sz="2400" i="1">
-                                              <a:latin typeface="Cambria Math" panose="02040503050406030204" pitchFamily="18" charset="0"/>
+                                              <a:latin typeface="Cambria Math"/>
                                             </a:rPr>
                                           </m:ctrlPr>
                                         </m:sSubPr>
@@ -8864,7 +8864,7 @@
                                         <m:sSubPr>
                                           <m:ctrlPr>
                                             <a:rPr lang="en-US" sz="2400" i="1">
-                                              <a:latin typeface="Cambria Math" panose="02040503050406030204" pitchFamily="18" charset="0"/>
+                                              <a:latin typeface="Cambria Math"/>
                                             </a:rPr>
                                           </m:ctrlPr>
                                         </m:sSubPr>
@@ -8891,7 +8891,7 @@
                                         <m:sSubPr>
                                           <m:ctrlPr>
                                             <a:rPr lang="en-US" sz="2400" i="1">
-                                              <a:latin typeface="Cambria Math" panose="02040503050406030204" pitchFamily="18" charset="0"/>
+                                              <a:latin typeface="Cambria Math"/>
                                             </a:rPr>
                                           </m:ctrlPr>
                                         </m:sSubPr>
@@ -8918,7 +8918,7 @@
                                         <m:sSubPr>
                                           <m:ctrlPr>
                                             <a:rPr lang="en-US" sz="2400" i="1">
-                                              <a:latin typeface="Cambria Math" panose="02040503050406030204" pitchFamily="18" charset="0"/>
+                                              <a:latin typeface="Cambria Math"/>
                                             </a:rPr>
                                           </m:ctrlPr>
                                         </m:sSubPr>
@@ -8947,7 +8947,7 @@
                                         <m:sSubPr>
                                           <m:ctrlPr>
                                             <a:rPr lang="en-US" sz="2400" i="1">
-                                              <a:latin typeface="Cambria Math" panose="02040503050406030204" pitchFamily="18" charset="0"/>
+                                              <a:latin typeface="Cambria Math"/>
                                             </a:rPr>
                                           </m:ctrlPr>
                                         </m:sSubPr>
@@ -8974,7 +8974,7 @@
                                         <m:sSubPr>
                                           <m:ctrlPr>
                                             <a:rPr lang="en-US" sz="2400" i="1">
-                                              <a:latin typeface="Cambria Math" panose="02040503050406030204" pitchFamily="18" charset="0"/>
+                                              <a:latin typeface="Cambria Math"/>
                                             </a:rPr>
                                           </m:ctrlPr>
                                         </m:sSubPr>
@@ -9001,7 +9001,7 @@
                                         <m:sSubPr>
                                           <m:ctrlPr>
                                             <a:rPr lang="en-US" sz="2400" i="1">
-                                              <a:latin typeface="Cambria Math" panose="02040503050406030204" pitchFamily="18" charset="0"/>
+                                              <a:latin typeface="Cambria Math"/>
                                             </a:rPr>
                                           </m:ctrlPr>
                                         </m:sSubPr>
@@ -9039,7 +9039,7 @@
                                     </m:mcs>
                                     <m:ctrlPr>
                                       <a:rPr lang="en-US" sz="2400" b="0" i="1" smtClean="0">
-                                        <a:latin typeface="Cambria Math" panose="02040503050406030204" pitchFamily="18" charset="0"/>
+                                        <a:latin typeface="Cambria Math"/>
                                       </a:rPr>
                                     </m:ctrlPr>
                                   </m:mPr>
@@ -9075,7 +9075,7 @@
                                     </m:mcs>
                                     <m:ctrlPr>
                                       <a:rPr lang="en-US" sz="2400" b="0" i="1" smtClean="0">
-                                        <a:latin typeface="Cambria Math" panose="02040503050406030204" pitchFamily="18" charset="0"/>
+                                        <a:latin typeface="Cambria Math"/>
                                       </a:rPr>
                                     </m:ctrlPr>
                                   </m:mPr>
@@ -9109,7 +9109,7 @@
                                     </m:mcs>
                                     <m:ctrlPr>
                                       <a:rPr lang="en-US" sz="2400" b="0" i="1" smtClean="0">
-                                        <a:latin typeface="Cambria Math" panose="02040503050406030204" pitchFamily="18" charset="0"/>
+                                        <a:latin typeface="Cambria Math"/>
                                       </a:rPr>
                                     </m:ctrlPr>
                                   </m:mPr>
@@ -9119,7 +9119,7 @@
                                         <m:sSubPr>
                                           <m:ctrlPr>
                                             <a:rPr lang="en-US" sz="2400" i="1">
-                                              <a:latin typeface="Cambria Math" panose="02040503050406030204" pitchFamily="18" charset="0"/>
+                                              <a:latin typeface="Cambria Math"/>
                                             </a:rPr>
                                           </m:ctrlPr>
                                         </m:sSubPr>
@@ -9151,7 +9151,7 @@
                                         <m:sSubPr>
                                           <m:ctrlPr>
                                             <a:rPr lang="en-US" sz="2400" i="1">
-                                              <a:latin typeface="Cambria Math" panose="02040503050406030204" pitchFamily="18" charset="0"/>
+                                              <a:latin typeface="Cambria Math"/>
                                             </a:rPr>
                                           </m:ctrlPr>
                                         </m:sSubPr>
@@ -9183,7 +9183,7 @@
                                         <m:sSubPr>
                                           <m:ctrlPr>
                                             <a:rPr lang="en-US" sz="2400" i="1">
-                                              <a:latin typeface="Cambria Math" panose="02040503050406030204" pitchFamily="18" charset="0"/>
+                                              <a:latin typeface="Cambria Math"/>
                                             </a:rPr>
                                           </m:ctrlPr>
                                         </m:sSubPr>
@@ -10205,7 +10205,15 @@
           <a:p>
             <a:r>
               <a:rPr lang="en-US" dirty="0" smtClean="0"/>
-              <a:t>The Concentric Cylinder Model (CCM) is used to check the accuracy of the MOC code.</a:t>
+              <a:t>The </a:t>
+            </a:r>
+            <a:r>
+              <a:rPr lang="en-US" dirty="0" smtClean="0"/>
+              <a:t>Composite </a:t>
+            </a:r>
+            <a:r>
+              <a:rPr lang="en-US" dirty="0" smtClean="0"/>
+              <a:t>Cylinder Model (CCM) is used to check the accuracy of the MOC code.</a:t>
             </a:r>
           </a:p>
           <a:p>
@@ -10252,7 +10260,7 @@
             <p:ph sz="half" idx="2"/>
             <p:extLst>
               <p:ext uri="{D42A27DB-BD31-4B8C-83A1-F6EECF244321}">
-                <p14:modId xmlns:p14="http://schemas.microsoft.com/office/powerpoint/2010/main" val="3837724304"/>
+                <p14:modId xmlns:p14="http://schemas.microsoft.com/office/powerpoint/2010/main" val="1481600189"/>
               </p:ext>
             </p:extLst>
           </p:nvPr>
@@ -12008,15 +12016,22 @@
                     <a:p>
                       <a:pPr algn="l" fontAlgn="b"/>
                       <a:r>
-                        <a:rPr lang="en-US" sz="1600" b="0" i="0" u="none" strike="noStrike">
+                        <a:rPr lang="en-US" sz="1600" b="0" i="0" u="none" strike="noStrike" dirty="0" smtClean="0">
                           <a:solidFill>
                             <a:srgbClr val="000000"/>
                           </a:solidFill>
                           <a:effectLst/>
                           <a:latin typeface="Calibri" panose="020F0502020204030204" pitchFamily="34" charset="0"/>
                         </a:rPr>
-                        <a:t>v23</a:t>
-                      </a:r>
+                        <a:t>ν23</a:t>
+                      </a:r>
+                      <a:endParaRPr lang="en-US" sz="1600" b="0" i="0" u="none" strike="noStrike" dirty="0">
+                        <a:solidFill>
+                          <a:srgbClr val="000000"/>
+                        </a:solidFill>
+                        <a:effectLst/>
+                        <a:latin typeface="Calibri" panose="020F0502020204030204" pitchFamily="34" charset="0"/>
+                      </a:endParaRPr>
                     </a:p>
                   </a:txBody>
                   <a:tcPr marL="6686" marR="6686" marT="6686" marB="0" anchor="b">
@@ -12328,15 +12343,32 @@
                     <a:p>
                       <a:pPr algn="l" fontAlgn="b"/>
                       <a:r>
-                        <a:rPr lang="en-US" sz="1600" b="0" i="0" u="none" strike="noStrike">
+                        <a:rPr lang="el-GR" sz="1600" b="0" i="0" u="none" strike="noStrike" dirty="0" smtClean="0">
                           <a:solidFill>
                             <a:srgbClr val="000000"/>
                           </a:solidFill>
                           <a:effectLst/>
                           <a:latin typeface="Calibri" panose="020F0502020204030204" pitchFamily="34" charset="0"/>
                         </a:rPr>
-                        <a:t>v12</a:t>
-                      </a:r>
+                        <a:t>Ν</a:t>
+                      </a:r>
+                      <a:r>
+                        <a:rPr lang="en-US" sz="1600" b="0" i="0" u="none" strike="noStrike" dirty="0" smtClean="0">
+                          <a:solidFill>
+                            <a:srgbClr val="000000"/>
+                          </a:solidFill>
+                          <a:effectLst/>
+                          <a:latin typeface="Calibri" panose="020F0502020204030204" pitchFamily="34" charset="0"/>
+                        </a:rPr>
+                        <a:t>12</a:t>
+                      </a:r>
+                      <a:endParaRPr lang="en-US" sz="1600" b="0" i="0" u="none" strike="noStrike" dirty="0">
+                        <a:solidFill>
+                          <a:srgbClr val="000000"/>
+                        </a:solidFill>
+                        <a:effectLst/>
+                        <a:latin typeface="Calibri" panose="020F0502020204030204" pitchFamily="34" charset="0"/>
+                      </a:endParaRPr>
                     </a:p>
                   </a:txBody>
                   <a:tcPr marL="6686" marR="6686" marT="6686" marB="0" anchor="b">
@@ -13101,7 +13133,11 @@
           <a:p>
             <a:r>
               <a:rPr lang="en-US" b="1" dirty="0" smtClean="0"/>
-              <a:t>Test Case: Interphase</a:t>
+              <a:t>Test Case: </a:t>
+            </a:r>
+            <a:r>
+              <a:rPr lang="en-US" b="1" dirty="0" smtClean="0"/>
+              <a:t>Cell Biasing</a:t>
             </a:r>
             <a:endParaRPr lang="en-US" b="1" dirty="0"/>
           </a:p>
@@ -13326,13 +13362,7 @@
                         <a:rPr lang="en-US" sz="1000" dirty="0" smtClean="0">
                           <a:effectLst/>
                         </a:rPr>
-                        <a:t>E11 </a:t>
-                      </a:r>
-                      <a:r>
-                        <a:rPr lang="en-US" sz="1000" dirty="0" smtClean="0">
-                          <a:effectLst/>
-                        </a:rPr>
-                        <a:t>(</a:t>
+                        <a:t>E11 (</a:t>
                       </a:r>
                       <a:r>
                         <a:rPr lang="en-US" sz="1000" dirty="0" err="1" smtClean="0">
@@ -13540,13 +13570,7 @@
                         <a:rPr lang="en-US" sz="1000" dirty="0" smtClean="0">
                           <a:effectLst/>
                         </a:rPr>
-                        <a:t>G12 </a:t>
-                      </a:r>
-                      <a:r>
-                        <a:rPr lang="en-US" sz="1000" dirty="0" smtClean="0">
-                          <a:effectLst/>
-                        </a:rPr>
-                        <a:t>(</a:t>
+                        <a:t>G12 (</a:t>
                       </a:r>
                       <a:r>
                         <a:rPr lang="en-US" sz="1000" dirty="0" err="1" smtClean="0">
@@ -13656,13 +13680,7 @@
                         <a:rPr lang="en-US" sz="1000" dirty="0" smtClean="0">
                           <a:effectLst/>
                         </a:rPr>
-                        <a:t>K23 </a:t>
-                      </a:r>
-                      <a:r>
-                        <a:rPr lang="en-US" sz="1000" dirty="0" smtClean="0">
-                          <a:effectLst/>
-                        </a:rPr>
-                        <a:t>(</a:t>
+                        <a:t>K23 (</a:t>
                       </a:r>
                       <a:r>
                         <a:rPr lang="en-US" sz="1000" dirty="0" err="1" smtClean="0">
@@ -13882,13 +13900,7 @@
                         <a:rPr lang="en-US" sz="1000" dirty="0" smtClean="0">
                           <a:effectLst/>
                         </a:rPr>
-                        <a:t>E22 </a:t>
-                      </a:r>
-                      <a:r>
-                        <a:rPr lang="en-US" sz="1000" dirty="0" smtClean="0">
-                          <a:effectLst/>
-                        </a:rPr>
-                        <a:t>(</a:t>
+                        <a:t>E22 (</a:t>
                       </a:r>
                       <a:r>
                         <a:rPr lang="en-US" sz="1000" dirty="0" err="1" smtClean="0">
@@ -14285,7 +14297,7 @@
     </a:clrScheme>
     <a:fontScheme name="Office">
       <a:majorFont>
-        <a:latin typeface="Calibri Light" panose="020F0302020204030204"/>
+        <a:latin typeface="Calibri Light"/>
         <a:ea typeface=""/>
         <a:cs typeface=""/>
         <a:font script="Jpan" typeface="ＭＳ Ｐゴシック"/>
@@ -14320,7 +14332,7 @@
         <a:font script="Geor" typeface="Sylfaen"/>
       </a:majorFont>
       <a:minorFont>
-        <a:latin typeface="Calibri" panose="020F0502020204030204"/>
+        <a:latin typeface="Calibri"/>
         <a:ea typeface=""/>
         <a:cs typeface=""/>
         <a:font script="Jpan" typeface="ＭＳ Ｐゴシック"/>
@@ -14497,7 +14509,7 @@
   <a:extraClrSchemeLst/>
   <a:extLst>
     <a:ext uri="{05A4C25C-085E-4340-85A3-A5531E510DB2}">
-      <thm15:themeFamily xmlns:thm15="http://schemas.microsoft.com/office/thememl/2012/main" name="Office Theme" id="{62F939B6-93AF-4DB8-9C6B-D6C7DFDC589F}" vid="{4A3C46E8-61CC-4603-A589-7422A47A8E4A}"/>
+      <thm15:themeFamily xmlns:thm15="http://schemas.microsoft.com/office/thememl/2012/main" xmlns="" name="Office Theme" id="{62F939B6-93AF-4DB8-9C6B-D6C7DFDC589F}" vid="{4A3C46E8-61CC-4603-A589-7422A47A8E4A}"/>
     </a:ext>
   </a:extLst>
 </a:theme>
@@ -14546,7 +14558,7 @@
     </a:clrScheme>
     <a:fontScheme name="Office">
       <a:majorFont>
-        <a:latin typeface="Calibri Light" panose="020F0302020204030204"/>
+        <a:latin typeface="Calibri Light"/>
         <a:ea typeface=""/>
         <a:cs typeface=""/>
         <a:font script="Jpan" typeface="ＭＳ Ｐゴシック"/>
@@ -14581,7 +14593,7 @@
         <a:font script="Geor" typeface="Sylfaen"/>
       </a:majorFont>
       <a:minorFont>
-        <a:latin typeface="Calibri" panose="020F0502020204030204"/>
+        <a:latin typeface="Calibri"/>
         <a:ea typeface=""/>
         <a:cs typeface=""/>
         <a:font script="Jpan" typeface="ＭＳ Ｐゴシック"/>
@@ -14758,7 +14770,7 @@
   <a:extraClrSchemeLst/>
   <a:extLst>
     <a:ext uri="{05A4C25C-085E-4340-85A3-A5531E510DB2}">
-      <thm15:themeFamily xmlns:thm15="http://schemas.microsoft.com/office/thememl/2012/main" name="Office Theme" id="{62F939B6-93AF-4DB8-9C6B-D6C7DFDC589F}" vid="{4A3C46E8-61CC-4603-A589-7422A47A8E4A}"/>
+      <thm15:themeFamily xmlns:thm15="http://schemas.microsoft.com/office/thememl/2012/main" xmlns="" name="Office Theme" id="{62F939B6-93AF-4DB8-9C6B-D6C7DFDC589F}" vid="{4A3C46E8-61CC-4603-A589-7422A47A8E4A}"/>
     </a:ext>
   </a:extLst>
 </a:theme>
@@ -14807,7 +14819,7 @@
     </a:clrScheme>
     <a:fontScheme name="Office">
       <a:majorFont>
-        <a:latin typeface="Calibri Light" panose="020F0302020204030204"/>
+        <a:latin typeface="Calibri Light"/>
         <a:ea typeface=""/>
         <a:cs typeface=""/>
         <a:font script="Jpan" typeface="ＭＳ Ｐゴシック"/>
@@ -14842,7 +14854,7 @@
         <a:font script="Geor" typeface="Sylfaen"/>
       </a:majorFont>
       <a:minorFont>
-        <a:latin typeface="Calibri" panose="020F0502020204030204"/>
+        <a:latin typeface="Calibri"/>
         <a:ea typeface=""/>
         <a:cs typeface=""/>
         <a:font script="Jpan" typeface="ＭＳ Ｐゴシック"/>
@@ -15019,7 +15031,7 @@
   <a:extraClrSchemeLst/>
   <a:extLst>
     <a:ext uri="{05A4C25C-085E-4340-85A3-A5531E510DB2}">
-      <thm15:themeFamily xmlns:thm15="http://schemas.microsoft.com/office/thememl/2012/main" name="Office Theme" id="{62F939B6-93AF-4DB8-9C6B-D6C7DFDC589F}" vid="{4A3C46E8-61CC-4603-A589-7422A47A8E4A}"/>
+      <thm15:themeFamily xmlns:thm15="http://schemas.microsoft.com/office/thememl/2012/main" xmlns="" name="Office Theme" id="{62F939B6-93AF-4DB8-9C6B-D6C7DFDC589F}" vid="{4A3C46E8-61CC-4603-A589-7422A47A8E4A}"/>
     </a:ext>
   </a:extLst>
 </a:theme>

--- a/Generalized Method of Cells (08-01-2014).pptx
+++ b/Generalized Method of Cells (08-01-2014).pptx
@@ -5,10 +5,10 @@
     <p:sldMasterId id="2147483648" r:id="rId1"/>
   </p:sldMasterIdLst>
   <p:notesMasterIdLst>
-    <p:notesMasterId r:id="rId16"/>
+    <p:notesMasterId r:id="rId19"/>
   </p:notesMasterIdLst>
   <p:handoutMasterIdLst>
-    <p:handoutMasterId r:id="rId17"/>
+    <p:handoutMasterId r:id="rId20"/>
   </p:handoutMasterIdLst>
   <p:sldIdLst>
     <p:sldId id="256" r:id="rId2"/>
@@ -23,8 +23,11 @@
     <p:sldId id="266" r:id="rId11"/>
     <p:sldId id="267" r:id="rId12"/>
     <p:sldId id="270" r:id="rId13"/>
-    <p:sldId id="268" r:id="rId14"/>
-    <p:sldId id="269" r:id="rId15"/>
+    <p:sldId id="271" r:id="rId14"/>
+    <p:sldId id="272" r:id="rId15"/>
+    <p:sldId id="273" r:id="rId16"/>
+    <p:sldId id="268" r:id="rId17"/>
+    <p:sldId id="269" r:id="rId18"/>
   </p:sldIdLst>
   <p:sldSz cx="12192000" cy="6858000"/>
   <p:notesSz cx="6985000" cy="9283700"/>
@@ -5601,6 +5604,454 @@
           <a:lstStyle/>
           <a:p>
             <a:r>
+              <a:rPr lang="en-US" dirty="0" smtClean="0"/>
+              <a:t>Why Fortran?</a:t>
+            </a:r>
+            <a:endParaRPr lang="en-US" dirty="0"/>
+          </a:p>
+        </p:txBody>
+      </p:sp>
+      <p:sp>
+        <p:nvSpPr>
+          <p:cNvPr id="3" name="Content Placeholder 2"/>
+          <p:cNvSpPr>
+            <a:spLocks noGrp="1"/>
+          </p:cNvSpPr>
+          <p:nvPr>
+            <p:ph idx="1"/>
+          </p:nvPr>
+        </p:nvSpPr>
+        <p:spPr/>
+        <p:txBody>
+          <a:bodyPr/>
+          <a:lstStyle/>
+          <a:p>
+            <a:pPr marL="0" indent="0">
+              <a:buNone/>
+            </a:pPr>
+            <a:r>
+              <a:rPr lang="en-US" dirty="0" smtClean="0"/>
+              <a:t>We simplified the </a:t>
+            </a:r>
+            <a:r>
+              <a:rPr lang="en-US" dirty="0" err="1" smtClean="0"/>
+              <a:t>Matlab</a:t>
+            </a:r>
+            <a:r>
+              <a:rPr lang="en-US" dirty="0" smtClean="0"/>
+              <a:t> code so that it could be used with Fortran</a:t>
+            </a:r>
+          </a:p>
+          <a:p>
+            <a:r>
+              <a:rPr lang="en-US" dirty="0" smtClean="0"/>
+              <a:t>Faster processing</a:t>
+            </a:r>
+          </a:p>
+          <a:p>
+            <a:r>
+              <a:rPr lang="en-US" dirty="0" smtClean="0"/>
+              <a:t>Compiling</a:t>
+            </a:r>
+          </a:p>
+          <a:p>
+            <a:r>
+              <a:rPr lang="en-US" dirty="0" smtClean="0"/>
+              <a:t>Ability to work with </a:t>
+            </a:r>
+            <a:r>
+              <a:rPr lang="en-US" dirty="0" err="1" smtClean="0"/>
+              <a:t>Abaqus</a:t>
+            </a:r>
+            <a:endParaRPr lang="en-US" dirty="0" smtClean="0"/>
+          </a:p>
+          <a:p>
+            <a:pPr marL="0" indent="0">
+              <a:buNone/>
+            </a:pPr>
+            <a:endParaRPr lang="en-US" dirty="0"/>
+          </a:p>
+        </p:txBody>
+      </p:sp>
+      <p:sp>
+        <p:nvSpPr>
+          <p:cNvPr id="4" name="Slide Number Placeholder 3"/>
+          <p:cNvSpPr>
+            <a:spLocks noGrp="1"/>
+          </p:cNvSpPr>
+          <p:nvPr>
+            <p:ph type="sldNum" sz="quarter" idx="12"/>
+          </p:nvPr>
+        </p:nvSpPr>
+        <p:spPr/>
+        <p:txBody>
+          <a:bodyPr/>
+          <a:lstStyle/>
+          <a:p>
+            <a:fld id="{3C34C07B-8F94-49B6-B743-70BD1DFD034D}" type="slidenum">
+              <a:rPr lang="en-US" smtClean="0"/>
+              <a:t>13</a:t>
+            </a:fld>
+            <a:endParaRPr lang="en-US"/>
+          </a:p>
+        </p:txBody>
+      </p:sp>
+    </p:spTree>
+    <p:extLst>
+      <p:ext uri="{BB962C8B-B14F-4D97-AF65-F5344CB8AC3E}">
+        <p14:creationId xmlns:p14="http://schemas.microsoft.com/office/powerpoint/2010/main" val="456094021"/>
+      </p:ext>
+    </p:extLst>
+  </p:cSld>
+  <p:clrMapOvr>
+    <a:masterClrMapping/>
+  </p:clrMapOvr>
+</p:sld>
+</file>
+
+<file path=ppt/slides/slide14.xml><?xml version="1.0" encoding="utf-8"?>
+<p:sld xmlns:a="http://schemas.openxmlformats.org/drawingml/2006/main" xmlns:r="http://schemas.openxmlformats.org/officeDocument/2006/relationships" xmlns:p="http://schemas.openxmlformats.org/presentationml/2006/main">
+  <p:cSld>
+    <p:spTree>
+      <p:nvGrpSpPr>
+        <p:cNvPr id="1" name=""/>
+        <p:cNvGrpSpPr/>
+        <p:nvPr/>
+      </p:nvGrpSpPr>
+      <p:grpSpPr>
+        <a:xfrm>
+          <a:off x="0" y="0"/>
+          <a:ext cx="0" cy="0"/>
+          <a:chOff x="0" y="0"/>
+          <a:chExt cx="0" cy="0"/>
+        </a:xfrm>
+      </p:grpSpPr>
+      <p:sp>
+        <p:nvSpPr>
+          <p:cNvPr id="2" name="Title 1"/>
+          <p:cNvSpPr>
+            <a:spLocks noGrp="1"/>
+          </p:cNvSpPr>
+          <p:nvPr>
+            <p:ph type="title"/>
+          </p:nvPr>
+        </p:nvSpPr>
+        <p:spPr/>
+        <p:txBody>
+          <a:bodyPr/>
+          <a:lstStyle/>
+          <a:p>
+            <a:r>
+              <a:rPr lang="en-US" dirty="0" smtClean="0"/>
+              <a:t>Limitations</a:t>
+            </a:r>
+            <a:endParaRPr lang="en-US" dirty="0"/>
+          </a:p>
+        </p:txBody>
+      </p:sp>
+      <p:sp>
+        <p:nvSpPr>
+          <p:cNvPr id="3" name="Content Placeholder 2"/>
+          <p:cNvSpPr>
+            <a:spLocks noGrp="1"/>
+          </p:cNvSpPr>
+          <p:nvPr>
+            <p:ph idx="1"/>
+          </p:nvPr>
+        </p:nvSpPr>
+        <p:spPr/>
+        <p:txBody>
+          <a:bodyPr/>
+          <a:lstStyle/>
+          <a:p>
+            <a:r>
+              <a:rPr lang="en-US" dirty="0" smtClean="0"/>
+              <a:t>Only two materials are currently possible</a:t>
+            </a:r>
+          </a:p>
+          <a:p>
+            <a:pPr lvl="1"/>
+            <a:r>
+              <a:rPr lang="en-US" dirty="0" smtClean="0"/>
+              <a:t>Transversely isotropic fiber</a:t>
+            </a:r>
+          </a:p>
+          <a:p>
+            <a:pPr lvl="1"/>
+            <a:r>
+              <a:rPr lang="en-US" dirty="0" smtClean="0"/>
+              <a:t>Isotropic matrix</a:t>
+            </a:r>
+          </a:p>
+          <a:p>
+            <a:r>
+              <a:rPr lang="en-US" dirty="0" smtClean="0"/>
+              <a:t>No </a:t>
+            </a:r>
+            <a:r>
+              <a:rPr lang="en-US" dirty="0" err="1"/>
+              <a:t>M</a:t>
+            </a:r>
+            <a:r>
+              <a:rPr lang="en-US" dirty="0" err="1" smtClean="0"/>
+              <a:t>atlab</a:t>
+            </a:r>
+            <a:r>
+              <a:rPr lang="en-US" dirty="0" smtClean="0"/>
+              <a:t> plots</a:t>
+            </a:r>
+          </a:p>
+          <a:p>
+            <a:r>
+              <a:rPr lang="en-US" dirty="0" smtClean="0"/>
+              <a:t>No built in architectures, they must be user defined</a:t>
+            </a:r>
+          </a:p>
+          <a:p>
+            <a:r>
+              <a:rPr lang="en-US" dirty="0" smtClean="0"/>
+              <a:t>The stiffness matrix is the only output</a:t>
+            </a:r>
+          </a:p>
+        </p:txBody>
+      </p:sp>
+      <p:sp>
+        <p:nvSpPr>
+          <p:cNvPr id="4" name="Slide Number Placeholder 3"/>
+          <p:cNvSpPr>
+            <a:spLocks noGrp="1"/>
+          </p:cNvSpPr>
+          <p:nvPr>
+            <p:ph type="sldNum" sz="quarter" idx="12"/>
+          </p:nvPr>
+        </p:nvSpPr>
+        <p:spPr/>
+        <p:txBody>
+          <a:bodyPr/>
+          <a:lstStyle/>
+          <a:p>
+            <a:fld id="{3C34C07B-8F94-49B6-B743-70BD1DFD034D}" type="slidenum">
+              <a:rPr lang="en-US" smtClean="0"/>
+              <a:t>14</a:t>
+            </a:fld>
+            <a:endParaRPr lang="en-US"/>
+          </a:p>
+        </p:txBody>
+      </p:sp>
+    </p:spTree>
+    <p:extLst>
+      <p:ext uri="{BB962C8B-B14F-4D97-AF65-F5344CB8AC3E}">
+        <p14:creationId xmlns:p14="http://schemas.microsoft.com/office/powerpoint/2010/main" val="76998257"/>
+      </p:ext>
+    </p:extLst>
+  </p:cSld>
+  <p:clrMapOvr>
+    <a:masterClrMapping/>
+  </p:clrMapOvr>
+</p:sld>
+</file>
+
+<file path=ppt/slides/slide15.xml><?xml version="1.0" encoding="utf-8"?>
+<p:sld xmlns:a="http://schemas.openxmlformats.org/drawingml/2006/main" xmlns:r="http://schemas.openxmlformats.org/officeDocument/2006/relationships" xmlns:p="http://schemas.openxmlformats.org/presentationml/2006/main">
+  <p:cSld>
+    <p:spTree>
+      <p:nvGrpSpPr>
+        <p:cNvPr id="1" name=""/>
+        <p:cNvGrpSpPr/>
+        <p:nvPr/>
+      </p:nvGrpSpPr>
+      <p:grpSpPr>
+        <a:xfrm>
+          <a:off x="0" y="0"/>
+          <a:ext cx="0" cy="0"/>
+          <a:chOff x="0" y="0"/>
+          <a:chExt cx="0" cy="0"/>
+        </a:xfrm>
+      </p:grpSpPr>
+      <p:sp>
+        <p:nvSpPr>
+          <p:cNvPr id="2" name="Title 1"/>
+          <p:cNvSpPr>
+            <a:spLocks noGrp="1"/>
+          </p:cNvSpPr>
+          <p:nvPr>
+            <p:ph type="title"/>
+          </p:nvPr>
+        </p:nvSpPr>
+        <p:spPr/>
+        <p:txBody>
+          <a:bodyPr/>
+          <a:lstStyle/>
+          <a:p>
+            <a:r>
+              <a:rPr lang="en-US" dirty="0" smtClean="0"/>
+              <a:t>How it works</a:t>
+            </a:r>
+            <a:endParaRPr lang="en-US" dirty="0"/>
+          </a:p>
+        </p:txBody>
+      </p:sp>
+      <p:sp>
+        <p:nvSpPr>
+          <p:cNvPr id="3" name="Content Placeholder 2"/>
+          <p:cNvSpPr>
+            <a:spLocks noGrp="1"/>
+          </p:cNvSpPr>
+          <p:nvPr>
+            <p:ph idx="1"/>
+          </p:nvPr>
+        </p:nvSpPr>
+        <p:spPr/>
+        <p:txBody>
+          <a:bodyPr/>
+          <a:lstStyle/>
+          <a:p>
+            <a:pPr marL="0" indent="0">
+              <a:buNone/>
+            </a:pPr>
+            <a:r>
+              <a:rPr lang="en-US" dirty="0" smtClean="0"/>
+              <a:t>Run the function with input in the command prompt</a:t>
+            </a:r>
+          </a:p>
+          <a:p>
+            <a:pPr marL="0" indent="0">
+              <a:buNone/>
+            </a:pPr>
+            <a:endParaRPr lang="en-US" dirty="0" smtClean="0"/>
+          </a:p>
+          <a:p>
+            <a:pPr marL="0" indent="0">
+              <a:buNone/>
+            </a:pPr>
+            <a:r>
+              <a:rPr lang="en-US" dirty="0" smtClean="0"/>
+              <a:t>The function will output the stiffness matrix</a:t>
+            </a:r>
+          </a:p>
+          <a:p>
+            <a:pPr marL="0" indent="0">
+              <a:buNone/>
+            </a:pPr>
+            <a:endParaRPr lang="en-US" dirty="0"/>
+          </a:p>
+        </p:txBody>
+      </p:sp>
+      <p:sp>
+        <p:nvSpPr>
+          <p:cNvPr id="4" name="Slide Number Placeholder 3"/>
+          <p:cNvSpPr>
+            <a:spLocks noGrp="1"/>
+          </p:cNvSpPr>
+          <p:nvPr>
+            <p:ph type="sldNum" sz="quarter" idx="12"/>
+          </p:nvPr>
+        </p:nvSpPr>
+        <p:spPr/>
+        <p:txBody>
+          <a:bodyPr/>
+          <a:lstStyle/>
+          <a:p>
+            <a:fld id="{3C34C07B-8F94-49B6-B743-70BD1DFD034D}" type="slidenum">
+              <a:rPr lang="en-US" smtClean="0"/>
+              <a:t>15</a:t>
+            </a:fld>
+            <a:endParaRPr lang="en-US"/>
+          </a:p>
+        </p:txBody>
+      </p:sp>
+      <p:pic>
+        <p:nvPicPr>
+          <p:cNvPr id="5" name="Picture 4"/>
+          <p:cNvPicPr/>
+          <p:nvPr/>
+        </p:nvPicPr>
+        <p:blipFill>
+          <a:blip r:embed="rId2"/>
+          <a:stretch>
+            <a:fillRect/>
+          </a:stretch>
+        </p:blipFill>
+        <p:spPr>
+          <a:xfrm>
+            <a:off x="1385047" y="2352545"/>
+            <a:ext cx="5943600" cy="419735"/>
+          </a:xfrm>
+          <a:prstGeom prst="rect">
+            <a:avLst/>
+          </a:prstGeom>
+        </p:spPr>
+      </p:pic>
+      <p:pic>
+        <p:nvPicPr>
+          <p:cNvPr id="6" name="Picture 5"/>
+          <p:cNvPicPr>
+            <a:picLocks noChangeAspect="1"/>
+          </p:cNvPicPr>
+          <p:nvPr/>
+        </p:nvPicPr>
+        <p:blipFill>
+          <a:blip r:embed="rId3"/>
+          <a:stretch>
+            <a:fillRect/>
+          </a:stretch>
+        </p:blipFill>
+        <p:spPr>
+          <a:xfrm>
+            <a:off x="1385047" y="3392139"/>
+            <a:ext cx="7017871" cy="2123128"/>
+          </a:xfrm>
+          <a:prstGeom prst="rect">
+            <a:avLst/>
+          </a:prstGeom>
+        </p:spPr>
+      </p:pic>
+    </p:spTree>
+    <p:extLst>
+      <p:ext uri="{BB962C8B-B14F-4D97-AF65-F5344CB8AC3E}">
+        <p14:creationId xmlns:p14="http://schemas.microsoft.com/office/powerpoint/2010/main" val="3556641667"/>
+      </p:ext>
+    </p:extLst>
+  </p:cSld>
+  <p:clrMapOvr>
+    <a:masterClrMapping/>
+  </p:clrMapOvr>
+</p:sld>
+</file>
+
+<file path=ppt/slides/slide16.xml><?xml version="1.0" encoding="utf-8"?>
+<p:sld xmlns:a="http://schemas.openxmlformats.org/drawingml/2006/main" xmlns:r="http://schemas.openxmlformats.org/officeDocument/2006/relationships" xmlns:p="http://schemas.openxmlformats.org/presentationml/2006/main">
+  <p:cSld>
+    <p:spTree>
+      <p:nvGrpSpPr>
+        <p:cNvPr id="1" name=""/>
+        <p:cNvGrpSpPr/>
+        <p:nvPr/>
+      </p:nvGrpSpPr>
+      <p:grpSpPr>
+        <a:xfrm>
+          <a:off x="0" y="0"/>
+          <a:ext cx="0" cy="0"/>
+          <a:chOff x="0" y="0"/>
+          <a:chExt cx="0" cy="0"/>
+        </a:xfrm>
+      </p:grpSpPr>
+      <p:sp>
+        <p:nvSpPr>
+          <p:cNvPr id="2" name="Title 1"/>
+          <p:cNvSpPr>
+            <a:spLocks noGrp="1"/>
+          </p:cNvSpPr>
+          <p:nvPr>
+            <p:ph type="title"/>
+          </p:nvPr>
+        </p:nvSpPr>
+        <p:spPr/>
+        <p:txBody>
+          <a:bodyPr/>
+          <a:lstStyle/>
+          <a:p>
+            <a:r>
               <a:rPr lang="en-US" b="1" dirty="0" smtClean="0"/>
               <a:t>Further Work</a:t>
             </a:r>
@@ -5674,7 +6125,7 @@
           <a:p>
             <a:fld id="{3C34C07B-8F94-49B6-B743-70BD1DFD034D}" type="slidenum">
               <a:rPr lang="en-US" smtClean="0"/>
-              <a:t>13</a:t>
+              <a:t>16</a:t>
             </a:fld>
             <a:endParaRPr lang="en-US"/>
           </a:p>
@@ -5700,7 +6151,7 @@
 </p:sld>
 </file>
 
-<file path=ppt/slides/slide14.xml><?xml version="1.0" encoding="utf-8"?>
+<file path=ppt/slides/slide17.xml><?xml version="1.0" encoding="utf-8"?>
 <p:sld xmlns:a="http://schemas.openxmlformats.org/drawingml/2006/main" xmlns:r="http://schemas.openxmlformats.org/officeDocument/2006/relationships" xmlns:p="http://schemas.openxmlformats.org/presentationml/2006/main">
   <p:cSld>
     <p:spTree>
@@ -5776,7 +6227,7 @@
           <a:p>
             <a:fld id="{3C34C07B-8F94-49B6-B743-70BD1DFD034D}" type="slidenum">
               <a:rPr lang="en-US" smtClean="0"/>
-              <a:t>14</a:t>
+              <a:t>17</a:t>
             </a:fld>
             <a:endParaRPr lang="en-US"/>
           </a:p>
